--- a/Präsentationen/Zwischen_Präse/Chessmaster_Zwischenpräsentation.pptx
+++ b/Präsentationen/Zwischen_Präse/Chessmaster_Zwischenpräsentation.pptx
@@ -5,7 +5,7 @@
     <p:sldMasterId id="2147483744" r:id="rId4"/>
   </p:sldMasterIdLst>
   <p:notesMasterIdLst>
-    <p:notesMasterId r:id="rId12"/>
+    <p:notesMasterId r:id="rId14"/>
   </p:notesMasterIdLst>
   <p:sldIdLst>
     <p:sldId id="256" r:id="rId5"/>
@@ -13,8 +13,10 @@
     <p:sldId id="258" r:id="rId7"/>
     <p:sldId id="262" r:id="rId8"/>
     <p:sldId id="259" r:id="rId9"/>
-    <p:sldId id="260" r:id="rId10"/>
-    <p:sldId id="261" r:id="rId11"/>
+    <p:sldId id="264" r:id="rId10"/>
+    <p:sldId id="260" r:id="rId11"/>
+    <p:sldId id="263" r:id="rId12"/>
+    <p:sldId id="261" r:id="rId13"/>
   </p:sldIdLst>
   <p:sldSz cx="12192000" cy="6858000"/>
   <p:notesSz cx="6858000" cy="9144000"/>
@@ -128,8 +130,997 @@
         </p15:guide>
       </p15:sldGuideLst>
     </p:ext>
+    <p:ext uri="{2D200454-40CA-4A62-9FC3-DE9A4176ACB9}">
+      <p15:notesGuideLst xmlns:p15="http://schemas.microsoft.com/office/powerpoint/2012/main"/>
+    </p:ext>
   </p:extLst>
 </p:presentation>
+</file>
+
+<file path=ppt/revisionInfo.xml><?xml version="1.0" encoding="utf-8"?>
+<p1510:revInfo xmlns:a="http://schemas.openxmlformats.org/drawingml/2006/main" xmlns:r="http://schemas.openxmlformats.org/officeDocument/2006/relationships" xmlns:p1510="http://schemas.microsoft.com/office/powerpoint/2015/10/main">
+  <p1510:revLst>
+    <p1510:client id="{E7A5B079-1BA6-4760-B851-727E3DF33BC4}" v="21" dt="2020-05-29T10:30:30.939"/>
+  </p1510:revLst>
+</p1510:revInfo>
+</file>
+
+<file path=ppt/changesInfos/changesInfo1.xml><?xml version="1.0" encoding="utf-8"?>
+<pc:chgInfo xmlns:a="http://schemas.openxmlformats.org/drawingml/2006/main" xmlns:r="http://schemas.openxmlformats.org/officeDocument/2006/relationships" xmlns:ac="http://schemas.microsoft.com/office/drawing/2013/main/command" xmlns:pc="http://schemas.microsoft.com/office/powerpoint/2013/main/command">
+  <pc:docChgLst>
+    <pc:chgData name="Thorsten Hilbradt" userId="b76ca37a-0758-4f71-aeb6-b277b8bbbfdd" providerId="ADAL" clId="{E7A5B079-1BA6-4760-B851-727E3DF33BC4}"/>
+    <pc:docChg chg="undo custSel mod addSld delSld modSld sldOrd">
+      <pc:chgData name="Thorsten Hilbradt" userId="b76ca37a-0758-4f71-aeb6-b277b8bbbfdd" providerId="ADAL" clId="{E7A5B079-1BA6-4760-B851-727E3DF33BC4}" dt="2020-05-29T10:34:23.876" v="117" actId="20577"/>
+      <pc:docMkLst>
+        <pc:docMk/>
+      </pc:docMkLst>
+      <pc:sldChg chg="addSp delSp delDesignElem">
+        <pc:chgData name="Thorsten Hilbradt" userId="b76ca37a-0758-4f71-aeb6-b277b8bbbfdd" providerId="ADAL" clId="{E7A5B079-1BA6-4760-B851-727E3DF33BC4}" dt="2020-05-29T07:53:35.752" v="27"/>
+        <pc:sldMkLst>
+          <pc:docMk/>
+          <pc:sldMk cId="3447223317" sldId="256"/>
+        </pc:sldMkLst>
+        <pc:spChg chg="add del">
+          <ac:chgData name="Thorsten Hilbradt" userId="b76ca37a-0758-4f71-aeb6-b277b8bbbfdd" providerId="ADAL" clId="{E7A5B079-1BA6-4760-B851-727E3DF33BC4}" dt="2020-05-29T07:53:35.752" v="27"/>
+          <ac:spMkLst>
+            <pc:docMk/>
+            <pc:sldMk cId="3447223317" sldId="256"/>
+            <ac:spMk id="45" creationId="{EE39DFCF-9247-4DE5-BB93-074BFAF07A3F}"/>
+          </ac:spMkLst>
+        </pc:spChg>
+        <pc:spChg chg="add del">
+          <ac:chgData name="Thorsten Hilbradt" userId="b76ca37a-0758-4f71-aeb6-b277b8bbbfdd" providerId="ADAL" clId="{E7A5B079-1BA6-4760-B851-727E3DF33BC4}" dt="2020-05-29T07:53:35.752" v="27"/>
+          <ac:spMkLst>
+            <pc:docMk/>
+            <pc:sldMk cId="3447223317" sldId="256"/>
+            <ac:spMk id="47" creationId="{442B652E-D499-4CDA-8F7A-60469EDBCBE3}"/>
+          </ac:spMkLst>
+        </pc:spChg>
+        <pc:spChg chg="add del">
+          <ac:chgData name="Thorsten Hilbradt" userId="b76ca37a-0758-4f71-aeb6-b277b8bbbfdd" providerId="ADAL" clId="{E7A5B079-1BA6-4760-B851-727E3DF33BC4}" dt="2020-05-29T07:53:35.752" v="27"/>
+          <ac:spMkLst>
+            <pc:docMk/>
+            <pc:sldMk cId="3447223317" sldId="256"/>
+            <ac:spMk id="49" creationId="{484A22B8-F5B6-47C2-B88E-DADAF379130D}"/>
+          </ac:spMkLst>
+        </pc:spChg>
+        <pc:spChg chg="add del">
+          <ac:chgData name="Thorsten Hilbradt" userId="b76ca37a-0758-4f71-aeb6-b277b8bbbfdd" providerId="ADAL" clId="{E7A5B079-1BA6-4760-B851-727E3DF33BC4}" dt="2020-05-29T07:53:35.752" v="27"/>
+          <ac:spMkLst>
+            <pc:docMk/>
+            <pc:sldMk cId="3447223317" sldId="256"/>
+            <ac:spMk id="51" creationId="{A987C18C-164D-4263-B486-4647A98E888E}"/>
+          </ac:spMkLst>
+        </pc:spChg>
+        <pc:spChg chg="add del">
+          <ac:chgData name="Thorsten Hilbradt" userId="b76ca37a-0758-4f71-aeb6-b277b8bbbfdd" providerId="ADAL" clId="{E7A5B079-1BA6-4760-B851-727E3DF33BC4}" dt="2020-05-29T07:53:35.752" v="27"/>
+          <ac:spMkLst>
+            <pc:docMk/>
+            <pc:sldMk cId="3447223317" sldId="256"/>
+            <ac:spMk id="53" creationId="{E7E98B39-04C6-408B-92FD-76862874063D}"/>
+          </ac:spMkLst>
+        </pc:spChg>
+        <pc:spChg chg="add del">
+          <ac:chgData name="Thorsten Hilbradt" userId="b76ca37a-0758-4f71-aeb6-b277b8bbbfdd" providerId="ADAL" clId="{E7A5B079-1BA6-4760-B851-727E3DF33BC4}" dt="2020-05-29T07:53:35.752" v="27"/>
+          <ac:spMkLst>
+            <pc:docMk/>
+            <pc:sldMk cId="3447223317" sldId="256"/>
+            <ac:spMk id="55" creationId="{981C8C27-2457-421F-BDC4-7B4EA3C78286}"/>
+          </ac:spMkLst>
+        </pc:spChg>
+        <pc:spChg chg="add del">
+          <ac:chgData name="Thorsten Hilbradt" userId="b76ca37a-0758-4f71-aeb6-b277b8bbbfdd" providerId="ADAL" clId="{E7A5B079-1BA6-4760-B851-727E3DF33BC4}" dt="2020-05-29T07:53:35.752" v="27"/>
+          <ac:spMkLst>
+            <pc:docMk/>
+            <pc:sldMk cId="3447223317" sldId="256"/>
+            <ac:spMk id="57" creationId="{CEA13C66-82C1-44AF-972B-8F5CCA41B6D9}"/>
+          </ac:spMkLst>
+        </pc:spChg>
+        <pc:spChg chg="add del">
+          <ac:chgData name="Thorsten Hilbradt" userId="b76ca37a-0758-4f71-aeb6-b277b8bbbfdd" providerId="ADAL" clId="{E7A5B079-1BA6-4760-B851-727E3DF33BC4}" dt="2020-05-29T07:53:35.752" v="27"/>
+          <ac:spMkLst>
+            <pc:docMk/>
+            <pc:sldMk cId="3447223317" sldId="256"/>
+            <ac:spMk id="59" creationId="{9DB36437-FE59-457E-91A7-396BBD3C9C6A}"/>
+          </ac:spMkLst>
+        </pc:spChg>
+        <pc:spChg chg="add del">
+          <ac:chgData name="Thorsten Hilbradt" userId="b76ca37a-0758-4f71-aeb6-b277b8bbbfdd" providerId="ADAL" clId="{E7A5B079-1BA6-4760-B851-727E3DF33BC4}" dt="2020-05-29T07:53:35.752" v="27"/>
+          <ac:spMkLst>
+            <pc:docMk/>
+            <pc:sldMk cId="3447223317" sldId="256"/>
+            <ac:spMk id="61" creationId="{844D3693-2EFE-4667-89D5-47E2D5920912}"/>
+          </ac:spMkLst>
+        </pc:spChg>
+        <pc:spChg chg="add del">
+          <ac:chgData name="Thorsten Hilbradt" userId="b76ca37a-0758-4f71-aeb6-b277b8bbbfdd" providerId="ADAL" clId="{E7A5B079-1BA6-4760-B851-727E3DF33BC4}" dt="2020-05-29T07:53:35.752" v="27"/>
+          <ac:spMkLst>
+            <pc:docMk/>
+            <pc:sldMk cId="3447223317" sldId="256"/>
+            <ac:spMk id="63" creationId="{C21FD796-9CD0-404D-8DF5-5274C0BCC754}"/>
+          </ac:spMkLst>
+        </pc:spChg>
+      </pc:sldChg>
+      <pc:sldChg chg="addSp delSp delDesignElem">
+        <pc:chgData name="Thorsten Hilbradt" userId="b76ca37a-0758-4f71-aeb6-b277b8bbbfdd" providerId="ADAL" clId="{E7A5B079-1BA6-4760-B851-727E3DF33BC4}" dt="2020-05-29T07:53:35.752" v="27"/>
+        <pc:sldMkLst>
+          <pc:docMk/>
+          <pc:sldMk cId="1410129481" sldId="257"/>
+        </pc:sldMkLst>
+        <pc:spChg chg="add del">
+          <ac:chgData name="Thorsten Hilbradt" userId="b76ca37a-0758-4f71-aeb6-b277b8bbbfdd" providerId="ADAL" clId="{E7A5B079-1BA6-4760-B851-727E3DF33BC4}" dt="2020-05-29T07:53:35.752" v="27"/>
+          <ac:spMkLst>
+            <pc:docMk/>
+            <pc:sldMk cId="1410129481" sldId="257"/>
+            <ac:spMk id="51" creationId="{2B566528-1B12-4246-9431-5C2D7D081168}"/>
+          </ac:spMkLst>
+        </pc:spChg>
+        <pc:spChg chg="add del">
+          <ac:chgData name="Thorsten Hilbradt" userId="b76ca37a-0758-4f71-aeb6-b277b8bbbfdd" providerId="ADAL" clId="{E7A5B079-1BA6-4760-B851-727E3DF33BC4}" dt="2020-05-29T07:53:35.752" v="27"/>
+          <ac:spMkLst>
+            <pc:docMk/>
+            <pc:sldMk cId="1410129481" sldId="257"/>
+            <ac:spMk id="53" creationId="{2E80C965-DB6D-4F81-9E9E-B027384D0BD6}"/>
+          </ac:spMkLst>
+        </pc:spChg>
+        <pc:spChg chg="add del">
+          <ac:chgData name="Thorsten Hilbradt" userId="b76ca37a-0758-4f71-aeb6-b277b8bbbfdd" providerId="ADAL" clId="{E7A5B079-1BA6-4760-B851-727E3DF33BC4}" dt="2020-05-29T07:53:35.752" v="27"/>
+          <ac:spMkLst>
+            <pc:docMk/>
+            <pc:sldMk cId="1410129481" sldId="257"/>
+            <ac:spMk id="55" creationId="{A580F890-B085-4E95-96AA-55AEBEC5CE6E}"/>
+          </ac:spMkLst>
+        </pc:spChg>
+        <pc:spChg chg="add del">
+          <ac:chgData name="Thorsten Hilbradt" userId="b76ca37a-0758-4f71-aeb6-b277b8bbbfdd" providerId="ADAL" clId="{E7A5B079-1BA6-4760-B851-727E3DF33BC4}" dt="2020-05-29T07:53:35.752" v="27"/>
+          <ac:spMkLst>
+            <pc:docMk/>
+            <pc:sldMk cId="1410129481" sldId="257"/>
+            <ac:spMk id="57" creationId="{D3F51FEB-38FB-4F6C-9F7B-2F2AFAB65463}"/>
+          </ac:spMkLst>
+        </pc:spChg>
+        <pc:spChg chg="add del">
+          <ac:chgData name="Thorsten Hilbradt" userId="b76ca37a-0758-4f71-aeb6-b277b8bbbfdd" providerId="ADAL" clId="{E7A5B079-1BA6-4760-B851-727E3DF33BC4}" dt="2020-05-29T07:53:35.752" v="27"/>
+          <ac:spMkLst>
+            <pc:docMk/>
+            <pc:sldMk cId="1410129481" sldId="257"/>
+            <ac:spMk id="59" creationId="{1E547BA6-BAE0-43BB-A7CA-60F69CE252F0}"/>
+          </ac:spMkLst>
+        </pc:spChg>
+      </pc:sldChg>
+      <pc:sldChg chg="addSp delSp delDesignElem">
+        <pc:chgData name="Thorsten Hilbradt" userId="b76ca37a-0758-4f71-aeb6-b277b8bbbfdd" providerId="ADAL" clId="{E7A5B079-1BA6-4760-B851-727E3DF33BC4}" dt="2020-05-29T07:53:35.752" v="27"/>
+        <pc:sldMkLst>
+          <pc:docMk/>
+          <pc:sldMk cId="1253730509" sldId="258"/>
+        </pc:sldMkLst>
+        <pc:spChg chg="add del">
+          <ac:chgData name="Thorsten Hilbradt" userId="b76ca37a-0758-4f71-aeb6-b277b8bbbfdd" providerId="ADAL" clId="{E7A5B079-1BA6-4760-B851-727E3DF33BC4}" dt="2020-05-29T07:53:35.752" v="27"/>
+          <ac:spMkLst>
+            <pc:docMk/>
+            <pc:sldMk cId="1253730509" sldId="258"/>
+            <ac:spMk id="8" creationId="{88294908-8B00-4F58-BBBA-20F71A40AA9E}"/>
+          </ac:spMkLst>
+        </pc:spChg>
+        <pc:spChg chg="add del">
+          <ac:chgData name="Thorsten Hilbradt" userId="b76ca37a-0758-4f71-aeb6-b277b8bbbfdd" providerId="ADAL" clId="{E7A5B079-1BA6-4760-B851-727E3DF33BC4}" dt="2020-05-29T07:53:35.752" v="27"/>
+          <ac:spMkLst>
+            <pc:docMk/>
+            <pc:sldMk cId="1253730509" sldId="258"/>
+            <ac:spMk id="10" creationId="{4364C879-1404-4203-8E9D-CC5DE0A621A2}"/>
+          </ac:spMkLst>
+        </pc:spChg>
+        <pc:spChg chg="add del">
+          <ac:chgData name="Thorsten Hilbradt" userId="b76ca37a-0758-4f71-aeb6-b277b8bbbfdd" providerId="ADAL" clId="{E7A5B079-1BA6-4760-B851-727E3DF33BC4}" dt="2020-05-29T07:53:35.752" v="27"/>
+          <ac:spMkLst>
+            <pc:docMk/>
+            <pc:sldMk cId="1253730509" sldId="258"/>
+            <ac:spMk id="12" creationId="{84617302-4B0D-4351-A6BB-6F0930D943AC}"/>
+          </ac:spMkLst>
+        </pc:spChg>
+        <pc:spChg chg="add del">
+          <ac:chgData name="Thorsten Hilbradt" userId="b76ca37a-0758-4f71-aeb6-b277b8bbbfdd" providerId="ADAL" clId="{E7A5B079-1BA6-4760-B851-727E3DF33BC4}" dt="2020-05-29T07:53:35.752" v="27"/>
+          <ac:spMkLst>
+            <pc:docMk/>
+            <pc:sldMk cId="1253730509" sldId="258"/>
+            <ac:spMk id="14" creationId="{DA2C7802-C2E0-4218-8F89-8DD7CCD2CD1C}"/>
+          </ac:spMkLst>
+        </pc:spChg>
+        <pc:spChg chg="add del">
+          <ac:chgData name="Thorsten Hilbradt" userId="b76ca37a-0758-4f71-aeb6-b277b8bbbfdd" providerId="ADAL" clId="{E7A5B079-1BA6-4760-B851-727E3DF33BC4}" dt="2020-05-29T07:53:35.752" v="27"/>
+          <ac:spMkLst>
+            <pc:docMk/>
+            <pc:sldMk cId="1253730509" sldId="258"/>
+            <ac:spMk id="16" creationId="{A6D7111A-21E5-4EE9-8A78-10E5530F0116}"/>
+          </ac:spMkLst>
+        </pc:spChg>
+        <pc:spChg chg="add del">
+          <ac:chgData name="Thorsten Hilbradt" userId="b76ca37a-0758-4f71-aeb6-b277b8bbbfdd" providerId="ADAL" clId="{E7A5B079-1BA6-4760-B851-727E3DF33BC4}" dt="2020-05-29T07:53:35.752" v="27"/>
+          <ac:spMkLst>
+            <pc:docMk/>
+            <pc:sldMk cId="1253730509" sldId="258"/>
+            <ac:spMk id="18" creationId="{A3969E80-A77B-49FC-9122-D89AFD5EE118}"/>
+          </ac:spMkLst>
+        </pc:spChg>
+        <pc:spChg chg="add del">
+          <ac:chgData name="Thorsten Hilbradt" userId="b76ca37a-0758-4f71-aeb6-b277b8bbbfdd" providerId="ADAL" clId="{E7A5B079-1BA6-4760-B851-727E3DF33BC4}" dt="2020-05-29T07:53:35.752" v="27"/>
+          <ac:spMkLst>
+            <pc:docMk/>
+            <pc:sldMk cId="1253730509" sldId="258"/>
+            <ac:spMk id="20" creationId="{1849CA57-76BD-4CF2-80BA-D7A46A01B7B1}"/>
+          </ac:spMkLst>
+        </pc:spChg>
+        <pc:spChg chg="add del">
+          <ac:chgData name="Thorsten Hilbradt" userId="b76ca37a-0758-4f71-aeb6-b277b8bbbfdd" providerId="ADAL" clId="{E7A5B079-1BA6-4760-B851-727E3DF33BC4}" dt="2020-05-29T07:53:35.752" v="27"/>
+          <ac:spMkLst>
+            <pc:docMk/>
+            <pc:sldMk cId="1253730509" sldId="258"/>
+            <ac:spMk id="22" creationId="{35E9085E-E730-4768-83D4-6CB7E9897153}"/>
+          </ac:spMkLst>
+        </pc:spChg>
+        <pc:spChg chg="add del">
+          <ac:chgData name="Thorsten Hilbradt" userId="b76ca37a-0758-4f71-aeb6-b277b8bbbfdd" providerId="ADAL" clId="{E7A5B079-1BA6-4760-B851-727E3DF33BC4}" dt="2020-05-29T07:53:35.752" v="27"/>
+          <ac:spMkLst>
+            <pc:docMk/>
+            <pc:sldMk cId="1253730509" sldId="258"/>
+            <ac:spMk id="24" creationId="{973272FE-A474-4CAE-8CA2-BCC8B476C3F4}"/>
+          </ac:spMkLst>
+        </pc:spChg>
+        <pc:spChg chg="add del">
+          <ac:chgData name="Thorsten Hilbradt" userId="b76ca37a-0758-4f71-aeb6-b277b8bbbfdd" providerId="ADAL" clId="{E7A5B079-1BA6-4760-B851-727E3DF33BC4}" dt="2020-05-29T07:53:35.752" v="27"/>
+          <ac:spMkLst>
+            <pc:docMk/>
+            <pc:sldMk cId="1253730509" sldId="258"/>
+            <ac:spMk id="26" creationId="{E07981EA-05A6-437C-88D7-B377B92B031D}"/>
+          </ac:spMkLst>
+        </pc:spChg>
+        <pc:spChg chg="add del">
+          <ac:chgData name="Thorsten Hilbradt" userId="b76ca37a-0758-4f71-aeb6-b277b8bbbfdd" providerId="ADAL" clId="{E7A5B079-1BA6-4760-B851-727E3DF33BC4}" dt="2020-05-29T07:53:35.752" v="27"/>
+          <ac:spMkLst>
+            <pc:docMk/>
+            <pc:sldMk cId="1253730509" sldId="258"/>
+            <ac:spMk id="28" creationId="{15E3C750-986E-4769-B1AE-49289FBEE757}"/>
+          </ac:spMkLst>
+        </pc:spChg>
+      </pc:sldChg>
+      <pc:sldChg chg="addSp delSp delDesignElem">
+        <pc:chgData name="Thorsten Hilbradt" userId="b76ca37a-0758-4f71-aeb6-b277b8bbbfdd" providerId="ADAL" clId="{E7A5B079-1BA6-4760-B851-727E3DF33BC4}" dt="2020-05-29T07:53:35.752" v="27"/>
+        <pc:sldMkLst>
+          <pc:docMk/>
+          <pc:sldMk cId="1061349089" sldId="259"/>
+        </pc:sldMkLst>
+        <pc:spChg chg="add del">
+          <ac:chgData name="Thorsten Hilbradt" userId="b76ca37a-0758-4f71-aeb6-b277b8bbbfdd" providerId="ADAL" clId="{E7A5B079-1BA6-4760-B851-727E3DF33BC4}" dt="2020-05-29T07:53:35.752" v="27"/>
+          <ac:spMkLst>
+            <pc:docMk/>
+            <pc:sldMk cId="1061349089" sldId="259"/>
+            <ac:spMk id="8" creationId="{88294908-8B00-4F58-BBBA-20F71A40AA9E}"/>
+          </ac:spMkLst>
+        </pc:spChg>
+        <pc:spChg chg="add del">
+          <ac:chgData name="Thorsten Hilbradt" userId="b76ca37a-0758-4f71-aeb6-b277b8bbbfdd" providerId="ADAL" clId="{E7A5B079-1BA6-4760-B851-727E3DF33BC4}" dt="2020-05-29T07:53:35.752" v="27"/>
+          <ac:spMkLst>
+            <pc:docMk/>
+            <pc:sldMk cId="1061349089" sldId="259"/>
+            <ac:spMk id="10" creationId="{4364C879-1404-4203-8E9D-CC5DE0A621A2}"/>
+          </ac:spMkLst>
+        </pc:spChg>
+        <pc:spChg chg="add del">
+          <ac:chgData name="Thorsten Hilbradt" userId="b76ca37a-0758-4f71-aeb6-b277b8bbbfdd" providerId="ADAL" clId="{E7A5B079-1BA6-4760-B851-727E3DF33BC4}" dt="2020-05-29T07:53:35.752" v="27"/>
+          <ac:spMkLst>
+            <pc:docMk/>
+            <pc:sldMk cId="1061349089" sldId="259"/>
+            <ac:spMk id="12" creationId="{84617302-4B0D-4351-A6BB-6F0930D943AC}"/>
+          </ac:spMkLst>
+        </pc:spChg>
+        <pc:spChg chg="add del">
+          <ac:chgData name="Thorsten Hilbradt" userId="b76ca37a-0758-4f71-aeb6-b277b8bbbfdd" providerId="ADAL" clId="{E7A5B079-1BA6-4760-B851-727E3DF33BC4}" dt="2020-05-29T07:53:35.752" v="27"/>
+          <ac:spMkLst>
+            <pc:docMk/>
+            <pc:sldMk cId="1061349089" sldId="259"/>
+            <ac:spMk id="14" creationId="{DA2C7802-C2E0-4218-8F89-8DD7CCD2CD1C}"/>
+          </ac:spMkLst>
+        </pc:spChg>
+        <pc:spChg chg="add del">
+          <ac:chgData name="Thorsten Hilbradt" userId="b76ca37a-0758-4f71-aeb6-b277b8bbbfdd" providerId="ADAL" clId="{E7A5B079-1BA6-4760-B851-727E3DF33BC4}" dt="2020-05-29T07:53:35.752" v="27"/>
+          <ac:spMkLst>
+            <pc:docMk/>
+            <pc:sldMk cId="1061349089" sldId="259"/>
+            <ac:spMk id="16" creationId="{A6D7111A-21E5-4EE9-8A78-10E5530F0116}"/>
+          </ac:spMkLst>
+        </pc:spChg>
+        <pc:spChg chg="add del">
+          <ac:chgData name="Thorsten Hilbradt" userId="b76ca37a-0758-4f71-aeb6-b277b8bbbfdd" providerId="ADAL" clId="{E7A5B079-1BA6-4760-B851-727E3DF33BC4}" dt="2020-05-29T07:53:35.752" v="27"/>
+          <ac:spMkLst>
+            <pc:docMk/>
+            <pc:sldMk cId="1061349089" sldId="259"/>
+            <ac:spMk id="18" creationId="{A3969E80-A77B-49FC-9122-D89AFD5EE118}"/>
+          </ac:spMkLst>
+        </pc:spChg>
+        <pc:spChg chg="add del">
+          <ac:chgData name="Thorsten Hilbradt" userId="b76ca37a-0758-4f71-aeb6-b277b8bbbfdd" providerId="ADAL" clId="{E7A5B079-1BA6-4760-B851-727E3DF33BC4}" dt="2020-05-29T07:53:35.752" v="27"/>
+          <ac:spMkLst>
+            <pc:docMk/>
+            <pc:sldMk cId="1061349089" sldId="259"/>
+            <ac:spMk id="20" creationId="{1849CA57-76BD-4CF2-80BA-D7A46A01B7B1}"/>
+          </ac:spMkLst>
+        </pc:spChg>
+        <pc:spChg chg="add del">
+          <ac:chgData name="Thorsten Hilbradt" userId="b76ca37a-0758-4f71-aeb6-b277b8bbbfdd" providerId="ADAL" clId="{E7A5B079-1BA6-4760-B851-727E3DF33BC4}" dt="2020-05-29T07:53:35.752" v="27"/>
+          <ac:spMkLst>
+            <pc:docMk/>
+            <pc:sldMk cId="1061349089" sldId="259"/>
+            <ac:spMk id="22" creationId="{35E9085E-E730-4768-83D4-6CB7E9897153}"/>
+          </ac:spMkLst>
+        </pc:spChg>
+        <pc:spChg chg="add del">
+          <ac:chgData name="Thorsten Hilbradt" userId="b76ca37a-0758-4f71-aeb6-b277b8bbbfdd" providerId="ADAL" clId="{E7A5B079-1BA6-4760-B851-727E3DF33BC4}" dt="2020-05-29T07:53:35.752" v="27"/>
+          <ac:spMkLst>
+            <pc:docMk/>
+            <pc:sldMk cId="1061349089" sldId="259"/>
+            <ac:spMk id="24" creationId="{973272FE-A474-4CAE-8CA2-BCC8B476C3F4}"/>
+          </ac:spMkLst>
+        </pc:spChg>
+        <pc:spChg chg="add del">
+          <ac:chgData name="Thorsten Hilbradt" userId="b76ca37a-0758-4f71-aeb6-b277b8bbbfdd" providerId="ADAL" clId="{E7A5B079-1BA6-4760-B851-727E3DF33BC4}" dt="2020-05-29T07:53:35.752" v="27"/>
+          <ac:spMkLst>
+            <pc:docMk/>
+            <pc:sldMk cId="1061349089" sldId="259"/>
+            <ac:spMk id="26" creationId="{E07981EA-05A6-437C-88D7-B377B92B031D}"/>
+          </ac:spMkLst>
+        </pc:spChg>
+        <pc:spChg chg="add del">
+          <ac:chgData name="Thorsten Hilbradt" userId="b76ca37a-0758-4f71-aeb6-b277b8bbbfdd" providerId="ADAL" clId="{E7A5B079-1BA6-4760-B851-727E3DF33BC4}" dt="2020-05-29T07:53:35.752" v="27"/>
+          <ac:spMkLst>
+            <pc:docMk/>
+            <pc:sldMk cId="1061349089" sldId="259"/>
+            <ac:spMk id="28" creationId="{15E3C750-986E-4769-B1AE-49289FBEE757}"/>
+          </ac:spMkLst>
+        </pc:spChg>
+      </pc:sldChg>
+      <pc:sldChg chg="addSp delSp delDesignElem">
+        <pc:chgData name="Thorsten Hilbradt" userId="b76ca37a-0758-4f71-aeb6-b277b8bbbfdd" providerId="ADAL" clId="{E7A5B079-1BA6-4760-B851-727E3DF33BC4}" dt="2020-05-29T07:53:35.752" v="27"/>
+        <pc:sldMkLst>
+          <pc:docMk/>
+          <pc:sldMk cId="1477730887" sldId="260"/>
+        </pc:sldMkLst>
+        <pc:spChg chg="add del">
+          <ac:chgData name="Thorsten Hilbradt" userId="b76ca37a-0758-4f71-aeb6-b277b8bbbfdd" providerId="ADAL" clId="{E7A5B079-1BA6-4760-B851-727E3DF33BC4}" dt="2020-05-29T07:53:35.752" v="27"/>
+          <ac:spMkLst>
+            <pc:docMk/>
+            <pc:sldMk cId="1477730887" sldId="260"/>
+            <ac:spMk id="8" creationId="{88294908-8B00-4F58-BBBA-20F71A40AA9E}"/>
+          </ac:spMkLst>
+        </pc:spChg>
+        <pc:spChg chg="add del">
+          <ac:chgData name="Thorsten Hilbradt" userId="b76ca37a-0758-4f71-aeb6-b277b8bbbfdd" providerId="ADAL" clId="{E7A5B079-1BA6-4760-B851-727E3DF33BC4}" dt="2020-05-29T07:53:35.752" v="27"/>
+          <ac:spMkLst>
+            <pc:docMk/>
+            <pc:sldMk cId="1477730887" sldId="260"/>
+            <ac:spMk id="10" creationId="{4364C879-1404-4203-8E9D-CC5DE0A621A2}"/>
+          </ac:spMkLst>
+        </pc:spChg>
+        <pc:spChg chg="add del">
+          <ac:chgData name="Thorsten Hilbradt" userId="b76ca37a-0758-4f71-aeb6-b277b8bbbfdd" providerId="ADAL" clId="{E7A5B079-1BA6-4760-B851-727E3DF33BC4}" dt="2020-05-29T07:53:35.752" v="27"/>
+          <ac:spMkLst>
+            <pc:docMk/>
+            <pc:sldMk cId="1477730887" sldId="260"/>
+            <ac:spMk id="12" creationId="{84617302-4B0D-4351-A6BB-6F0930D943AC}"/>
+          </ac:spMkLst>
+        </pc:spChg>
+        <pc:spChg chg="add del">
+          <ac:chgData name="Thorsten Hilbradt" userId="b76ca37a-0758-4f71-aeb6-b277b8bbbfdd" providerId="ADAL" clId="{E7A5B079-1BA6-4760-B851-727E3DF33BC4}" dt="2020-05-29T07:53:35.752" v="27"/>
+          <ac:spMkLst>
+            <pc:docMk/>
+            <pc:sldMk cId="1477730887" sldId="260"/>
+            <ac:spMk id="14" creationId="{DA2C7802-C2E0-4218-8F89-8DD7CCD2CD1C}"/>
+          </ac:spMkLst>
+        </pc:spChg>
+        <pc:spChg chg="add del">
+          <ac:chgData name="Thorsten Hilbradt" userId="b76ca37a-0758-4f71-aeb6-b277b8bbbfdd" providerId="ADAL" clId="{E7A5B079-1BA6-4760-B851-727E3DF33BC4}" dt="2020-05-29T07:53:35.752" v="27"/>
+          <ac:spMkLst>
+            <pc:docMk/>
+            <pc:sldMk cId="1477730887" sldId="260"/>
+            <ac:spMk id="16" creationId="{A6D7111A-21E5-4EE9-8A78-10E5530F0116}"/>
+          </ac:spMkLst>
+        </pc:spChg>
+        <pc:spChg chg="add del">
+          <ac:chgData name="Thorsten Hilbradt" userId="b76ca37a-0758-4f71-aeb6-b277b8bbbfdd" providerId="ADAL" clId="{E7A5B079-1BA6-4760-B851-727E3DF33BC4}" dt="2020-05-29T07:53:35.752" v="27"/>
+          <ac:spMkLst>
+            <pc:docMk/>
+            <pc:sldMk cId="1477730887" sldId="260"/>
+            <ac:spMk id="18" creationId="{A3969E80-A77B-49FC-9122-D89AFD5EE118}"/>
+          </ac:spMkLst>
+        </pc:spChg>
+        <pc:spChg chg="add del">
+          <ac:chgData name="Thorsten Hilbradt" userId="b76ca37a-0758-4f71-aeb6-b277b8bbbfdd" providerId="ADAL" clId="{E7A5B079-1BA6-4760-B851-727E3DF33BC4}" dt="2020-05-29T07:53:35.752" v="27"/>
+          <ac:spMkLst>
+            <pc:docMk/>
+            <pc:sldMk cId="1477730887" sldId="260"/>
+            <ac:spMk id="20" creationId="{1849CA57-76BD-4CF2-80BA-D7A46A01B7B1}"/>
+          </ac:spMkLst>
+        </pc:spChg>
+        <pc:spChg chg="add del">
+          <ac:chgData name="Thorsten Hilbradt" userId="b76ca37a-0758-4f71-aeb6-b277b8bbbfdd" providerId="ADAL" clId="{E7A5B079-1BA6-4760-B851-727E3DF33BC4}" dt="2020-05-29T07:53:35.752" v="27"/>
+          <ac:spMkLst>
+            <pc:docMk/>
+            <pc:sldMk cId="1477730887" sldId="260"/>
+            <ac:spMk id="22" creationId="{35E9085E-E730-4768-83D4-6CB7E9897153}"/>
+          </ac:spMkLst>
+        </pc:spChg>
+        <pc:spChg chg="add del">
+          <ac:chgData name="Thorsten Hilbradt" userId="b76ca37a-0758-4f71-aeb6-b277b8bbbfdd" providerId="ADAL" clId="{E7A5B079-1BA6-4760-B851-727E3DF33BC4}" dt="2020-05-29T07:53:35.752" v="27"/>
+          <ac:spMkLst>
+            <pc:docMk/>
+            <pc:sldMk cId="1477730887" sldId="260"/>
+            <ac:spMk id="24" creationId="{973272FE-A474-4CAE-8CA2-BCC8B476C3F4}"/>
+          </ac:spMkLst>
+        </pc:spChg>
+        <pc:spChg chg="add del">
+          <ac:chgData name="Thorsten Hilbradt" userId="b76ca37a-0758-4f71-aeb6-b277b8bbbfdd" providerId="ADAL" clId="{E7A5B079-1BA6-4760-B851-727E3DF33BC4}" dt="2020-05-29T07:53:35.752" v="27"/>
+          <ac:spMkLst>
+            <pc:docMk/>
+            <pc:sldMk cId="1477730887" sldId="260"/>
+            <ac:spMk id="26" creationId="{E07981EA-05A6-437C-88D7-B377B92B031D}"/>
+          </ac:spMkLst>
+        </pc:spChg>
+        <pc:spChg chg="add del">
+          <ac:chgData name="Thorsten Hilbradt" userId="b76ca37a-0758-4f71-aeb6-b277b8bbbfdd" providerId="ADAL" clId="{E7A5B079-1BA6-4760-B851-727E3DF33BC4}" dt="2020-05-29T07:53:35.752" v="27"/>
+          <ac:spMkLst>
+            <pc:docMk/>
+            <pc:sldMk cId="1477730887" sldId="260"/>
+            <ac:spMk id="28" creationId="{15E3C750-986E-4769-B1AE-49289FBEE757}"/>
+          </ac:spMkLst>
+        </pc:spChg>
+      </pc:sldChg>
+      <pc:sldChg chg="addSp delSp delDesignElem">
+        <pc:chgData name="Thorsten Hilbradt" userId="b76ca37a-0758-4f71-aeb6-b277b8bbbfdd" providerId="ADAL" clId="{E7A5B079-1BA6-4760-B851-727E3DF33BC4}" dt="2020-05-29T07:53:35.752" v="27"/>
+        <pc:sldMkLst>
+          <pc:docMk/>
+          <pc:sldMk cId="1736600020" sldId="261"/>
+        </pc:sldMkLst>
+        <pc:spChg chg="add del">
+          <ac:chgData name="Thorsten Hilbradt" userId="b76ca37a-0758-4f71-aeb6-b277b8bbbfdd" providerId="ADAL" clId="{E7A5B079-1BA6-4760-B851-727E3DF33BC4}" dt="2020-05-29T07:53:35.752" v="27"/>
+          <ac:spMkLst>
+            <pc:docMk/>
+            <pc:sldMk cId="1736600020" sldId="261"/>
+            <ac:spMk id="8" creationId="{88294908-8B00-4F58-BBBA-20F71A40AA9E}"/>
+          </ac:spMkLst>
+        </pc:spChg>
+        <pc:spChg chg="add del">
+          <ac:chgData name="Thorsten Hilbradt" userId="b76ca37a-0758-4f71-aeb6-b277b8bbbfdd" providerId="ADAL" clId="{E7A5B079-1BA6-4760-B851-727E3DF33BC4}" dt="2020-05-29T07:53:35.752" v="27"/>
+          <ac:spMkLst>
+            <pc:docMk/>
+            <pc:sldMk cId="1736600020" sldId="261"/>
+            <ac:spMk id="10" creationId="{4364C879-1404-4203-8E9D-CC5DE0A621A2}"/>
+          </ac:spMkLst>
+        </pc:spChg>
+        <pc:spChg chg="add del">
+          <ac:chgData name="Thorsten Hilbradt" userId="b76ca37a-0758-4f71-aeb6-b277b8bbbfdd" providerId="ADAL" clId="{E7A5B079-1BA6-4760-B851-727E3DF33BC4}" dt="2020-05-29T07:53:35.752" v="27"/>
+          <ac:spMkLst>
+            <pc:docMk/>
+            <pc:sldMk cId="1736600020" sldId="261"/>
+            <ac:spMk id="12" creationId="{84617302-4B0D-4351-A6BB-6F0930D943AC}"/>
+          </ac:spMkLst>
+        </pc:spChg>
+        <pc:spChg chg="add del">
+          <ac:chgData name="Thorsten Hilbradt" userId="b76ca37a-0758-4f71-aeb6-b277b8bbbfdd" providerId="ADAL" clId="{E7A5B079-1BA6-4760-B851-727E3DF33BC4}" dt="2020-05-29T07:53:35.752" v="27"/>
+          <ac:spMkLst>
+            <pc:docMk/>
+            <pc:sldMk cId="1736600020" sldId="261"/>
+            <ac:spMk id="14" creationId="{DA2C7802-C2E0-4218-8F89-8DD7CCD2CD1C}"/>
+          </ac:spMkLst>
+        </pc:spChg>
+        <pc:spChg chg="add del">
+          <ac:chgData name="Thorsten Hilbradt" userId="b76ca37a-0758-4f71-aeb6-b277b8bbbfdd" providerId="ADAL" clId="{E7A5B079-1BA6-4760-B851-727E3DF33BC4}" dt="2020-05-29T07:53:35.752" v="27"/>
+          <ac:spMkLst>
+            <pc:docMk/>
+            <pc:sldMk cId="1736600020" sldId="261"/>
+            <ac:spMk id="16" creationId="{A6D7111A-21E5-4EE9-8A78-10E5530F0116}"/>
+          </ac:spMkLst>
+        </pc:spChg>
+        <pc:spChg chg="add del">
+          <ac:chgData name="Thorsten Hilbradt" userId="b76ca37a-0758-4f71-aeb6-b277b8bbbfdd" providerId="ADAL" clId="{E7A5B079-1BA6-4760-B851-727E3DF33BC4}" dt="2020-05-29T07:53:35.752" v="27"/>
+          <ac:spMkLst>
+            <pc:docMk/>
+            <pc:sldMk cId="1736600020" sldId="261"/>
+            <ac:spMk id="18" creationId="{A3969E80-A77B-49FC-9122-D89AFD5EE118}"/>
+          </ac:spMkLst>
+        </pc:spChg>
+        <pc:spChg chg="add del">
+          <ac:chgData name="Thorsten Hilbradt" userId="b76ca37a-0758-4f71-aeb6-b277b8bbbfdd" providerId="ADAL" clId="{E7A5B079-1BA6-4760-B851-727E3DF33BC4}" dt="2020-05-29T07:53:35.752" v="27"/>
+          <ac:spMkLst>
+            <pc:docMk/>
+            <pc:sldMk cId="1736600020" sldId="261"/>
+            <ac:spMk id="20" creationId="{1849CA57-76BD-4CF2-80BA-D7A46A01B7B1}"/>
+          </ac:spMkLst>
+        </pc:spChg>
+        <pc:spChg chg="add del">
+          <ac:chgData name="Thorsten Hilbradt" userId="b76ca37a-0758-4f71-aeb6-b277b8bbbfdd" providerId="ADAL" clId="{E7A5B079-1BA6-4760-B851-727E3DF33BC4}" dt="2020-05-29T07:53:35.752" v="27"/>
+          <ac:spMkLst>
+            <pc:docMk/>
+            <pc:sldMk cId="1736600020" sldId="261"/>
+            <ac:spMk id="33" creationId="{35E9085E-E730-4768-83D4-6CB7E9897153}"/>
+          </ac:spMkLst>
+        </pc:spChg>
+        <pc:spChg chg="add del">
+          <ac:chgData name="Thorsten Hilbradt" userId="b76ca37a-0758-4f71-aeb6-b277b8bbbfdd" providerId="ADAL" clId="{E7A5B079-1BA6-4760-B851-727E3DF33BC4}" dt="2020-05-29T07:53:35.752" v="27"/>
+          <ac:spMkLst>
+            <pc:docMk/>
+            <pc:sldMk cId="1736600020" sldId="261"/>
+            <ac:spMk id="34" creationId="{973272FE-A474-4CAE-8CA2-BCC8B476C3F4}"/>
+          </ac:spMkLst>
+        </pc:spChg>
+        <pc:spChg chg="add del">
+          <ac:chgData name="Thorsten Hilbradt" userId="b76ca37a-0758-4f71-aeb6-b277b8bbbfdd" providerId="ADAL" clId="{E7A5B079-1BA6-4760-B851-727E3DF33BC4}" dt="2020-05-29T07:53:35.752" v="27"/>
+          <ac:spMkLst>
+            <pc:docMk/>
+            <pc:sldMk cId="1736600020" sldId="261"/>
+            <ac:spMk id="35" creationId="{E07981EA-05A6-437C-88D7-B377B92B031D}"/>
+          </ac:spMkLst>
+        </pc:spChg>
+        <pc:spChg chg="add del">
+          <ac:chgData name="Thorsten Hilbradt" userId="b76ca37a-0758-4f71-aeb6-b277b8bbbfdd" providerId="ADAL" clId="{E7A5B079-1BA6-4760-B851-727E3DF33BC4}" dt="2020-05-29T07:53:35.752" v="27"/>
+          <ac:spMkLst>
+            <pc:docMk/>
+            <pc:sldMk cId="1736600020" sldId="261"/>
+            <ac:spMk id="36" creationId="{15E3C750-986E-4769-B1AE-49289FBEE757}"/>
+          </ac:spMkLst>
+        </pc:spChg>
+      </pc:sldChg>
+      <pc:sldChg chg="addSp delSp delDesignElem">
+        <pc:chgData name="Thorsten Hilbradt" userId="b76ca37a-0758-4f71-aeb6-b277b8bbbfdd" providerId="ADAL" clId="{E7A5B079-1BA6-4760-B851-727E3DF33BC4}" dt="2020-05-29T07:53:35.752" v="27"/>
+        <pc:sldMkLst>
+          <pc:docMk/>
+          <pc:sldMk cId="733108152" sldId="262"/>
+        </pc:sldMkLst>
+        <pc:spChg chg="add del">
+          <ac:chgData name="Thorsten Hilbradt" userId="b76ca37a-0758-4f71-aeb6-b277b8bbbfdd" providerId="ADAL" clId="{E7A5B079-1BA6-4760-B851-727E3DF33BC4}" dt="2020-05-29T07:53:35.752" v="27"/>
+          <ac:spMkLst>
+            <pc:docMk/>
+            <pc:sldMk cId="733108152" sldId="262"/>
+            <ac:spMk id="10" creationId="{2B566528-1B12-4246-9431-5C2D7D081168}"/>
+          </ac:spMkLst>
+        </pc:spChg>
+        <pc:spChg chg="add del">
+          <ac:chgData name="Thorsten Hilbradt" userId="b76ca37a-0758-4f71-aeb6-b277b8bbbfdd" providerId="ADAL" clId="{E7A5B079-1BA6-4760-B851-727E3DF33BC4}" dt="2020-05-29T07:53:35.752" v="27"/>
+          <ac:spMkLst>
+            <pc:docMk/>
+            <pc:sldMk cId="733108152" sldId="262"/>
+            <ac:spMk id="12" creationId="{2E80C965-DB6D-4F81-9E9E-B027384D0BD6}"/>
+          </ac:spMkLst>
+        </pc:spChg>
+        <pc:spChg chg="add del">
+          <ac:chgData name="Thorsten Hilbradt" userId="b76ca37a-0758-4f71-aeb6-b277b8bbbfdd" providerId="ADAL" clId="{E7A5B079-1BA6-4760-B851-727E3DF33BC4}" dt="2020-05-29T07:53:35.752" v="27"/>
+          <ac:spMkLst>
+            <pc:docMk/>
+            <pc:sldMk cId="733108152" sldId="262"/>
+            <ac:spMk id="14" creationId="{A580F890-B085-4E95-96AA-55AEBEC5CE6E}"/>
+          </ac:spMkLst>
+        </pc:spChg>
+        <pc:spChg chg="add del">
+          <ac:chgData name="Thorsten Hilbradt" userId="b76ca37a-0758-4f71-aeb6-b277b8bbbfdd" providerId="ADAL" clId="{E7A5B079-1BA6-4760-B851-727E3DF33BC4}" dt="2020-05-29T07:53:35.752" v="27"/>
+          <ac:spMkLst>
+            <pc:docMk/>
+            <pc:sldMk cId="733108152" sldId="262"/>
+            <ac:spMk id="16" creationId="{D3F51FEB-38FB-4F6C-9F7B-2F2AFAB65463}"/>
+          </ac:spMkLst>
+        </pc:spChg>
+        <pc:spChg chg="add del">
+          <ac:chgData name="Thorsten Hilbradt" userId="b76ca37a-0758-4f71-aeb6-b277b8bbbfdd" providerId="ADAL" clId="{E7A5B079-1BA6-4760-B851-727E3DF33BC4}" dt="2020-05-29T07:53:35.752" v="27"/>
+          <ac:spMkLst>
+            <pc:docMk/>
+            <pc:sldMk cId="733108152" sldId="262"/>
+            <ac:spMk id="18" creationId="{1E547BA6-BAE0-43BB-A7CA-60F69CE252F0}"/>
+          </ac:spMkLst>
+        </pc:spChg>
+      </pc:sldChg>
+      <pc:sldChg chg="addSp delSp modSp add del mod setBg">
+        <pc:chgData name="Thorsten Hilbradt" userId="b76ca37a-0758-4f71-aeb6-b277b8bbbfdd" providerId="ADAL" clId="{E7A5B079-1BA6-4760-B851-727E3DF33BC4}" dt="2020-05-29T07:29:09.260" v="11" actId="2696"/>
+        <pc:sldMkLst>
+          <pc:docMk/>
+          <pc:sldMk cId="2153469640" sldId="263"/>
+        </pc:sldMkLst>
+        <pc:spChg chg="mod">
+          <ac:chgData name="Thorsten Hilbradt" userId="b76ca37a-0758-4f71-aeb6-b277b8bbbfdd" providerId="ADAL" clId="{E7A5B079-1BA6-4760-B851-727E3DF33BC4}" dt="2020-05-29T07:29:02.630" v="10" actId="26606"/>
+          <ac:spMkLst>
+            <pc:docMk/>
+            <pc:sldMk cId="2153469640" sldId="263"/>
+            <ac:spMk id="2" creationId="{51DC5F35-CF64-4796-B745-68D66C2B48C4}"/>
+          </ac:spMkLst>
+        </pc:spChg>
+        <pc:spChg chg="del">
+          <ac:chgData name="Thorsten Hilbradt" userId="b76ca37a-0758-4f71-aeb6-b277b8bbbfdd" providerId="ADAL" clId="{E7A5B079-1BA6-4760-B851-727E3DF33BC4}" dt="2020-05-29T07:29:02.630" v="10" actId="26606"/>
+          <ac:spMkLst>
+            <pc:docMk/>
+            <pc:sldMk cId="2153469640" sldId="263"/>
+            <ac:spMk id="3" creationId="{08CEBAFB-13CE-42CD-9607-942AEA5903C1}"/>
+          </ac:spMkLst>
+        </pc:spChg>
+        <pc:spChg chg="mod">
+          <ac:chgData name="Thorsten Hilbradt" userId="b76ca37a-0758-4f71-aeb6-b277b8bbbfdd" providerId="ADAL" clId="{E7A5B079-1BA6-4760-B851-727E3DF33BC4}" dt="2020-05-29T07:29:02.630" v="10" actId="26606"/>
+          <ac:spMkLst>
+            <pc:docMk/>
+            <pc:sldMk cId="2153469640" sldId="263"/>
+            <ac:spMk id="4" creationId="{DE355CC9-B98E-4EA2-9A54-F44E8C394531}"/>
+          </ac:spMkLst>
+        </pc:spChg>
+        <pc:spChg chg="add">
+          <ac:chgData name="Thorsten Hilbradt" userId="b76ca37a-0758-4f71-aeb6-b277b8bbbfdd" providerId="ADAL" clId="{E7A5B079-1BA6-4760-B851-727E3DF33BC4}" dt="2020-05-29T07:29:02.630" v="10" actId="26606"/>
+          <ac:spMkLst>
+            <pc:docMk/>
+            <pc:sldMk cId="2153469640" sldId="263"/>
+            <ac:spMk id="9" creationId="{C3896A03-3945-419A-B66B-4EE266EDD152}"/>
+          </ac:spMkLst>
+        </pc:spChg>
+        <pc:spChg chg="add">
+          <ac:chgData name="Thorsten Hilbradt" userId="b76ca37a-0758-4f71-aeb6-b277b8bbbfdd" providerId="ADAL" clId="{E7A5B079-1BA6-4760-B851-727E3DF33BC4}" dt="2020-05-29T07:29:02.630" v="10" actId="26606"/>
+          <ac:spMkLst>
+            <pc:docMk/>
+            <pc:sldMk cId="2153469640" sldId="263"/>
+            <ac:spMk id="11" creationId="{B34F5AD2-EDBD-4BBD-A55C-EAFFD0C7097A}"/>
+          </ac:spMkLst>
+        </pc:spChg>
+        <pc:spChg chg="add">
+          <ac:chgData name="Thorsten Hilbradt" userId="b76ca37a-0758-4f71-aeb6-b277b8bbbfdd" providerId="ADAL" clId="{E7A5B079-1BA6-4760-B851-727E3DF33BC4}" dt="2020-05-29T07:29:02.630" v="10" actId="26606"/>
+          <ac:spMkLst>
+            <pc:docMk/>
+            <pc:sldMk cId="2153469640" sldId="263"/>
+            <ac:spMk id="13" creationId="{6832F003-FCA6-4CFB-A2EA-308F3AA257D1}"/>
+          </ac:spMkLst>
+        </pc:spChg>
+      </pc:sldChg>
+      <pc:sldChg chg="add del">
+        <pc:chgData name="Thorsten Hilbradt" userId="b76ca37a-0758-4f71-aeb6-b277b8bbbfdd" providerId="ADAL" clId="{E7A5B079-1BA6-4760-B851-727E3DF33BC4}" dt="2020-05-29T07:52:57.710" v="13"/>
+        <pc:sldMkLst>
+          <pc:docMk/>
+          <pc:sldMk cId="2335557695" sldId="263"/>
+        </pc:sldMkLst>
+      </pc:sldChg>
+      <pc:sldChg chg="addSp modSp add del mod setBg">
+        <pc:chgData name="Thorsten Hilbradt" userId="b76ca37a-0758-4f71-aeb6-b277b8bbbfdd" providerId="ADAL" clId="{E7A5B079-1BA6-4760-B851-727E3DF33BC4}" dt="2020-05-29T07:53:16.574" v="16" actId="2696"/>
+        <pc:sldMkLst>
+          <pc:docMk/>
+          <pc:sldMk cId="2999191935" sldId="263"/>
+        </pc:sldMkLst>
+        <pc:spChg chg="mod">
+          <ac:chgData name="Thorsten Hilbradt" userId="b76ca37a-0758-4f71-aeb6-b277b8bbbfdd" providerId="ADAL" clId="{E7A5B079-1BA6-4760-B851-727E3DF33BC4}" dt="2020-05-29T07:53:02.742" v="15" actId="26606"/>
+          <ac:spMkLst>
+            <pc:docMk/>
+            <pc:sldMk cId="2999191935" sldId="263"/>
+            <ac:spMk id="2" creationId="{149791A1-7868-495A-94ED-EAA477DC0C20}"/>
+          </ac:spMkLst>
+        </pc:spChg>
+        <pc:spChg chg="mod">
+          <ac:chgData name="Thorsten Hilbradt" userId="b76ca37a-0758-4f71-aeb6-b277b8bbbfdd" providerId="ADAL" clId="{E7A5B079-1BA6-4760-B851-727E3DF33BC4}" dt="2020-05-29T07:53:02.742" v="15" actId="26606"/>
+          <ac:spMkLst>
+            <pc:docMk/>
+            <pc:sldMk cId="2999191935" sldId="263"/>
+            <ac:spMk id="3" creationId="{E548DCB4-5D38-4B06-A1DC-BEEE9C1050D6}"/>
+          </ac:spMkLst>
+        </pc:spChg>
+        <pc:spChg chg="mod">
+          <ac:chgData name="Thorsten Hilbradt" userId="b76ca37a-0758-4f71-aeb6-b277b8bbbfdd" providerId="ADAL" clId="{E7A5B079-1BA6-4760-B851-727E3DF33BC4}" dt="2020-05-29T07:53:02.742" v="15" actId="26606"/>
+          <ac:spMkLst>
+            <pc:docMk/>
+            <pc:sldMk cId="2999191935" sldId="263"/>
+            <ac:spMk id="4" creationId="{49C98366-96AE-4A63-82DC-16C1AD8FD65E}"/>
+          </ac:spMkLst>
+        </pc:spChg>
+        <pc:spChg chg="add">
+          <ac:chgData name="Thorsten Hilbradt" userId="b76ca37a-0758-4f71-aeb6-b277b8bbbfdd" providerId="ADAL" clId="{E7A5B079-1BA6-4760-B851-727E3DF33BC4}" dt="2020-05-29T07:53:02.742" v="15" actId="26606"/>
+          <ac:spMkLst>
+            <pc:docMk/>
+            <pc:sldMk cId="2999191935" sldId="263"/>
+            <ac:spMk id="9" creationId="{F3060C83-F051-4F0E-ABAD-AA0DFC48B218}"/>
+          </ac:spMkLst>
+        </pc:spChg>
+        <pc:spChg chg="add">
+          <ac:chgData name="Thorsten Hilbradt" userId="b76ca37a-0758-4f71-aeb6-b277b8bbbfdd" providerId="ADAL" clId="{E7A5B079-1BA6-4760-B851-727E3DF33BC4}" dt="2020-05-29T07:53:02.742" v="15" actId="26606"/>
+          <ac:spMkLst>
+            <pc:docMk/>
+            <pc:sldMk cId="2999191935" sldId="263"/>
+            <ac:spMk id="11" creationId="{83C98ABE-055B-441F-B07E-44F97F083C39}"/>
+          </ac:spMkLst>
+        </pc:spChg>
+        <pc:spChg chg="add">
+          <ac:chgData name="Thorsten Hilbradt" userId="b76ca37a-0758-4f71-aeb6-b277b8bbbfdd" providerId="ADAL" clId="{E7A5B079-1BA6-4760-B851-727E3DF33BC4}" dt="2020-05-29T07:53:02.742" v="15" actId="26606"/>
+          <ac:spMkLst>
+            <pc:docMk/>
+            <pc:sldMk cId="2999191935" sldId="263"/>
+            <ac:spMk id="13" creationId="{29FDB030-9B49-4CED-8CCD-4D99382388AC}"/>
+          </ac:spMkLst>
+        </pc:spChg>
+        <pc:spChg chg="add">
+          <ac:chgData name="Thorsten Hilbradt" userId="b76ca37a-0758-4f71-aeb6-b277b8bbbfdd" providerId="ADAL" clId="{E7A5B079-1BA6-4760-B851-727E3DF33BC4}" dt="2020-05-29T07:53:02.742" v="15" actId="26606"/>
+          <ac:spMkLst>
+            <pc:docMk/>
+            <pc:sldMk cId="2999191935" sldId="263"/>
+            <ac:spMk id="15" creationId="{3783CA14-24A1-485C-8B30-D6A5D87987AD}"/>
+          </ac:spMkLst>
+        </pc:spChg>
+        <pc:spChg chg="add">
+          <ac:chgData name="Thorsten Hilbradt" userId="b76ca37a-0758-4f71-aeb6-b277b8bbbfdd" providerId="ADAL" clId="{E7A5B079-1BA6-4760-B851-727E3DF33BC4}" dt="2020-05-29T07:53:02.742" v="15" actId="26606"/>
+          <ac:spMkLst>
+            <pc:docMk/>
+            <pc:sldMk cId="2999191935" sldId="263"/>
+            <ac:spMk id="17" creationId="{9A97C86A-04D6-40F7-AE84-31AB43E6A846}"/>
+          </ac:spMkLst>
+        </pc:spChg>
+        <pc:spChg chg="add">
+          <ac:chgData name="Thorsten Hilbradt" userId="b76ca37a-0758-4f71-aeb6-b277b8bbbfdd" providerId="ADAL" clId="{E7A5B079-1BA6-4760-B851-727E3DF33BC4}" dt="2020-05-29T07:53:02.742" v="15" actId="26606"/>
+          <ac:spMkLst>
+            <pc:docMk/>
+            <pc:sldMk cId="2999191935" sldId="263"/>
+            <ac:spMk id="19" creationId="{FF9F2414-84E8-453E-B1F3-389FDE8192D9}"/>
+          </ac:spMkLst>
+        </pc:spChg>
+        <pc:spChg chg="add">
+          <ac:chgData name="Thorsten Hilbradt" userId="b76ca37a-0758-4f71-aeb6-b277b8bbbfdd" providerId="ADAL" clId="{E7A5B079-1BA6-4760-B851-727E3DF33BC4}" dt="2020-05-29T07:53:02.742" v="15" actId="26606"/>
+          <ac:spMkLst>
+            <pc:docMk/>
+            <pc:sldMk cId="2999191935" sldId="263"/>
+            <ac:spMk id="21" creationId="{3ECA69A1-7536-43AC-85EF-C7106179F5ED}"/>
+          </ac:spMkLst>
+        </pc:spChg>
+      </pc:sldChg>
+      <pc:sldChg chg="addSp delSp modSp add mod ord setBg">
+        <pc:chgData name="Thorsten Hilbradt" userId="b76ca37a-0758-4f71-aeb6-b277b8bbbfdd" providerId="ADAL" clId="{E7A5B079-1BA6-4760-B851-727E3DF33BC4}" dt="2020-05-29T10:17:36.561" v="68" actId="20577"/>
+        <pc:sldMkLst>
+          <pc:docMk/>
+          <pc:sldMk cId="3503204803" sldId="263"/>
+        </pc:sldMkLst>
+        <pc:spChg chg="mod">
+          <ac:chgData name="Thorsten Hilbradt" userId="b76ca37a-0758-4f71-aeb6-b277b8bbbfdd" providerId="ADAL" clId="{E7A5B079-1BA6-4760-B851-727E3DF33BC4}" dt="2020-05-29T10:16:54.484" v="62" actId="26606"/>
+          <ac:spMkLst>
+            <pc:docMk/>
+            <pc:sldMk cId="3503204803" sldId="263"/>
+            <ac:spMk id="2" creationId="{5AE67FBB-C739-48C1-9469-53803B87622F}"/>
+          </ac:spMkLst>
+        </pc:spChg>
+        <pc:spChg chg="mod">
+          <ac:chgData name="Thorsten Hilbradt" userId="b76ca37a-0758-4f71-aeb6-b277b8bbbfdd" providerId="ADAL" clId="{E7A5B079-1BA6-4760-B851-727E3DF33BC4}" dt="2020-05-29T10:17:36.561" v="68" actId="20577"/>
+          <ac:spMkLst>
+            <pc:docMk/>
+            <pc:sldMk cId="3503204803" sldId="263"/>
+            <ac:spMk id="3" creationId="{0368D168-01DD-4E98-AB1D-2C5EF2677C34}"/>
+          </ac:spMkLst>
+        </pc:spChg>
+        <pc:spChg chg="mod">
+          <ac:chgData name="Thorsten Hilbradt" userId="b76ca37a-0758-4f71-aeb6-b277b8bbbfdd" providerId="ADAL" clId="{E7A5B079-1BA6-4760-B851-727E3DF33BC4}" dt="2020-05-29T10:16:54.484" v="62" actId="26606"/>
+          <ac:spMkLst>
+            <pc:docMk/>
+            <pc:sldMk cId="3503204803" sldId="263"/>
+            <ac:spMk id="4" creationId="{CFEFB799-7DB3-47B9-84A4-6B570130C9ED}"/>
+          </ac:spMkLst>
+        </pc:spChg>
+        <pc:spChg chg="add del">
+          <ac:chgData name="Thorsten Hilbradt" userId="b76ca37a-0758-4f71-aeb6-b277b8bbbfdd" providerId="ADAL" clId="{E7A5B079-1BA6-4760-B851-727E3DF33BC4}" dt="2020-05-29T07:53:41.317" v="29" actId="26606"/>
+          <ac:spMkLst>
+            <pc:docMk/>
+            <pc:sldMk cId="3503204803" sldId="263"/>
+            <ac:spMk id="9" creationId="{F3060C83-F051-4F0E-ABAD-AA0DFC48B218}"/>
+          </ac:spMkLst>
+        </pc:spChg>
+        <pc:spChg chg="add del">
+          <ac:chgData name="Thorsten Hilbradt" userId="b76ca37a-0758-4f71-aeb6-b277b8bbbfdd" providerId="ADAL" clId="{E7A5B079-1BA6-4760-B851-727E3DF33BC4}" dt="2020-05-29T07:53:41.317" v="29" actId="26606"/>
+          <ac:spMkLst>
+            <pc:docMk/>
+            <pc:sldMk cId="3503204803" sldId="263"/>
+            <ac:spMk id="11" creationId="{83C98ABE-055B-441F-B07E-44F97F083C39}"/>
+          </ac:spMkLst>
+        </pc:spChg>
+        <pc:spChg chg="add del">
+          <ac:chgData name="Thorsten Hilbradt" userId="b76ca37a-0758-4f71-aeb6-b277b8bbbfdd" providerId="ADAL" clId="{E7A5B079-1BA6-4760-B851-727E3DF33BC4}" dt="2020-05-29T07:53:41.317" v="29" actId="26606"/>
+          <ac:spMkLst>
+            <pc:docMk/>
+            <pc:sldMk cId="3503204803" sldId="263"/>
+            <ac:spMk id="13" creationId="{29FDB030-9B49-4CED-8CCD-4D99382388AC}"/>
+          </ac:spMkLst>
+        </pc:spChg>
+        <pc:spChg chg="add del">
+          <ac:chgData name="Thorsten Hilbradt" userId="b76ca37a-0758-4f71-aeb6-b277b8bbbfdd" providerId="ADAL" clId="{E7A5B079-1BA6-4760-B851-727E3DF33BC4}" dt="2020-05-29T07:53:41.317" v="29" actId="26606"/>
+          <ac:spMkLst>
+            <pc:docMk/>
+            <pc:sldMk cId="3503204803" sldId="263"/>
+            <ac:spMk id="15" creationId="{3783CA14-24A1-485C-8B30-D6A5D87987AD}"/>
+          </ac:spMkLst>
+        </pc:spChg>
+        <pc:spChg chg="add del">
+          <ac:chgData name="Thorsten Hilbradt" userId="b76ca37a-0758-4f71-aeb6-b277b8bbbfdd" providerId="ADAL" clId="{E7A5B079-1BA6-4760-B851-727E3DF33BC4}" dt="2020-05-29T07:53:41.317" v="29" actId="26606"/>
+          <ac:spMkLst>
+            <pc:docMk/>
+            <pc:sldMk cId="3503204803" sldId="263"/>
+            <ac:spMk id="17" creationId="{9A97C86A-04D6-40F7-AE84-31AB43E6A846}"/>
+          </ac:spMkLst>
+        </pc:spChg>
+        <pc:spChg chg="add del">
+          <ac:chgData name="Thorsten Hilbradt" userId="b76ca37a-0758-4f71-aeb6-b277b8bbbfdd" providerId="ADAL" clId="{E7A5B079-1BA6-4760-B851-727E3DF33BC4}" dt="2020-05-29T07:53:41.317" v="29" actId="26606"/>
+          <ac:spMkLst>
+            <pc:docMk/>
+            <pc:sldMk cId="3503204803" sldId="263"/>
+            <ac:spMk id="19" creationId="{FF9F2414-84E8-453E-B1F3-389FDE8192D9}"/>
+          </ac:spMkLst>
+        </pc:spChg>
+        <pc:spChg chg="add del">
+          <ac:chgData name="Thorsten Hilbradt" userId="b76ca37a-0758-4f71-aeb6-b277b8bbbfdd" providerId="ADAL" clId="{E7A5B079-1BA6-4760-B851-727E3DF33BC4}" dt="2020-05-29T07:53:41.317" v="29" actId="26606"/>
+          <ac:spMkLst>
+            <pc:docMk/>
+            <pc:sldMk cId="3503204803" sldId="263"/>
+            <ac:spMk id="21" creationId="{3ECA69A1-7536-43AC-85EF-C7106179F5ED}"/>
+          </ac:spMkLst>
+        </pc:spChg>
+        <pc:spChg chg="add del">
+          <ac:chgData name="Thorsten Hilbradt" userId="b76ca37a-0758-4f71-aeb6-b277b8bbbfdd" providerId="ADAL" clId="{E7A5B079-1BA6-4760-B851-727E3DF33BC4}" dt="2020-05-29T10:16:54.484" v="62" actId="26606"/>
+          <ac:spMkLst>
+            <pc:docMk/>
+            <pc:sldMk cId="3503204803" sldId="263"/>
+            <ac:spMk id="23" creationId="{2B566528-1B12-4246-9431-5C2D7D081168}"/>
+          </ac:spMkLst>
+        </pc:spChg>
+        <pc:spChg chg="add del">
+          <ac:chgData name="Thorsten Hilbradt" userId="b76ca37a-0758-4f71-aeb6-b277b8bbbfdd" providerId="ADAL" clId="{E7A5B079-1BA6-4760-B851-727E3DF33BC4}" dt="2020-05-29T10:16:54.484" v="62" actId="26606"/>
+          <ac:spMkLst>
+            <pc:docMk/>
+            <pc:sldMk cId="3503204803" sldId="263"/>
+            <ac:spMk id="24" creationId="{2E80C965-DB6D-4F81-9E9E-B027384D0BD6}"/>
+          </ac:spMkLst>
+        </pc:spChg>
+        <pc:spChg chg="add del">
+          <ac:chgData name="Thorsten Hilbradt" userId="b76ca37a-0758-4f71-aeb6-b277b8bbbfdd" providerId="ADAL" clId="{E7A5B079-1BA6-4760-B851-727E3DF33BC4}" dt="2020-05-29T10:16:54.484" v="62" actId="26606"/>
+          <ac:spMkLst>
+            <pc:docMk/>
+            <pc:sldMk cId="3503204803" sldId="263"/>
+            <ac:spMk id="25" creationId="{A580F890-B085-4E95-96AA-55AEBEC5CE6E}"/>
+          </ac:spMkLst>
+        </pc:spChg>
+        <pc:spChg chg="add del">
+          <ac:chgData name="Thorsten Hilbradt" userId="b76ca37a-0758-4f71-aeb6-b277b8bbbfdd" providerId="ADAL" clId="{E7A5B079-1BA6-4760-B851-727E3DF33BC4}" dt="2020-05-29T10:16:54.484" v="62" actId="26606"/>
+          <ac:spMkLst>
+            <pc:docMk/>
+            <pc:sldMk cId="3503204803" sldId="263"/>
+            <ac:spMk id="26" creationId="{D3F51FEB-38FB-4F6C-9F7B-2F2AFAB65463}"/>
+          </ac:spMkLst>
+        </pc:spChg>
+        <pc:spChg chg="add del">
+          <ac:chgData name="Thorsten Hilbradt" userId="b76ca37a-0758-4f71-aeb6-b277b8bbbfdd" providerId="ADAL" clId="{E7A5B079-1BA6-4760-B851-727E3DF33BC4}" dt="2020-05-29T10:16:54.484" v="62" actId="26606"/>
+          <ac:spMkLst>
+            <pc:docMk/>
+            <pc:sldMk cId="3503204803" sldId="263"/>
+            <ac:spMk id="27" creationId="{1E547BA6-BAE0-43BB-A7CA-60F69CE252F0}"/>
+          </ac:spMkLst>
+        </pc:spChg>
+        <pc:spChg chg="add del">
+          <ac:chgData name="Thorsten Hilbradt" userId="b76ca37a-0758-4f71-aeb6-b277b8bbbfdd" providerId="ADAL" clId="{E7A5B079-1BA6-4760-B851-727E3DF33BC4}" dt="2020-05-29T10:16:54.484" v="62" actId="26606"/>
+          <ac:spMkLst>
+            <pc:docMk/>
+            <pc:sldMk cId="3503204803" sldId="263"/>
+            <ac:spMk id="32" creationId="{3B854194-185D-494D-905C-7C7CB2E30F6E}"/>
+          </ac:spMkLst>
+        </pc:spChg>
+        <pc:spChg chg="add del">
+          <ac:chgData name="Thorsten Hilbradt" userId="b76ca37a-0758-4f71-aeb6-b277b8bbbfdd" providerId="ADAL" clId="{E7A5B079-1BA6-4760-B851-727E3DF33BC4}" dt="2020-05-29T10:16:54.484" v="62" actId="26606"/>
+          <ac:spMkLst>
+            <pc:docMk/>
+            <pc:sldMk cId="3503204803" sldId="263"/>
+            <ac:spMk id="34" creationId="{B4F5FA0D-0104-4987-8241-EFF7C85B88DE}"/>
+          </ac:spMkLst>
+        </pc:spChg>
+        <pc:picChg chg="add del">
+          <ac:chgData name="Thorsten Hilbradt" userId="b76ca37a-0758-4f71-aeb6-b277b8bbbfdd" providerId="ADAL" clId="{E7A5B079-1BA6-4760-B851-727E3DF33BC4}" dt="2020-05-29T10:16:54.484" v="62" actId="26606"/>
+          <ac:picMkLst>
+            <pc:docMk/>
+            <pc:sldMk cId="3503204803" sldId="263"/>
+            <ac:picMk id="36" creationId="{2897127E-6CEF-446C-BE87-93B7C46E49D1}"/>
+          </ac:picMkLst>
+        </pc:picChg>
+      </pc:sldChg>
+      <pc:sldChg chg="addSp delSp modSp add mod setBg">
+        <pc:chgData name="Thorsten Hilbradt" userId="b76ca37a-0758-4f71-aeb6-b277b8bbbfdd" providerId="ADAL" clId="{E7A5B079-1BA6-4760-B851-727E3DF33BC4}" dt="2020-05-29T10:34:23.876" v="117" actId="20577"/>
+        <pc:sldMkLst>
+          <pc:docMk/>
+          <pc:sldMk cId="3705508391" sldId="264"/>
+        </pc:sldMkLst>
+        <pc:spChg chg="mod">
+          <ac:chgData name="Thorsten Hilbradt" userId="b76ca37a-0758-4f71-aeb6-b277b8bbbfdd" providerId="ADAL" clId="{E7A5B079-1BA6-4760-B851-727E3DF33BC4}" dt="2020-05-29T10:31:55.303" v="112" actId="20577"/>
+          <ac:spMkLst>
+            <pc:docMk/>
+            <pc:sldMk cId="3705508391" sldId="264"/>
+            <ac:spMk id="2" creationId="{D876FA07-50C3-4ACA-8688-56A99B65C35B}"/>
+          </ac:spMkLst>
+        </pc:spChg>
+        <pc:spChg chg="mod">
+          <ac:chgData name="Thorsten Hilbradt" userId="b76ca37a-0758-4f71-aeb6-b277b8bbbfdd" providerId="ADAL" clId="{E7A5B079-1BA6-4760-B851-727E3DF33BC4}" dt="2020-05-29T10:34:23.876" v="117" actId="20577"/>
+          <ac:spMkLst>
+            <pc:docMk/>
+            <pc:sldMk cId="3705508391" sldId="264"/>
+            <ac:spMk id="3" creationId="{86117E30-EC20-4121-9ECE-708E2BC2CC77}"/>
+          </ac:spMkLst>
+        </pc:spChg>
+        <pc:spChg chg="mod ord">
+          <ac:chgData name="Thorsten Hilbradt" userId="b76ca37a-0758-4f71-aeb6-b277b8bbbfdd" providerId="ADAL" clId="{E7A5B079-1BA6-4760-B851-727E3DF33BC4}" dt="2020-05-29T10:31:18.558" v="111" actId="26606"/>
+          <ac:spMkLst>
+            <pc:docMk/>
+            <pc:sldMk cId="3705508391" sldId="264"/>
+            <ac:spMk id="4" creationId="{0B74A0A5-A7FB-40C8-A067-5C89BCCD5E73}"/>
+          </ac:spMkLst>
+        </pc:spChg>
+        <pc:spChg chg="add del">
+          <ac:chgData name="Thorsten Hilbradt" userId="b76ca37a-0758-4f71-aeb6-b277b8bbbfdd" providerId="ADAL" clId="{E7A5B079-1BA6-4760-B851-727E3DF33BC4}" dt="2020-05-29T10:31:18.558" v="111" actId="26606"/>
+          <ac:spMkLst>
+            <pc:docMk/>
+            <pc:sldMk cId="3705508391" sldId="264"/>
+            <ac:spMk id="9" creationId="{2B566528-1B12-4246-9431-5C2D7D081168}"/>
+          </ac:spMkLst>
+        </pc:spChg>
+        <pc:spChg chg="add del">
+          <ac:chgData name="Thorsten Hilbradt" userId="b76ca37a-0758-4f71-aeb6-b277b8bbbfdd" providerId="ADAL" clId="{E7A5B079-1BA6-4760-B851-727E3DF33BC4}" dt="2020-05-29T10:31:18.558" v="111" actId="26606"/>
+          <ac:spMkLst>
+            <pc:docMk/>
+            <pc:sldMk cId="3705508391" sldId="264"/>
+            <ac:spMk id="11" creationId="{2E80C965-DB6D-4F81-9E9E-B027384D0BD6}"/>
+          </ac:spMkLst>
+        </pc:spChg>
+        <pc:spChg chg="add del">
+          <ac:chgData name="Thorsten Hilbradt" userId="b76ca37a-0758-4f71-aeb6-b277b8bbbfdd" providerId="ADAL" clId="{E7A5B079-1BA6-4760-B851-727E3DF33BC4}" dt="2020-05-29T10:31:18.558" v="111" actId="26606"/>
+          <ac:spMkLst>
+            <pc:docMk/>
+            <pc:sldMk cId="3705508391" sldId="264"/>
+            <ac:spMk id="13" creationId="{A580F890-B085-4E95-96AA-55AEBEC5CE6E}"/>
+          </ac:spMkLst>
+        </pc:spChg>
+        <pc:spChg chg="add del">
+          <ac:chgData name="Thorsten Hilbradt" userId="b76ca37a-0758-4f71-aeb6-b277b8bbbfdd" providerId="ADAL" clId="{E7A5B079-1BA6-4760-B851-727E3DF33BC4}" dt="2020-05-29T10:31:18.558" v="111" actId="26606"/>
+          <ac:spMkLst>
+            <pc:docMk/>
+            <pc:sldMk cId="3705508391" sldId="264"/>
+            <ac:spMk id="15" creationId="{D3F51FEB-38FB-4F6C-9F7B-2F2AFAB65463}"/>
+          </ac:spMkLst>
+        </pc:spChg>
+        <pc:spChg chg="add del">
+          <ac:chgData name="Thorsten Hilbradt" userId="b76ca37a-0758-4f71-aeb6-b277b8bbbfdd" providerId="ADAL" clId="{E7A5B079-1BA6-4760-B851-727E3DF33BC4}" dt="2020-05-29T10:31:18.558" v="111" actId="26606"/>
+          <ac:spMkLst>
+            <pc:docMk/>
+            <pc:sldMk cId="3705508391" sldId="264"/>
+            <ac:spMk id="17" creationId="{1E547BA6-BAE0-43BB-A7CA-60F69CE252F0}"/>
+          </ac:spMkLst>
+        </pc:spChg>
+        <pc:spChg chg="add del">
+          <ac:chgData name="Thorsten Hilbradt" userId="b76ca37a-0758-4f71-aeb6-b277b8bbbfdd" providerId="ADAL" clId="{E7A5B079-1BA6-4760-B851-727E3DF33BC4}" dt="2020-05-29T10:30:48.352" v="110" actId="26606"/>
+          <ac:spMkLst>
+            <pc:docMk/>
+            <pc:sldMk cId="3705508391" sldId="264"/>
+            <ac:spMk id="71" creationId="{2B1D4F77-A17C-43D7-B7FA-545148E4E93D}"/>
+          </ac:spMkLst>
+        </pc:spChg>
+        <pc:spChg chg="add del">
+          <ac:chgData name="Thorsten Hilbradt" userId="b76ca37a-0758-4f71-aeb6-b277b8bbbfdd" providerId="ADAL" clId="{E7A5B079-1BA6-4760-B851-727E3DF33BC4}" dt="2020-05-29T10:30:47.978" v="109" actId="26606"/>
+          <ac:spMkLst>
+            <pc:docMk/>
+            <pc:sldMk cId="3705508391" sldId="264"/>
+            <ac:spMk id="135" creationId="{724CD679-7405-4CD3-A92A-9469F279A59D}"/>
+          </ac:spMkLst>
+        </pc:spChg>
+        <pc:spChg chg="add">
+          <ac:chgData name="Thorsten Hilbradt" userId="b76ca37a-0758-4f71-aeb6-b277b8bbbfdd" providerId="ADAL" clId="{E7A5B079-1BA6-4760-B851-727E3DF33BC4}" dt="2020-05-29T10:31:18.558" v="111" actId="26606"/>
+          <ac:spMkLst>
+            <pc:docMk/>
+            <pc:sldMk cId="3705508391" sldId="264"/>
+            <ac:spMk id="1028" creationId="{724CD679-7405-4CD3-A92A-9469F279A59D}"/>
+          </ac:spMkLst>
+        </pc:spChg>
+        <pc:picChg chg="add mod ord">
+          <ac:chgData name="Thorsten Hilbradt" userId="b76ca37a-0758-4f71-aeb6-b277b8bbbfdd" providerId="ADAL" clId="{E7A5B079-1BA6-4760-B851-727E3DF33BC4}" dt="2020-05-29T10:31:18.558" v="111" actId="26606"/>
+          <ac:picMkLst>
+            <pc:docMk/>
+            <pc:sldMk cId="3705508391" sldId="264"/>
+            <ac:picMk id="1026" creationId="{885848D4-53E6-4D8D-AA3A-08215466BFF6}"/>
+          </ac:picMkLst>
+        </pc:picChg>
+      </pc:sldChg>
+    </pc:docChg>
+  </pc:docChgLst>
+</pc:chgInfo>
 </file>
 
 <file path=ppt/diagrams/colors1.xml><?xml version="1.0" encoding="utf-8"?>
@@ -3262,7 +4253,7 @@
           <a:p>
             <a:fld id="{EC23A34E-68F0-4489-A79F-CD1755C002C0}" type="datetimeFigureOut">
               <a:rPr lang="de-DE" smtClean="0"/>
-              <a:t>28.05.2020</a:t>
+              <a:t>29.05.2020</a:t>
             </a:fld>
             <a:endParaRPr lang="de-DE"/>
           </a:p>
@@ -11040,6 +12031,286 @@
           <a:chExt cx="0" cy="0"/>
         </a:xfrm>
       </p:grpSpPr>
+      <p:pic>
+        <p:nvPicPr>
+          <p:cNvPr id="1026" name="Picture 2" descr="Inside the (deep) mind of AlphaZero | ChessBase">
+            <a:extLst>
+              <a:ext uri="{FF2B5EF4-FFF2-40B4-BE49-F238E27FC236}">
+                <a16:creationId xmlns:a16="http://schemas.microsoft.com/office/drawing/2014/main" id="{885848D4-53E6-4D8D-AA3A-08215466BFF6}"/>
+              </a:ext>
+            </a:extLst>
+          </p:cNvPr>
+          <p:cNvPicPr>
+            <a:picLocks noChangeAspect="1" noChangeArrowheads="1"/>
+          </p:cNvPicPr>
+          <p:nvPr/>
+        </p:nvPicPr>
+        <p:blipFill rotWithShape="1">
+          <a:blip r:embed="rId2">
+            <a:extLst>
+              <a:ext uri="{28A0092B-C50C-407E-A947-70E740481C1C}">
+                <a14:useLocalDpi xmlns:a14="http://schemas.microsoft.com/office/drawing/2010/main" val="0"/>
+              </a:ext>
+            </a:extLst>
+          </a:blip>
+          <a:srcRect t="11919" r="9091" b="11473"/>
+          <a:stretch/>
+        </p:blipFill>
+        <p:spPr bwMode="auto">
+          <a:xfrm>
+            <a:off x="20" y="10"/>
+            <a:ext cx="12191980" cy="6857990"/>
+          </a:xfrm>
+          <a:prstGeom prst="rect">
+            <a:avLst/>
+          </a:prstGeom>
+          <a:noFill/>
+          <a:extLst>
+            <a:ext uri="{909E8E84-426E-40DD-AFC4-6F175D3DCCD1}">
+              <a14:hiddenFill xmlns:a14="http://schemas.microsoft.com/office/drawing/2010/main">
+                <a:solidFill>
+                  <a:srgbClr val="FFFFFF"/>
+                </a:solidFill>
+              </a14:hiddenFill>
+            </a:ext>
+          </a:extLst>
+        </p:spPr>
+      </p:pic>
+      <p:sp>
+        <p:nvSpPr>
+          <p:cNvPr id="1028" name="Rectangle 70">
+            <a:extLst>
+              <a:ext uri="{FF2B5EF4-FFF2-40B4-BE49-F238E27FC236}">
+                <a16:creationId xmlns:a16="http://schemas.microsoft.com/office/drawing/2014/main" id="{724CD679-7405-4CD3-A92A-9469F279A59D}"/>
+              </a:ext>
+              <a:ext uri="{C183D7F6-B498-43B3-948B-1728B52AA6E4}">
+                <adec:decorative xmlns:adec="http://schemas.microsoft.com/office/drawing/2017/decorative" val="1"/>
+              </a:ext>
+            </a:extLst>
+          </p:cNvPr>
+          <p:cNvSpPr>
+            <a:spLocks noGrp="1" noRot="1" noChangeAspect="1" noMove="1" noResize="1" noEditPoints="1" noAdjustHandles="1" noChangeArrowheads="1" noChangeShapeType="1" noTextEdit="1"/>
+          </p:cNvSpPr>
+          <p:nvPr>
+            <p:extLst>
+              <p:ext uri="{386F3935-93C4-4BCD-93E2-E3B085C9AB24}">
+                <p16:designElem xmlns:p16="http://schemas.microsoft.com/office/powerpoint/2015/main" val="1"/>
+              </p:ext>
+            </p:extLst>
+          </p:nvPr>
+        </p:nvSpPr>
+        <p:spPr bwMode="ltGray">
+          <a:xfrm>
+            <a:off x="336884" y="321176"/>
+            <a:ext cx="5735590" cy="5896743"/>
+          </a:xfrm>
+          <a:prstGeom prst="rect">
+            <a:avLst/>
+          </a:prstGeom>
+          <a:solidFill>
+            <a:schemeClr val="bg1">
+              <a:alpha val="90000"/>
+            </a:schemeClr>
+          </a:solidFill>
+          <a:ln w="127000" cap="sq" cmpd="thinThick">
+            <a:solidFill>
+              <a:schemeClr val="bg1"/>
+            </a:solidFill>
+          </a:ln>
+        </p:spPr>
+        <p:style>
+          <a:lnRef idx="2">
+            <a:schemeClr val="accent1">
+              <a:shade val="50000"/>
+            </a:schemeClr>
+          </a:lnRef>
+          <a:fillRef idx="1">
+            <a:schemeClr val="accent1"/>
+          </a:fillRef>
+          <a:effectRef idx="0">
+            <a:schemeClr val="accent1"/>
+          </a:effectRef>
+          <a:fontRef idx="minor">
+            <a:schemeClr val="lt1"/>
+          </a:fontRef>
+        </p:style>
+        <p:txBody>
+          <a:bodyPr rtlCol="0" anchor="ctr"/>
+          <a:lstStyle/>
+          <a:p>
+            <a:pPr algn="ctr"/>
+            <a:endParaRPr lang="en-US"/>
+          </a:p>
+        </p:txBody>
+      </p:sp>
+      <p:sp>
+        <p:nvSpPr>
+          <p:cNvPr id="2" name="Titel 1">
+            <a:extLst>
+              <a:ext uri="{FF2B5EF4-FFF2-40B4-BE49-F238E27FC236}">
+                <a16:creationId xmlns:a16="http://schemas.microsoft.com/office/drawing/2014/main" id="{D876FA07-50C3-4ACA-8688-56A99B65C35B}"/>
+              </a:ext>
+            </a:extLst>
+          </p:cNvPr>
+          <p:cNvSpPr>
+            <a:spLocks noGrp="1"/>
+          </p:cNvSpPr>
+          <p:nvPr>
+            <p:ph type="title"/>
+          </p:nvPr>
+        </p:nvSpPr>
+        <p:spPr>
+          <a:xfrm>
+            <a:off x="594805" y="640263"/>
+            <a:ext cx="5221266" cy="1344975"/>
+          </a:xfrm>
+        </p:spPr>
+        <p:txBody>
+          <a:bodyPr>
+            <a:normAutofit/>
+          </a:bodyPr>
+          <a:lstStyle/>
+          <a:p>
+            <a:r>
+              <a:rPr lang="de-DE" sz="4000" dirty="0"/>
+              <a:t>DeepMind - </a:t>
+            </a:r>
+            <a:r>
+              <a:rPr lang="de-DE" sz="4000" dirty="0" err="1"/>
+              <a:t>AlphaZero</a:t>
+            </a:r>
+            <a:endParaRPr lang="de-DE" sz="4000" dirty="0"/>
+          </a:p>
+        </p:txBody>
+      </p:sp>
+      <p:sp>
+        <p:nvSpPr>
+          <p:cNvPr id="3" name="Inhaltsplatzhalter 2">
+            <a:extLst>
+              <a:ext uri="{FF2B5EF4-FFF2-40B4-BE49-F238E27FC236}">
+                <a16:creationId xmlns:a16="http://schemas.microsoft.com/office/drawing/2014/main" id="{86117E30-EC20-4121-9ECE-708E2BC2CC77}"/>
+              </a:ext>
+            </a:extLst>
+          </p:cNvPr>
+          <p:cNvSpPr>
+            <a:spLocks noGrp="1"/>
+          </p:cNvSpPr>
+          <p:nvPr>
+            <p:ph idx="1"/>
+          </p:nvPr>
+        </p:nvSpPr>
+        <p:spPr>
+          <a:xfrm>
+            <a:off x="594110" y="2121763"/>
+            <a:ext cx="5235490" cy="3773010"/>
+          </a:xfrm>
+        </p:spPr>
+        <p:txBody>
+          <a:bodyPr>
+            <a:normAutofit/>
+          </a:bodyPr>
+          <a:lstStyle/>
+          <a:p>
+            <a:r>
+              <a:rPr lang="de-DE" sz="2400"/>
+              <a:t>2017 </a:t>
+            </a:r>
+            <a:endParaRPr lang="de-DE" sz="2400" dirty="0"/>
+          </a:p>
+        </p:txBody>
+      </p:sp>
+      <p:sp>
+        <p:nvSpPr>
+          <p:cNvPr id="4" name="Foliennummernplatzhalter 3">
+            <a:extLst>
+              <a:ext uri="{FF2B5EF4-FFF2-40B4-BE49-F238E27FC236}">
+                <a16:creationId xmlns:a16="http://schemas.microsoft.com/office/drawing/2014/main" id="{0B74A0A5-A7FB-40C8-A067-5C89BCCD5E73}"/>
+              </a:ext>
+            </a:extLst>
+          </p:cNvPr>
+          <p:cNvSpPr>
+            <a:spLocks noGrp="1"/>
+          </p:cNvSpPr>
+          <p:nvPr>
+            <p:ph type="sldNum" sz="quarter" idx="12"/>
+          </p:nvPr>
+        </p:nvSpPr>
+        <p:spPr>
+          <a:xfrm>
+            <a:off x="8610600" y="6356350"/>
+            <a:ext cx="2743200" cy="365125"/>
+          </a:xfrm>
+        </p:spPr>
+        <p:txBody>
+          <a:bodyPr>
+            <a:normAutofit/>
+          </a:bodyPr>
+          <a:lstStyle/>
+          <a:p>
+            <a:pPr>
+              <a:spcAft>
+                <a:spcPts val="600"/>
+              </a:spcAft>
+            </a:pPr>
+            <a:fld id="{DFF01B4A-46B9-4C6C-A96B-6DAD2C3CC688}" type="slidenum">
+              <a:rPr lang="de-DE">
+                <a:solidFill>
+                  <a:srgbClr val="FFFFFF"/>
+                </a:solidFill>
+              </a:rPr>
+              <a:pPr>
+                <a:spcAft>
+                  <a:spcPts val="600"/>
+                </a:spcAft>
+              </a:pPr>
+              <a:t>6</a:t>
+            </a:fld>
+            <a:endParaRPr lang="de-DE">
+              <a:solidFill>
+                <a:srgbClr val="FFFFFF"/>
+              </a:solidFill>
+            </a:endParaRPr>
+          </a:p>
+        </p:txBody>
+      </p:sp>
+    </p:spTree>
+    <p:extLst>
+      <p:ext uri="{BB962C8B-B14F-4D97-AF65-F5344CB8AC3E}">
+        <p14:creationId xmlns:p14="http://schemas.microsoft.com/office/powerpoint/2010/main" val="3705508391"/>
+      </p:ext>
+    </p:extLst>
+  </p:cSld>
+  <p:clrMapOvr>
+    <a:masterClrMapping/>
+  </p:clrMapOvr>
+</p:sld>
+</file>
+
+<file path=ppt/slides/slide7.xml><?xml version="1.0" encoding="utf-8"?>
+<p:sld xmlns:a="http://schemas.openxmlformats.org/drawingml/2006/main" xmlns:r="http://schemas.openxmlformats.org/officeDocument/2006/relationships" xmlns:p="http://schemas.openxmlformats.org/presentationml/2006/main">
+  <p:cSld>
+    <p:bg>
+      <p:bgPr>
+        <a:solidFill>
+          <a:schemeClr val="bg1"/>
+        </a:solidFill>
+        <a:effectLst/>
+      </p:bgPr>
+    </p:bg>
+    <p:spTree>
+      <p:nvGrpSpPr>
+        <p:cNvPr id="1" name=""/>
+        <p:cNvGrpSpPr/>
+        <p:nvPr/>
+      </p:nvGrpSpPr>
+      <p:grpSpPr>
+        <a:xfrm>
+          <a:off x="0" y="0"/>
+          <a:ext cx="0" cy="0"/>
+          <a:chOff x="0" y="0"/>
+          <a:chExt cx="0" cy="0"/>
+        </a:xfrm>
+      </p:grpSpPr>
       <p:sp>
         <p:nvSpPr>
           <p:cNvPr id="8" name="Rectangle 7">
@@ -12251,7 +13522,7 @@
           <a:p>
             <a:fld id="{DFF01B4A-46B9-4C6C-A96B-6DAD2C3CC688}" type="slidenum">
               <a:rPr lang="de-DE" smtClean="0"/>
-              <a:t>6</a:t>
+              <a:t>7</a:t>
             </a:fld>
             <a:endParaRPr lang="de-DE"/>
           </a:p>
@@ -12270,7 +13541,496 @@
 </p:sld>
 </file>
 
-<file path=ppt/slides/slide7.xml><?xml version="1.0" encoding="utf-8"?>
+<file path=ppt/slides/slide8.xml><?xml version="1.0" encoding="utf-8"?>
+<p:sld xmlns:a="http://schemas.openxmlformats.org/drawingml/2006/main" xmlns:r="http://schemas.openxmlformats.org/officeDocument/2006/relationships" xmlns:p="http://schemas.openxmlformats.org/presentationml/2006/main">
+  <p:cSld>
+    <p:bg>
+      <p:bgPr>
+        <a:solidFill>
+          <a:schemeClr val="bg1"/>
+        </a:solidFill>
+        <a:effectLst/>
+      </p:bgPr>
+    </p:bg>
+    <p:spTree>
+      <p:nvGrpSpPr>
+        <p:cNvPr id="1" name=""/>
+        <p:cNvGrpSpPr/>
+        <p:nvPr/>
+      </p:nvGrpSpPr>
+      <p:grpSpPr>
+        <a:xfrm>
+          <a:off x="0" y="0"/>
+          <a:ext cx="0" cy="0"/>
+          <a:chOff x="0" y="0"/>
+          <a:chExt cx="0" cy="0"/>
+        </a:xfrm>
+      </p:grpSpPr>
+      <p:sp>
+        <p:nvSpPr>
+          <p:cNvPr id="23" name="Rectangle 8">
+            <a:extLst>
+              <a:ext uri="{FF2B5EF4-FFF2-40B4-BE49-F238E27FC236}">
+                <a16:creationId xmlns:a16="http://schemas.microsoft.com/office/drawing/2014/main" id="{2B566528-1B12-4246-9431-5C2D7D081168}"/>
+              </a:ext>
+              <a:ext uri="{C183D7F6-B498-43B3-948B-1728B52AA6E4}">
+                <adec:decorative xmlns:adec="http://schemas.microsoft.com/office/drawing/2017/decorative" val="1"/>
+              </a:ext>
+            </a:extLst>
+          </p:cNvPr>
+          <p:cNvSpPr>
+            <a:spLocks noGrp="1" noRot="1" noChangeAspect="1" noMove="1" noResize="1" noEditPoints="1" noAdjustHandles="1" noChangeArrowheads="1" noChangeShapeType="1" noTextEdit="1"/>
+          </p:cNvSpPr>
+          <p:nvPr>
+            <p:extLst>
+              <p:ext uri="{386F3935-93C4-4BCD-93E2-E3B085C9AB24}">
+                <p16:designElem xmlns:p16="http://schemas.microsoft.com/office/powerpoint/2015/main" val="1"/>
+              </p:ext>
+            </p:extLst>
+          </p:nvPr>
+        </p:nvSpPr>
+        <p:spPr>
+          <a:xfrm>
+            <a:off x="0" y="0"/>
+            <a:ext cx="12192000" cy="6858000"/>
+          </a:xfrm>
+          <a:prstGeom prst="rect">
+            <a:avLst/>
+          </a:prstGeom>
+          <a:solidFill>
+            <a:schemeClr val="bg1"/>
+          </a:solidFill>
+          <a:ln>
+            <a:noFill/>
+          </a:ln>
+        </p:spPr>
+        <p:style>
+          <a:lnRef idx="2">
+            <a:schemeClr val="accent1">
+              <a:shade val="50000"/>
+            </a:schemeClr>
+          </a:lnRef>
+          <a:fillRef idx="1">
+            <a:schemeClr val="accent1"/>
+          </a:fillRef>
+          <a:effectRef idx="0">
+            <a:schemeClr val="accent1"/>
+          </a:effectRef>
+          <a:fontRef idx="minor">
+            <a:schemeClr val="lt1"/>
+          </a:fontRef>
+        </p:style>
+        <p:txBody>
+          <a:bodyPr rtlCol="0" anchor="ctr"/>
+          <a:lstStyle/>
+          <a:p>
+            <a:pPr algn="ctr"/>
+            <a:endParaRPr lang="en-US" dirty="0"/>
+          </a:p>
+        </p:txBody>
+      </p:sp>
+      <p:sp>
+        <p:nvSpPr>
+          <p:cNvPr id="2" name="Titel 1">
+            <a:extLst>
+              <a:ext uri="{FF2B5EF4-FFF2-40B4-BE49-F238E27FC236}">
+                <a16:creationId xmlns:a16="http://schemas.microsoft.com/office/drawing/2014/main" id="{5AE67FBB-C739-48C1-9469-53803B87622F}"/>
+              </a:ext>
+            </a:extLst>
+          </p:cNvPr>
+          <p:cNvSpPr>
+            <a:spLocks noGrp="1"/>
+          </p:cNvSpPr>
+          <p:nvPr>
+            <p:ph type="title"/>
+          </p:nvPr>
+        </p:nvSpPr>
+        <p:spPr>
+          <a:xfrm>
+            <a:off x="643467" y="321734"/>
+            <a:ext cx="10905066" cy="1135737"/>
+          </a:xfrm>
+        </p:spPr>
+        <p:txBody>
+          <a:bodyPr>
+            <a:normAutofit/>
+          </a:bodyPr>
+          <a:lstStyle/>
+          <a:p>
+            <a:r>
+              <a:rPr lang="de-DE" sz="3600"/>
+              <a:t>Motnecarlo Tree Search</a:t>
+            </a:r>
+            <a:endParaRPr lang="de-DE" sz="3600" dirty="0"/>
+          </a:p>
+        </p:txBody>
+      </p:sp>
+      <p:sp>
+        <p:nvSpPr>
+          <p:cNvPr id="3" name="Inhaltsplatzhalter 2">
+            <a:extLst>
+              <a:ext uri="{FF2B5EF4-FFF2-40B4-BE49-F238E27FC236}">
+                <a16:creationId xmlns:a16="http://schemas.microsoft.com/office/drawing/2014/main" id="{0368D168-01DD-4E98-AB1D-2C5EF2677C34}"/>
+              </a:ext>
+            </a:extLst>
+          </p:cNvPr>
+          <p:cNvSpPr>
+            <a:spLocks noGrp="1"/>
+          </p:cNvSpPr>
+          <p:nvPr>
+            <p:ph idx="1"/>
+          </p:nvPr>
+        </p:nvSpPr>
+        <p:spPr>
+          <a:xfrm>
+            <a:off x="643467" y="1782981"/>
+            <a:ext cx="10905066" cy="4393982"/>
+          </a:xfrm>
+        </p:spPr>
+        <p:txBody>
+          <a:bodyPr>
+            <a:normAutofit/>
+          </a:bodyPr>
+          <a:lstStyle/>
+          <a:p>
+            <a:r>
+              <a:rPr lang="en-US" dirty="0"/>
+              <a:t>combines the precision of tree search with the generality of random sampling</a:t>
+            </a:r>
+          </a:p>
+          <a:p>
+            <a:endParaRPr lang="de-DE" sz="2000" dirty="0"/>
+          </a:p>
+        </p:txBody>
+      </p:sp>
+      <p:sp>
+        <p:nvSpPr>
+          <p:cNvPr id="24" name="Rectangle 10">
+            <a:extLst>
+              <a:ext uri="{FF2B5EF4-FFF2-40B4-BE49-F238E27FC236}">
+                <a16:creationId xmlns:a16="http://schemas.microsoft.com/office/drawing/2014/main" id="{2E80C965-DB6D-4F81-9E9E-B027384D0BD6}"/>
+              </a:ext>
+              <a:ext uri="{C183D7F6-B498-43B3-948B-1728B52AA6E4}">
+                <adec:decorative xmlns:adec="http://schemas.microsoft.com/office/drawing/2017/decorative" val="1"/>
+              </a:ext>
+            </a:extLst>
+          </p:cNvPr>
+          <p:cNvSpPr>
+            <a:spLocks noGrp="1" noRot="1" noChangeAspect="1" noMove="1" noResize="1" noEditPoints="1" noAdjustHandles="1" noChangeArrowheads="1" noChangeShapeType="1" noTextEdit="1"/>
+          </p:cNvSpPr>
+          <p:nvPr>
+            <p:extLst>
+              <p:ext uri="{386F3935-93C4-4BCD-93E2-E3B085C9AB24}">
+                <p16:designElem xmlns:p16="http://schemas.microsoft.com/office/powerpoint/2015/main" val="1"/>
+              </p:ext>
+            </p:extLst>
+          </p:nvPr>
+        </p:nvSpPr>
+        <p:spPr>
+          <a:xfrm rot="2700000">
+            <a:off x="11052629" y="2120024"/>
+            <a:ext cx="645368" cy="645368"/>
+          </a:xfrm>
+          <a:prstGeom prst="rect">
+            <a:avLst/>
+          </a:prstGeom>
+          <a:solidFill>
+            <a:schemeClr val="accent4">
+              <a:alpha val="30000"/>
+            </a:schemeClr>
+          </a:solidFill>
+          <a:ln>
+            <a:noFill/>
+          </a:ln>
+        </p:spPr>
+        <p:style>
+          <a:lnRef idx="2">
+            <a:schemeClr val="accent1">
+              <a:shade val="50000"/>
+            </a:schemeClr>
+          </a:lnRef>
+          <a:fillRef idx="1">
+            <a:schemeClr val="accent1"/>
+          </a:fillRef>
+          <a:effectRef idx="0">
+            <a:schemeClr val="accent1"/>
+          </a:effectRef>
+          <a:fontRef idx="minor">
+            <a:schemeClr val="lt1"/>
+          </a:fontRef>
+        </p:style>
+        <p:txBody>
+          <a:bodyPr rtlCol="0" anchor="ctr"/>
+          <a:lstStyle/>
+          <a:p>
+            <a:pPr algn="ctr"/>
+            <a:endParaRPr lang="en-US"/>
+          </a:p>
+        </p:txBody>
+      </p:sp>
+      <p:sp>
+        <p:nvSpPr>
+          <p:cNvPr id="25" name="Isosceles Triangle 12">
+            <a:extLst>
+              <a:ext uri="{FF2B5EF4-FFF2-40B4-BE49-F238E27FC236}">
+                <a16:creationId xmlns:a16="http://schemas.microsoft.com/office/drawing/2014/main" id="{A580F890-B085-4E95-96AA-55AEBEC5CE6E}"/>
+              </a:ext>
+              <a:ext uri="{C183D7F6-B498-43B3-948B-1728B52AA6E4}">
+                <adec:decorative xmlns:adec="http://schemas.microsoft.com/office/drawing/2017/decorative" val="1"/>
+              </a:ext>
+            </a:extLst>
+          </p:cNvPr>
+          <p:cNvSpPr>
+            <a:spLocks noGrp="1" noRot="1" noChangeAspect="1" noMove="1" noResize="1" noEditPoints="1" noAdjustHandles="1" noChangeArrowheads="1" noChangeShapeType="1" noTextEdit="1"/>
+          </p:cNvSpPr>
+          <p:nvPr>
+            <p:extLst>
+              <p:ext uri="{386F3935-93C4-4BCD-93E2-E3B085C9AB24}">
+                <p16:designElem xmlns:p16="http://schemas.microsoft.com/office/powerpoint/2015/main" val="1"/>
+              </p:ext>
+            </p:extLst>
+          </p:nvPr>
+        </p:nvSpPr>
+        <p:spPr>
+          <a:xfrm rot="16200000">
+            <a:off x="10289068" y="1343027"/>
+            <a:ext cx="2532832" cy="1273032"/>
+          </a:xfrm>
+          <a:prstGeom prst="triangle">
+            <a:avLst>
+              <a:gd name="adj" fmla="val 50000"/>
+            </a:avLst>
+          </a:prstGeom>
+          <a:solidFill>
+            <a:schemeClr val="accent4">
+              <a:alpha val="30000"/>
+            </a:schemeClr>
+          </a:solidFill>
+          <a:ln>
+            <a:noFill/>
+          </a:ln>
+        </p:spPr>
+        <p:style>
+          <a:lnRef idx="2">
+            <a:schemeClr val="accent1">
+              <a:shade val="50000"/>
+            </a:schemeClr>
+          </a:lnRef>
+          <a:fillRef idx="1">
+            <a:schemeClr val="accent1"/>
+          </a:fillRef>
+          <a:effectRef idx="0">
+            <a:schemeClr val="accent1"/>
+          </a:effectRef>
+          <a:fontRef idx="minor">
+            <a:schemeClr val="lt1"/>
+          </a:fontRef>
+        </p:style>
+        <p:txBody>
+          <a:bodyPr rtlCol="0" anchor="ctr"/>
+          <a:lstStyle/>
+          <a:p>
+            <a:pPr algn="ctr"/>
+            <a:endParaRPr lang="en-US"/>
+          </a:p>
+        </p:txBody>
+      </p:sp>
+      <p:sp>
+        <p:nvSpPr>
+          <p:cNvPr id="26" name="Isosceles Triangle 14">
+            <a:extLst>
+              <a:ext uri="{FF2B5EF4-FFF2-40B4-BE49-F238E27FC236}">
+                <a16:creationId xmlns:a16="http://schemas.microsoft.com/office/drawing/2014/main" id="{D3F51FEB-38FB-4F6C-9F7B-2F2AFAB65463}"/>
+              </a:ext>
+              <a:ext uri="{C183D7F6-B498-43B3-948B-1728B52AA6E4}">
+                <adec:decorative xmlns:adec="http://schemas.microsoft.com/office/drawing/2017/decorative" val="1"/>
+              </a:ext>
+            </a:extLst>
+          </p:cNvPr>
+          <p:cNvSpPr>
+            <a:spLocks noGrp="1" noRot="1" noChangeAspect="1" noMove="1" noResize="1" noEditPoints="1" noAdjustHandles="1" noChangeArrowheads="1" noChangeShapeType="1" noTextEdit="1"/>
+          </p:cNvSpPr>
+          <p:nvPr>
+            <p:extLst>
+              <p:ext uri="{386F3935-93C4-4BCD-93E2-E3B085C9AB24}">
+                <p16:designElem xmlns:p16="http://schemas.microsoft.com/office/powerpoint/2015/main" val="1"/>
+              </p:ext>
+            </p:extLst>
+          </p:nvPr>
+        </p:nvSpPr>
+        <p:spPr>
+          <a:xfrm rot="5400000">
+            <a:off x="-501760" y="5103257"/>
+            <a:ext cx="2017580" cy="1014060"/>
+          </a:xfrm>
+          <a:prstGeom prst="triangle">
+            <a:avLst>
+              <a:gd name="adj" fmla="val 50000"/>
+            </a:avLst>
+          </a:prstGeom>
+          <a:solidFill>
+            <a:schemeClr val="accent1">
+              <a:alpha val="30000"/>
+            </a:schemeClr>
+          </a:solidFill>
+          <a:ln>
+            <a:noFill/>
+          </a:ln>
+        </p:spPr>
+        <p:style>
+          <a:lnRef idx="2">
+            <a:schemeClr val="accent1">
+              <a:shade val="50000"/>
+            </a:schemeClr>
+          </a:lnRef>
+          <a:fillRef idx="1">
+            <a:schemeClr val="accent1"/>
+          </a:fillRef>
+          <a:effectRef idx="0">
+            <a:schemeClr val="accent1"/>
+          </a:effectRef>
+          <a:fontRef idx="minor">
+            <a:schemeClr val="lt1"/>
+          </a:fontRef>
+        </p:style>
+        <p:txBody>
+          <a:bodyPr wrap="square" rtlCol="0" anchor="ctr">
+            <a:noAutofit/>
+          </a:bodyPr>
+          <a:lstStyle/>
+          <a:p>
+            <a:pPr algn="ctr"/>
+            <a:endParaRPr lang="en-US"/>
+          </a:p>
+        </p:txBody>
+      </p:sp>
+      <p:sp>
+        <p:nvSpPr>
+          <p:cNvPr id="27" name="Rectangle 16">
+            <a:extLst>
+              <a:ext uri="{FF2B5EF4-FFF2-40B4-BE49-F238E27FC236}">
+                <a16:creationId xmlns:a16="http://schemas.microsoft.com/office/drawing/2014/main" id="{1E547BA6-BAE0-43BB-A7CA-60F69CE252F0}"/>
+              </a:ext>
+              <a:ext uri="{C183D7F6-B498-43B3-948B-1728B52AA6E4}">
+                <adec:decorative xmlns:adec="http://schemas.microsoft.com/office/drawing/2017/decorative" val="1"/>
+              </a:ext>
+            </a:extLst>
+          </p:cNvPr>
+          <p:cNvSpPr>
+            <a:spLocks noGrp="1" noRot="1" noChangeAspect="1" noMove="1" noResize="1" noEditPoints="1" noAdjustHandles="1" noChangeArrowheads="1" noChangeShapeType="1" noTextEdit="1"/>
+          </p:cNvSpPr>
+          <p:nvPr>
+            <p:extLst>
+              <p:ext uri="{386F3935-93C4-4BCD-93E2-E3B085C9AB24}">
+                <p16:designElem xmlns:p16="http://schemas.microsoft.com/office/powerpoint/2015/main" val="1"/>
+              </p:ext>
+            </p:extLst>
+          </p:nvPr>
+        </p:nvSpPr>
+        <p:spPr>
+          <a:xfrm rot="2700000">
+            <a:off x="427916" y="5728708"/>
+            <a:ext cx="485578" cy="485578"/>
+          </a:xfrm>
+          <a:prstGeom prst="rect">
+            <a:avLst/>
+          </a:prstGeom>
+          <a:solidFill>
+            <a:schemeClr val="accent1">
+              <a:alpha val="30000"/>
+            </a:schemeClr>
+          </a:solidFill>
+          <a:ln>
+            <a:noFill/>
+          </a:ln>
+        </p:spPr>
+        <p:style>
+          <a:lnRef idx="2">
+            <a:schemeClr val="accent1">
+              <a:shade val="50000"/>
+            </a:schemeClr>
+          </a:lnRef>
+          <a:fillRef idx="1">
+            <a:schemeClr val="accent1"/>
+          </a:fillRef>
+          <a:effectRef idx="0">
+            <a:schemeClr val="accent1"/>
+          </a:effectRef>
+          <a:fontRef idx="minor">
+            <a:schemeClr val="lt1"/>
+          </a:fontRef>
+        </p:style>
+        <p:txBody>
+          <a:bodyPr wrap="square" rtlCol="0" anchor="ctr">
+            <a:noAutofit/>
+          </a:bodyPr>
+          <a:lstStyle/>
+          <a:p>
+            <a:pPr algn="ctr"/>
+            <a:endParaRPr lang="en-US"/>
+          </a:p>
+        </p:txBody>
+      </p:sp>
+      <p:sp>
+        <p:nvSpPr>
+          <p:cNvPr id="4" name="Foliennummernplatzhalter 3">
+            <a:extLst>
+              <a:ext uri="{FF2B5EF4-FFF2-40B4-BE49-F238E27FC236}">
+                <a16:creationId xmlns:a16="http://schemas.microsoft.com/office/drawing/2014/main" id="{CFEFB799-7DB3-47B9-84A4-6B570130C9ED}"/>
+              </a:ext>
+            </a:extLst>
+          </p:cNvPr>
+          <p:cNvSpPr>
+            <a:spLocks noGrp="1"/>
+          </p:cNvSpPr>
+          <p:nvPr>
+            <p:ph type="sldNum" sz="quarter" idx="12"/>
+          </p:nvPr>
+        </p:nvSpPr>
+        <p:spPr>
+          <a:xfrm>
+            <a:off x="8805333" y="6356350"/>
+            <a:ext cx="2743200" cy="365125"/>
+          </a:xfrm>
+        </p:spPr>
+        <p:txBody>
+          <a:bodyPr>
+            <a:normAutofit/>
+          </a:bodyPr>
+          <a:lstStyle/>
+          <a:p>
+            <a:pPr>
+              <a:spcAft>
+                <a:spcPts val="600"/>
+              </a:spcAft>
+            </a:pPr>
+            <a:fld id="{DFF01B4A-46B9-4C6C-A96B-6DAD2C3CC688}" type="slidenum">
+              <a:rPr lang="de-DE" smtClean="0"/>
+              <a:pPr>
+                <a:spcAft>
+                  <a:spcPts val="600"/>
+                </a:spcAft>
+              </a:pPr>
+              <a:t>8</a:t>
+            </a:fld>
+            <a:endParaRPr lang="de-DE"/>
+          </a:p>
+        </p:txBody>
+      </p:sp>
+    </p:spTree>
+    <p:extLst>
+      <p:ext uri="{BB962C8B-B14F-4D97-AF65-F5344CB8AC3E}">
+        <p14:creationId xmlns:p14="http://schemas.microsoft.com/office/powerpoint/2010/main" val="3503204803"/>
+      </p:ext>
+    </p:extLst>
+  </p:cSld>
+  <p:clrMapOvr>
+    <a:masterClrMapping/>
+  </p:clrMapOvr>
+</p:sld>
+</file>
+
+<file path=ppt/slides/slide9.xml><?xml version="1.0" encoding="utf-8"?>
 <p:sld xmlns:a="http://schemas.openxmlformats.org/drawingml/2006/main" xmlns:r="http://schemas.openxmlformats.org/officeDocument/2006/relationships" xmlns:p="http://schemas.openxmlformats.org/presentationml/2006/main">
   <p:cSld>
     <p:bg>
@@ -13506,7 +15266,7 @@
           <a:p>
             <a:fld id="{DFF01B4A-46B9-4C6C-A96B-6DAD2C3CC688}" type="slidenum">
               <a:rPr lang="de-DE" smtClean="0"/>
-              <a:t>7</a:t>
+              <a:t>9</a:t>
             </a:fld>
             <a:endParaRPr lang="de-DE"/>
           </a:p>
@@ -14082,6 +15842,21 @@
 </file>
 
 <file path=customXml/item1.xml><?xml version="1.0" encoding="utf-8"?>
+<p:properties xmlns:p="http://schemas.microsoft.com/office/2006/metadata/properties" xmlns:xsi="http://www.w3.org/2001/XMLSchema-instance" xmlns:pc="http://schemas.microsoft.com/office/infopath/2007/PartnerControls">
+  <documentManagement/>
+</p:properties>
+</file>
+
+<file path=customXml/item2.xml><?xml version="1.0" encoding="utf-8"?>
+<?mso-contentType ?>
+<FormTemplates xmlns="http://schemas.microsoft.com/sharepoint/v3/contenttype/forms">
+  <Display>DocumentLibraryForm</Display>
+  <Edit>DocumentLibraryForm</Edit>
+  <New>DocumentLibraryForm</New>
+</FormTemplates>
+</file>
+
+<file path=customXml/item3.xml><?xml version="1.0" encoding="utf-8"?>
 <ct:contentTypeSchema xmlns:ct="http://schemas.microsoft.com/office/2006/metadata/contentType" xmlns:ma="http://schemas.microsoft.com/office/2006/metadata/properties/metaAttributes" ct:_="" ma:_="" ma:contentTypeName="Dokument" ma:contentTypeID="0x0101006053BFF7913E914E8633705294D786E0" ma:contentTypeVersion="12" ma:contentTypeDescription="Ein neues Dokument erstellen." ma:contentTypeScope="" ma:versionID="292c63051bcc76f3c0ba6d3d005fc720">
   <xsd:schema xmlns:xsd="http://www.w3.org/2001/XMLSchema" xmlns:xs="http://www.w3.org/2001/XMLSchema" xmlns:p="http://schemas.microsoft.com/office/2006/metadata/properties" xmlns:ns3="428a2bfe-bcaf-43de-8bea-075e4c45d2d0" xmlns:ns4="19353dae-2197-414d-a888-862b93af9487" targetNamespace="http://schemas.microsoft.com/office/2006/metadata/properties" ma:root="true" ma:fieldsID="1ef18051d54d654b75909a1fce9ac096" ns3:_="" ns4:_="">
     <xsd:import namespace="428a2bfe-bcaf-43de-8bea-075e4c45d2d0"/>
@@ -14298,22 +16073,32 @@
 </ct:contentTypeSchema>
 </file>
 
-<file path=customXml/item2.xml><?xml version="1.0" encoding="utf-8"?>
-<?mso-contentType ?>
-<FormTemplates xmlns="http://schemas.microsoft.com/sharepoint/v3/contenttype/forms">
-  <Display>DocumentLibraryForm</Display>
-  <Edit>DocumentLibraryForm</Edit>
-  <New>DocumentLibraryForm</New>
-</FormTemplates>
+<file path=customXml/itemProps1.xml><?xml version="1.0" encoding="utf-8"?>
+<ds:datastoreItem xmlns:ds="http://schemas.openxmlformats.org/officeDocument/2006/customXml" ds:itemID="{3F8C196F-57CA-4A27-A0C5-E15A158BF523}">
+  <ds:schemaRefs>
+    <ds:schemaRef ds:uri="http://schemas.microsoft.com/office/2006/metadata/properties"/>
+    <ds:schemaRef ds:uri="428a2bfe-bcaf-43de-8bea-075e4c45d2d0"/>
+    <ds:schemaRef ds:uri="http://purl.org/dc/terms/"/>
+    <ds:schemaRef ds:uri="http://schemas.openxmlformats.org/package/2006/metadata/core-properties"/>
+    <ds:schemaRef ds:uri="http://schemas.microsoft.com/office/2006/documentManagement/types"/>
+    <ds:schemaRef ds:uri="19353dae-2197-414d-a888-862b93af9487"/>
+    <ds:schemaRef ds:uri="http://purl.org/dc/elements/1.1/"/>
+    <ds:schemaRef ds:uri="http://schemas.microsoft.com/office/infopath/2007/PartnerControls"/>
+    <ds:schemaRef ds:uri="http://www.w3.org/XML/1998/namespace"/>
+    <ds:schemaRef ds:uri="http://purl.org/dc/dcmitype/"/>
+  </ds:schemaRefs>
+</ds:datastoreItem>
 </file>
 
-<file path=customXml/item3.xml><?xml version="1.0" encoding="utf-8"?>
-<p:properties xmlns:p="http://schemas.microsoft.com/office/2006/metadata/properties" xmlns:xsi="http://www.w3.org/2001/XMLSchema-instance" xmlns:pc="http://schemas.microsoft.com/office/infopath/2007/PartnerControls">
-  <documentManagement/>
-</p:properties>
+<file path=customXml/itemProps2.xml><?xml version="1.0" encoding="utf-8"?>
+<ds:datastoreItem xmlns:ds="http://schemas.openxmlformats.org/officeDocument/2006/customXml" ds:itemID="{1676AEB8-5320-4F07-868F-E91141D86E7B}">
+  <ds:schemaRefs>
+    <ds:schemaRef ds:uri="http://schemas.microsoft.com/sharepoint/v3/contenttype/forms"/>
+  </ds:schemaRefs>
+</ds:datastoreItem>
 </file>
 
-<file path=customXml/itemProps1.xml><?xml version="1.0" encoding="utf-8"?>
+<file path=customXml/itemProps3.xml><?xml version="1.0" encoding="utf-8"?>
 <ds:datastoreItem xmlns:ds="http://schemas.openxmlformats.org/officeDocument/2006/customXml" ds:itemID="{7623EEBE-3AFD-45F2-B13A-22C0717EE2AE}">
   <ds:schemaRefs>
     <ds:schemaRef ds:uri="http://schemas.microsoft.com/office/2006/metadata/contentType"/>
@@ -14330,29 +16115,4 @@
     <ds:schemaRef ds:uri="http://schemas.microsoft.com/internal/obd"/>
   </ds:schemaRefs>
 </ds:datastoreItem>
-</file>
-
-<file path=customXml/itemProps2.xml><?xml version="1.0" encoding="utf-8"?>
-<ds:datastoreItem xmlns:ds="http://schemas.openxmlformats.org/officeDocument/2006/customXml" ds:itemID="{1676AEB8-5320-4F07-868F-E91141D86E7B}">
-  <ds:schemaRefs>
-    <ds:schemaRef ds:uri="http://schemas.microsoft.com/sharepoint/v3/contenttype/forms"/>
-  </ds:schemaRefs>
-</ds:datastoreItem>
-</file>
-
-<file path=customXml/itemProps3.xml><?xml version="1.0" encoding="utf-8"?>
-<ds:datastoreItem xmlns:ds="http://schemas.openxmlformats.org/officeDocument/2006/customXml" ds:itemID="{3F8C196F-57CA-4A27-A0C5-E15A158BF523}">
-  <ds:schemaRefs>
-    <ds:schemaRef ds:uri="http://purl.org/dc/terms/"/>
-    <ds:schemaRef ds:uri="http://schemas.openxmlformats.org/package/2006/metadata/core-properties"/>
-    <ds:schemaRef ds:uri="http://schemas.microsoft.com/office/2006/documentManagement/types"/>
-    <ds:schemaRef ds:uri="19353dae-2197-414d-a888-862b93af9487"/>
-    <ds:schemaRef ds:uri="http://purl.org/dc/elements/1.1/"/>
-    <ds:schemaRef ds:uri="http://schemas.microsoft.com/office/2006/metadata/properties"/>
-    <ds:schemaRef ds:uri="428a2bfe-bcaf-43de-8bea-075e4c45d2d0"/>
-    <ds:schemaRef ds:uri="http://schemas.microsoft.com/office/infopath/2007/PartnerControls"/>
-    <ds:schemaRef ds:uri="http://www.w3.org/XML/1998/namespace"/>
-    <ds:schemaRef ds:uri="http://purl.org/dc/dcmitype/"/>
-  </ds:schemaRefs>
-</ds:datastoreItem>
 </file>
--- a/Präsentationen/Zwischen_Präse/Chessmaster_Zwischenpräsentation.pptx
+++ b/Präsentationen/Zwischen_Präse/Chessmaster_Zwischenpräsentation.pptx
@@ -5,18 +5,24 @@
     <p:sldMasterId id="2147483744" r:id="rId4"/>
   </p:sldMasterIdLst>
   <p:notesMasterIdLst>
-    <p:notesMasterId r:id="rId14"/>
+    <p:notesMasterId r:id="rId20"/>
   </p:notesMasterIdLst>
   <p:sldIdLst>
     <p:sldId id="256" r:id="rId5"/>
-    <p:sldId id="257" r:id="rId6"/>
+    <p:sldId id="267" r:id="rId6"/>
     <p:sldId id="258" r:id="rId7"/>
     <p:sldId id="262" r:id="rId8"/>
     <p:sldId id="259" r:id="rId9"/>
-    <p:sldId id="264" r:id="rId10"/>
-    <p:sldId id="260" r:id="rId11"/>
-    <p:sldId id="263" r:id="rId12"/>
-    <p:sldId id="261" r:id="rId13"/>
+    <p:sldId id="265" r:id="rId10"/>
+    <p:sldId id="264" r:id="rId11"/>
+    <p:sldId id="266" r:id="rId12"/>
+    <p:sldId id="260" r:id="rId13"/>
+    <p:sldId id="263" r:id="rId14"/>
+    <p:sldId id="269" r:id="rId15"/>
+    <p:sldId id="261" r:id="rId16"/>
+    <p:sldId id="270" r:id="rId17"/>
+    <p:sldId id="272" r:id="rId18"/>
+    <p:sldId id="271" r:id="rId19"/>
   </p:sldIdLst>
   <p:sldSz cx="12192000" cy="6858000"/>
   <p:notesSz cx="6858000" cy="9144000"/>
@@ -140,7 +146,7 @@
 <file path=ppt/revisionInfo.xml><?xml version="1.0" encoding="utf-8"?>
 <p1510:revInfo xmlns:a="http://schemas.openxmlformats.org/drawingml/2006/main" xmlns:r="http://schemas.openxmlformats.org/officeDocument/2006/relationships" xmlns:p1510="http://schemas.microsoft.com/office/powerpoint/2015/10/main">
   <p1510:revLst>
-    <p1510:client id="{E7A5B079-1BA6-4760-B851-727E3DF33BC4}" v="21" dt="2020-05-29T10:30:30.939"/>
+    <p1510:client id="{E7A5B079-1BA6-4760-B851-727E3DF33BC4}" v="107" dt="2020-05-31T22:23:59.291"/>
   </p1510:revLst>
 </p1510:revInfo>
 </file>
@@ -150,7 +156,7 @@
   <pc:docChgLst>
     <pc:chgData name="Thorsten Hilbradt" userId="b76ca37a-0758-4f71-aeb6-b277b8bbbfdd" providerId="ADAL" clId="{E7A5B079-1BA6-4760-B851-727E3DF33BC4}"/>
     <pc:docChg chg="undo custSel mod addSld delSld modSld sldOrd">
-      <pc:chgData name="Thorsten Hilbradt" userId="b76ca37a-0758-4f71-aeb6-b277b8bbbfdd" providerId="ADAL" clId="{E7A5B079-1BA6-4760-B851-727E3DF33BC4}" dt="2020-05-29T10:34:23.876" v="117" actId="20577"/>
+      <pc:chgData name="Thorsten Hilbradt" userId="b76ca37a-0758-4f71-aeb6-b277b8bbbfdd" providerId="ADAL" clId="{E7A5B079-1BA6-4760-B851-727E3DF33BC4}" dt="2020-05-31T22:25:26.698" v="1264" actId="20577"/>
       <pc:docMkLst>
         <pc:docMk/>
       </pc:docMkLst>
@@ -241,14 +247,30 @@
           </ac:spMkLst>
         </pc:spChg>
       </pc:sldChg>
-      <pc:sldChg chg="addSp delSp delDesignElem">
-        <pc:chgData name="Thorsten Hilbradt" userId="b76ca37a-0758-4f71-aeb6-b277b8bbbfdd" providerId="ADAL" clId="{E7A5B079-1BA6-4760-B851-727E3DF33BC4}" dt="2020-05-29T07:53:35.752" v="27"/>
+      <pc:sldChg chg="addSp delSp modSp del delDesignElem">
+        <pc:chgData name="Thorsten Hilbradt" userId="b76ca37a-0758-4f71-aeb6-b277b8bbbfdd" providerId="ADAL" clId="{E7A5B079-1BA6-4760-B851-727E3DF33BC4}" dt="2020-05-31T22:13:59.294" v="1012" actId="2696"/>
         <pc:sldMkLst>
           <pc:docMk/>
           <pc:sldMk cId="1410129481" sldId="257"/>
         </pc:sldMkLst>
+        <pc:spChg chg="mod">
+          <ac:chgData name="Thorsten Hilbradt" userId="b76ca37a-0758-4f71-aeb6-b277b8bbbfdd" providerId="ADAL" clId="{E7A5B079-1BA6-4760-B851-727E3DF33BC4}" dt="2020-05-31T22:12:15.267" v="909" actId="26606"/>
+          <ac:spMkLst>
+            <pc:docMk/>
+            <pc:sldMk cId="1410129481" sldId="257"/>
+            <ac:spMk id="2" creationId="{492FFEF1-A030-455F-B289-A85B31D057B8}"/>
+          </ac:spMkLst>
+        </pc:spChg>
+        <pc:spChg chg="mod">
+          <ac:chgData name="Thorsten Hilbradt" userId="b76ca37a-0758-4f71-aeb6-b277b8bbbfdd" providerId="ADAL" clId="{E7A5B079-1BA6-4760-B851-727E3DF33BC4}" dt="2020-05-31T22:12:15.267" v="909" actId="26606"/>
+          <ac:spMkLst>
+            <pc:docMk/>
+            <pc:sldMk cId="1410129481" sldId="257"/>
+            <ac:spMk id="9" creationId="{CF2E3CC8-BB00-4D2B-A446-DCEEB8157431}"/>
+          </ac:spMkLst>
+        </pc:spChg>
         <pc:spChg chg="add del">
-          <ac:chgData name="Thorsten Hilbradt" userId="b76ca37a-0758-4f71-aeb6-b277b8bbbfdd" providerId="ADAL" clId="{E7A5B079-1BA6-4760-B851-727E3DF33BC4}" dt="2020-05-29T07:53:35.752" v="27"/>
+          <ac:chgData name="Thorsten Hilbradt" userId="b76ca37a-0758-4f71-aeb6-b277b8bbbfdd" providerId="ADAL" clId="{E7A5B079-1BA6-4760-B851-727E3DF33BC4}" dt="2020-05-31T22:12:01.883" v="907" actId="26606"/>
           <ac:spMkLst>
             <pc:docMk/>
             <pc:sldMk cId="1410129481" sldId="257"/>
@@ -256,7 +278,7 @@
           </ac:spMkLst>
         </pc:spChg>
         <pc:spChg chg="add del">
-          <ac:chgData name="Thorsten Hilbradt" userId="b76ca37a-0758-4f71-aeb6-b277b8bbbfdd" providerId="ADAL" clId="{E7A5B079-1BA6-4760-B851-727E3DF33BC4}" dt="2020-05-29T07:53:35.752" v="27"/>
+          <ac:chgData name="Thorsten Hilbradt" userId="b76ca37a-0758-4f71-aeb6-b277b8bbbfdd" providerId="ADAL" clId="{E7A5B079-1BA6-4760-B851-727E3DF33BC4}" dt="2020-05-31T22:12:01.883" v="907" actId="26606"/>
           <ac:spMkLst>
             <pc:docMk/>
             <pc:sldMk cId="1410129481" sldId="257"/>
@@ -264,7 +286,7 @@
           </ac:spMkLst>
         </pc:spChg>
         <pc:spChg chg="add del">
-          <ac:chgData name="Thorsten Hilbradt" userId="b76ca37a-0758-4f71-aeb6-b277b8bbbfdd" providerId="ADAL" clId="{E7A5B079-1BA6-4760-B851-727E3DF33BC4}" dt="2020-05-29T07:53:35.752" v="27"/>
+          <ac:chgData name="Thorsten Hilbradt" userId="b76ca37a-0758-4f71-aeb6-b277b8bbbfdd" providerId="ADAL" clId="{E7A5B079-1BA6-4760-B851-727E3DF33BC4}" dt="2020-05-31T22:12:01.883" v="907" actId="26606"/>
           <ac:spMkLst>
             <pc:docMk/>
             <pc:sldMk cId="1410129481" sldId="257"/>
@@ -272,7 +294,7 @@
           </ac:spMkLst>
         </pc:spChg>
         <pc:spChg chg="add del">
-          <ac:chgData name="Thorsten Hilbradt" userId="b76ca37a-0758-4f71-aeb6-b277b8bbbfdd" providerId="ADAL" clId="{E7A5B079-1BA6-4760-B851-727E3DF33BC4}" dt="2020-05-29T07:53:35.752" v="27"/>
+          <ac:chgData name="Thorsten Hilbradt" userId="b76ca37a-0758-4f71-aeb6-b277b8bbbfdd" providerId="ADAL" clId="{E7A5B079-1BA6-4760-B851-727E3DF33BC4}" dt="2020-05-31T22:12:01.883" v="907" actId="26606"/>
           <ac:spMkLst>
             <pc:docMk/>
             <pc:sldMk cId="1410129481" sldId="257"/>
@@ -280,13 +302,61 @@
           </ac:spMkLst>
         </pc:spChg>
         <pc:spChg chg="add del">
-          <ac:chgData name="Thorsten Hilbradt" userId="b76ca37a-0758-4f71-aeb6-b277b8bbbfdd" providerId="ADAL" clId="{E7A5B079-1BA6-4760-B851-727E3DF33BC4}" dt="2020-05-29T07:53:35.752" v="27"/>
+          <ac:chgData name="Thorsten Hilbradt" userId="b76ca37a-0758-4f71-aeb6-b277b8bbbfdd" providerId="ADAL" clId="{E7A5B079-1BA6-4760-B851-727E3DF33BC4}" dt="2020-05-31T22:12:01.883" v="907" actId="26606"/>
           <ac:spMkLst>
             <pc:docMk/>
             <pc:sldMk cId="1410129481" sldId="257"/>
             <ac:spMk id="59" creationId="{1E547BA6-BAE0-43BB-A7CA-60F69CE252F0}"/>
           </ac:spMkLst>
         </pc:spChg>
+        <pc:spChg chg="add del">
+          <ac:chgData name="Thorsten Hilbradt" userId="b76ca37a-0758-4f71-aeb6-b277b8bbbfdd" providerId="ADAL" clId="{E7A5B079-1BA6-4760-B851-727E3DF33BC4}" dt="2020-05-31T22:12:01.827" v="906" actId="26606"/>
+          <ac:spMkLst>
+            <pc:docMk/>
+            <pc:sldMk cId="1410129481" sldId="257"/>
+            <ac:spMk id="64" creationId="{59A309A7-1751-4ABE-A3C1-EEC40366AD89}"/>
+          </ac:spMkLst>
+        </pc:spChg>
+        <pc:spChg chg="add del">
+          <ac:chgData name="Thorsten Hilbradt" userId="b76ca37a-0758-4f71-aeb6-b277b8bbbfdd" providerId="ADAL" clId="{E7A5B079-1BA6-4760-B851-727E3DF33BC4}" dt="2020-05-31T22:12:01.827" v="906" actId="26606"/>
+          <ac:spMkLst>
+            <pc:docMk/>
+            <pc:sldMk cId="1410129481" sldId="257"/>
+            <ac:spMk id="66" creationId="{967D8EB6-EAE1-4F9C-B398-83321E287204}"/>
+          </ac:spMkLst>
+        </pc:spChg>
+        <pc:spChg chg="add del">
+          <ac:chgData name="Thorsten Hilbradt" userId="b76ca37a-0758-4f71-aeb6-b277b8bbbfdd" providerId="ADAL" clId="{E7A5B079-1BA6-4760-B851-727E3DF33BC4}" dt="2020-05-31T22:12:15.267" v="909" actId="26606"/>
+          <ac:spMkLst>
+            <pc:docMk/>
+            <pc:sldMk cId="1410129481" sldId="257"/>
+            <ac:spMk id="68" creationId="{59A309A7-1751-4ABE-A3C1-EEC40366AD89}"/>
+          </ac:spMkLst>
+        </pc:spChg>
+        <pc:spChg chg="add del">
+          <ac:chgData name="Thorsten Hilbradt" userId="b76ca37a-0758-4f71-aeb6-b277b8bbbfdd" providerId="ADAL" clId="{E7A5B079-1BA6-4760-B851-727E3DF33BC4}" dt="2020-05-31T22:12:15.267" v="909" actId="26606"/>
+          <ac:spMkLst>
+            <pc:docMk/>
+            <pc:sldMk cId="1410129481" sldId="257"/>
+            <ac:spMk id="69" creationId="{967D8EB6-EAE1-4F9C-B398-83321E287204}"/>
+          </ac:spMkLst>
+        </pc:spChg>
+        <pc:graphicFrameChg chg="mod ord modGraphic">
+          <ac:chgData name="Thorsten Hilbradt" userId="b76ca37a-0758-4f71-aeb6-b277b8bbbfdd" providerId="ADAL" clId="{E7A5B079-1BA6-4760-B851-727E3DF33BC4}" dt="2020-05-31T22:12:15.267" v="909" actId="26606"/>
+          <ac:graphicFrameMkLst>
+            <pc:docMk/>
+            <pc:sldMk cId="1410129481" sldId="257"/>
+            <ac:graphicFrameMk id="48" creationId="{CE4FCDEF-0476-4801-8F44-321142380B61}"/>
+          </ac:graphicFrameMkLst>
+        </pc:graphicFrameChg>
+        <pc:picChg chg="del mod">
+          <ac:chgData name="Thorsten Hilbradt" userId="b76ca37a-0758-4f71-aeb6-b277b8bbbfdd" providerId="ADAL" clId="{E7A5B079-1BA6-4760-B851-727E3DF33BC4}" dt="2020-05-31T22:12:11.573" v="908" actId="478"/>
+          <ac:picMkLst>
+            <pc:docMk/>
+            <pc:sldMk cId="1410129481" sldId="257"/>
+            <ac:picMk id="47" creationId="{C92F4E2B-56D8-427C-A69D-14F5E332A6EA}"/>
+          </ac:picMkLst>
+        </pc:picChg>
       </pc:sldChg>
       <pc:sldChg chg="addSp delSp delDesignElem">
         <pc:chgData name="Thorsten Hilbradt" userId="b76ca37a-0758-4f71-aeb6-b277b8bbbfdd" providerId="ADAL" clId="{E7A5B079-1BA6-4760-B851-727E3DF33BC4}" dt="2020-05-29T07:53:35.752" v="27"/>
@@ -573,12 +643,20 @@
           </ac:spMkLst>
         </pc:spChg>
       </pc:sldChg>
-      <pc:sldChg chg="addSp delSp delDesignElem">
-        <pc:chgData name="Thorsten Hilbradt" userId="b76ca37a-0758-4f71-aeb6-b277b8bbbfdd" providerId="ADAL" clId="{E7A5B079-1BA6-4760-B851-727E3DF33BC4}" dt="2020-05-29T07:53:35.752" v="27"/>
+      <pc:sldChg chg="addSp delSp modSp delDesignElem">
+        <pc:chgData name="Thorsten Hilbradt" userId="b76ca37a-0758-4f71-aeb6-b277b8bbbfdd" providerId="ADAL" clId="{E7A5B079-1BA6-4760-B851-727E3DF33BC4}" dt="2020-05-31T22:20:51.979" v="1115" actId="20577"/>
         <pc:sldMkLst>
           <pc:docMk/>
           <pc:sldMk cId="1736600020" sldId="261"/>
         </pc:sldMkLst>
+        <pc:spChg chg="mod">
+          <ac:chgData name="Thorsten Hilbradt" userId="b76ca37a-0758-4f71-aeb6-b277b8bbbfdd" providerId="ADAL" clId="{E7A5B079-1BA6-4760-B851-727E3DF33BC4}" dt="2020-05-31T22:20:51.979" v="1115" actId="20577"/>
+          <ac:spMkLst>
+            <pc:docMk/>
+            <pc:sldMk cId="1736600020" sldId="261"/>
+            <ac:spMk id="2" creationId="{E7C5E82A-3382-4BFE-ADDE-DB1DFDB4A1D5}"/>
+          </ac:spMkLst>
+        </pc:spChg>
         <pc:spChg chg="add del">
           <ac:chgData name="Thorsten Hilbradt" userId="b76ca37a-0758-4f71-aeb6-b277b8bbbfdd" providerId="ADAL" clId="{E7A5B079-1BA6-4760-B851-727E3DF33BC4}" dt="2020-05-29T07:53:35.752" v="27"/>
           <ac:spMkLst>
@@ -865,7 +943,7 @@
         </pc:spChg>
       </pc:sldChg>
       <pc:sldChg chg="addSp delSp modSp add mod ord setBg">
-        <pc:chgData name="Thorsten Hilbradt" userId="b76ca37a-0758-4f71-aeb6-b277b8bbbfdd" providerId="ADAL" clId="{E7A5B079-1BA6-4760-B851-727E3DF33BC4}" dt="2020-05-29T10:17:36.561" v="68" actId="20577"/>
+        <pc:chgData name="Thorsten Hilbradt" userId="b76ca37a-0758-4f71-aeb6-b277b8bbbfdd" providerId="ADAL" clId="{E7A5B079-1BA6-4760-B851-727E3DF33BC4}" dt="2020-05-31T22:17:25.851" v="1052"/>
         <pc:sldMkLst>
           <pc:docMk/>
           <pc:sldMk cId="3503204803" sldId="263"/>
@@ -879,7 +957,7 @@
           </ac:spMkLst>
         </pc:spChg>
         <pc:spChg chg="mod">
-          <ac:chgData name="Thorsten Hilbradt" userId="b76ca37a-0758-4f71-aeb6-b277b8bbbfdd" providerId="ADAL" clId="{E7A5B079-1BA6-4760-B851-727E3DF33BC4}" dt="2020-05-29T10:17:36.561" v="68" actId="20577"/>
+          <ac:chgData name="Thorsten Hilbradt" userId="b76ca37a-0758-4f71-aeb6-b277b8bbbfdd" providerId="ADAL" clId="{E7A5B079-1BA6-4760-B851-727E3DF33BC4}" dt="2020-05-31T22:17:19.578" v="1046" actId="14100"/>
           <ac:spMkLst>
             <pc:docMk/>
             <pc:sldMk cId="3503204803" sldId="263"/>
@@ -1014,15 +1092,23 @@
             <ac:picMk id="36" creationId="{2897127E-6CEF-446C-BE87-93B7C46E49D1}"/>
           </ac:picMkLst>
         </pc:picChg>
+        <pc:picChg chg="add del mod">
+          <ac:chgData name="Thorsten Hilbradt" userId="b76ca37a-0758-4f71-aeb6-b277b8bbbfdd" providerId="ADAL" clId="{E7A5B079-1BA6-4760-B851-727E3DF33BC4}" dt="2020-05-31T22:17:25.851" v="1052"/>
+          <ac:picMkLst>
+            <pc:docMk/>
+            <pc:sldMk cId="3503204803" sldId="263"/>
+            <ac:picMk id="4098" creationId="{579CC10C-7FD4-48BD-A06B-7C11CDE5E014}"/>
+          </ac:picMkLst>
+        </pc:picChg>
       </pc:sldChg>
       <pc:sldChg chg="addSp delSp modSp add mod setBg">
-        <pc:chgData name="Thorsten Hilbradt" userId="b76ca37a-0758-4f71-aeb6-b277b8bbbfdd" providerId="ADAL" clId="{E7A5B079-1BA6-4760-B851-727E3DF33BC4}" dt="2020-05-29T10:34:23.876" v="117" actId="20577"/>
+        <pc:chgData name="Thorsten Hilbradt" userId="b76ca37a-0758-4f71-aeb6-b277b8bbbfdd" providerId="ADAL" clId="{E7A5B079-1BA6-4760-B851-727E3DF33BC4}" dt="2020-05-31T22:11:18.444" v="904" actId="242"/>
         <pc:sldMkLst>
           <pc:docMk/>
           <pc:sldMk cId="3705508391" sldId="264"/>
         </pc:sldMkLst>
         <pc:spChg chg="mod">
-          <ac:chgData name="Thorsten Hilbradt" userId="b76ca37a-0758-4f71-aeb6-b277b8bbbfdd" providerId="ADAL" clId="{E7A5B079-1BA6-4760-B851-727E3DF33BC4}" dt="2020-05-29T10:31:55.303" v="112" actId="20577"/>
+          <ac:chgData name="Thorsten Hilbradt" userId="b76ca37a-0758-4f71-aeb6-b277b8bbbfdd" providerId="ADAL" clId="{E7A5B079-1BA6-4760-B851-727E3DF33BC4}" dt="2020-05-31T22:07:11.380" v="666" actId="26606"/>
           <ac:spMkLst>
             <pc:docMk/>
             <pc:sldMk cId="3705508391" sldId="264"/>
@@ -1030,7 +1116,7 @@
           </ac:spMkLst>
         </pc:spChg>
         <pc:spChg chg="mod">
-          <ac:chgData name="Thorsten Hilbradt" userId="b76ca37a-0758-4f71-aeb6-b277b8bbbfdd" providerId="ADAL" clId="{E7A5B079-1BA6-4760-B851-727E3DF33BC4}" dt="2020-05-29T10:34:23.876" v="117" actId="20577"/>
+          <ac:chgData name="Thorsten Hilbradt" userId="b76ca37a-0758-4f71-aeb6-b277b8bbbfdd" providerId="ADAL" clId="{E7A5B079-1BA6-4760-B851-727E3DF33BC4}" dt="2020-05-31T22:11:18.444" v="904" actId="242"/>
           <ac:spMkLst>
             <pc:docMk/>
             <pc:sldMk cId="3705508391" sldId="264"/>
@@ -1038,7 +1124,7 @@
           </ac:spMkLst>
         </pc:spChg>
         <pc:spChg chg="mod ord">
-          <ac:chgData name="Thorsten Hilbradt" userId="b76ca37a-0758-4f71-aeb6-b277b8bbbfdd" providerId="ADAL" clId="{E7A5B079-1BA6-4760-B851-727E3DF33BC4}" dt="2020-05-29T10:31:18.558" v="111" actId="26606"/>
+          <ac:chgData name="Thorsten Hilbradt" userId="b76ca37a-0758-4f71-aeb6-b277b8bbbfdd" providerId="ADAL" clId="{E7A5B079-1BA6-4760-B851-727E3DF33BC4}" dt="2020-05-31T22:07:11.380" v="666" actId="26606"/>
           <ac:spMkLst>
             <pc:docMk/>
             <pc:sldMk cId="3705508391" sldId="264"/>
@@ -1093,6 +1179,22 @@
             <ac:spMk id="71" creationId="{2B1D4F77-A17C-43D7-B7FA-545148E4E93D}"/>
           </ac:spMkLst>
         </pc:spChg>
+        <pc:spChg chg="add">
+          <ac:chgData name="Thorsten Hilbradt" userId="b76ca37a-0758-4f71-aeb6-b277b8bbbfdd" providerId="ADAL" clId="{E7A5B079-1BA6-4760-B851-727E3DF33BC4}" dt="2020-05-31T22:07:11.380" v="666" actId="26606"/>
+          <ac:spMkLst>
+            <pc:docMk/>
+            <pc:sldMk cId="3705508391" sldId="264"/>
+            <ac:spMk id="73" creationId="{59A309A7-1751-4ABE-A3C1-EEC40366AD89}"/>
+          </ac:spMkLst>
+        </pc:spChg>
+        <pc:spChg chg="add">
+          <ac:chgData name="Thorsten Hilbradt" userId="b76ca37a-0758-4f71-aeb6-b277b8bbbfdd" providerId="ADAL" clId="{E7A5B079-1BA6-4760-B851-727E3DF33BC4}" dt="2020-05-31T22:07:11.380" v="666" actId="26606"/>
+          <ac:spMkLst>
+            <pc:docMk/>
+            <pc:sldMk cId="3705508391" sldId="264"/>
+            <ac:spMk id="75" creationId="{967D8EB6-EAE1-4F9C-B398-83321E287204}"/>
+          </ac:spMkLst>
+        </pc:spChg>
         <pc:spChg chg="add del">
           <ac:chgData name="Thorsten Hilbradt" userId="b76ca37a-0758-4f71-aeb6-b277b8bbbfdd" providerId="ADAL" clId="{E7A5B079-1BA6-4760-B851-727E3DF33BC4}" dt="2020-05-29T10:30:47.978" v="109" actId="26606"/>
           <ac:spMkLst>
@@ -1101,8 +1203,8 @@
             <ac:spMk id="135" creationId="{724CD679-7405-4CD3-A92A-9469F279A59D}"/>
           </ac:spMkLst>
         </pc:spChg>
-        <pc:spChg chg="add">
-          <ac:chgData name="Thorsten Hilbradt" userId="b76ca37a-0758-4f71-aeb6-b277b8bbbfdd" providerId="ADAL" clId="{E7A5B079-1BA6-4760-B851-727E3DF33BC4}" dt="2020-05-29T10:31:18.558" v="111" actId="26606"/>
+        <pc:spChg chg="add del">
+          <ac:chgData name="Thorsten Hilbradt" userId="b76ca37a-0758-4f71-aeb6-b277b8bbbfdd" providerId="ADAL" clId="{E7A5B079-1BA6-4760-B851-727E3DF33BC4}" dt="2020-05-31T22:07:11.380" v="666" actId="26606"/>
           <ac:spMkLst>
             <pc:docMk/>
             <pc:sldMk cId="3705508391" sldId="264"/>
@@ -1110,13 +1212,1155 @@
           </ac:spMkLst>
         </pc:spChg>
         <pc:picChg chg="add mod ord">
-          <ac:chgData name="Thorsten Hilbradt" userId="b76ca37a-0758-4f71-aeb6-b277b8bbbfdd" providerId="ADAL" clId="{E7A5B079-1BA6-4760-B851-727E3DF33BC4}" dt="2020-05-29T10:31:18.558" v="111" actId="26606"/>
+          <ac:chgData name="Thorsten Hilbradt" userId="b76ca37a-0758-4f71-aeb6-b277b8bbbfdd" providerId="ADAL" clId="{E7A5B079-1BA6-4760-B851-727E3DF33BC4}" dt="2020-05-31T22:07:11.380" v="666" actId="26606"/>
           <ac:picMkLst>
             <pc:docMk/>
             <pc:sldMk cId="3705508391" sldId="264"/>
             <ac:picMk id="1026" creationId="{885848D4-53E6-4D8D-AA3A-08215466BFF6}"/>
           </ac:picMkLst>
         </pc:picChg>
+      </pc:sldChg>
+      <pc:sldChg chg="delSp add del setBg delDesignElem">
+        <pc:chgData name="Thorsten Hilbradt" userId="b76ca37a-0758-4f71-aeb6-b277b8bbbfdd" providerId="ADAL" clId="{E7A5B079-1BA6-4760-B851-727E3DF33BC4}" dt="2020-05-31T21:59:56.722" v="222" actId="2696"/>
+        <pc:sldMkLst>
+          <pc:docMk/>
+          <pc:sldMk cId="7721821" sldId="265"/>
+        </pc:sldMkLst>
+        <pc:spChg chg="del">
+          <ac:chgData name="Thorsten Hilbradt" userId="b76ca37a-0758-4f71-aeb6-b277b8bbbfdd" providerId="ADAL" clId="{E7A5B079-1BA6-4760-B851-727E3DF33BC4}" dt="2020-05-31T21:59:51.890" v="221"/>
+          <ac:spMkLst>
+            <pc:docMk/>
+            <pc:sldMk cId="7721821" sldId="265"/>
+            <ac:spMk id="33" creationId="{2B566528-1B12-4246-9431-5C2D7D081168}"/>
+          </ac:spMkLst>
+        </pc:spChg>
+        <pc:spChg chg="del">
+          <ac:chgData name="Thorsten Hilbradt" userId="b76ca37a-0758-4f71-aeb6-b277b8bbbfdd" providerId="ADAL" clId="{E7A5B079-1BA6-4760-B851-727E3DF33BC4}" dt="2020-05-31T21:59:51.890" v="221"/>
+          <ac:spMkLst>
+            <pc:docMk/>
+            <pc:sldMk cId="7721821" sldId="265"/>
+            <ac:spMk id="35" creationId="{2E80C965-DB6D-4F81-9E9E-B027384D0BD6}"/>
+          </ac:spMkLst>
+        </pc:spChg>
+        <pc:spChg chg="del">
+          <ac:chgData name="Thorsten Hilbradt" userId="b76ca37a-0758-4f71-aeb6-b277b8bbbfdd" providerId="ADAL" clId="{E7A5B079-1BA6-4760-B851-727E3DF33BC4}" dt="2020-05-31T21:59:51.890" v="221"/>
+          <ac:spMkLst>
+            <pc:docMk/>
+            <pc:sldMk cId="7721821" sldId="265"/>
+            <ac:spMk id="37" creationId="{A580F890-B085-4E95-96AA-55AEBEC5CE6E}"/>
+          </ac:spMkLst>
+        </pc:spChg>
+        <pc:spChg chg="del">
+          <ac:chgData name="Thorsten Hilbradt" userId="b76ca37a-0758-4f71-aeb6-b277b8bbbfdd" providerId="ADAL" clId="{E7A5B079-1BA6-4760-B851-727E3DF33BC4}" dt="2020-05-31T21:59:51.890" v="221"/>
+          <ac:spMkLst>
+            <pc:docMk/>
+            <pc:sldMk cId="7721821" sldId="265"/>
+            <ac:spMk id="39" creationId="{D3F51FEB-38FB-4F6C-9F7B-2F2AFAB65463}"/>
+          </ac:spMkLst>
+        </pc:spChg>
+        <pc:spChg chg="del">
+          <ac:chgData name="Thorsten Hilbradt" userId="b76ca37a-0758-4f71-aeb6-b277b8bbbfdd" providerId="ADAL" clId="{E7A5B079-1BA6-4760-B851-727E3DF33BC4}" dt="2020-05-31T21:59:51.890" v="221"/>
+          <ac:spMkLst>
+            <pc:docMk/>
+            <pc:sldMk cId="7721821" sldId="265"/>
+            <ac:spMk id="41" creationId="{1E547BA6-BAE0-43BB-A7CA-60F69CE252F0}"/>
+          </ac:spMkLst>
+        </pc:spChg>
+      </pc:sldChg>
+      <pc:sldChg chg="addSp delSp modSp add mod setBg">
+        <pc:chgData name="Thorsten Hilbradt" userId="b76ca37a-0758-4f71-aeb6-b277b8bbbfdd" providerId="ADAL" clId="{E7A5B079-1BA6-4760-B851-727E3DF33BC4}" dt="2020-05-31T22:06:59.840" v="665" actId="26606"/>
+        <pc:sldMkLst>
+          <pc:docMk/>
+          <pc:sldMk cId="405527029" sldId="265"/>
+        </pc:sldMkLst>
+        <pc:spChg chg="mod">
+          <ac:chgData name="Thorsten Hilbradt" userId="b76ca37a-0758-4f71-aeb6-b277b8bbbfdd" providerId="ADAL" clId="{E7A5B079-1BA6-4760-B851-727E3DF33BC4}" dt="2020-05-31T22:06:59.840" v="665" actId="26606"/>
+          <ac:spMkLst>
+            <pc:docMk/>
+            <pc:sldMk cId="405527029" sldId="265"/>
+            <ac:spMk id="2" creationId="{34DB7194-E807-46D7-80E2-BFE3EF21DDC4}"/>
+          </ac:spMkLst>
+        </pc:spChg>
+        <pc:spChg chg="mod">
+          <ac:chgData name="Thorsten Hilbradt" userId="b76ca37a-0758-4f71-aeb6-b277b8bbbfdd" providerId="ADAL" clId="{E7A5B079-1BA6-4760-B851-727E3DF33BC4}" dt="2020-05-31T22:06:59.840" v="665" actId="26606"/>
+          <ac:spMkLst>
+            <pc:docMk/>
+            <pc:sldMk cId="405527029" sldId="265"/>
+            <ac:spMk id="3" creationId="{C91D2AE3-9995-47C9-AD35-393230652795}"/>
+          </ac:spMkLst>
+        </pc:spChg>
+        <pc:spChg chg="mod ord">
+          <ac:chgData name="Thorsten Hilbradt" userId="b76ca37a-0758-4f71-aeb6-b277b8bbbfdd" providerId="ADAL" clId="{E7A5B079-1BA6-4760-B851-727E3DF33BC4}" dt="2020-05-31T22:06:59.840" v="665" actId="26606"/>
+          <ac:spMkLst>
+            <pc:docMk/>
+            <pc:sldMk cId="405527029" sldId="265"/>
+            <ac:spMk id="4" creationId="{17B0F6C2-8196-4EBA-8271-86C78DF23318}"/>
+          </ac:spMkLst>
+        </pc:spChg>
+        <pc:spChg chg="add del">
+          <ac:chgData name="Thorsten Hilbradt" userId="b76ca37a-0758-4f71-aeb6-b277b8bbbfdd" providerId="ADAL" clId="{E7A5B079-1BA6-4760-B851-727E3DF33BC4}" dt="2020-05-31T22:06:59.840" v="665" actId="26606"/>
+          <ac:spMkLst>
+            <pc:docMk/>
+            <pc:sldMk cId="405527029" sldId="265"/>
+            <ac:spMk id="9" creationId="{2B566528-1B12-4246-9431-5C2D7D081168}"/>
+          </ac:spMkLst>
+        </pc:spChg>
+        <pc:spChg chg="add del">
+          <ac:chgData name="Thorsten Hilbradt" userId="b76ca37a-0758-4f71-aeb6-b277b8bbbfdd" providerId="ADAL" clId="{E7A5B079-1BA6-4760-B851-727E3DF33BC4}" dt="2020-05-31T22:06:59.840" v="665" actId="26606"/>
+          <ac:spMkLst>
+            <pc:docMk/>
+            <pc:sldMk cId="405527029" sldId="265"/>
+            <ac:spMk id="11" creationId="{2E80C965-DB6D-4F81-9E9E-B027384D0BD6}"/>
+          </ac:spMkLst>
+        </pc:spChg>
+        <pc:spChg chg="add del">
+          <ac:chgData name="Thorsten Hilbradt" userId="b76ca37a-0758-4f71-aeb6-b277b8bbbfdd" providerId="ADAL" clId="{E7A5B079-1BA6-4760-B851-727E3DF33BC4}" dt="2020-05-31T22:06:59.840" v="665" actId="26606"/>
+          <ac:spMkLst>
+            <pc:docMk/>
+            <pc:sldMk cId="405527029" sldId="265"/>
+            <ac:spMk id="13" creationId="{A580F890-B085-4E95-96AA-55AEBEC5CE6E}"/>
+          </ac:spMkLst>
+        </pc:spChg>
+        <pc:spChg chg="add del">
+          <ac:chgData name="Thorsten Hilbradt" userId="b76ca37a-0758-4f71-aeb6-b277b8bbbfdd" providerId="ADAL" clId="{E7A5B079-1BA6-4760-B851-727E3DF33BC4}" dt="2020-05-31T22:06:59.840" v="665" actId="26606"/>
+          <ac:spMkLst>
+            <pc:docMk/>
+            <pc:sldMk cId="405527029" sldId="265"/>
+            <ac:spMk id="15" creationId="{D3F51FEB-38FB-4F6C-9F7B-2F2AFAB65463}"/>
+          </ac:spMkLst>
+        </pc:spChg>
+        <pc:spChg chg="add del">
+          <ac:chgData name="Thorsten Hilbradt" userId="b76ca37a-0758-4f71-aeb6-b277b8bbbfdd" providerId="ADAL" clId="{E7A5B079-1BA6-4760-B851-727E3DF33BC4}" dt="2020-05-31T22:06:59.840" v="665" actId="26606"/>
+          <ac:spMkLst>
+            <pc:docMk/>
+            <pc:sldMk cId="405527029" sldId="265"/>
+            <ac:spMk id="17" creationId="{1E547BA6-BAE0-43BB-A7CA-60F69CE252F0}"/>
+          </ac:spMkLst>
+        </pc:spChg>
+        <pc:spChg chg="add">
+          <ac:chgData name="Thorsten Hilbradt" userId="b76ca37a-0758-4f71-aeb6-b277b8bbbfdd" providerId="ADAL" clId="{E7A5B079-1BA6-4760-B851-727E3DF33BC4}" dt="2020-05-31T22:06:59.840" v="665" actId="26606"/>
+          <ac:spMkLst>
+            <pc:docMk/>
+            <pc:sldMk cId="405527029" sldId="265"/>
+            <ac:spMk id="71" creationId="{59A309A7-1751-4ABE-A3C1-EEC40366AD89}"/>
+          </ac:spMkLst>
+        </pc:spChg>
+        <pc:spChg chg="add">
+          <ac:chgData name="Thorsten Hilbradt" userId="b76ca37a-0758-4f71-aeb6-b277b8bbbfdd" providerId="ADAL" clId="{E7A5B079-1BA6-4760-B851-727E3DF33BC4}" dt="2020-05-31T22:06:59.840" v="665" actId="26606"/>
+          <ac:spMkLst>
+            <pc:docMk/>
+            <pc:sldMk cId="405527029" sldId="265"/>
+            <ac:spMk id="73" creationId="{967D8EB6-EAE1-4F9C-B398-83321E287204}"/>
+          </ac:spMkLst>
+        </pc:spChg>
+        <pc:picChg chg="add mod">
+          <ac:chgData name="Thorsten Hilbradt" userId="b76ca37a-0758-4f71-aeb6-b277b8bbbfdd" providerId="ADAL" clId="{E7A5B079-1BA6-4760-B851-727E3DF33BC4}" dt="2020-05-31T22:06:59.840" v="665" actId="26606"/>
+          <ac:picMkLst>
+            <pc:docMk/>
+            <pc:sldMk cId="405527029" sldId="265"/>
+            <ac:picMk id="2050" creationId="{30F5D735-16E2-4121-9F22-407D7A6B26AF}"/>
+          </ac:picMkLst>
+        </pc:picChg>
+      </pc:sldChg>
+      <pc:sldChg chg="addSp delSp modSp add del mod setBg">
+        <pc:chgData name="Thorsten Hilbradt" userId="b76ca37a-0758-4f71-aeb6-b277b8bbbfdd" providerId="ADAL" clId="{E7A5B079-1BA6-4760-B851-727E3DF33BC4}" dt="2020-05-31T21:59:39.638" v="219" actId="2696"/>
+        <pc:sldMkLst>
+          <pc:docMk/>
+          <pc:sldMk cId="1577095550" sldId="265"/>
+        </pc:sldMkLst>
+        <pc:spChg chg="mod">
+          <ac:chgData name="Thorsten Hilbradt" userId="b76ca37a-0758-4f71-aeb6-b277b8bbbfdd" providerId="ADAL" clId="{E7A5B079-1BA6-4760-B851-727E3DF33BC4}" dt="2020-05-31T21:59:30.578" v="218" actId="26606"/>
+          <ac:spMkLst>
+            <pc:docMk/>
+            <pc:sldMk cId="1577095550" sldId="265"/>
+            <ac:spMk id="2" creationId="{93DF9412-4856-47AC-82F4-FFF260B5613A}"/>
+          </ac:spMkLst>
+        </pc:spChg>
+        <pc:spChg chg="mod ord">
+          <ac:chgData name="Thorsten Hilbradt" userId="b76ca37a-0758-4f71-aeb6-b277b8bbbfdd" providerId="ADAL" clId="{E7A5B079-1BA6-4760-B851-727E3DF33BC4}" dt="2020-05-31T21:59:30.578" v="218" actId="26606"/>
+          <ac:spMkLst>
+            <pc:docMk/>
+            <pc:sldMk cId="1577095550" sldId="265"/>
+            <ac:spMk id="3" creationId="{34E07BBE-3DC0-4D48-AF5E-41142D603ECD}"/>
+          </ac:spMkLst>
+        </pc:spChg>
+        <pc:spChg chg="mod ord">
+          <ac:chgData name="Thorsten Hilbradt" userId="b76ca37a-0758-4f71-aeb6-b277b8bbbfdd" providerId="ADAL" clId="{E7A5B079-1BA6-4760-B851-727E3DF33BC4}" dt="2020-05-31T21:59:30.578" v="218" actId="26606"/>
+          <ac:spMkLst>
+            <pc:docMk/>
+            <pc:sldMk cId="1577095550" sldId="265"/>
+            <ac:spMk id="4" creationId="{00AD3FE5-076B-4303-8A5B-EBBB12FA9DDB}"/>
+          </ac:spMkLst>
+        </pc:spChg>
+        <pc:spChg chg="add mod">
+          <ac:chgData name="Thorsten Hilbradt" userId="b76ca37a-0758-4f71-aeb6-b277b8bbbfdd" providerId="ADAL" clId="{E7A5B079-1BA6-4760-B851-727E3DF33BC4}" dt="2020-05-31T21:59:30.578" v="218" actId="26606"/>
+          <ac:spMkLst>
+            <pc:docMk/>
+            <pc:sldMk cId="1577095550" sldId="265"/>
+            <ac:spMk id="28" creationId="{B2240279-2020-4306-9435-28CA679EA31A}"/>
+          </ac:spMkLst>
+        </pc:spChg>
+        <pc:spChg chg="add">
+          <ac:chgData name="Thorsten Hilbradt" userId="b76ca37a-0758-4f71-aeb6-b277b8bbbfdd" providerId="ADAL" clId="{E7A5B079-1BA6-4760-B851-727E3DF33BC4}" dt="2020-05-31T21:59:30.578" v="218" actId="26606"/>
+          <ac:spMkLst>
+            <pc:docMk/>
+            <pc:sldMk cId="1577095550" sldId="265"/>
+            <ac:spMk id="33" creationId="{2B566528-1B12-4246-9431-5C2D7D081168}"/>
+          </ac:spMkLst>
+        </pc:spChg>
+        <pc:spChg chg="add">
+          <ac:chgData name="Thorsten Hilbradt" userId="b76ca37a-0758-4f71-aeb6-b277b8bbbfdd" providerId="ADAL" clId="{E7A5B079-1BA6-4760-B851-727E3DF33BC4}" dt="2020-05-31T21:59:30.578" v="218" actId="26606"/>
+          <ac:spMkLst>
+            <pc:docMk/>
+            <pc:sldMk cId="1577095550" sldId="265"/>
+            <ac:spMk id="35" creationId="{2E80C965-DB6D-4F81-9E9E-B027384D0BD6}"/>
+          </ac:spMkLst>
+        </pc:spChg>
+        <pc:spChg chg="add">
+          <ac:chgData name="Thorsten Hilbradt" userId="b76ca37a-0758-4f71-aeb6-b277b8bbbfdd" providerId="ADAL" clId="{E7A5B079-1BA6-4760-B851-727E3DF33BC4}" dt="2020-05-31T21:59:30.578" v="218" actId="26606"/>
+          <ac:spMkLst>
+            <pc:docMk/>
+            <pc:sldMk cId="1577095550" sldId="265"/>
+            <ac:spMk id="37" creationId="{A580F890-B085-4E95-96AA-55AEBEC5CE6E}"/>
+          </ac:spMkLst>
+        </pc:spChg>
+        <pc:spChg chg="add">
+          <ac:chgData name="Thorsten Hilbradt" userId="b76ca37a-0758-4f71-aeb6-b277b8bbbfdd" providerId="ADAL" clId="{E7A5B079-1BA6-4760-B851-727E3DF33BC4}" dt="2020-05-31T21:59:30.578" v="218" actId="26606"/>
+          <ac:spMkLst>
+            <pc:docMk/>
+            <pc:sldMk cId="1577095550" sldId="265"/>
+            <ac:spMk id="39" creationId="{D3F51FEB-38FB-4F6C-9F7B-2F2AFAB65463}"/>
+          </ac:spMkLst>
+        </pc:spChg>
+        <pc:spChg chg="add">
+          <ac:chgData name="Thorsten Hilbradt" userId="b76ca37a-0758-4f71-aeb6-b277b8bbbfdd" providerId="ADAL" clId="{E7A5B079-1BA6-4760-B851-727E3DF33BC4}" dt="2020-05-31T21:59:30.578" v="218" actId="26606"/>
+          <ac:spMkLst>
+            <pc:docMk/>
+            <pc:sldMk cId="1577095550" sldId="265"/>
+            <ac:spMk id="41" creationId="{1E547BA6-BAE0-43BB-A7CA-60F69CE252F0}"/>
+          </ac:spMkLst>
+        </pc:spChg>
+        <pc:spChg chg="add del">
+          <ac:chgData name="Thorsten Hilbradt" userId="b76ca37a-0758-4f71-aeb6-b277b8bbbfdd" providerId="ADAL" clId="{E7A5B079-1BA6-4760-B851-727E3DF33BC4}" dt="2020-05-31T21:58:31.397" v="200" actId="26606"/>
+          <ac:spMkLst>
+            <pc:docMk/>
+            <pc:sldMk cId="1577095550" sldId="265"/>
+            <ac:spMk id="71" creationId="{F4C0B10B-D2C4-4A54-AFAD-3D27DF88BB37}"/>
+          </ac:spMkLst>
+        </pc:spChg>
+        <pc:spChg chg="add del">
+          <ac:chgData name="Thorsten Hilbradt" userId="b76ca37a-0758-4f71-aeb6-b277b8bbbfdd" providerId="ADAL" clId="{E7A5B079-1BA6-4760-B851-727E3DF33BC4}" dt="2020-05-31T21:58:33.603" v="202" actId="26606"/>
+          <ac:spMkLst>
+            <pc:docMk/>
+            <pc:sldMk cId="1577095550" sldId="265"/>
+            <ac:spMk id="75" creationId="{3D752CF2-2291-40B5-B462-C17B174C10BC}"/>
+          </ac:spMkLst>
+        </pc:spChg>
+        <pc:spChg chg="add del">
+          <ac:chgData name="Thorsten Hilbradt" userId="b76ca37a-0758-4f71-aeb6-b277b8bbbfdd" providerId="ADAL" clId="{E7A5B079-1BA6-4760-B851-727E3DF33BC4}" dt="2020-05-31T21:58:45.336" v="206" actId="26606"/>
+          <ac:spMkLst>
+            <pc:docMk/>
+            <pc:sldMk cId="1577095550" sldId="265"/>
+            <ac:spMk id="77" creationId="{C0036C6B-F09C-4EAB-AE02-8D056EE74856}"/>
+          </ac:spMkLst>
+        </pc:spChg>
+        <pc:spChg chg="add del">
+          <ac:chgData name="Thorsten Hilbradt" userId="b76ca37a-0758-4f71-aeb6-b277b8bbbfdd" providerId="ADAL" clId="{E7A5B079-1BA6-4760-B851-727E3DF33BC4}" dt="2020-05-31T21:58:45.336" v="206" actId="26606"/>
+          <ac:spMkLst>
+            <pc:docMk/>
+            <pc:sldMk cId="1577095550" sldId="265"/>
+            <ac:spMk id="79" creationId="{FC8D5885-2804-4D3C-BE31-902E4D3279B0}"/>
+          </ac:spMkLst>
+        </pc:spChg>
+        <pc:spChg chg="add del">
+          <ac:chgData name="Thorsten Hilbradt" userId="b76ca37a-0758-4f71-aeb6-b277b8bbbfdd" providerId="ADAL" clId="{E7A5B079-1BA6-4760-B851-727E3DF33BC4}" dt="2020-05-31T21:58:58.550" v="210" actId="26606"/>
+          <ac:spMkLst>
+            <pc:docMk/>
+            <pc:sldMk cId="1577095550" sldId="265"/>
+            <ac:spMk id="81" creationId="{19C9EAEA-39D0-4B0E-A0EB-51E7B26740B1}"/>
+          </ac:spMkLst>
+        </pc:spChg>
+        <pc:spChg chg="add del">
+          <ac:chgData name="Thorsten Hilbradt" userId="b76ca37a-0758-4f71-aeb6-b277b8bbbfdd" providerId="ADAL" clId="{E7A5B079-1BA6-4760-B851-727E3DF33BC4}" dt="2020-05-31T21:58:33.603" v="202" actId="26606"/>
+          <ac:spMkLst>
+            <pc:docMk/>
+            <pc:sldMk cId="1577095550" sldId="265"/>
+            <ac:spMk id="1028" creationId="{F94AA2BD-2E3F-4B1D-8127-5744B8115311}"/>
+          </ac:spMkLst>
+        </pc:spChg>
+        <pc:spChg chg="add del">
+          <ac:chgData name="Thorsten Hilbradt" userId="b76ca37a-0758-4f71-aeb6-b277b8bbbfdd" providerId="ADAL" clId="{E7A5B079-1BA6-4760-B851-727E3DF33BC4}" dt="2020-05-31T21:58:33.603" v="202" actId="26606"/>
+          <ac:spMkLst>
+            <pc:docMk/>
+            <pc:sldMk cId="1577095550" sldId="265"/>
+            <ac:spMk id="1029" creationId="{4BD02261-2DC8-4AA8-9E16-7751AE892445}"/>
+          </ac:spMkLst>
+        </pc:spChg>
+        <pc:spChg chg="add del">
+          <ac:chgData name="Thorsten Hilbradt" userId="b76ca37a-0758-4f71-aeb6-b277b8bbbfdd" providerId="ADAL" clId="{E7A5B079-1BA6-4760-B851-727E3DF33BC4}" dt="2020-05-31T21:58:45.336" v="206" actId="26606"/>
+          <ac:spMkLst>
+            <pc:docMk/>
+            <pc:sldMk cId="1577095550" sldId="265"/>
+            <ac:spMk id="1033" creationId="{560AFAAC-EA6C-45A9-9E03-C9C9F0193B4F}"/>
+          </ac:spMkLst>
+        </pc:spChg>
+        <pc:spChg chg="add del">
+          <ac:chgData name="Thorsten Hilbradt" userId="b76ca37a-0758-4f71-aeb6-b277b8bbbfdd" providerId="ADAL" clId="{E7A5B079-1BA6-4760-B851-727E3DF33BC4}" dt="2020-05-31T21:58:45.336" v="206" actId="26606"/>
+          <ac:spMkLst>
+            <pc:docMk/>
+            <pc:sldMk cId="1577095550" sldId="265"/>
+            <ac:spMk id="1034" creationId="{83549E37-C86B-4401-90BD-D8BF83859F14}"/>
+          </ac:spMkLst>
+        </pc:spChg>
+        <pc:spChg chg="add del">
+          <ac:chgData name="Thorsten Hilbradt" userId="b76ca37a-0758-4f71-aeb6-b277b8bbbfdd" providerId="ADAL" clId="{E7A5B079-1BA6-4760-B851-727E3DF33BC4}" dt="2020-05-31T21:58:45.336" v="206" actId="26606"/>
+          <ac:spMkLst>
+            <pc:docMk/>
+            <pc:sldMk cId="1577095550" sldId="265"/>
+            <ac:spMk id="1035" creationId="{8A17784E-76D8-4521-A77D-0D2EBB923004}"/>
+          </ac:spMkLst>
+        </pc:spChg>
+        <pc:spChg chg="add del">
+          <ac:chgData name="Thorsten Hilbradt" userId="b76ca37a-0758-4f71-aeb6-b277b8bbbfdd" providerId="ADAL" clId="{E7A5B079-1BA6-4760-B851-727E3DF33BC4}" dt="2020-05-31T21:58:47.147" v="208" actId="26606"/>
+          <ac:spMkLst>
+            <pc:docMk/>
+            <pc:sldMk cId="1577095550" sldId="265"/>
+            <ac:spMk id="1037" creationId="{3CD9DF72-87A3-404E-A828-84CBF11A8303}"/>
+          </ac:spMkLst>
+        </pc:spChg>
+        <pc:spChg chg="add del">
+          <ac:chgData name="Thorsten Hilbradt" userId="b76ca37a-0758-4f71-aeb6-b277b8bbbfdd" providerId="ADAL" clId="{E7A5B079-1BA6-4760-B851-727E3DF33BC4}" dt="2020-05-31T21:58:58.550" v="210" actId="26606"/>
+          <ac:spMkLst>
+            <pc:docMk/>
+            <pc:sldMk cId="1577095550" sldId="265"/>
+            <ac:spMk id="1040" creationId="{201CC55D-ED54-4C5C-95E6-10947BD1103B}"/>
+          </ac:spMkLst>
+        </pc:spChg>
+        <pc:spChg chg="add del">
+          <ac:chgData name="Thorsten Hilbradt" userId="b76ca37a-0758-4f71-aeb6-b277b8bbbfdd" providerId="ADAL" clId="{E7A5B079-1BA6-4760-B851-727E3DF33BC4}" dt="2020-05-31T21:58:58.550" v="210" actId="26606"/>
+          <ac:spMkLst>
+            <pc:docMk/>
+            <pc:sldMk cId="1577095550" sldId="265"/>
+            <ac:spMk id="1043" creationId="{3873B707-463F-40B0-8227-E8CC6C67EB25}"/>
+          </ac:spMkLst>
+        </pc:spChg>
+        <pc:spChg chg="add del">
+          <ac:chgData name="Thorsten Hilbradt" userId="b76ca37a-0758-4f71-aeb6-b277b8bbbfdd" providerId="ADAL" clId="{E7A5B079-1BA6-4760-B851-727E3DF33BC4}" dt="2020-05-31T21:58:58.550" v="210" actId="26606"/>
+          <ac:spMkLst>
+            <pc:docMk/>
+            <pc:sldMk cId="1577095550" sldId="265"/>
+            <ac:spMk id="1044" creationId="{C13237C8-E62C-4F0D-A318-BD6FB6C2D138}"/>
+          </ac:spMkLst>
+        </pc:spChg>
+        <pc:grpChg chg="add del">
+          <ac:chgData name="Thorsten Hilbradt" userId="b76ca37a-0758-4f71-aeb6-b277b8bbbfdd" providerId="ADAL" clId="{E7A5B079-1BA6-4760-B851-727E3DF33BC4}" dt="2020-05-31T21:58:31.397" v="200" actId="26606"/>
+          <ac:grpSpMkLst>
+            <pc:docMk/>
+            <pc:sldMk cId="1577095550" sldId="265"/>
+            <ac:grpSpMk id="73" creationId="{B6BADB90-C74B-40D6-86DC-503F65FCE8DC}"/>
+          </ac:grpSpMkLst>
+        </pc:grpChg>
+        <pc:grpChg chg="add del">
+          <ac:chgData name="Thorsten Hilbradt" userId="b76ca37a-0758-4f71-aeb6-b277b8bbbfdd" providerId="ADAL" clId="{E7A5B079-1BA6-4760-B851-727E3DF33BC4}" dt="2020-05-31T21:58:58.550" v="210" actId="26606"/>
+          <ac:grpSpMkLst>
+            <pc:docMk/>
+            <pc:sldMk cId="1577095550" sldId="265"/>
+            <ac:grpSpMk id="1041" creationId="{1DE889C7-FAD6-4397-98E2-05D503484459}"/>
+          </ac:grpSpMkLst>
+        </pc:grpChg>
+        <pc:picChg chg="add del mod">
+          <ac:chgData name="Thorsten Hilbradt" userId="b76ca37a-0758-4f71-aeb6-b277b8bbbfdd" providerId="ADAL" clId="{E7A5B079-1BA6-4760-B851-727E3DF33BC4}" dt="2020-05-31T21:59:20.109" v="215" actId="478"/>
+          <ac:picMkLst>
+            <pc:docMk/>
+            <pc:sldMk cId="1577095550" sldId="265"/>
+            <ac:picMk id="29" creationId="{2B785E3F-E0EA-41E9-905F-804CAB4EF184}"/>
+          </ac:picMkLst>
+        </pc:picChg>
+        <pc:picChg chg="add del mod ord">
+          <ac:chgData name="Thorsten Hilbradt" userId="b76ca37a-0758-4f71-aeb6-b277b8bbbfdd" providerId="ADAL" clId="{E7A5B079-1BA6-4760-B851-727E3DF33BC4}" dt="2020-05-31T21:59:24.540" v="217" actId="478"/>
+          <ac:picMkLst>
+            <pc:docMk/>
+            <pc:sldMk cId="1577095550" sldId="265"/>
+            <ac:picMk id="1026" creationId="{AD3475CD-1B01-41F3-9F7E-3D9BC92FE350}"/>
+          </ac:picMkLst>
+        </pc:picChg>
+        <pc:picChg chg="add del">
+          <ac:chgData name="Thorsten Hilbradt" userId="b76ca37a-0758-4f71-aeb6-b277b8bbbfdd" providerId="ADAL" clId="{E7A5B079-1BA6-4760-B851-727E3DF33BC4}" dt="2020-05-31T21:58:38.376" v="204" actId="26606"/>
+          <ac:picMkLst>
+            <pc:docMk/>
+            <pc:sldMk cId="1577095550" sldId="265"/>
+            <ac:picMk id="1031" creationId="{54DDEBDD-D8BD-41A6-8A0D-B00E3768B0F9}"/>
+          </ac:picMkLst>
+        </pc:picChg>
+        <pc:cxnChg chg="add del">
+          <ac:chgData name="Thorsten Hilbradt" userId="b76ca37a-0758-4f71-aeb6-b277b8bbbfdd" providerId="ADAL" clId="{E7A5B079-1BA6-4760-B851-727E3DF33BC4}" dt="2020-05-31T21:58:47.147" v="208" actId="26606"/>
+          <ac:cxnSpMkLst>
+            <pc:docMk/>
+            <pc:sldMk cId="1577095550" sldId="265"/>
+            <ac:cxnSpMk id="1038" creationId="{20E3A342-4D61-4E3F-AF90-1AB42AEB96CC}"/>
+          </ac:cxnSpMkLst>
+        </pc:cxnChg>
+      </pc:sldChg>
+      <pc:sldChg chg="addSp modSp add mod setBg">
+        <pc:chgData name="Thorsten Hilbradt" userId="b76ca37a-0758-4f71-aeb6-b277b8bbbfdd" providerId="ADAL" clId="{E7A5B079-1BA6-4760-B851-727E3DF33BC4}" dt="2020-05-31T22:11:02.327" v="903" actId="26606"/>
+        <pc:sldMkLst>
+          <pc:docMk/>
+          <pc:sldMk cId="4055910060" sldId="266"/>
+        </pc:sldMkLst>
+        <pc:spChg chg="mod">
+          <ac:chgData name="Thorsten Hilbradt" userId="b76ca37a-0758-4f71-aeb6-b277b8bbbfdd" providerId="ADAL" clId="{E7A5B079-1BA6-4760-B851-727E3DF33BC4}" dt="2020-05-31T22:11:02.327" v="903" actId="26606"/>
+          <ac:spMkLst>
+            <pc:docMk/>
+            <pc:sldMk cId="4055910060" sldId="266"/>
+            <ac:spMk id="2" creationId="{014C229D-49B8-4B80-AD6A-9FF127012DDD}"/>
+          </ac:spMkLst>
+        </pc:spChg>
+        <pc:spChg chg="mod">
+          <ac:chgData name="Thorsten Hilbradt" userId="b76ca37a-0758-4f71-aeb6-b277b8bbbfdd" providerId="ADAL" clId="{E7A5B079-1BA6-4760-B851-727E3DF33BC4}" dt="2020-05-31T22:11:02.327" v="903" actId="26606"/>
+          <ac:spMkLst>
+            <pc:docMk/>
+            <pc:sldMk cId="4055910060" sldId="266"/>
+            <ac:spMk id="3" creationId="{A2FF9E9C-05BE-4246-8514-F002AF38E56F}"/>
+          </ac:spMkLst>
+        </pc:spChg>
+        <pc:spChg chg="mod ord">
+          <ac:chgData name="Thorsten Hilbradt" userId="b76ca37a-0758-4f71-aeb6-b277b8bbbfdd" providerId="ADAL" clId="{E7A5B079-1BA6-4760-B851-727E3DF33BC4}" dt="2020-05-31T22:11:02.327" v="903" actId="26606"/>
+          <ac:spMkLst>
+            <pc:docMk/>
+            <pc:sldMk cId="4055910060" sldId="266"/>
+            <ac:spMk id="4" creationId="{0D355E8B-3A68-4FA6-B50A-194FDECAB7B1}"/>
+          </ac:spMkLst>
+        </pc:spChg>
+        <pc:spChg chg="add">
+          <ac:chgData name="Thorsten Hilbradt" userId="b76ca37a-0758-4f71-aeb6-b277b8bbbfdd" providerId="ADAL" clId="{E7A5B079-1BA6-4760-B851-727E3DF33BC4}" dt="2020-05-31T22:11:02.327" v="903" actId="26606"/>
+          <ac:spMkLst>
+            <pc:docMk/>
+            <pc:sldMk cId="4055910060" sldId="266"/>
+            <ac:spMk id="71" creationId="{59A309A7-1751-4ABE-A3C1-EEC40366AD89}"/>
+          </ac:spMkLst>
+        </pc:spChg>
+        <pc:spChg chg="add">
+          <ac:chgData name="Thorsten Hilbradt" userId="b76ca37a-0758-4f71-aeb6-b277b8bbbfdd" providerId="ADAL" clId="{E7A5B079-1BA6-4760-B851-727E3DF33BC4}" dt="2020-05-31T22:11:02.327" v="903" actId="26606"/>
+          <ac:spMkLst>
+            <pc:docMk/>
+            <pc:sldMk cId="4055910060" sldId="266"/>
+            <ac:spMk id="73" creationId="{967D8EB6-EAE1-4F9C-B398-83321E287204}"/>
+          </ac:spMkLst>
+        </pc:spChg>
+        <pc:picChg chg="add mod">
+          <ac:chgData name="Thorsten Hilbradt" userId="b76ca37a-0758-4f71-aeb6-b277b8bbbfdd" providerId="ADAL" clId="{E7A5B079-1BA6-4760-B851-727E3DF33BC4}" dt="2020-05-31T22:11:02.327" v="903" actId="26606"/>
+          <ac:picMkLst>
+            <pc:docMk/>
+            <pc:sldMk cId="4055910060" sldId="266"/>
+            <ac:picMk id="3074" creationId="{173C29E5-D106-4EB3-B43F-5A269578588E}"/>
+          </ac:picMkLst>
+        </pc:picChg>
+      </pc:sldChg>
+      <pc:sldChg chg="addSp delSp modSp add mod setBg">
+        <pc:chgData name="Thorsten Hilbradt" userId="b76ca37a-0758-4f71-aeb6-b277b8bbbfdd" providerId="ADAL" clId="{E7A5B079-1BA6-4760-B851-727E3DF33BC4}" dt="2020-05-31T22:14:12.857" v="1013" actId="26606"/>
+        <pc:sldMkLst>
+          <pc:docMk/>
+          <pc:sldMk cId="2853104534" sldId="267"/>
+        </pc:sldMkLst>
+        <pc:spChg chg="mod">
+          <ac:chgData name="Thorsten Hilbradt" userId="b76ca37a-0758-4f71-aeb6-b277b8bbbfdd" providerId="ADAL" clId="{E7A5B079-1BA6-4760-B851-727E3DF33BC4}" dt="2020-05-31T22:14:12.857" v="1013" actId="26606"/>
+          <ac:spMkLst>
+            <pc:docMk/>
+            <pc:sldMk cId="2853104534" sldId="267"/>
+            <ac:spMk id="2" creationId="{795DF038-569A-4894-861A-72097C92DAE3}"/>
+          </ac:spMkLst>
+        </pc:spChg>
+        <pc:spChg chg="del mod">
+          <ac:chgData name="Thorsten Hilbradt" userId="b76ca37a-0758-4f71-aeb6-b277b8bbbfdd" providerId="ADAL" clId="{E7A5B079-1BA6-4760-B851-727E3DF33BC4}" dt="2020-05-31T22:13:55.794" v="1011" actId="26606"/>
+          <ac:spMkLst>
+            <pc:docMk/>
+            <pc:sldMk cId="2853104534" sldId="267"/>
+            <ac:spMk id="3" creationId="{15A8141F-732C-4208-AAB1-8297DA596C59}"/>
+          </ac:spMkLst>
+        </pc:spChg>
+        <pc:spChg chg="mod">
+          <ac:chgData name="Thorsten Hilbradt" userId="b76ca37a-0758-4f71-aeb6-b277b8bbbfdd" providerId="ADAL" clId="{E7A5B079-1BA6-4760-B851-727E3DF33BC4}" dt="2020-05-31T22:14:12.857" v="1013" actId="26606"/>
+          <ac:spMkLst>
+            <pc:docMk/>
+            <pc:sldMk cId="2853104534" sldId="267"/>
+            <ac:spMk id="4" creationId="{56E6B6B5-F344-48AE-8E99-DFE8CEF93666}"/>
+          </ac:spMkLst>
+        </pc:spChg>
+        <pc:spChg chg="add del">
+          <ac:chgData name="Thorsten Hilbradt" userId="b76ca37a-0758-4f71-aeb6-b277b8bbbfdd" providerId="ADAL" clId="{E7A5B079-1BA6-4760-B851-727E3DF33BC4}" dt="2020-05-31T22:13:55.794" v="1011" actId="26606"/>
+          <ac:spMkLst>
+            <pc:docMk/>
+            <pc:sldMk cId="2853104534" sldId="267"/>
+            <ac:spMk id="9" creationId="{2B566528-1B12-4246-9431-5C2D7D081168}"/>
+          </ac:spMkLst>
+        </pc:spChg>
+        <pc:spChg chg="add del">
+          <ac:chgData name="Thorsten Hilbradt" userId="b76ca37a-0758-4f71-aeb6-b277b8bbbfdd" providerId="ADAL" clId="{E7A5B079-1BA6-4760-B851-727E3DF33BC4}" dt="2020-05-31T22:13:55.794" v="1011" actId="26606"/>
+          <ac:spMkLst>
+            <pc:docMk/>
+            <pc:sldMk cId="2853104534" sldId="267"/>
+            <ac:spMk id="11" creationId="{2E80C965-DB6D-4F81-9E9E-B027384D0BD6}"/>
+          </ac:spMkLst>
+        </pc:spChg>
+        <pc:spChg chg="add del">
+          <ac:chgData name="Thorsten Hilbradt" userId="b76ca37a-0758-4f71-aeb6-b277b8bbbfdd" providerId="ADAL" clId="{E7A5B079-1BA6-4760-B851-727E3DF33BC4}" dt="2020-05-31T22:13:55.794" v="1011" actId="26606"/>
+          <ac:spMkLst>
+            <pc:docMk/>
+            <pc:sldMk cId="2853104534" sldId="267"/>
+            <ac:spMk id="13" creationId="{A580F890-B085-4E95-96AA-55AEBEC5CE6E}"/>
+          </ac:spMkLst>
+        </pc:spChg>
+        <pc:spChg chg="add del">
+          <ac:chgData name="Thorsten Hilbradt" userId="b76ca37a-0758-4f71-aeb6-b277b8bbbfdd" providerId="ADAL" clId="{E7A5B079-1BA6-4760-B851-727E3DF33BC4}" dt="2020-05-31T22:13:55.794" v="1011" actId="26606"/>
+          <ac:spMkLst>
+            <pc:docMk/>
+            <pc:sldMk cId="2853104534" sldId="267"/>
+            <ac:spMk id="15" creationId="{D3F51FEB-38FB-4F6C-9F7B-2F2AFAB65463}"/>
+          </ac:spMkLst>
+        </pc:spChg>
+        <pc:spChg chg="add del">
+          <ac:chgData name="Thorsten Hilbradt" userId="b76ca37a-0758-4f71-aeb6-b277b8bbbfdd" providerId="ADAL" clId="{E7A5B079-1BA6-4760-B851-727E3DF33BC4}" dt="2020-05-31T22:13:55.794" v="1011" actId="26606"/>
+          <ac:spMkLst>
+            <pc:docMk/>
+            <pc:sldMk cId="2853104534" sldId="267"/>
+            <ac:spMk id="17" creationId="{1E547BA6-BAE0-43BB-A7CA-60F69CE252F0}"/>
+          </ac:spMkLst>
+        </pc:spChg>
+        <pc:spChg chg="add del">
+          <ac:chgData name="Thorsten Hilbradt" userId="b76ca37a-0758-4f71-aeb6-b277b8bbbfdd" providerId="ADAL" clId="{E7A5B079-1BA6-4760-B851-727E3DF33BC4}" dt="2020-05-31T22:14:12.857" v="1013" actId="26606"/>
+          <ac:spMkLst>
+            <pc:docMk/>
+            <pc:sldMk cId="2853104534" sldId="267"/>
+            <ac:spMk id="23" creationId="{2B566528-1B12-4246-9431-5C2D7D081168}"/>
+          </ac:spMkLst>
+        </pc:spChg>
+        <pc:spChg chg="add del">
+          <ac:chgData name="Thorsten Hilbradt" userId="b76ca37a-0758-4f71-aeb6-b277b8bbbfdd" providerId="ADAL" clId="{E7A5B079-1BA6-4760-B851-727E3DF33BC4}" dt="2020-05-31T22:14:12.857" v="1013" actId="26606"/>
+          <ac:spMkLst>
+            <pc:docMk/>
+            <pc:sldMk cId="2853104534" sldId="267"/>
+            <ac:spMk id="25" creationId="{2E80C965-DB6D-4F81-9E9E-B027384D0BD6}"/>
+          </ac:spMkLst>
+        </pc:spChg>
+        <pc:spChg chg="add del">
+          <ac:chgData name="Thorsten Hilbradt" userId="b76ca37a-0758-4f71-aeb6-b277b8bbbfdd" providerId="ADAL" clId="{E7A5B079-1BA6-4760-B851-727E3DF33BC4}" dt="2020-05-31T22:14:12.857" v="1013" actId="26606"/>
+          <ac:spMkLst>
+            <pc:docMk/>
+            <pc:sldMk cId="2853104534" sldId="267"/>
+            <ac:spMk id="27" creationId="{A580F890-B085-4E95-96AA-55AEBEC5CE6E}"/>
+          </ac:spMkLst>
+        </pc:spChg>
+        <pc:spChg chg="add del">
+          <ac:chgData name="Thorsten Hilbradt" userId="b76ca37a-0758-4f71-aeb6-b277b8bbbfdd" providerId="ADAL" clId="{E7A5B079-1BA6-4760-B851-727E3DF33BC4}" dt="2020-05-31T22:14:12.857" v="1013" actId="26606"/>
+          <ac:spMkLst>
+            <pc:docMk/>
+            <pc:sldMk cId="2853104534" sldId="267"/>
+            <ac:spMk id="29" creationId="{D3F51FEB-38FB-4F6C-9F7B-2F2AFAB65463}"/>
+          </ac:spMkLst>
+        </pc:spChg>
+        <pc:spChg chg="add del">
+          <ac:chgData name="Thorsten Hilbradt" userId="b76ca37a-0758-4f71-aeb6-b277b8bbbfdd" providerId="ADAL" clId="{E7A5B079-1BA6-4760-B851-727E3DF33BC4}" dt="2020-05-31T22:14:12.857" v="1013" actId="26606"/>
+          <ac:spMkLst>
+            <pc:docMk/>
+            <pc:sldMk cId="2853104534" sldId="267"/>
+            <ac:spMk id="31" creationId="{1E547BA6-BAE0-43BB-A7CA-60F69CE252F0}"/>
+          </ac:spMkLst>
+        </pc:spChg>
+        <pc:graphicFrameChg chg="add mod modGraphic">
+          <ac:chgData name="Thorsten Hilbradt" userId="b76ca37a-0758-4f71-aeb6-b277b8bbbfdd" providerId="ADAL" clId="{E7A5B079-1BA6-4760-B851-727E3DF33BC4}" dt="2020-05-31T22:14:12.857" v="1013" actId="26606"/>
+          <ac:graphicFrameMkLst>
+            <pc:docMk/>
+            <pc:sldMk cId="2853104534" sldId="267"/>
+            <ac:graphicFrameMk id="19" creationId="{8E42A22F-9C5A-4DD7-B7C9-16976C0948DC}"/>
+          </ac:graphicFrameMkLst>
+        </pc:graphicFrameChg>
+      </pc:sldChg>
+      <pc:sldChg chg="add del">
+        <pc:chgData name="Thorsten Hilbradt" userId="b76ca37a-0758-4f71-aeb6-b277b8bbbfdd" providerId="ADAL" clId="{E7A5B079-1BA6-4760-B851-727E3DF33BC4}" dt="2020-05-31T22:17:36.748" v="1054" actId="2696"/>
+        <pc:sldMkLst>
+          <pc:docMk/>
+          <pc:sldMk cId="2124850582" sldId="268"/>
+        </pc:sldMkLst>
+      </pc:sldChg>
+      <pc:sldChg chg="add del">
+        <pc:chgData name="Thorsten Hilbradt" userId="b76ca37a-0758-4f71-aeb6-b277b8bbbfdd" providerId="ADAL" clId="{E7A5B079-1BA6-4760-B851-727E3DF33BC4}" dt="2020-05-31T22:18:01.383" v="1056" actId="2696"/>
+        <pc:sldMkLst>
+          <pc:docMk/>
+          <pc:sldMk cId="2496689163" sldId="268"/>
+        </pc:sldMkLst>
+      </pc:sldChg>
+      <pc:sldChg chg="addSp delSp modSp add del mod setBg">
+        <pc:chgData name="Thorsten Hilbradt" userId="b76ca37a-0758-4f71-aeb6-b277b8bbbfdd" providerId="ADAL" clId="{E7A5B079-1BA6-4760-B851-727E3DF33BC4}" dt="2020-05-31T22:18:49.780" v="1066" actId="2696"/>
+        <pc:sldMkLst>
+          <pc:docMk/>
+          <pc:sldMk cId="2933189564" sldId="268"/>
+        </pc:sldMkLst>
+        <pc:spChg chg="mod">
+          <ac:chgData name="Thorsten Hilbradt" userId="b76ca37a-0758-4f71-aeb6-b277b8bbbfdd" providerId="ADAL" clId="{E7A5B079-1BA6-4760-B851-727E3DF33BC4}" dt="2020-05-31T22:18:24.930" v="1062" actId="26606"/>
+          <ac:spMkLst>
+            <pc:docMk/>
+            <pc:sldMk cId="2933189564" sldId="268"/>
+            <ac:spMk id="2" creationId="{D0CC99AA-978F-4261-8453-697EBC583F49}"/>
+          </ac:spMkLst>
+        </pc:spChg>
+        <pc:spChg chg="mod ord">
+          <ac:chgData name="Thorsten Hilbradt" userId="b76ca37a-0758-4f71-aeb6-b277b8bbbfdd" providerId="ADAL" clId="{E7A5B079-1BA6-4760-B851-727E3DF33BC4}" dt="2020-05-31T22:18:24.930" v="1062" actId="26606"/>
+          <ac:spMkLst>
+            <pc:docMk/>
+            <pc:sldMk cId="2933189564" sldId="268"/>
+            <ac:spMk id="3" creationId="{9FA66D97-A75F-4FD3-8B13-21192192C2D9}"/>
+          </ac:spMkLst>
+        </pc:spChg>
+        <pc:spChg chg="add del">
+          <ac:chgData name="Thorsten Hilbradt" userId="b76ca37a-0758-4f71-aeb6-b277b8bbbfdd" providerId="ADAL" clId="{E7A5B079-1BA6-4760-B851-727E3DF33BC4}" dt="2020-05-31T22:18:24.930" v="1062" actId="26606"/>
+          <ac:spMkLst>
+            <pc:docMk/>
+            <pc:sldMk cId="2933189564" sldId="268"/>
+            <ac:spMk id="71" creationId="{3A826B85-D58A-48FB-ABB8-881A5F8CC27B}"/>
+          </ac:spMkLst>
+        </pc:spChg>
+        <pc:spChg chg="add del">
+          <ac:chgData name="Thorsten Hilbradt" userId="b76ca37a-0758-4f71-aeb6-b277b8bbbfdd" providerId="ADAL" clId="{E7A5B079-1BA6-4760-B851-727E3DF33BC4}" dt="2020-05-31T22:18:24.930" v="1062" actId="26606"/>
+          <ac:spMkLst>
+            <pc:docMk/>
+            <pc:sldMk cId="2933189564" sldId="268"/>
+            <ac:spMk id="73" creationId="{20B579A7-44A3-4863-B4F6-E1E3D667A58D}"/>
+          </ac:spMkLst>
+        </pc:spChg>
+        <pc:picChg chg="add del mod">
+          <ac:chgData name="Thorsten Hilbradt" userId="b76ca37a-0758-4f71-aeb6-b277b8bbbfdd" providerId="ADAL" clId="{E7A5B079-1BA6-4760-B851-727E3DF33BC4}" dt="2020-05-31T22:18:34.250" v="1063" actId="478"/>
+          <ac:picMkLst>
+            <pc:docMk/>
+            <pc:sldMk cId="2933189564" sldId="268"/>
+            <ac:picMk id="5122" creationId="{4D3A0CBA-B922-416D-9F73-409EBBA3F555}"/>
+          </ac:picMkLst>
+        </pc:picChg>
+      </pc:sldChg>
+      <pc:sldChg chg="addSp delSp modSp add mod setBg">
+        <pc:chgData name="Thorsten Hilbradt" userId="b76ca37a-0758-4f71-aeb6-b277b8bbbfdd" providerId="ADAL" clId="{E7A5B079-1BA6-4760-B851-727E3DF33BC4}" dt="2020-05-31T22:19:35.016" v="1104" actId="20577"/>
+        <pc:sldMkLst>
+          <pc:docMk/>
+          <pc:sldMk cId="70705722" sldId="269"/>
+        </pc:sldMkLst>
+        <pc:spChg chg="mod">
+          <ac:chgData name="Thorsten Hilbradt" userId="b76ca37a-0758-4f71-aeb6-b277b8bbbfdd" providerId="ADAL" clId="{E7A5B079-1BA6-4760-B851-727E3DF33BC4}" dt="2020-05-31T22:19:35.016" v="1104" actId="20577"/>
+          <ac:spMkLst>
+            <pc:docMk/>
+            <pc:sldMk cId="70705722" sldId="269"/>
+            <ac:spMk id="2" creationId="{D2DF4CDF-BDA5-42BB-B9FE-BCF9DC1BDD2B}"/>
+          </ac:spMkLst>
+        </pc:spChg>
+        <pc:spChg chg="del mod">
+          <ac:chgData name="Thorsten Hilbradt" userId="b76ca37a-0758-4f71-aeb6-b277b8bbbfdd" providerId="ADAL" clId="{E7A5B079-1BA6-4760-B851-727E3DF33BC4}" dt="2020-05-31T22:18:53.280" v="1067"/>
+          <ac:spMkLst>
+            <pc:docMk/>
+            <pc:sldMk cId="70705722" sldId="269"/>
+            <ac:spMk id="3" creationId="{C443A209-6B47-4071-87E9-4AC736CADD91}"/>
+          </ac:spMkLst>
+        </pc:spChg>
+        <pc:spChg chg="mod">
+          <ac:chgData name="Thorsten Hilbradt" userId="b76ca37a-0758-4f71-aeb6-b277b8bbbfdd" providerId="ADAL" clId="{E7A5B079-1BA6-4760-B851-727E3DF33BC4}" dt="2020-05-31T22:18:47.876" v="1065" actId="26606"/>
+          <ac:spMkLst>
+            <pc:docMk/>
+            <pc:sldMk cId="70705722" sldId="269"/>
+            <ac:spMk id="4" creationId="{9A2CAB6A-4C77-45F7-A301-7C11D9B6FF6F}"/>
+          </ac:spMkLst>
+        </pc:spChg>
+        <pc:spChg chg="add">
+          <ac:chgData name="Thorsten Hilbradt" userId="b76ca37a-0758-4f71-aeb6-b277b8bbbfdd" providerId="ADAL" clId="{E7A5B079-1BA6-4760-B851-727E3DF33BC4}" dt="2020-05-31T22:18:47.876" v="1065" actId="26606"/>
+          <ac:spMkLst>
+            <pc:docMk/>
+            <pc:sldMk cId="70705722" sldId="269"/>
+            <ac:spMk id="9" creationId="{2B566528-1B12-4246-9431-5C2D7D081168}"/>
+          </ac:spMkLst>
+        </pc:spChg>
+        <pc:spChg chg="add">
+          <ac:chgData name="Thorsten Hilbradt" userId="b76ca37a-0758-4f71-aeb6-b277b8bbbfdd" providerId="ADAL" clId="{E7A5B079-1BA6-4760-B851-727E3DF33BC4}" dt="2020-05-31T22:18:47.876" v="1065" actId="26606"/>
+          <ac:spMkLst>
+            <pc:docMk/>
+            <pc:sldMk cId="70705722" sldId="269"/>
+            <ac:spMk id="11" creationId="{2E80C965-DB6D-4F81-9E9E-B027384D0BD6}"/>
+          </ac:spMkLst>
+        </pc:spChg>
+        <pc:spChg chg="add">
+          <ac:chgData name="Thorsten Hilbradt" userId="b76ca37a-0758-4f71-aeb6-b277b8bbbfdd" providerId="ADAL" clId="{E7A5B079-1BA6-4760-B851-727E3DF33BC4}" dt="2020-05-31T22:18:47.876" v="1065" actId="26606"/>
+          <ac:spMkLst>
+            <pc:docMk/>
+            <pc:sldMk cId="70705722" sldId="269"/>
+            <ac:spMk id="13" creationId="{A580F890-B085-4E95-96AA-55AEBEC5CE6E}"/>
+          </ac:spMkLst>
+        </pc:spChg>
+        <pc:spChg chg="add">
+          <ac:chgData name="Thorsten Hilbradt" userId="b76ca37a-0758-4f71-aeb6-b277b8bbbfdd" providerId="ADAL" clId="{E7A5B079-1BA6-4760-B851-727E3DF33BC4}" dt="2020-05-31T22:18:47.876" v="1065" actId="26606"/>
+          <ac:spMkLst>
+            <pc:docMk/>
+            <pc:sldMk cId="70705722" sldId="269"/>
+            <ac:spMk id="15" creationId="{D3F51FEB-38FB-4F6C-9F7B-2F2AFAB65463}"/>
+          </ac:spMkLst>
+        </pc:spChg>
+        <pc:spChg chg="add">
+          <ac:chgData name="Thorsten Hilbradt" userId="b76ca37a-0758-4f71-aeb6-b277b8bbbfdd" providerId="ADAL" clId="{E7A5B079-1BA6-4760-B851-727E3DF33BC4}" dt="2020-05-31T22:18:47.876" v="1065" actId="26606"/>
+          <ac:spMkLst>
+            <pc:docMk/>
+            <pc:sldMk cId="70705722" sldId="269"/>
+            <ac:spMk id="17" creationId="{1E547BA6-BAE0-43BB-A7CA-60F69CE252F0}"/>
+          </ac:spMkLst>
+        </pc:spChg>
+        <pc:picChg chg="add mod">
+          <ac:chgData name="Thorsten Hilbradt" userId="b76ca37a-0758-4f71-aeb6-b277b8bbbfdd" providerId="ADAL" clId="{E7A5B079-1BA6-4760-B851-727E3DF33BC4}" dt="2020-05-31T22:19:06.944" v="1072" actId="1076"/>
+          <ac:picMkLst>
+            <pc:docMk/>
+            <pc:sldMk cId="70705722" sldId="269"/>
+            <ac:picMk id="6146" creationId="{AC5BBD7E-DC3E-4626-8D95-4D29A253D4BC}"/>
+          </ac:picMkLst>
+        </pc:picChg>
+      </pc:sldChg>
+      <pc:sldChg chg="addSp modSp add mod setBg">
+        <pc:chgData name="Thorsten Hilbradt" userId="b76ca37a-0758-4f71-aeb6-b277b8bbbfdd" providerId="ADAL" clId="{E7A5B079-1BA6-4760-B851-727E3DF33BC4}" dt="2020-05-31T22:21:21.046" v="1154" actId="20577"/>
+        <pc:sldMkLst>
+          <pc:docMk/>
+          <pc:sldMk cId="2922850977" sldId="270"/>
+        </pc:sldMkLst>
+        <pc:spChg chg="mod">
+          <ac:chgData name="Thorsten Hilbradt" userId="b76ca37a-0758-4f71-aeb6-b277b8bbbfdd" providerId="ADAL" clId="{E7A5B079-1BA6-4760-B851-727E3DF33BC4}" dt="2020-05-31T22:21:21.046" v="1154" actId="20577"/>
+          <ac:spMkLst>
+            <pc:docMk/>
+            <pc:sldMk cId="2922850977" sldId="270"/>
+            <ac:spMk id="2" creationId="{3F9AB655-8833-49F2-AD81-65CE2B5FD799}"/>
+          </ac:spMkLst>
+        </pc:spChg>
+        <pc:spChg chg="mod">
+          <ac:chgData name="Thorsten Hilbradt" userId="b76ca37a-0758-4f71-aeb6-b277b8bbbfdd" providerId="ADAL" clId="{E7A5B079-1BA6-4760-B851-727E3DF33BC4}" dt="2020-05-31T22:21:01.114" v="1117" actId="26606"/>
+          <ac:spMkLst>
+            <pc:docMk/>
+            <pc:sldMk cId="2922850977" sldId="270"/>
+            <ac:spMk id="3" creationId="{329B2781-0E5C-4CE0-ADEF-601467FAA4E0}"/>
+          </ac:spMkLst>
+        </pc:spChg>
+        <pc:spChg chg="mod">
+          <ac:chgData name="Thorsten Hilbradt" userId="b76ca37a-0758-4f71-aeb6-b277b8bbbfdd" providerId="ADAL" clId="{E7A5B079-1BA6-4760-B851-727E3DF33BC4}" dt="2020-05-31T22:21:01.114" v="1117" actId="26606"/>
+          <ac:spMkLst>
+            <pc:docMk/>
+            <pc:sldMk cId="2922850977" sldId="270"/>
+            <ac:spMk id="4" creationId="{DAE8212D-F5CE-4469-AF6B-DF4B2402E631}"/>
+          </ac:spMkLst>
+        </pc:spChg>
+        <pc:spChg chg="add">
+          <ac:chgData name="Thorsten Hilbradt" userId="b76ca37a-0758-4f71-aeb6-b277b8bbbfdd" providerId="ADAL" clId="{E7A5B079-1BA6-4760-B851-727E3DF33BC4}" dt="2020-05-31T22:21:01.114" v="1117" actId="26606"/>
+          <ac:spMkLst>
+            <pc:docMk/>
+            <pc:sldMk cId="2922850977" sldId="270"/>
+            <ac:spMk id="9" creationId="{2B566528-1B12-4246-9431-5C2D7D081168}"/>
+          </ac:spMkLst>
+        </pc:spChg>
+        <pc:spChg chg="add">
+          <ac:chgData name="Thorsten Hilbradt" userId="b76ca37a-0758-4f71-aeb6-b277b8bbbfdd" providerId="ADAL" clId="{E7A5B079-1BA6-4760-B851-727E3DF33BC4}" dt="2020-05-31T22:21:01.114" v="1117" actId="26606"/>
+          <ac:spMkLst>
+            <pc:docMk/>
+            <pc:sldMk cId="2922850977" sldId="270"/>
+            <ac:spMk id="11" creationId="{2E80C965-DB6D-4F81-9E9E-B027384D0BD6}"/>
+          </ac:spMkLst>
+        </pc:spChg>
+        <pc:spChg chg="add">
+          <ac:chgData name="Thorsten Hilbradt" userId="b76ca37a-0758-4f71-aeb6-b277b8bbbfdd" providerId="ADAL" clId="{E7A5B079-1BA6-4760-B851-727E3DF33BC4}" dt="2020-05-31T22:21:01.114" v="1117" actId="26606"/>
+          <ac:spMkLst>
+            <pc:docMk/>
+            <pc:sldMk cId="2922850977" sldId="270"/>
+            <ac:spMk id="13" creationId="{A580F890-B085-4E95-96AA-55AEBEC5CE6E}"/>
+          </ac:spMkLst>
+        </pc:spChg>
+        <pc:spChg chg="add">
+          <ac:chgData name="Thorsten Hilbradt" userId="b76ca37a-0758-4f71-aeb6-b277b8bbbfdd" providerId="ADAL" clId="{E7A5B079-1BA6-4760-B851-727E3DF33BC4}" dt="2020-05-31T22:21:01.114" v="1117" actId="26606"/>
+          <ac:spMkLst>
+            <pc:docMk/>
+            <pc:sldMk cId="2922850977" sldId="270"/>
+            <ac:spMk id="15" creationId="{D3F51FEB-38FB-4F6C-9F7B-2F2AFAB65463}"/>
+          </ac:spMkLst>
+        </pc:spChg>
+        <pc:spChg chg="add">
+          <ac:chgData name="Thorsten Hilbradt" userId="b76ca37a-0758-4f71-aeb6-b277b8bbbfdd" providerId="ADAL" clId="{E7A5B079-1BA6-4760-B851-727E3DF33BC4}" dt="2020-05-31T22:21:01.114" v="1117" actId="26606"/>
+          <ac:spMkLst>
+            <pc:docMk/>
+            <pc:sldMk cId="2922850977" sldId="270"/>
+            <ac:spMk id="17" creationId="{1E547BA6-BAE0-43BB-A7CA-60F69CE252F0}"/>
+          </ac:spMkLst>
+        </pc:spChg>
+      </pc:sldChg>
+      <pc:sldChg chg="add del">
+        <pc:chgData name="Thorsten Hilbradt" userId="b76ca37a-0758-4f71-aeb6-b277b8bbbfdd" providerId="ADAL" clId="{E7A5B079-1BA6-4760-B851-727E3DF33BC4}" dt="2020-05-31T22:21:48.551" v="1157" actId="2696"/>
+        <pc:sldMkLst>
+          <pc:docMk/>
+          <pc:sldMk cId="3317479436" sldId="271"/>
+        </pc:sldMkLst>
+      </pc:sldChg>
+      <pc:sldChg chg="addSp delSp modSp add mod setBg">
+        <pc:chgData name="Thorsten Hilbradt" userId="b76ca37a-0758-4f71-aeb6-b277b8bbbfdd" providerId="ADAL" clId="{E7A5B079-1BA6-4760-B851-727E3DF33BC4}" dt="2020-05-31T22:22:25.867" v="1203" actId="26606"/>
+        <pc:sldMkLst>
+          <pc:docMk/>
+          <pc:sldMk cId="3860202698" sldId="271"/>
+        </pc:sldMkLst>
+        <pc:spChg chg="mod">
+          <ac:chgData name="Thorsten Hilbradt" userId="b76ca37a-0758-4f71-aeb6-b277b8bbbfdd" providerId="ADAL" clId="{E7A5B079-1BA6-4760-B851-727E3DF33BC4}" dt="2020-05-31T22:22:25.867" v="1203" actId="26606"/>
+          <ac:spMkLst>
+            <pc:docMk/>
+            <pc:sldMk cId="3860202698" sldId="271"/>
+            <ac:spMk id="2" creationId="{34F6631A-0EE3-412E-AE60-1CFC492D3819}"/>
+          </ac:spMkLst>
+        </pc:spChg>
+        <pc:spChg chg="del">
+          <ac:chgData name="Thorsten Hilbradt" userId="b76ca37a-0758-4f71-aeb6-b277b8bbbfdd" providerId="ADAL" clId="{E7A5B079-1BA6-4760-B851-727E3DF33BC4}" dt="2020-05-31T22:22:00.932" v="1160" actId="26606"/>
+          <ac:spMkLst>
+            <pc:docMk/>
+            <pc:sldMk cId="3860202698" sldId="271"/>
+            <ac:spMk id="3" creationId="{8D2D047F-46CE-4E60-B6EA-4CB3EDD37F4A}"/>
+          </ac:spMkLst>
+        </pc:spChg>
+        <pc:spChg chg="mod">
+          <ac:chgData name="Thorsten Hilbradt" userId="b76ca37a-0758-4f71-aeb6-b277b8bbbfdd" providerId="ADAL" clId="{E7A5B079-1BA6-4760-B851-727E3DF33BC4}" dt="2020-05-31T22:22:25.867" v="1203" actId="26606"/>
+          <ac:spMkLst>
+            <pc:docMk/>
+            <pc:sldMk cId="3860202698" sldId="271"/>
+            <ac:spMk id="4" creationId="{6EE3ED4D-1B29-43FD-B4D0-7AE782C3A51D}"/>
+          </ac:spMkLst>
+        </pc:spChg>
+        <pc:spChg chg="add del">
+          <ac:chgData name="Thorsten Hilbradt" userId="b76ca37a-0758-4f71-aeb6-b277b8bbbfdd" providerId="ADAL" clId="{E7A5B079-1BA6-4760-B851-727E3DF33BC4}" dt="2020-05-31T22:22:25.867" v="1203" actId="26606"/>
+          <ac:spMkLst>
+            <pc:docMk/>
+            <pc:sldMk cId="3860202698" sldId="271"/>
+            <ac:spMk id="9" creationId="{EE39DFCF-9247-4DE5-BB93-074BFAF07A3F}"/>
+          </ac:spMkLst>
+        </pc:spChg>
+        <pc:spChg chg="add del">
+          <ac:chgData name="Thorsten Hilbradt" userId="b76ca37a-0758-4f71-aeb6-b277b8bbbfdd" providerId="ADAL" clId="{E7A5B079-1BA6-4760-B851-727E3DF33BC4}" dt="2020-05-31T22:22:25.867" v="1203" actId="26606"/>
+          <ac:spMkLst>
+            <pc:docMk/>
+            <pc:sldMk cId="3860202698" sldId="271"/>
+            <ac:spMk id="11" creationId="{442B652E-D499-4CDA-8F7A-60469EDBCBE3}"/>
+          </ac:spMkLst>
+        </pc:spChg>
+        <pc:spChg chg="add del">
+          <ac:chgData name="Thorsten Hilbradt" userId="b76ca37a-0758-4f71-aeb6-b277b8bbbfdd" providerId="ADAL" clId="{E7A5B079-1BA6-4760-B851-727E3DF33BC4}" dt="2020-05-31T22:22:25.867" v="1203" actId="26606"/>
+          <ac:spMkLst>
+            <pc:docMk/>
+            <pc:sldMk cId="3860202698" sldId="271"/>
+            <ac:spMk id="13" creationId="{484A22B8-F5B6-47C2-B88E-DADAF379130D}"/>
+          </ac:spMkLst>
+        </pc:spChg>
+        <pc:spChg chg="add del">
+          <ac:chgData name="Thorsten Hilbradt" userId="b76ca37a-0758-4f71-aeb6-b277b8bbbfdd" providerId="ADAL" clId="{E7A5B079-1BA6-4760-B851-727E3DF33BC4}" dt="2020-05-31T22:22:25.867" v="1203" actId="26606"/>
+          <ac:spMkLst>
+            <pc:docMk/>
+            <pc:sldMk cId="3860202698" sldId="271"/>
+            <ac:spMk id="15" creationId="{A987C18C-164D-4263-B486-4647A98E888E}"/>
+          </ac:spMkLst>
+        </pc:spChg>
+        <pc:spChg chg="add del">
+          <ac:chgData name="Thorsten Hilbradt" userId="b76ca37a-0758-4f71-aeb6-b277b8bbbfdd" providerId="ADAL" clId="{E7A5B079-1BA6-4760-B851-727E3DF33BC4}" dt="2020-05-31T22:22:25.867" v="1203" actId="26606"/>
+          <ac:spMkLst>
+            <pc:docMk/>
+            <pc:sldMk cId="3860202698" sldId="271"/>
+            <ac:spMk id="17" creationId="{E7E98B39-04C6-408B-92FD-76862874063D}"/>
+          </ac:spMkLst>
+        </pc:spChg>
+        <pc:spChg chg="add del">
+          <ac:chgData name="Thorsten Hilbradt" userId="b76ca37a-0758-4f71-aeb6-b277b8bbbfdd" providerId="ADAL" clId="{E7A5B079-1BA6-4760-B851-727E3DF33BC4}" dt="2020-05-31T22:22:25.867" v="1203" actId="26606"/>
+          <ac:spMkLst>
+            <pc:docMk/>
+            <pc:sldMk cId="3860202698" sldId="271"/>
+            <ac:spMk id="19" creationId="{981C8C27-2457-421F-BDC4-7B4EA3C78286}"/>
+          </ac:spMkLst>
+        </pc:spChg>
+        <pc:spChg chg="add del">
+          <ac:chgData name="Thorsten Hilbradt" userId="b76ca37a-0758-4f71-aeb6-b277b8bbbfdd" providerId="ADAL" clId="{E7A5B079-1BA6-4760-B851-727E3DF33BC4}" dt="2020-05-31T22:22:25.867" v="1203" actId="26606"/>
+          <ac:spMkLst>
+            <pc:docMk/>
+            <pc:sldMk cId="3860202698" sldId="271"/>
+            <ac:spMk id="21" creationId="{CEA13C66-82C1-44AF-972B-8F5CCA41B6D9}"/>
+          </ac:spMkLst>
+        </pc:spChg>
+        <pc:spChg chg="add del">
+          <ac:chgData name="Thorsten Hilbradt" userId="b76ca37a-0758-4f71-aeb6-b277b8bbbfdd" providerId="ADAL" clId="{E7A5B079-1BA6-4760-B851-727E3DF33BC4}" dt="2020-05-31T22:22:25.867" v="1203" actId="26606"/>
+          <ac:spMkLst>
+            <pc:docMk/>
+            <pc:sldMk cId="3860202698" sldId="271"/>
+            <ac:spMk id="23" creationId="{9DB36437-FE59-457E-91A7-396BBD3C9C6A}"/>
+          </ac:spMkLst>
+        </pc:spChg>
+        <pc:spChg chg="add del">
+          <ac:chgData name="Thorsten Hilbradt" userId="b76ca37a-0758-4f71-aeb6-b277b8bbbfdd" providerId="ADAL" clId="{E7A5B079-1BA6-4760-B851-727E3DF33BC4}" dt="2020-05-31T22:22:25.867" v="1203" actId="26606"/>
+          <ac:spMkLst>
+            <pc:docMk/>
+            <pc:sldMk cId="3860202698" sldId="271"/>
+            <ac:spMk id="25" creationId="{844D3693-2EFE-4667-89D5-47E2D5920912}"/>
+          </ac:spMkLst>
+        </pc:spChg>
+        <pc:spChg chg="add del">
+          <ac:chgData name="Thorsten Hilbradt" userId="b76ca37a-0758-4f71-aeb6-b277b8bbbfdd" providerId="ADAL" clId="{E7A5B079-1BA6-4760-B851-727E3DF33BC4}" dt="2020-05-31T22:22:25.867" v="1203" actId="26606"/>
+          <ac:spMkLst>
+            <pc:docMk/>
+            <pc:sldMk cId="3860202698" sldId="271"/>
+            <ac:spMk id="27" creationId="{C21FD796-9CD0-404D-8DF5-5274C0BCC754}"/>
+          </ac:spMkLst>
+        </pc:spChg>
+        <pc:spChg chg="add">
+          <ac:chgData name="Thorsten Hilbradt" userId="b76ca37a-0758-4f71-aeb6-b277b8bbbfdd" providerId="ADAL" clId="{E7A5B079-1BA6-4760-B851-727E3DF33BC4}" dt="2020-05-31T22:22:25.867" v="1203" actId="26606"/>
+          <ac:spMkLst>
+            <pc:docMk/>
+            <pc:sldMk cId="3860202698" sldId="271"/>
+            <ac:spMk id="34" creationId="{7905BA41-EE6E-4F80-8636-447F22DD729A}"/>
+          </ac:spMkLst>
+        </pc:spChg>
+        <pc:spChg chg="add">
+          <ac:chgData name="Thorsten Hilbradt" userId="b76ca37a-0758-4f71-aeb6-b277b8bbbfdd" providerId="ADAL" clId="{E7A5B079-1BA6-4760-B851-727E3DF33BC4}" dt="2020-05-31T22:22:25.867" v="1203" actId="26606"/>
+          <ac:spMkLst>
+            <pc:docMk/>
+            <pc:sldMk cId="3860202698" sldId="271"/>
+            <ac:spMk id="36" creationId="{CD7549B2-EE05-4558-8C64-AC46755F2B25}"/>
+          </ac:spMkLst>
+        </pc:spChg>
+        <pc:picChg chg="add">
+          <ac:chgData name="Thorsten Hilbradt" userId="b76ca37a-0758-4f71-aeb6-b277b8bbbfdd" providerId="ADAL" clId="{E7A5B079-1BA6-4760-B851-727E3DF33BC4}" dt="2020-05-31T22:22:25.867" v="1203" actId="26606"/>
+          <ac:picMkLst>
+            <pc:docMk/>
+            <pc:sldMk cId="3860202698" sldId="271"/>
+            <ac:picMk id="31" creationId="{EA1CF595-43FF-4EE9-954D-39700326774A}"/>
+          </ac:picMkLst>
+        </pc:picChg>
+      </pc:sldChg>
+      <pc:sldChg chg="addSp delSp modSp add del mod setBg">
+        <pc:chgData name="Thorsten Hilbradt" userId="b76ca37a-0758-4f71-aeb6-b277b8bbbfdd" providerId="ADAL" clId="{E7A5B079-1BA6-4760-B851-727E3DF33BC4}" dt="2020-05-31T22:23:18.833" v="1220" actId="2696"/>
+        <pc:sldMkLst>
+          <pc:docMk/>
+          <pc:sldMk cId="968308738" sldId="272"/>
+        </pc:sldMkLst>
+        <pc:spChg chg="mod">
+          <ac:chgData name="Thorsten Hilbradt" userId="b76ca37a-0758-4f71-aeb6-b277b8bbbfdd" providerId="ADAL" clId="{E7A5B079-1BA6-4760-B851-727E3DF33BC4}" dt="2020-05-31T22:23:06.593" v="1219" actId="20577"/>
+          <ac:spMkLst>
+            <pc:docMk/>
+            <pc:sldMk cId="968308738" sldId="272"/>
+            <ac:spMk id="2" creationId="{39B93895-7B17-4700-868B-30420BCEB6DE}"/>
+          </ac:spMkLst>
+        </pc:spChg>
+        <pc:spChg chg="del">
+          <ac:chgData name="Thorsten Hilbradt" userId="b76ca37a-0758-4f71-aeb6-b277b8bbbfdd" providerId="ADAL" clId="{E7A5B079-1BA6-4760-B851-727E3DF33BC4}" dt="2020-05-31T22:23:02.324" v="1207" actId="26606"/>
+          <ac:spMkLst>
+            <pc:docMk/>
+            <pc:sldMk cId="968308738" sldId="272"/>
+            <ac:spMk id="3" creationId="{9F7851C2-96D6-4590-9789-B54453A135D8}"/>
+          </ac:spMkLst>
+        </pc:spChg>
+        <pc:spChg chg="mod">
+          <ac:chgData name="Thorsten Hilbradt" userId="b76ca37a-0758-4f71-aeb6-b277b8bbbfdd" providerId="ADAL" clId="{E7A5B079-1BA6-4760-B851-727E3DF33BC4}" dt="2020-05-31T22:23:02.324" v="1207" actId="26606"/>
+          <ac:spMkLst>
+            <pc:docMk/>
+            <pc:sldMk cId="968308738" sldId="272"/>
+            <ac:spMk id="4" creationId="{060CE7B4-1A68-4A44-A65F-97D9039F9F03}"/>
+          </ac:spMkLst>
+        </pc:spChg>
+        <pc:spChg chg="add">
+          <ac:chgData name="Thorsten Hilbradt" userId="b76ca37a-0758-4f71-aeb6-b277b8bbbfdd" providerId="ADAL" clId="{E7A5B079-1BA6-4760-B851-727E3DF33BC4}" dt="2020-05-31T22:23:02.324" v="1207" actId="26606"/>
+          <ac:spMkLst>
+            <pc:docMk/>
+            <pc:sldMk cId="968308738" sldId="272"/>
+            <ac:spMk id="9" creationId="{FFD48BC7-DC40-47DE-87EE-9F4B6ECB9ABB}"/>
+          </ac:spMkLst>
+        </pc:spChg>
+        <pc:spChg chg="add">
+          <ac:chgData name="Thorsten Hilbradt" userId="b76ca37a-0758-4f71-aeb6-b277b8bbbfdd" providerId="ADAL" clId="{E7A5B079-1BA6-4760-B851-727E3DF33BC4}" dt="2020-05-31T22:23:02.324" v="1207" actId="26606"/>
+          <ac:spMkLst>
+            <pc:docMk/>
+            <pc:sldMk cId="968308738" sldId="272"/>
+            <ac:spMk id="11" creationId="{E502BBC7-2C76-46F3-BC24-5985BC13DB88}"/>
+          </ac:spMkLst>
+        </pc:spChg>
+        <pc:spChg chg="add">
+          <ac:chgData name="Thorsten Hilbradt" userId="b76ca37a-0758-4f71-aeb6-b277b8bbbfdd" providerId="ADAL" clId="{E7A5B079-1BA6-4760-B851-727E3DF33BC4}" dt="2020-05-31T22:23:02.324" v="1207" actId="26606"/>
+          <ac:spMkLst>
+            <pc:docMk/>
+            <pc:sldMk cId="968308738" sldId="272"/>
+            <ac:spMk id="13" creationId="{C7F28D52-2A5F-4D23-81AE-7CB8B591C7AF}"/>
+          </ac:spMkLst>
+        </pc:spChg>
+        <pc:spChg chg="add">
+          <ac:chgData name="Thorsten Hilbradt" userId="b76ca37a-0758-4f71-aeb6-b277b8bbbfdd" providerId="ADAL" clId="{E7A5B079-1BA6-4760-B851-727E3DF33BC4}" dt="2020-05-31T22:23:02.324" v="1207" actId="26606"/>
+          <ac:spMkLst>
+            <pc:docMk/>
+            <pc:sldMk cId="968308738" sldId="272"/>
+            <ac:spMk id="15" creationId="{3629484E-3792-4B3D-89AD-7C8A1ED0E0D4}"/>
+          </ac:spMkLst>
+        </pc:spChg>
+      </pc:sldChg>
+      <pc:sldChg chg="addSp delSp modSp add ord">
+        <pc:chgData name="Thorsten Hilbradt" userId="b76ca37a-0758-4f71-aeb6-b277b8bbbfdd" providerId="ADAL" clId="{E7A5B079-1BA6-4760-B851-727E3DF33BC4}" dt="2020-05-31T22:25:26.698" v="1264" actId="20577"/>
+        <pc:sldMkLst>
+          <pc:docMk/>
+          <pc:sldMk cId="2024766194" sldId="272"/>
+        </pc:sldMkLst>
+        <pc:spChg chg="mod ord">
+          <ac:chgData name="Thorsten Hilbradt" userId="b76ca37a-0758-4f71-aeb6-b277b8bbbfdd" providerId="ADAL" clId="{E7A5B079-1BA6-4760-B851-727E3DF33BC4}" dt="2020-05-31T22:25:26.698" v="1264" actId="20577"/>
+          <ac:spMkLst>
+            <pc:docMk/>
+            <pc:sldMk cId="2024766194" sldId="272"/>
+            <ac:spMk id="2" creationId="{34F6631A-0EE3-412E-AE60-1CFC492D3819}"/>
+          </ac:spMkLst>
+        </pc:spChg>
+        <pc:spChg chg="mod">
+          <ac:chgData name="Thorsten Hilbradt" userId="b76ca37a-0758-4f71-aeb6-b277b8bbbfdd" providerId="ADAL" clId="{E7A5B079-1BA6-4760-B851-727E3DF33BC4}" dt="2020-05-31T22:24:47.068" v="1256" actId="26606"/>
+          <ac:spMkLst>
+            <pc:docMk/>
+            <pc:sldMk cId="2024766194" sldId="272"/>
+            <ac:spMk id="4" creationId="{6EE3ED4D-1B29-43FD-B4D0-7AE782C3A51D}"/>
+          </ac:spMkLst>
+        </pc:spChg>
+        <pc:spChg chg="del">
+          <ac:chgData name="Thorsten Hilbradt" userId="b76ca37a-0758-4f71-aeb6-b277b8bbbfdd" providerId="ADAL" clId="{E7A5B079-1BA6-4760-B851-727E3DF33BC4}" dt="2020-05-31T22:24:47.068" v="1256" actId="26606"/>
+          <ac:spMkLst>
+            <pc:docMk/>
+            <pc:sldMk cId="2024766194" sldId="272"/>
+            <ac:spMk id="34" creationId="{7905BA41-EE6E-4F80-8636-447F22DD729A}"/>
+          </ac:spMkLst>
+        </pc:spChg>
+        <pc:spChg chg="del">
+          <ac:chgData name="Thorsten Hilbradt" userId="b76ca37a-0758-4f71-aeb6-b277b8bbbfdd" providerId="ADAL" clId="{E7A5B079-1BA6-4760-B851-727E3DF33BC4}" dt="2020-05-31T22:24:47.068" v="1256" actId="26606"/>
+          <ac:spMkLst>
+            <pc:docMk/>
+            <pc:sldMk cId="2024766194" sldId="272"/>
+            <ac:spMk id="36" creationId="{CD7549B2-EE05-4558-8C64-AC46755F2B25}"/>
+          </ac:spMkLst>
+        </pc:spChg>
+        <pc:spChg chg="add">
+          <ac:chgData name="Thorsten Hilbradt" userId="b76ca37a-0758-4f71-aeb6-b277b8bbbfdd" providerId="ADAL" clId="{E7A5B079-1BA6-4760-B851-727E3DF33BC4}" dt="2020-05-31T22:24:47.068" v="1256" actId="26606"/>
+          <ac:spMkLst>
+            <pc:docMk/>
+            <pc:sldMk cId="2024766194" sldId="272"/>
+            <ac:spMk id="41" creationId="{88294908-8B00-4F58-BBBA-20F71A40AA9E}"/>
+          </ac:spMkLst>
+        </pc:spChg>
+        <pc:spChg chg="add">
+          <ac:chgData name="Thorsten Hilbradt" userId="b76ca37a-0758-4f71-aeb6-b277b8bbbfdd" providerId="ADAL" clId="{E7A5B079-1BA6-4760-B851-727E3DF33BC4}" dt="2020-05-31T22:24:47.068" v="1256" actId="26606"/>
+          <ac:spMkLst>
+            <pc:docMk/>
+            <pc:sldMk cId="2024766194" sldId="272"/>
+            <ac:spMk id="43" creationId="{4364C879-1404-4203-8E9D-CC5DE0A621A2}"/>
+          </ac:spMkLst>
+        </pc:spChg>
+        <pc:spChg chg="add">
+          <ac:chgData name="Thorsten Hilbradt" userId="b76ca37a-0758-4f71-aeb6-b277b8bbbfdd" providerId="ADAL" clId="{E7A5B079-1BA6-4760-B851-727E3DF33BC4}" dt="2020-05-31T22:24:47.068" v="1256" actId="26606"/>
+          <ac:spMkLst>
+            <pc:docMk/>
+            <pc:sldMk cId="2024766194" sldId="272"/>
+            <ac:spMk id="45" creationId="{84617302-4B0D-4351-A6BB-6F0930D943AC}"/>
+          </ac:spMkLst>
+        </pc:spChg>
+        <pc:spChg chg="add">
+          <ac:chgData name="Thorsten Hilbradt" userId="b76ca37a-0758-4f71-aeb6-b277b8bbbfdd" providerId="ADAL" clId="{E7A5B079-1BA6-4760-B851-727E3DF33BC4}" dt="2020-05-31T22:24:47.068" v="1256" actId="26606"/>
+          <ac:spMkLst>
+            <pc:docMk/>
+            <pc:sldMk cId="2024766194" sldId="272"/>
+            <ac:spMk id="47" creationId="{DA2C7802-C2E0-4218-8F89-8DD7CCD2CD1C}"/>
+          </ac:spMkLst>
+        </pc:spChg>
+        <pc:spChg chg="add">
+          <ac:chgData name="Thorsten Hilbradt" userId="b76ca37a-0758-4f71-aeb6-b277b8bbbfdd" providerId="ADAL" clId="{E7A5B079-1BA6-4760-B851-727E3DF33BC4}" dt="2020-05-31T22:24:47.068" v="1256" actId="26606"/>
+          <ac:spMkLst>
+            <pc:docMk/>
+            <pc:sldMk cId="2024766194" sldId="272"/>
+            <ac:spMk id="49" creationId="{A6D7111A-21E5-4EE9-8A78-10E5530F0116}"/>
+          </ac:spMkLst>
+        </pc:spChg>
+        <pc:spChg chg="add">
+          <ac:chgData name="Thorsten Hilbradt" userId="b76ca37a-0758-4f71-aeb6-b277b8bbbfdd" providerId="ADAL" clId="{E7A5B079-1BA6-4760-B851-727E3DF33BC4}" dt="2020-05-31T22:24:47.068" v="1256" actId="26606"/>
+          <ac:spMkLst>
+            <pc:docMk/>
+            <pc:sldMk cId="2024766194" sldId="272"/>
+            <ac:spMk id="51" creationId="{A3969E80-A77B-49FC-9122-D89AFD5EE118}"/>
+          </ac:spMkLst>
+        </pc:spChg>
+        <pc:spChg chg="add">
+          <ac:chgData name="Thorsten Hilbradt" userId="b76ca37a-0758-4f71-aeb6-b277b8bbbfdd" providerId="ADAL" clId="{E7A5B079-1BA6-4760-B851-727E3DF33BC4}" dt="2020-05-31T22:24:47.068" v="1256" actId="26606"/>
+          <ac:spMkLst>
+            <pc:docMk/>
+            <pc:sldMk cId="2024766194" sldId="272"/>
+            <ac:spMk id="53" creationId="{1849CA57-76BD-4CF2-80BA-D7A46A01B7B1}"/>
+          </ac:spMkLst>
+        </pc:spChg>
+        <pc:spChg chg="add">
+          <ac:chgData name="Thorsten Hilbradt" userId="b76ca37a-0758-4f71-aeb6-b277b8bbbfdd" providerId="ADAL" clId="{E7A5B079-1BA6-4760-B851-727E3DF33BC4}" dt="2020-05-31T22:24:47.068" v="1256" actId="26606"/>
+          <ac:spMkLst>
+            <pc:docMk/>
+            <pc:sldMk cId="2024766194" sldId="272"/>
+            <ac:spMk id="55" creationId="{35E9085E-E730-4768-83D4-6CB7E9897153}"/>
+          </ac:spMkLst>
+        </pc:spChg>
+        <pc:spChg chg="add">
+          <ac:chgData name="Thorsten Hilbradt" userId="b76ca37a-0758-4f71-aeb6-b277b8bbbfdd" providerId="ADAL" clId="{E7A5B079-1BA6-4760-B851-727E3DF33BC4}" dt="2020-05-31T22:24:47.068" v="1256" actId="26606"/>
+          <ac:spMkLst>
+            <pc:docMk/>
+            <pc:sldMk cId="2024766194" sldId="272"/>
+            <ac:spMk id="57" creationId="{973272FE-A474-4CAE-8CA2-BCC8B476C3F4}"/>
+          </ac:spMkLst>
+        </pc:spChg>
+        <pc:spChg chg="add">
+          <ac:chgData name="Thorsten Hilbradt" userId="b76ca37a-0758-4f71-aeb6-b277b8bbbfdd" providerId="ADAL" clId="{E7A5B079-1BA6-4760-B851-727E3DF33BC4}" dt="2020-05-31T22:24:47.068" v="1256" actId="26606"/>
+          <ac:spMkLst>
+            <pc:docMk/>
+            <pc:sldMk cId="2024766194" sldId="272"/>
+            <ac:spMk id="59" creationId="{E07981EA-05A6-437C-88D7-B377B92B031D}"/>
+          </ac:spMkLst>
+        </pc:spChg>
+        <pc:spChg chg="add">
+          <ac:chgData name="Thorsten Hilbradt" userId="b76ca37a-0758-4f71-aeb6-b277b8bbbfdd" providerId="ADAL" clId="{E7A5B079-1BA6-4760-B851-727E3DF33BC4}" dt="2020-05-31T22:24:47.068" v="1256" actId="26606"/>
+          <ac:spMkLst>
+            <pc:docMk/>
+            <pc:sldMk cId="2024766194" sldId="272"/>
+            <ac:spMk id="61" creationId="{15E3C750-986E-4769-B1AE-49289FBEE757}"/>
+          </ac:spMkLst>
+        </pc:spChg>
+        <pc:picChg chg="del">
+          <ac:chgData name="Thorsten Hilbradt" userId="b76ca37a-0758-4f71-aeb6-b277b8bbbfdd" providerId="ADAL" clId="{E7A5B079-1BA6-4760-B851-727E3DF33BC4}" dt="2020-05-31T22:24:23.094" v="1255" actId="478"/>
+          <ac:picMkLst>
+            <pc:docMk/>
+            <pc:sldMk cId="2024766194" sldId="272"/>
+            <ac:picMk id="31" creationId="{EA1CF595-43FF-4EE9-954D-39700326774A}"/>
+          </ac:picMkLst>
+        </pc:picChg>
+      </pc:sldChg>
+      <pc:sldChg chg="add del">
+        <pc:chgData name="Thorsten Hilbradt" userId="b76ca37a-0758-4f71-aeb6-b277b8bbbfdd" providerId="ADAL" clId="{E7A5B079-1BA6-4760-B851-727E3DF33BC4}" dt="2020-05-31T22:23:51.245" v="1237" actId="2696"/>
+        <pc:sldMkLst>
+          <pc:docMk/>
+          <pc:sldMk cId="2356828790" sldId="272"/>
+        </pc:sldMkLst>
+      </pc:sldChg>
+      <pc:sldChg chg="add del">
+        <pc:chgData name="Thorsten Hilbradt" userId="b76ca37a-0758-4f71-aeb6-b277b8bbbfdd" providerId="ADAL" clId="{E7A5B079-1BA6-4760-B851-727E3DF33BC4}" dt="2020-05-31T22:22:47.577" v="1205" actId="2696"/>
+        <pc:sldMkLst>
+          <pc:docMk/>
+          <pc:sldMk cId="2498359468" sldId="272"/>
+        </pc:sldMkLst>
+      </pc:sldChg>
+      <pc:sldChg chg="modSp add del">
+        <pc:chgData name="Thorsten Hilbradt" userId="b76ca37a-0758-4f71-aeb6-b277b8bbbfdd" providerId="ADAL" clId="{E7A5B079-1BA6-4760-B851-727E3DF33BC4}" dt="2020-05-31T22:23:44.217" v="1235" actId="2696"/>
+        <pc:sldMkLst>
+          <pc:docMk/>
+          <pc:sldMk cId="3665504030" sldId="272"/>
+        </pc:sldMkLst>
+        <pc:spChg chg="mod">
+          <ac:chgData name="Thorsten Hilbradt" userId="b76ca37a-0758-4f71-aeb6-b277b8bbbfdd" providerId="ADAL" clId="{E7A5B079-1BA6-4760-B851-727E3DF33BC4}" dt="2020-05-31T22:23:42.294" v="1234" actId="6549"/>
+          <ac:spMkLst>
+            <pc:docMk/>
+            <pc:sldMk cId="3665504030" sldId="272"/>
+            <ac:spMk id="2" creationId="{14CACBB3-4D1E-4C74-8AD0-CE95E392B7D8}"/>
+          </ac:spMkLst>
+        </pc:spChg>
+      </pc:sldChg>
+      <pc:sldChg chg="add del">
+        <pc:chgData name="Thorsten Hilbradt" userId="b76ca37a-0758-4f71-aeb6-b277b8bbbfdd" providerId="ADAL" clId="{E7A5B079-1BA6-4760-B851-727E3DF33BC4}" dt="2020-05-31T22:21:51.590" v="1158" actId="2696"/>
+        <pc:sldMkLst>
+          <pc:docMk/>
+          <pc:sldMk cId="4225977538" sldId="272"/>
+        </pc:sldMkLst>
       </pc:sldChg>
     </pc:docChg>
   </pc:docChgLst>
@@ -1124,18 +2368,36 @@
 </file>
 
 <file path=ppt/diagrams/colors1.xml><?xml version="1.0" encoding="utf-8"?>
-<dgm:colorsDef xmlns:dgm="http://schemas.openxmlformats.org/drawingml/2006/diagram" xmlns:a="http://schemas.openxmlformats.org/drawingml/2006/main" uniqueId="urn:microsoft.com/office/officeart/2018/5/colors/Iconchunking_neutralicon_accent0_3">
+<dgm:colorsDef xmlns:dgm="http://schemas.openxmlformats.org/drawingml/2006/diagram" xmlns:a="http://schemas.openxmlformats.org/drawingml/2006/main" uniqueId="urn:microsoft.com/office/officeart/2018/5/colors/Iconchunking_neutralbg_colorful1">
   <dgm:title val=""/>
   <dgm:desc val=""/>
   <dgm:catLst>
-    <dgm:cat type="mainScheme" pri="10300"/>
+    <dgm:cat type="colorful" pri="10100"/>
   </dgm:catLst>
   <dgm:styleLbl name="node0">
     <dgm:fillClrLst meth="repeat">
-      <a:schemeClr val="dk2"/>
+      <a:schemeClr val="accent1"/>
     </dgm:fillClrLst>
     <dgm:linClrLst meth="repeat">
-      <a:schemeClr val="lt2"/>
+      <a:schemeClr val="lt1"/>
+    </dgm:linClrLst>
+    <dgm:effectClrLst/>
+    <dgm:txLinClrLst/>
+    <dgm:txFillClrLst/>
+    <dgm:txEffectClrLst/>
+  </dgm:styleLbl>
+  <dgm:styleLbl name="node1">
+    <dgm:fillClrLst meth="repeat">
+      <a:schemeClr val="accent2"/>
+      <a:schemeClr val="accent3"/>
+      <a:schemeClr val="accent4"/>
+      <a:schemeClr val="accent5"/>
+      <a:schemeClr val="accent6"/>
+    </dgm:fillClrLst>
+    <dgm:linClrLst meth="repeat">
+      <a:schemeClr val="lt1">
+        <a:alpha val="0"/>
+      </a:schemeClr>
     </dgm:linClrLst>
     <dgm:effectClrLst/>
     <dgm:txLinClrLst/>
@@ -1144,38 +2406,34 @@
   </dgm:styleLbl>
   <dgm:styleLbl name="alignNode1">
     <dgm:fillClrLst meth="repeat">
-      <a:schemeClr val="dk2"/>
+      <a:schemeClr val="accent2"/>
+      <a:schemeClr val="accent3"/>
+      <a:schemeClr val="accent4"/>
+      <a:schemeClr val="accent5"/>
+      <a:schemeClr val="accent6"/>
     </dgm:fillClrLst>
     <dgm:linClrLst meth="repeat">
-      <a:schemeClr val="dk2"/>
+      <a:schemeClr val="accent2"/>
+      <a:schemeClr val="accent3"/>
+      <a:schemeClr val="accent4"/>
+      <a:schemeClr val="accent5"/>
+      <a:schemeClr val="accent6"/>
     </dgm:linClrLst>
     <dgm:effectClrLst/>
     <dgm:txLinClrLst/>
     <dgm:txFillClrLst/>
     <dgm:txEffectClrLst/>
   </dgm:styleLbl>
-  <dgm:styleLbl name="node1">
+  <dgm:styleLbl name="lnNode1">
     <dgm:fillClrLst meth="repeat">
-      <a:schemeClr val="bg1"/>
+      <a:schemeClr val="accent2"/>
+      <a:schemeClr val="accent3"/>
+      <a:schemeClr val="accent4"/>
+      <a:schemeClr val="accent5"/>
+      <a:schemeClr val="accent6"/>
     </dgm:fillClrLst>
     <dgm:linClrLst meth="repeat">
-      <a:schemeClr val="lt2">
-        <a:alpha val="0"/>
-      </a:schemeClr>
-    </dgm:linClrLst>
-    <dgm:effectClrLst/>
-    <dgm:txLinClrLst/>
-    <dgm:txFillClrLst meth="repeat">
-      <a:schemeClr val="dk1"/>
-    </dgm:txFillClrLst>
-    <dgm:txEffectClrLst/>
-  </dgm:styleLbl>
-  <dgm:styleLbl name="lnNode1">
-    <dgm:fillClrLst meth="repeat">
-      <a:schemeClr val="dk2"/>
-    </dgm:fillClrLst>
-    <dgm:linClrLst meth="repeat">
-      <a:schemeClr val="lt2"/>
+      <a:schemeClr val="lt1"/>
     </dgm:linClrLst>
     <dgm:effectClrLst/>
     <dgm:txLinClrLst/>
@@ -1184,12 +2442,24 @@
   </dgm:styleLbl>
   <dgm:styleLbl name="vennNode1">
     <dgm:fillClrLst meth="repeat">
-      <a:schemeClr val="dk2">
+      <a:schemeClr val="accent2">
+        <a:alpha val="50000"/>
+      </a:schemeClr>
+      <a:schemeClr val="accent3">
+        <a:alpha val="50000"/>
+      </a:schemeClr>
+      <a:schemeClr val="accent4">
+        <a:alpha val="50000"/>
+      </a:schemeClr>
+      <a:schemeClr val="accent5">
+        <a:alpha val="50000"/>
+      </a:schemeClr>
+      <a:schemeClr val="accent6">
         <a:alpha val="50000"/>
       </a:schemeClr>
     </dgm:fillClrLst>
     <dgm:linClrLst meth="repeat">
-      <a:schemeClr val="lt2"/>
+      <a:schemeClr val="lt1"/>
     </dgm:linClrLst>
     <dgm:effectClrLst/>
     <dgm:txLinClrLst/>
@@ -1197,11 +2467,11 @@
     <dgm:txEffectClrLst/>
   </dgm:styleLbl>
   <dgm:styleLbl name="node2">
-    <dgm:fillClrLst meth="repeat">
-      <a:schemeClr val="dk2"/>
+    <dgm:fillClrLst>
+      <a:schemeClr val="accent2"/>
     </dgm:fillClrLst>
     <dgm:linClrLst meth="repeat">
-      <a:schemeClr val="lt2"/>
+      <a:schemeClr val="lt1"/>
     </dgm:linClrLst>
     <dgm:effectClrLst/>
     <dgm:txLinClrLst/>
@@ -1209,11 +2479,11 @@
     <dgm:txEffectClrLst/>
   </dgm:styleLbl>
   <dgm:styleLbl name="node3">
-    <dgm:fillClrLst meth="repeat">
-      <a:schemeClr val="dk2"/>
+    <dgm:fillClrLst>
+      <a:schemeClr val="accent3"/>
     </dgm:fillClrLst>
     <dgm:linClrLst meth="repeat">
-      <a:schemeClr val="lt2"/>
+      <a:schemeClr val="lt1"/>
     </dgm:linClrLst>
     <dgm:effectClrLst/>
     <dgm:txLinClrLst/>
@@ -1221,11 +2491,11 @@
     <dgm:txEffectClrLst/>
   </dgm:styleLbl>
   <dgm:styleLbl name="node4">
-    <dgm:fillClrLst meth="repeat">
-      <a:schemeClr val="dk2"/>
+    <dgm:fillClrLst>
+      <a:schemeClr val="accent4"/>
     </dgm:fillClrLst>
     <dgm:linClrLst meth="repeat">
-      <a:schemeClr val="lt2"/>
+      <a:schemeClr val="lt1"/>
     </dgm:linClrLst>
     <dgm:effectClrLst/>
     <dgm:txLinClrLst/>
@@ -1234,66 +2504,80 @@
   </dgm:styleLbl>
   <dgm:styleLbl name="fgImgPlace1">
     <dgm:fillClrLst meth="repeat">
-      <a:schemeClr val="dk2">
+      <a:schemeClr val="accent2">
+        <a:tint val="50000"/>
+      </a:schemeClr>
+      <a:schemeClr val="accent3">
+        <a:tint val="50000"/>
+      </a:schemeClr>
+      <a:schemeClr val="accent4">
+        <a:tint val="50000"/>
+      </a:schemeClr>
+      <a:schemeClr val="accent5">
+        <a:tint val="50000"/>
+      </a:schemeClr>
+      <a:schemeClr val="accent6">
         <a:tint val="50000"/>
       </a:schemeClr>
     </dgm:fillClrLst>
     <dgm:linClrLst meth="repeat">
-      <a:schemeClr val="lt2"/>
+      <a:schemeClr val="lt1"/>
     </dgm:linClrLst>
     <dgm:effectClrLst/>
     <dgm:txLinClrLst/>
     <dgm:txFillClrLst meth="repeat">
-      <a:schemeClr val="lt2"/>
+      <a:schemeClr val="lt1"/>
     </dgm:txFillClrLst>
     <dgm:txEffectClrLst/>
   </dgm:styleLbl>
   <dgm:styleLbl name="alignImgPlace1">
-    <dgm:fillClrLst meth="repeat">
-      <a:schemeClr val="dk2">
+    <dgm:fillClrLst>
+      <a:schemeClr val="accent1">
         <a:tint val="50000"/>
+      </a:schemeClr>
+      <a:schemeClr val="accent2">
+        <a:tint val="20000"/>
       </a:schemeClr>
     </dgm:fillClrLst>
     <dgm:linClrLst meth="repeat">
-      <a:schemeClr val="dk2">
-        <a:shade val="80000"/>
-      </a:schemeClr>
+      <a:schemeClr val="lt1"/>
     </dgm:linClrLst>
     <dgm:effectClrLst/>
     <dgm:txLinClrLst/>
     <dgm:txFillClrLst meth="repeat">
-      <a:schemeClr val="lt2"/>
+      <a:schemeClr val="lt1"/>
     </dgm:txFillClrLst>
     <dgm:txEffectClrLst/>
   </dgm:styleLbl>
   <dgm:styleLbl name="bgImgPlace1">
-    <dgm:fillClrLst meth="repeat">
-      <a:schemeClr val="dk2">
+    <dgm:fillClrLst>
+      <a:schemeClr val="accent1">
         <a:tint val="50000"/>
+      </a:schemeClr>
+      <a:schemeClr val="accent2">
+        <a:tint val="20000"/>
       </a:schemeClr>
     </dgm:fillClrLst>
     <dgm:linClrLst meth="repeat">
-      <a:schemeClr val="dk2">
-        <a:shade val="80000"/>
-      </a:schemeClr>
+      <a:schemeClr val="lt1"/>
     </dgm:linClrLst>
     <dgm:effectClrLst/>
     <dgm:txLinClrLst/>
     <dgm:txFillClrLst meth="repeat">
-      <a:schemeClr val="lt2"/>
+      <a:schemeClr val="lt1"/>
     </dgm:txFillClrLst>
     <dgm:txEffectClrLst/>
   </dgm:styleLbl>
   <dgm:styleLbl name="sibTrans2D1">
     <dgm:fillClrLst meth="repeat">
-      <a:schemeClr val="dk2">
-        <a:tint val="60000"/>
-      </a:schemeClr>
+      <a:schemeClr val="accent2"/>
+      <a:schemeClr val="accent3"/>
+      <a:schemeClr val="accent4"/>
+      <a:schemeClr val="accent5"/>
+      <a:schemeClr val="accent6"/>
     </dgm:fillClrLst>
-    <dgm:linClrLst meth="repeat">
-      <a:schemeClr val="dk2">
-        <a:tint val="60000"/>
-      </a:schemeClr>
+    <dgm:linClrLst meth="cycle">
+      <a:schemeClr val="lt1"/>
     </dgm:linClrLst>
     <dgm:effectClrLst/>
     <dgm:txLinClrLst/>
@@ -1302,72 +2586,84 @@
   </dgm:styleLbl>
   <dgm:styleLbl name="fgSibTrans2D1">
     <dgm:fillClrLst meth="repeat">
-      <a:schemeClr val="dk2">
-        <a:tint val="60000"/>
-      </a:schemeClr>
+      <a:schemeClr val="accent2"/>
+      <a:schemeClr val="accent3"/>
+      <a:schemeClr val="accent4"/>
+      <a:schemeClr val="accent5"/>
+      <a:schemeClr val="accent6"/>
     </dgm:fillClrLst>
-    <dgm:linClrLst meth="repeat">
-      <a:schemeClr val="dk2">
-        <a:tint val="60000"/>
-      </a:schemeClr>
+    <dgm:linClrLst meth="cycle">
+      <a:schemeClr val="lt1"/>
     </dgm:linClrLst>
     <dgm:effectClrLst/>
     <dgm:txLinClrLst/>
-    <dgm:txFillClrLst/>
+    <dgm:txFillClrLst meth="repeat">
+      <a:schemeClr val="lt1"/>
+    </dgm:txFillClrLst>
     <dgm:txEffectClrLst/>
   </dgm:styleLbl>
   <dgm:styleLbl name="bgSibTrans2D1">
     <dgm:fillClrLst meth="repeat">
-      <a:schemeClr val="dk2">
-        <a:tint val="60000"/>
-      </a:schemeClr>
+      <a:schemeClr val="accent2"/>
+      <a:schemeClr val="accent3"/>
+      <a:schemeClr val="accent4"/>
+      <a:schemeClr val="accent5"/>
+      <a:schemeClr val="accent6"/>
     </dgm:fillClrLst>
-    <dgm:linClrLst meth="repeat">
-      <a:schemeClr val="dk2">
-        <a:tint val="60000"/>
-      </a:schemeClr>
+    <dgm:linClrLst meth="cycle">
+      <a:schemeClr val="lt1"/>
     </dgm:linClrLst>
     <dgm:effectClrLst/>
     <dgm:txLinClrLst/>
-    <dgm:txFillClrLst/>
+    <dgm:txFillClrLst meth="repeat">
+      <a:schemeClr val="lt1"/>
+    </dgm:txFillClrLst>
     <dgm:txEffectClrLst/>
   </dgm:styleLbl>
   <dgm:styleLbl name="sibTrans1D1">
     <dgm:fillClrLst meth="repeat">
-      <a:schemeClr val="dk2"/>
+      <a:schemeClr val="accent2"/>
+      <a:schemeClr val="accent3"/>
+      <a:schemeClr val="accent4"/>
+      <a:schemeClr val="accent5"/>
+      <a:schemeClr val="accent6"/>
     </dgm:fillClrLst>
     <dgm:linClrLst meth="repeat">
-      <a:schemeClr val="dk2"/>
+      <a:schemeClr val="accent2"/>
+      <a:schemeClr val="accent3"/>
+      <a:schemeClr val="accent4"/>
+      <a:schemeClr val="accent5"/>
+      <a:schemeClr val="accent6"/>
     </dgm:linClrLst>
     <dgm:effectClrLst/>
     <dgm:txLinClrLst/>
     <dgm:txFillClrLst meth="repeat">
-      <a:schemeClr val="lt2"/>
+      <a:schemeClr val="tx1"/>
     </dgm:txFillClrLst>
     <dgm:txEffectClrLst/>
   </dgm:styleLbl>
   <dgm:styleLbl name="callout">
     <dgm:fillClrLst meth="repeat">
-      <a:schemeClr val="dk2"/>
+      <a:schemeClr val="accent2"/>
     </dgm:fillClrLst>
     <dgm:linClrLst meth="repeat">
-      <a:schemeClr val="dk2">
+      <a:schemeClr val="accent2">
         <a:tint val="50000"/>
       </a:schemeClr>
     </dgm:linClrLst>
     <dgm:effectClrLst/>
     <dgm:txLinClrLst/>
     <dgm:txFillClrLst meth="repeat">
-      <a:schemeClr val="lt2"/>
+      <a:schemeClr val="tx1"/>
     </dgm:txFillClrLst>
     <dgm:txEffectClrLst/>
   </dgm:styleLbl>
   <dgm:styleLbl name="asst0">
     <dgm:fillClrLst meth="repeat">
-      <a:schemeClr val="dk2"/>
+      <a:schemeClr val="accent1"/>
     </dgm:fillClrLst>
     <dgm:linClrLst meth="repeat">
-      <a:schemeClr val="lt2"/>
+      <a:schemeClr val="lt1"/>
     </dgm:linClrLst>
     <dgm:effectClrLst/>
     <dgm:txLinClrLst/>
@@ -1376,10 +2672,10 @@
   </dgm:styleLbl>
   <dgm:styleLbl name="asst1">
     <dgm:fillClrLst meth="repeat">
-      <a:schemeClr val="dk2"/>
+      <a:schemeClr val="accent2"/>
     </dgm:fillClrLst>
     <dgm:linClrLst meth="repeat">
-      <a:schemeClr val="lt2"/>
+      <a:schemeClr val="lt1"/>
     </dgm:linClrLst>
     <dgm:effectClrLst/>
     <dgm:txLinClrLst/>
@@ -1387,11 +2683,11 @@
     <dgm:txEffectClrLst/>
   </dgm:styleLbl>
   <dgm:styleLbl name="asst2">
-    <dgm:fillClrLst meth="repeat">
-      <a:schemeClr val="dk2"/>
+    <dgm:fillClrLst>
+      <a:schemeClr val="accent3"/>
     </dgm:fillClrLst>
     <dgm:linClrLst meth="repeat">
-      <a:schemeClr val="lt2"/>
+      <a:schemeClr val="lt1"/>
     </dgm:linClrLst>
     <dgm:effectClrLst/>
     <dgm:txLinClrLst/>
@@ -1399,11 +2695,11 @@
     <dgm:txEffectClrLst/>
   </dgm:styleLbl>
   <dgm:styleLbl name="asst3">
-    <dgm:fillClrLst meth="repeat">
-      <a:schemeClr val="dk2"/>
+    <dgm:fillClrLst>
+      <a:schemeClr val="accent4"/>
     </dgm:fillClrLst>
     <dgm:linClrLst meth="repeat">
-      <a:schemeClr val="lt2"/>
+      <a:schemeClr val="lt1"/>
     </dgm:linClrLst>
     <dgm:effectClrLst/>
     <dgm:txLinClrLst/>
@@ -1411,11 +2707,11 @@
     <dgm:txEffectClrLst/>
   </dgm:styleLbl>
   <dgm:styleLbl name="asst4">
-    <dgm:fillClrLst meth="repeat">
-      <a:schemeClr val="dk2"/>
+    <dgm:fillClrLst>
+      <a:schemeClr val="accent5"/>
     </dgm:fillClrLst>
     <dgm:linClrLst meth="repeat">
-      <a:schemeClr val="lt2"/>
+      <a:schemeClr val="lt1"/>
     </dgm:linClrLst>
     <dgm:effectClrLst/>
     <dgm:txLinClrLst/>
@@ -1424,72 +2720,62 @@
   </dgm:styleLbl>
   <dgm:styleLbl name="parChTrans2D1">
     <dgm:fillClrLst meth="repeat">
-      <a:schemeClr val="dk2">
-        <a:tint val="60000"/>
-      </a:schemeClr>
+      <a:schemeClr val="accent2"/>
     </dgm:fillClrLst>
     <dgm:linClrLst meth="repeat">
-      <a:schemeClr val="dk2">
-        <a:tint val="60000"/>
-      </a:schemeClr>
+      <a:schemeClr val="lt1"/>
     </dgm:linClrLst>
     <dgm:effectClrLst/>
     <dgm:txLinClrLst/>
     <dgm:txFillClrLst meth="repeat">
-      <a:schemeClr val="lt2"/>
+      <a:schemeClr val="lt1"/>
     </dgm:txFillClrLst>
     <dgm:txEffectClrLst/>
   </dgm:styleLbl>
   <dgm:styleLbl name="parChTrans2D2">
     <dgm:fillClrLst meth="repeat">
-      <a:schemeClr val="dk2"/>
+      <a:schemeClr val="accent3"/>
     </dgm:fillClrLst>
     <dgm:linClrLst meth="repeat">
-      <a:schemeClr val="dk2"/>
+      <a:schemeClr val="lt1"/>
+    </dgm:linClrLst>
+    <dgm:effectClrLst/>
+    <dgm:txLinClrLst/>
+    <dgm:txFillClrLst/>
+    <dgm:txEffectClrLst/>
+  </dgm:styleLbl>
+  <dgm:styleLbl name="parChTrans2D3">
+    <dgm:fillClrLst meth="repeat">
+      <a:schemeClr val="accent4"/>
+    </dgm:fillClrLst>
+    <dgm:linClrLst meth="repeat">
+      <a:schemeClr val="lt1"/>
+    </dgm:linClrLst>
+    <dgm:effectClrLst/>
+    <dgm:txLinClrLst/>
+    <dgm:txFillClrLst/>
+    <dgm:txEffectClrLst/>
+  </dgm:styleLbl>
+  <dgm:styleLbl name="parChTrans2D4">
+    <dgm:fillClrLst meth="repeat">
+      <a:schemeClr val="accent5"/>
+    </dgm:fillClrLst>
+    <dgm:linClrLst meth="repeat">
+      <a:schemeClr val="lt1"/>
     </dgm:linClrLst>
     <dgm:effectClrLst/>
     <dgm:txLinClrLst/>
     <dgm:txFillClrLst meth="repeat">
-      <a:schemeClr val="lt2"/>
-    </dgm:txFillClrLst>
-    <dgm:txEffectClrLst/>
-  </dgm:styleLbl>
-  <dgm:styleLbl name="parChTrans2D3">
-    <dgm:fillClrLst meth="repeat">
-      <a:schemeClr val="dk2"/>
-    </dgm:fillClrLst>
-    <dgm:linClrLst meth="repeat">
-      <a:schemeClr val="dk2"/>
-    </dgm:linClrLst>
-    <dgm:effectClrLst/>
-    <dgm:txLinClrLst/>
-    <dgm:txFillClrLst meth="repeat">
-      <a:schemeClr val="lt2"/>
-    </dgm:txFillClrLst>
-    <dgm:txEffectClrLst/>
-  </dgm:styleLbl>
-  <dgm:styleLbl name="parChTrans2D4">
-    <dgm:fillClrLst meth="repeat">
-      <a:schemeClr val="dk2"/>
-    </dgm:fillClrLst>
-    <dgm:linClrLst meth="repeat">
-      <a:schemeClr val="dk2"/>
-    </dgm:linClrLst>
-    <dgm:effectClrLst/>
-    <dgm:txLinClrLst/>
-    <dgm:txFillClrLst meth="repeat">
-      <a:schemeClr val="lt2"/>
+      <a:schemeClr val="lt1"/>
     </dgm:txFillClrLst>
     <dgm:txEffectClrLst/>
   </dgm:styleLbl>
   <dgm:styleLbl name="parChTrans1D1">
     <dgm:fillClrLst meth="repeat">
-      <a:schemeClr val="dk2"/>
+      <a:schemeClr val="accent2"/>
     </dgm:fillClrLst>
     <dgm:linClrLst meth="repeat">
-      <a:schemeClr val="dk2">
-        <a:shade val="60000"/>
-      </a:schemeClr>
+      <a:schemeClr val="accent1"/>
     </dgm:linClrLst>
     <dgm:effectClrLst/>
     <dgm:txLinClrLst/>
@@ -1500,12 +2786,12 @@
   </dgm:styleLbl>
   <dgm:styleLbl name="parChTrans1D2">
     <dgm:fillClrLst meth="repeat">
-      <a:schemeClr val="dk2"/>
+      <a:schemeClr val="accent3">
+        <a:tint val="90000"/>
+      </a:schemeClr>
     </dgm:fillClrLst>
     <dgm:linClrLst meth="repeat">
-      <a:schemeClr val="dk2">
-        <a:shade val="60000"/>
-      </a:schemeClr>
+      <a:schemeClr val="accent2"/>
     </dgm:linClrLst>
     <dgm:effectClrLst/>
     <dgm:txLinClrLst/>
@@ -1516,12 +2802,12 @@
   </dgm:styleLbl>
   <dgm:styleLbl name="parChTrans1D3">
     <dgm:fillClrLst meth="repeat">
-      <a:schemeClr val="dk2"/>
+      <a:schemeClr val="accent4">
+        <a:tint val="70000"/>
+      </a:schemeClr>
     </dgm:fillClrLst>
     <dgm:linClrLst meth="repeat">
-      <a:schemeClr val="dk2">
-        <a:shade val="80000"/>
-      </a:schemeClr>
+      <a:schemeClr val="accent3"/>
     </dgm:linClrLst>
     <dgm:effectClrLst/>
     <dgm:txLinClrLst/>
@@ -1532,12 +2818,12 @@
   </dgm:styleLbl>
   <dgm:styleLbl name="parChTrans1D4">
     <dgm:fillClrLst meth="repeat">
-      <a:schemeClr val="dk2"/>
+      <a:schemeClr val="accent5">
+        <a:tint val="50000"/>
+      </a:schemeClr>
     </dgm:fillClrLst>
     <dgm:linClrLst meth="repeat">
-      <a:schemeClr val="dk2">
-        <a:shade val="80000"/>
-      </a:schemeClr>
+      <a:schemeClr val="accent4"/>
     </dgm:linClrLst>
     <dgm:effectClrLst/>
     <dgm:txLinClrLst/>
@@ -1548,12 +2834,16 @@
   </dgm:styleLbl>
   <dgm:styleLbl name="fgAcc1">
     <dgm:fillClrLst meth="repeat">
-      <a:schemeClr val="lt2">
+      <a:schemeClr val="lt1">
         <a:alpha val="90000"/>
       </a:schemeClr>
     </dgm:fillClrLst>
     <dgm:linClrLst meth="repeat">
-      <a:schemeClr val="dk2"/>
+      <a:schemeClr val="accent2"/>
+      <a:schemeClr val="accent3"/>
+      <a:schemeClr val="accent4"/>
+      <a:schemeClr val="accent5"/>
+      <a:schemeClr val="accent6"/>
     </dgm:linClrLst>
     <dgm:effectClrLst/>
     <dgm:txLinClrLst/>
@@ -1564,12 +2854,16 @@
   </dgm:styleLbl>
   <dgm:styleLbl name="conFgAcc1">
     <dgm:fillClrLst meth="repeat">
-      <a:schemeClr val="lt2">
+      <a:schemeClr val="lt1">
         <a:alpha val="90000"/>
       </a:schemeClr>
     </dgm:fillClrLst>
     <dgm:linClrLst meth="repeat">
-      <a:schemeClr val="dk2"/>
+      <a:schemeClr val="accent2"/>
+      <a:schemeClr val="accent3"/>
+      <a:schemeClr val="accent4"/>
+      <a:schemeClr val="accent5"/>
+      <a:schemeClr val="accent6"/>
     </dgm:linClrLst>
     <dgm:effectClrLst/>
     <dgm:txLinClrLst/>
@@ -1580,12 +2874,16 @@
   </dgm:styleLbl>
   <dgm:styleLbl name="alignAcc1">
     <dgm:fillClrLst meth="repeat">
-      <a:schemeClr val="lt2">
+      <a:schemeClr val="lt1">
         <a:alpha val="90000"/>
       </a:schemeClr>
     </dgm:fillClrLst>
     <dgm:linClrLst meth="repeat">
-      <a:schemeClr val="dk2"/>
+      <a:schemeClr val="accent2"/>
+      <a:schemeClr val="accent3"/>
+      <a:schemeClr val="accent4"/>
+      <a:schemeClr val="accent5"/>
+      <a:schemeClr val="accent6"/>
     </dgm:linClrLst>
     <dgm:effectClrLst/>
     <dgm:txLinClrLst/>
@@ -1596,12 +2894,12 @@
   </dgm:styleLbl>
   <dgm:styleLbl name="trAlignAcc1">
     <dgm:fillClrLst meth="repeat">
-      <a:schemeClr val="lt2">
+      <a:schemeClr val="lt1">
         <a:alpha val="40000"/>
       </a:schemeClr>
     </dgm:fillClrLst>
     <dgm:linClrLst meth="repeat">
-      <a:schemeClr val="dk2"/>
+      <a:schemeClr val="accent1"/>
     </dgm:linClrLst>
     <dgm:effectClrLst/>
     <dgm:txLinClrLst/>
@@ -1612,12 +2910,16 @@
   </dgm:styleLbl>
   <dgm:styleLbl name="bgAcc1">
     <dgm:fillClrLst meth="repeat">
-      <a:schemeClr val="lt2">
+      <a:schemeClr val="lt1">
         <a:alpha val="90000"/>
       </a:schemeClr>
     </dgm:fillClrLst>
     <dgm:linClrLst meth="repeat">
-      <a:schemeClr val="dk2"/>
+      <a:schemeClr val="accent2"/>
+      <a:schemeClr val="accent3"/>
+      <a:schemeClr val="accent4"/>
+      <a:schemeClr val="accent5"/>
+      <a:schemeClr val="accent6"/>
     </dgm:linClrLst>
     <dgm:effectClrLst/>
     <dgm:txLinClrLst/>
@@ -1628,10 +2930,14 @@
   </dgm:styleLbl>
   <dgm:styleLbl name="solidFgAcc1">
     <dgm:fillClrLst meth="repeat">
-      <a:schemeClr val="lt2"/>
+      <a:schemeClr val="lt1"/>
     </dgm:fillClrLst>
     <dgm:linClrLst meth="repeat">
-      <a:schemeClr val="dk2"/>
+      <a:schemeClr val="accent2"/>
+      <a:schemeClr val="accent3"/>
+      <a:schemeClr val="accent4"/>
+      <a:schemeClr val="accent5"/>
+      <a:schemeClr val="accent6"/>
     </dgm:linClrLst>
     <dgm:effectClrLst/>
     <dgm:txLinClrLst/>
@@ -1642,10 +2948,14 @@
   </dgm:styleLbl>
   <dgm:styleLbl name="solidAlignAcc1">
     <dgm:fillClrLst meth="repeat">
-      <a:schemeClr val="lt2"/>
+      <a:schemeClr val="lt1"/>
     </dgm:fillClrLst>
     <dgm:linClrLst meth="repeat">
-      <a:schemeClr val="dk2"/>
+      <a:schemeClr val="accent2"/>
+      <a:schemeClr val="accent3"/>
+      <a:schemeClr val="accent4"/>
+      <a:schemeClr val="accent5"/>
+      <a:schemeClr val="accent6"/>
     </dgm:linClrLst>
     <dgm:effectClrLst/>
     <dgm:txLinClrLst/>
@@ -1656,10 +2966,14 @@
   </dgm:styleLbl>
   <dgm:styleLbl name="solidBgAcc1">
     <dgm:fillClrLst meth="repeat">
-      <a:schemeClr val="lt2"/>
+      <a:schemeClr val="lt1"/>
     </dgm:fillClrLst>
     <dgm:linClrLst meth="repeat">
-      <a:schemeClr val="dk2"/>
+      <a:schemeClr val="accent2"/>
+      <a:schemeClr val="accent3"/>
+      <a:schemeClr val="accent4"/>
+      <a:schemeClr val="accent5"/>
+      <a:schemeClr val="accent6"/>
     </dgm:linClrLst>
     <dgm:effectClrLst/>
     <dgm:txLinClrLst/>
@@ -1670,15 +2984,47 @@
   </dgm:styleLbl>
   <dgm:styleLbl name="fgAccFollowNode1">
     <dgm:fillClrLst meth="repeat">
-      <a:schemeClr val="dk2">
+      <a:schemeClr val="accent2">
+        <a:tint val="40000"/>
         <a:alpha val="90000"/>
+      </a:schemeClr>
+      <a:schemeClr val="accent3">
         <a:tint val="40000"/>
+        <a:alpha val="90000"/>
+      </a:schemeClr>
+      <a:schemeClr val="accent4">
+        <a:tint val="40000"/>
+        <a:alpha val="90000"/>
+      </a:schemeClr>
+      <a:schemeClr val="accent5">
+        <a:tint val="40000"/>
+        <a:alpha val="90000"/>
+      </a:schemeClr>
+      <a:schemeClr val="accent6">
+        <a:tint val="40000"/>
+        <a:alpha val="90000"/>
       </a:schemeClr>
     </dgm:fillClrLst>
     <dgm:linClrLst meth="repeat">
-      <a:schemeClr val="dk2">
+      <a:schemeClr val="accent2">
+        <a:tint val="40000"/>
         <a:alpha val="90000"/>
+      </a:schemeClr>
+      <a:schemeClr val="accent3">
         <a:tint val="40000"/>
+        <a:alpha val="90000"/>
+      </a:schemeClr>
+      <a:schemeClr val="accent4">
+        <a:tint val="40000"/>
+        <a:alpha val="90000"/>
+      </a:schemeClr>
+      <a:schemeClr val="accent5">
+        <a:tint val="40000"/>
+        <a:alpha val="90000"/>
+      </a:schemeClr>
+      <a:schemeClr val="accent6">
+        <a:tint val="40000"/>
+        <a:alpha val="90000"/>
       </a:schemeClr>
     </dgm:linClrLst>
     <dgm:effectClrLst/>
@@ -1690,15 +3036,47 @@
   </dgm:styleLbl>
   <dgm:styleLbl name="alignAccFollowNode1">
     <dgm:fillClrLst meth="repeat">
-      <a:schemeClr val="dk2">
+      <a:schemeClr val="accent2">
+        <a:tint val="40000"/>
         <a:alpha val="90000"/>
+      </a:schemeClr>
+      <a:schemeClr val="accent3">
         <a:tint val="40000"/>
+        <a:alpha val="90000"/>
+      </a:schemeClr>
+      <a:schemeClr val="accent4">
+        <a:tint val="40000"/>
+        <a:alpha val="90000"/>
+      </a:schemeClr>
+      <a:schemeClr val="accent5">
+        <a:tint val="40000"/>
+        <a:alpha val="90000"/>
+      </a:schemeClr>
+      <a:schemeClr val="accent6">
+        <a:tint val="40000"/>
+        <a:alpha val="90000"/>
       </a:schemeClr>
     </dgm:fillClrLst>
     <dgm:linClrLst meth="repeat">
-      <a:schemeClr val="dk2">
+      <a:schemeClr val="accent2">
+        <a:tint val="40000"/>
         <a:alpha val="90000"/>
+      </a:schemeClr>
+      <a:schemeClr val="accent3">
         <a:tint val="40000"/>
+        <a:alpha val="90000"/>
+      </a:schemeClr>
+      <a:schemeClr val="accent4">
+        <a:tint val="40000"/>
+        <a:alpha val="90000"/>
+      </a:schemeClr>
+      <a:schemeClr val="accent5">
+        <a:tint val="40000"/>
+        <a:alpha val="90000"/>
+      </a:schemeClr>
+      <a:schemeClr val="accent6">
+        <a:tint val="40000"/>
+        <a:alpha val="90000"/>
       </a:schemeClr>
     </dgm:linClrLst>
     <dgm:effectClrLst/>
@@ -1710,15 +3088,47 @@
   </dgm:styleLbl>
   <dgm:styleLbl name="bgAccFollowNode1">
     <dgm:fillClrLst meth="repeat">
-      <a:schemeClr val="dk2">
+      <a:schemeClr val="accent2">
+        <a:tint val="40000"/>
         <a:alpha val="90000"/>
+      </a:schemeClr>
+      <a:schemeClr val="accent3">
         <a:tint val="40000"/>
+        <a:alpha val="90000"/>
+      </a:schemeClr>
+      <a:schemeClr val="accent4">
+        <a:tint val="40000"/>
+        <a:alpha val="90000"/>
+      </a:schemeClr>
+      <a:schemeClr val="accent5">
+        <a:tint val="40000"/>
+        <a:alpha val="90000"/>
+      </a:schemeClr>
+      <a:schemeClr val="accent6">
+        <a:tint val="40000"/>
+        <a:alpha val="90000"/>
       </a:schemeClr>
     </dgm:fillClrLst>
     <dgm:linClrLst meth="repeat">
-      <a:schemeClr val="dk2">
+      <a:schemeClr val="accent2">
+        <a:tint val="40000"/>
         <a:alpha val="90000"/>
+      </a:schemeClr>
+      <a:schemeClr val="accent3">
         <a:tint val="40000"/>
+        <a:alpha val="90000"/>
+      </a:schemeClr>
+      <a:schemeClr val="accent4">
+        <a:tint val="40000"/>
+        <a:alpha val="90000"/>
+      </a:schemeClr>
+      <a:schemeClr val="accent5">
+        <a:tint val="40000"/>
+        <a:alpha val="90000"/>
+      </a:schemeClr>
+      <a:schemeClr val="accent6">
+        <a:tint val="40000"/>
+        <a:alpha val="90000"/>
       </a:schemeClr>
     </dgm:linClrLst>
     <dgm:effectClrLst/>
@@ -1730,12 +3140,12 @@
   </dgm:styleLbl>
   <dgm:styleLbl name="fgAcc0">
     <dgm:fillClrLst meth="repeat">
-      <a:schemeClr val="lt2">
+      <a:schemeClr val="lt1">
         <a:alpha val="90000"/>
       </a:schemeClr>
     </dgm:fillClrLst>
-    <dgm:linClrLst meth="repeat">
-      <a:schemeClr val="dk2"/>
+    <dgm:linClrLst>
+      <a:schemeClr val="accent1"/>
     </dgm:linClrLst>
     <dgm:effectClrLst/>
     <dgm:txLinClrLst/>
@@ -1746,12 +3156,12 @@
   </dgm:styleLbl>
   <dgm:styleLbl name="fgAcc2">
     <dgm:fillClrLst meth="repeat">
-      <a:schemeClr val="lt2">
+      <a:schemeClr val="lt1">
         <a:alpha val="90000"/>
       </a:schemeClr>
     </dgm:fillClrLst>
-    <dgm:linClrLst meth="repeat">
-      <a:schemeClr val="dk2"/>
+    <dgm:linClrLst>
+      <a:schemeClr val="accent2"/>
     </dgm:linClrLst>
     <dgm:effectClrLst/>
     <dgm:txLinClrLst/>
@@ -1762,12 +3172,12 @@
   </dgm:styleLbl>
   <dgm:styleLbl name="fgAcc3">
     <dgm:fillClrLst meth="repeat">
-      <a:schemeClr val="lt2">
+      <a:schemeClr val="lt1">
         <a:alpha val="90000"/>
       </a:schemeClr>
     </dgm:fillClrLst>
-    <dgm:linClrLst meth="repeat">
-      <a:schemeClr val="dk2"/>
+    <dgm:linClrLst>
+      <a:schemeClr val="accent3"/>
     </dgm:linClrLst>
     <dgm:effectClrLst/>
     <dgm:txLinClrLst/>
@@ -1778,12 +3188,12 @@
   </dgm:styleLbl>
   <dgm:styleLbl name="fgAcc4">
     <dgm:fillClrLst meth="repeat">
-      <a:schemeClr val="lt2">
+      <a:schemeClr val="lt1">
         <a:alpha val="90000"/>
       </a:schemeClr>
     </dgm:fillClrLst>
-    <dgm:linClrLst meth="repeat">
-      <a:schemeClr val="dk2"/>
+    <dgm:linClrLst>
+      <a:schemeClr val="accent4"/>
     </dgm:linClrLst>
     <dgm:effectClrLst/>
     <dgm:txLinClrLst/>
@@ -1794,26 +3204,28 @@
   </dgm:styleLbl>
   <dgm:styleLbl name="bgShp">
     <dgm:fillClrLst meth="repeat">
-      <a:schemeClr val="dk2"/>
+      <a:schemeClr val="bg1">
+        <a:lumMod val="95000"/>
+      </a:schemeClr>
     </dgm:fillClrLst>
     <dgm:linClrLst meth="repeat">
-      <a:schemeClr val="lt2">
-        <a:alpha val="0"/>
-      </a:schemeClr>
+      <a:schemeClr val="dk1"/>
     </dgm:linClrLst>
     <dgm:effectClrLst/>
     <dgm:txLinClrLst/>
-    <dgm:txFillClrLst/>
+    <dgm:txFillClrLst meth="repeat">
+      <a:schemeClr val="dk1"/>
+    </dgm:txFillClrLst>
     <dgm:txEffectClrLst/>
   </dgm:styleLbl>
   <dgm:styleLbl name="dkBgShp">
     <dgm:fillClrLst meth="repeat">
-      <a:schemeClr val="dk2">
-        <a:shade val="80000"/>
+      <a:schemeClr val="accent2">
+        <a:shade val="90000"/>
       </a:schemeClr>
     </dgm:fillClrLst>
     <dgm:linClrLst meth="repeat">
-      <a:schemeClr val="dk2"/>
+      <a:schemeClr val="dk1"/>
     </dgm:linClrLst>
     <dgm:effectClrLst/>
     <dgm:txLinClrLst/>
@@ -1824,13 +3236,13 @@
   </dgm:styleLbl>
   <dgm:styleLbl name="trBgShp">
     <dgm:fillClrLst meth="repeat">
-      <a:schemeClr val="dk2">
+      <a:schemeClr val="accent1">
         <a:tint val="50000"/>
         <a:alpha val="40000"/>
       </a:schemeClr>
     </dgm:fillClrLst>
     <dgm:linClrLst meth="repeat">
-      <a:schemeClr val="dk2"/>
+      <a:schemeClr val="accent2"/>
     </dgm:linClrLst>
     <dgm:effectClrLst/>
     <dgm:txLinClrLst/>
@@ -1841,12 +3253,12 @@
   </dgm:styleLbl>
   <dgm:styleLbl name="fgShp">
     <dgm:fillClrLst meth="repeat">
-      <a:schemeClr val="dk2">
-        <a:tint val="60000"/>
+      <a:schemeClr val="accent2">
+        <a:tint val="40000"/>
       </a:schemeClr>
     </dgm:fillClrLst>
     <dgm:linClrLst meth="repeat">
-      <a:schemeClr val="lt2"/>
+      <a:schemeClr val="lt1"/>
     </dgm:linClrLst>
     <dgm:effectClrLst/>
     <dgm:txLinClrLst/>
@@ -1857,7 +3269,7 @@
   </dgm:styleLbl>
   <dgm:styleLbl name="revTx">
     <dgm:fillClrLst meth="repeat">
-      <a:schemeClr val="lt2">
+      <a:schemeClr val="lt1">
         <a:alpha val="0"/>
       </a:schemeClr>
     </dgm:fillClrLst>
@@ -1879,8 +3291,8 @@
 <file path=ppt/diagrams/data1.xml><?xml version="1.0" encoding="utf-8"?>
 <dgm:dataModel xmlns:dgm="http://schemas.openxmlformats.org/drawingml/2006/diagram" xmlns:a="http://schemas.openxmlformats.org/drawingml/2006/main">
   <dgm:ptLst>
-    <dgm:pt modelId="{C76E26D4-FA45-455A-A360-9CF836DDE47C}" type="doc">
-      <dgm:prSet loTypeId="urn:microsoft.com/office/officeart/2018/2/layout/IconCircleList" loCatId="icon" qsTypeId="urn:microsoft.com/office/officeart/2005/8/quickstyle/simple1" qsCatId="simple" csTypeId="urn:microsoft.com/office/officeart/2018/5/colors/Iconchunking_neutralicon_accent0_3" csCatId="mainScheme" phldr="1"/>
+    <dgm:pt modelId="{E875DEAD-2345-400D-A59E-14642DAD4D22}" type="doc">
+      <dgm:prSet loTypeId="urn:microsoft.com/office/officeart/2018/2/layout/IconLabelList" loCatId="icon" qsTypeId="urn:microsoft.com/office/officeart/2005/8/quickstyle/simple1" qsCatId="simple" csTypeId="urn:microsoft.com/office/officeart/2018/5/colors/Iconchunking_neutralbg_colorful1" csCatId="colorful" phldr="1"/>
       <dgm:spPr/>
       <dgm:t>
         <a:bodyPr/>
@@ -1890,22 +3302,27 @@
         </a:p>
       </dgm:t>
     </dgm:pt>
-    <dgm:pt modelId="{A88EB20E-230A-4F43-BFCF-CE2E84A8C7EC}">
+    <dgm:pt modelId="{FAD945BF-DD73-409B-BCED-4C49FED05D1C}">
       <dgm:prSet/>
       <dgm:spPr/>
       <dgm:t>
         <a:bodyPr/>
         <a:lstStyle/>
         <a:p>
+          <a:pPr>
+            <a:lnSpc>
+              <a:spcPct val="100000"/>
+            </a:lnSpc>
+          </a:pPr>
           <a:r>
-            <a:rPr lang="de-DE" b="1" dirty="0"/>
+            <a:rPr lang="de-DE"/>
             <a:t>Motivation</a:t>
           </a:r>
-          <a:endParaRPr lang="en-US" dirty="0"/>
+          <a:endParaRPr lang="en-US"/>
         </a:p>
       </dgm:t>
     </dgm:pt>
-    <dgm:pt modelId="{9C67DA94-BF63-4355-B1FE-99AB3B73AF98}" type="parTrans" cxnId="{B7A1FA38-7212-4004-A46A-B2546F876825}">
+    <dgm:pt modelId="{7D133664-FA20-4389-81A5-11EF5B86927B}" type="parTrans" cxnId="{08FC08D9-3C6B-472A-BAAA-81BB9273231A}">
       <dgm:prSet/>
       <dgm:spPr/>
       <dgm:t>
@@ -1916,7 +3333,7 @@
         </a:p>
       </dgm:t>
     </dgm:pt>
-    <dgm:pt modelId="{FE95F2E9-2709-41E8-99A3-7DEE5E12E347}" type="sibTrans" cxnId="{B7A1FA38-7212-4004-A46A-B2546F876825}">
+    <dgm:pt modelId="{CE6BCFF5-9140-4D4E-BECB-4EC860A111D3}" type="sibTrans" cxnId="{08FC08D9-3C6B-472A-BAAA-81BB9273231A}">
       <dgm:prSet/>
       <dgm:spPr/>
       <dgm:t>
@@ -1927,22 +3344,27 @@
         </a:p>
       </dgm:t>
     </dgm:pt>
-    <dgm:pt modelId="{A3CA0B46-74F9-4A62-9D92-2DBE4DBC4AE9}">
+    <dgm:pt modelId="{A454DF9D-2B91-403B-8C9C-B4D35EFA9DD6}">
       <dgm:prSet/>
       <dgm:spPr/>
       <dgm:t>
         <a:bodyPr/>
         <a:lstStyle/>
         <a:p>
+          <a:pPr>
+            <a:lnSpc>
+              <a:spcPct val="100000"/>
+            </a:lnSpc>
+          </a:pPr>
           <a:r>
-            <a:rPr lang="de-DE" b="1"/>
-            <a:t>State of the art</a:t>
+            <a:rPr lang="de-DE"/>
+            <a:t>State of the Art</a:t>
           </a:r>
           <a:endParaRPr lang="en-US"/>
         </a:p>
       </dgm:t>
     </dgm:pt>
-    <dgm:pt modelId="{F5F4AF54-3C83-4C20-B9F6-A3E8AD1930F8}" type="parTrans" cxnId="{239F9076-9322-4CED-B804-9813637CB39E}">
+    <dgm:pt modelId="{AF2307CB-A478-4988-9EDF-88C07BD5DA7A}" type="parTrans" cxnId="{2E12ECED-9FFC-4430-A8A1-AC5E3C4E92C0}">
       <dgm:prSet/>
       <dgm:spPr/>
       <dgm:t>
@@ -1953,7 +3375,7 @@
         </a:p>
       </dgm:t>
     </dgm:pt>
-    <dgm:pt modelId="{2DC499CA-8F8A-4381-86E1-2511E6CAA870}" type="sibTrans" cxnId="{239F9076-9322-4CED-B804-9813637CB39E}">
+    <dgm:pt modelId="{0AC4ACB2-D57B-4BE7-90ED-4DA49EE6DE51}" type="sibTrans" cxnId="{2E12ECED-9FFC-4430-A8A1-AC5E3C4E92C0}">
       <dgm:prSet/>
       <dgm:spPr/>
       <dgm:t>
@@ -1964,22 +3386,27 @@
         </a:p>
       </dgm:t>
     </dgm:pt>
-    <dgm:pt modelId="{10CED95C-39BD-4ACC-B194-C60F84B916AC}">
+    <dgm:pt modelId="{0D65B5D9-413D-445A-B6D4-32454E1132A6}">
       <dgm:prSet/>
       <dgm:spPr/>
       <dgm:t>
         <a:bodyPr/>
         <a:lstStyle/>
         <a:p>
+          <a:pPr>
+            <a:lnSpc>
+              <a:spcPct val="100000"/>
+            </a:lnSpc>
+          </a:pPr>
           <a:r>
-            <a:rPr lang="de-DE" b="1"/>
-            <a:t>Algortihm explained</a:t>
+            <a:rPr lang="de-DE"/>
+            <a:t>Algorithm</a:t>
           </a:r>
           <a:endParaRPr lang="en-US"/>
         </a:p>
       </dgm:t>
     </dgm:pt>
-    <dgm:pt modelId="{53FB4348-E8A5-4BFC-BB92-A3DA06C6DA4D}" type="parTrans" cxnId="{8A4FD918-B9D5-4E82-804C-8CCC82E2CF3F}">
+    <dgm:pt modelId="{EBE6C427-4BEA-487D-84BC-068498D99362}" type="parTrans" cxnId="{E1A54CBB-FA33-4AAA-A49B-6C56B7F0F8FB}">
       <dgm:prSet/>
       <dgm:spPr/>
       <dgm:t>
@@ -1990,7 +3417,7 @@
         </a:p>
       </dgm:t>
     </dgm:pt>
-    <dgm:pt modelId="{86DF07E7-DBAA-458F-A686-B81337A21537}" type="sibTrans" cxnId="{8A4FD918-B9D5-4E82-804C-8CCC82E2CF3F}">
+    <dgm:pt modelId="{AD08F5A6-37C6-4A09-A5B1-560D6E3E16F3}" type="sibTrans" cxnId="{E1A54CBB-FA33-4AAA-A49B-6C56B7F0F8FB}">
       <dgm:prSet/>
       <dgm:spPr/>
       <dgm:t>
@@ -2001,22 +3428,27 @@
         </a:p>
       </dgm:t>
     </dgm:pt>
-    <dgm:pt modelId="{586B83C0-ACBD-499E-86DD-BF96F8B661ED}">
+    <dgm:pt modelId="{3AEF27DC-9110-471B-829E-BDE3CFEFF1CB}">
       <dgm:prSet/>
       <dgm:spPr/>
       <dgm:t>
         <a:bodyPr/>
         <a:lstStyle/>
         <a:p>
+          <a:pPr>
+            <a:lnSpc>
+              <a:spcPct val="100000"/>
+            </a:lnSpc>
+          </a:pPr>
           <a:r>
-            <a:rPr lang="de-DE" b="1"/>
-            <a:t>Vorgehensweise </a:t>
+            <a:rPr lang="de-DE"/>
+            <a:t>Procedure</a:t>
           </a:r>
           <a:endParaRPr lang="en-US"/>
         </a:p>
       </dgm:t>
     </dgm:pt>
-    <dgm:pt modelId="{16BF05D2-5772-46B3-9339-9407AA238D4A}" type="parTrans" cxnId="{B3CA80F5-A063-47A6-8DF8-AC286807754E}">
+    <dgm:pt modelId="{B037A3FE-EA30-4818-ABCE-CC7259C99CF0}" type="parTrans" cxnId="{43B30CD0-DB65-4772-9DF6-71A082393840}">
       <dgm:prSet/>
       <dgm:spPr/>
       <dgm:t>
@@ -2027,7 +3459,7 @@
         </a:p>
       </dgm:t>
     </dgm:pt>
-    <dgm:pt modelId="{38BF3D73-2137-46F0-93DC-067B86FC7076}" type="sibTrans" cxnId="{B3CA80F5-A063-47A6-8DF8-AC286807754E}">
+    <dgm:pt modelId="{0B27E4FB-8D42-47B7-B691-8FA3CBB317F4}" type="sibTrans" cxnId="{43B30CD0-DB65-4772-9DF6-71A082393840}">
       <dgm:prSet/>
       <dgm:spPr/>
       <dgm:t>
@@ -2038,8 +3470,8 @@
         </a:p>
       </dgm:t>
     </dgm:pt>
-    <dgm:pt modelId="{66A1EDB0-14E4-4C08-8E8E-47B12AA7E1C8}" type="pres">
-      <dgm:prSet presAssocID="{C76E26D4-FA45-455A-A360-9CF836DDE47C}" presName="root" presStyleCnt="0">
+    <dgm:pt modelId="{B15506AA-FBFC-4D73-A376-703A67B1E063}" type="pres">
+      <dgm:prSet presAssocID="{E875DEAD-2345-400D-A59E-14642DAD4D22}" presName="root" presStyleCnt="0">
         <dgm:presLayoutVars>
           <dgm:dir/>
           <dgm:resizeHandles val="exact"/>
@@ -2047,25 +3479,12 @@
       </dgm:prSet>
       <dgm:spPr/>
     </dgm:pt>
-    <dgm:pt modelId="{B0531FDC-EF43-4FFC-A8B4-4D61FFFA0BDB}" type="pres">
-      <dgm:prSet presAssocID="{C76E26D4-FA45-455A-A360-9CF836DDE47C}" presName="container" presStyleCnt="0">
-        <dgm:presLayoutVars>
-          <dgm:dir/>
-          <dgm:resizeHandles val="exact"/>
-        </dgm:presLayoutVars>
-      </dgm:prSet>
+    <dgm:pt modelId="{00215C31-0E71-484F-85D8-A24A56B875D7}" type="pres">
+      <dgm:prSet presAssocID="{FAD945BF-DD73-409B-BCED-4C49FED05D1C}" presName="compNode" presStyleCnt="0"/>
       <dgm:spPr/>
     </dgm:pt>
-    <dgm:pt modelId="{0F0FA0E3-9412-447E-85F7-D711876AFA30}" type="pres">
-      <dgm:prSet presAssocID="{A88EB20E-230A-4F43-BFCF-CE2E84A8C7EC}" presName="compNode" presStyleCnt="0"/>
-      <dgm:spPr/>
-    </dgm:pt>
-    <dgm:pt modelId="{D1D15136-3438-4A22-A880-B45CAE98F4A0}" type="pres">
-      <dgm:prSet presAssocID="{A88EB20E-230A-4F43-BFCF-CE2E84A8C7EC}" presName="iconBgRect" presStyleLbl="bgShp" presStyleIdx="0" presStyleCnt="4"/>
-      <dgm:spPr/>
-    </dgm:pt>
-    <dgm:pt modelId="{CF00D076-0877-46B2-8E70-8725F666974B}" type="pres">
-      <dgm:prSet presAssocID="{A88EB20E-230A-4F43-BFCF-CE2E84A8C7EC}" presName="iconRect" presStyleLbl="node1" presStyleIdx="0" presStyleCnt="4"/>
+    <dgm:pt modelId="{95BC0C2A-B6E9-4574-AD93-6C5516352CB1}" type="pres">
+      <dgm:prSet presAssocID="{FAD945BF-DD73-409B-BCED-4C49FED05D1C}" presName="iconRect" presStyleLbl="node1" presStyleIdx="0" presStyleCnt="4"/>
       <dgm:spPr>
         <a:blipFill>
           <a:blip xmlns:r="http://schemas.openxmlformats.org/officeDocument/2006/relationships" r:embed="rId1">
@@ -2092,12 +3511,12 @@
         </a:ext>
       </dgm:extLst>
     </dgm:pt>
-    <dgm:pt modelId="{1060FD5D-114A-463A-B6E0-E8C3CBE3DBE7}" type="pres">
-      <dgm:prSet presAssocID="{A88EB20E-230A-4F43-BFCF-CE2E84A8C7EC}" presName="spaceRect" presStyleCnt="0"/>
+    <dgm:pt modelId="{0E330A91-29B9-497F-8921-15AE9495C1F0}" type="pres">
+      <dgm:prSet presAssocID="{FAD945BF-DD73-409B-BCED-4C49FED05D1C}" presName="spaceRect" presStyleCnt="0"/>
       <dgm:spPr/>
     </dgm:pt>
-    <dgm:pt modelId="{DD8476CB-6B46-48D2-B6B1-5B12F4298CB4}" type="pres">
-      <dgm:prSet presAssocID="{A88EB20E-230A-4F43-BFCF-CE2E84A8C7EC}" presName="textRect" presStyleLbl="revTx" presStyleIdx="0" presStyleCnt="4">
+    <dgm:pt modelId="{EB5F957E-5DCA-497B-8CEA-C65A6425A861}" type="pres">
+      <dgm:prSet presAssocID="{FAD945BF-DD73-409B-BCED-4C49FED05D1C}" presName="textRect" presStyleLbl="revTx" presStyleIdx="0" presStyleCnt="4">
         <dgm:presLayoutVars>
           <dgm:chMax val="1"/>
           <dgm:chPref val="1"/>
@@ -2105,20 +3524,16 @@
       </dgm:prSet>
       <dgm:spPr/>
     </dgm:pt>
-    <dgm:pt modelId="{2FB4B1DD-C774-4125-BC36-F3E45E851D0B}" type="pres">
-      <dgm:prSet presAssocID="{FE95F2E9-2709-41E8-99A3-7DEE5E12E347}" presName="sibTrans" presStyleLbl="sibTrans2D1" presStyleIdx="0" presStyleCnt="0"/>
+    <dgm:pt modelId="{F342F462-3C63-4BC1-8374-31511E85558F}" type="pres">
+      <dgm:prSet presAssocID="{CE6BCFF5-9140-4D4E-BECB-4EC860A111D3}" presName="sibTrans" presStyleCnt="0"/>
       <dgm:spPr/>
     </dgm:pt>
-    <dgm:pt modelId="{75E412D9-7083-458E-BD89-8E32C7D8DF05}" type="pres">
-      <dgm:prSet presAssocID="{A3CA0B46-74F9-4A62-9D92-2DBE4DBC4AE9}" presName="compNode" presStyleCnt="0"/>
+    <dgm:pt modelId="{FC7A567D-FCDA-4BE7-999B-A60E573EEACE}" type="pres">
+      <dgm:prSet presAssocID="{A454DF9D-2B91-403B-8C9C-B4D35EFA9DD6}" presName="compNode" presStyleCnt="0"/>
       <dgm:spPr/>
     </dgm:pt>
-    <dgm:pt modelId="{A0C84828-85F1-488D-8FAB-3B55EA4FCF0E}" type="pres">
-      <dgm:prSet presAssocID="{A3CA0B46-74F9-4A62-9D92-2DBE4DBC4AE9}" presName="iconBgRect" presStyleLbl="bgShp" presStyleIdx="1" presStyleCnt="4"/>
-      <dgm:spPr/>
-    </dgm:pt>
-    <dgm:pt modelId="{1838CED1-D33F-4174-8A1E-E7F468FAEE90}" type="pres">
-      <dgm:prSet presAssocID="{A3CA0B46-74F9-4A62-9D92-2DBE4DBC4AE9}" presName="iconRect" presStyleLbl="node1" presStyleIdx="1" presStyleCnt="4"/>
+    <dgm:pt modelId="{068F1B07-5271-411B-BD96-17600C08A263}" type="pres">
+      <dgm:prSet presAssocID="{A454DF9D-2B91-403B-8C9C-B4D35EFA9DD6}" presName="iconRect" presStyleLbl="node1" presStyleIdx="1" presStyleCnt="4"/>
       <dgm:spPr>
         <a:blipFill>
           <a:blip xmlns:r="http://schemas.openxmlformats.org/officeDocument/2006/relationships" r:embed="rId3">
@@ -2141,16 +3556,16 @@
       </dgm:spPr>
       <dgm:extLst>
         <a:ext uri="{E40237B7-FDA0-4F09-8148-C483321AD2D9}">
-          <dgm14:cNvPr xmlns:dgm14="http://schemas.microsoft.com/office/drawing/2010/diagram" id="0" name="" descr="Bank"/>
+          <dgm14:cNvPr xmlns:dgm14="http://schemas.microsoft.com/office/drawing/2010/diagram" id="0" name="" descr="Books"/>
         </a:ext>
       </dgm:extLst>
     </dgm:pt>
-    <dgm:pt modelId="{65E2CCD0-0DCD-4D2B-AFC1-83161AAEBEB6}" type="pres">
-      <dgm:prSet presAssocID="{A3CA0B46-74F9-4A62-9D92-2DBE4DBC4AE9}" presName="spaceRect" presStyleCnt="0"/>
+    <dgm:pt modelId="{819F4ADB-D74D-4791-BCA1-617C85D35AA0}" type="pres">
+      <dgm:prSet presAssocID="{A454DF9D-2B91-403B-8C9C-B4D35EFA9DD6}" presName="spaceRect" presStyleCnt="0"/>
       <dgm:spPr/>
     </dgm:pt>
-    <dgm:pt modelId="{B427B5D8-32AD-4A58-9FD4-401CD1DE3B97}" type="pres">
-      <dgm:prSet presAssocID="{A3CA0B46-74F9-4A62-9D92-2DBE4DBC4AE9}" presName="textRect" presStyleLbl="revTx" presStyleIdx="1" presStyleCnt="4">
+    <dgm:pt modelId="{93D791DE-6B1B-4D08-8C3B-1F3C6655C3FD}" type="pres">
+      <dgm:prSet presAssocID="{A454DF9D-2B91-403B-8C9C-B4D35EFA9DD6}" presName="textRect" presStyleLbl="revTx" presStyleIdx="1" presStyleCnt="4">
         <dgm:presLayoutVars>
           <dgm:chMax val="1"/>
           <dgm:chPref val="1"/>
@@ -2158,20 +3573,16 @@
       </dgm:prSet>
       <dgm:spPr/>
     </dgm:pt>
-    <dgm:pt modelId="{A7DD1FEA-2172-423F-9DA7-F0E76BA2B871}" type="pres">
-      <dgm:prSet presAssocID="{2DC499CA-8F8A-4381-86E1-2511E6CAA870}" presName="sibTrans" presStyleLbl="sibTrans2D1" presStyleIdx="0" presStyleCnt="0"/>
+    <dgm:pt modelId="{6F13499C-6851-4280-911B-4E478FAC42B2}" type="pres">
+      <dgm:prSet presAssocID="{0AC4ACB2-D57B-4BE7-90ED-4DA49EE6DE51}" presName="sibTrans" presStyleCnt="0"/>
       <dgm:spPr/>
     </dgm:pt>
-    <dgm:pt modelId="{C41A8AB1-5096-4B10-BB68-FCB8ACAB230E}" type="pres">
-      <dgm:prSet presAssocID="{10CED95C-39BD-4ACC-B194-C60F84B916AC}" presName="compNode" presStyleCnt="0"/>
+    <dgm:pt modelId="{B479B1AE-72A7-448D-BF69-E18AE4F2D5E8}" type="pres">
+      <dgm:prSet presAssocID="{0D65B5D9-413D-445A-B6D4-32454E1132A6}" presName="compNode" presStyleCnt="0"/>
       <dgm:spPr/>
     </dgm:pt>
-    <dgm:pt modelId="{2A15DC1A-238E-49DE-8E39-482DCF356458}" type="pres">
-      <dgm:prSet presAssocID="{10CED95C-39BD-4ACC-B194-C60F84B916AC}" presName="iconBgRect" presStyleLbl="bgShp" presStyleIdx="2" presStyleCnt="4"/>
-      <dgm:spPr/>
-    </dgm:pt>
-    <dgm:pt modelId="{91C6346A-6D4A-4B30-9B80-2650BA3BE137}" type="pres">
-      <dgm:prSet presAssocID="{10CED95C-39BD-4ACC-B194-C60F84B916AC}" presName="iconRect" presStyleLbl="node1" presStyleIdx="2" presStyleCnt="4"/>
+    <dgm:pt modelId="{E6F64D16-A361-474B-BD19-9458228D5A7E}" type="pres">
+      <dgm:prSet presAssocID="{0D65B5D9-413D-445A-B6D4-32454E1132A6}" presName="iconRect" presStyleLbl="node1" presStyleIdx="2" presStyleCnt="4"/>
       <dgm:spPr>
         <a:blipFill>
           <a:blip xmlns:r="http://schemas.openxmlformats.org/officeDocument/2006/relationships" r:embed="rId5">
@@ -2194,16 +3605,16 @@
       </dgm:spPr>
       <dgm:extLst>
         <a:ext uri="{E40237B7-FDA0-4F09-8148-C483321AD2D9}">
-          <dgm14:cNvPr xmlns:dgm14="http://schemas.microsoft.com/office/drawing/2010/diagram" id="0" name="" descr="Checkmark"/>
+          <dgm14:cNvPr xmlns:dgm14="http://schemas.microsoft.com/office/drawing/2010/diagram" id="0" name="" descr="Programmer"/>
         </a:ext>
       </dgm:extLst>
     </dgm:pt>
-    <dgm:pt modelId="{0FDAFD4F-2160-4DE6-A00F-368C1B1DDFB5}" type="pres">
-      <dgm:prSet presAssocID="{10CED95C-39BD-4ACC-B194-C60F84B916AC}" presName="spaceRect" presStyleCnt="0"/>
+    <dgm:pt modelId="{61EE62A1-C62C-47A9-B4E5-442EDB75E306}" type="pres">
+      <dgm:prSet presAssocID="{0D65B5D9-413D-445A-B6D4-32454E1132A6}" presName="spaceRect" presStyleCnt="0"/>
       <dgm:spPr/>
     </dgm:pt>
-    <dgm:pt modelId="{194DC941-B5B0-4D10-BCFA-50D2E84CED5D}" type="pres">
-      <dgm:prSet presAssocID="{10CED95C-39BD-4ACC-B194-C60F84B916AC}" presName="textRect" presStyleLbl="revTx" presStyleIdx="2" presStyleCnt="4">
+    <dgm:pt modelId="{AD8702F0-A9B0-4BA6-94C1-D9932EEFE456}" type="pres">
+      <dgm:prSet presAssocID="{0D65B5D9-413D-445A-B6D4-32454E1132A6}" presName="textRect" presStyleLbl="revTx" presStyleIdx="2" presStyleCnt="4">
         <dgm:presLayoutVars>
           <dgm:chMax val="1"/>
           <dgm:chPref val="1"/>
@@ -2211,20 +3622,16 @@
       </dgm:prSet>
       <dgm:spPr/>
     </dgm:pt>
-    <dgm:pt modelId="{55161792-A3C5-4F30-BF92-95931BE6A1BA}" type="pres">
-      <dgm:prSet presAssocID="{86DF07E7-DBAA-458F-A686-B81337A21537}" presName="sibTrans" presStyleLbl="sibTrans2D1" presStyleIdx="0" presStyleCnt="0"/>
+    <dgm:pt modelId="{E21A51AE-6E3E-48C3-AD5C-9214B357F3E2}" type="pres">
+      <dgm:prSet presAssocID="{AD08F5A6-37C6-4A09-A5B1-560D6E3E16F3}" presName="sibTrans" presStyleCnt="0"/>
       <dgm:spPr/>
     </dgm:pt>
-    <dgm:pt modelId="{C6B3AA2F-4099-401E-B2E7-72B65C2BA561}" type="pres">
-      <dgm:prSet presAssocID="{586B83C0-ACBD-499E-86DD-BF96F8B661ED}" presName="compNode" presStyleCnt="0"/>
+    <dgm:pt modelId="{1A1D4706-E03A-4D48-B848-EBDDB4F7122B}" type="pres">
+      <dgm:prSet presAssocID="{3AEF27DC-9110-471B-829E-BDE3CFEFF1CB}" presName="compNode" presStyleCnt="0"/>
       <dgm:spPr/>
     </dgm:pt>
-    <dgm:pt modelId="{013CD06F-57A0-4365-9794-316A3792D5C1}" type="pres">
-      <dgm:prSet presAssocID="{586B83C0-ACBD-499E-86DD-BF96F8B661ED}" presName="iconBgRect" presStyleLbl="bgShp" presStyleIdx="3" presStyleCnt="4"/>
-      <dgm:spPr/>
-    </dgm:pt>
-    <dgm:pt modelId="{78A4D01C-FC66-4DFE-B496-F523BF4F6B8B}" type="pres">
-      <dgm:prSet presAssocID="{586B83C0-ACBD-499E-86DD-BF96F8B661ED}" presName="iconRect" presStyleLbl="node1" presStyleIdx="3" presStyleCnt="4"/>
+    <dgm:pt modelId="{CF2075C2-A3CA-464A-90A9-68A85CF42384}" type="pres">
+      <dgm:prSet presAssocID="{3AEF27DC-9110-471B-829E-BDE3CFEFF1CB}" presName="iconRect" presStyleLbl="node1" presStyleIdx="3" presStyleCnt="4"/>
       <dgm:spPr>
         <a:blipFill>
           <a:blip xmlns:r="http://schemas.openxmlformats.org/officeDocument/2006/relationships" r:embed="rId7">
@@ -2247,16 +3654,16 @@
       </dgm:spPr>
       <dgm:extLst>
         <a:ext uri="{E40237B7-FDA0-4F09-8148-C483321AD2D9}">
-          <dgm14:cNvPr xmlns:dgm14="http://schemas.microsoft.com/office/drawing/2010/diagram" id="0" name="" descr="Bullseye"/>
+          <dgm14:cNvPr xmlns:dgm14="http://schemas.microsoft.com/office/drawing/2010/diagram" id="0" name="" descr="Workflow"/>
         </a:ext>
       </dgm:extLst>
     </dgm:pt>
-    <dgm:pt modelId="{2B49909C-E9E4-4FB6-A7D3-3ED622F51077}" type="pres">
-      <dgm:prSet presAssocID="{586B83C0-ACBD-499E-86DD-BF96F8B661ED}" presName="spaceRect" presStyleCnt="0"/>
+    <dgm:pt modelId="{E2BE468B-76C5-469B-94B1-6DD1E6F8D2C2}" type="pres">
+      <dgm:prSet presAssocID="{3AEF27DC-9110-471B-829E-BDE3CFEFF1CB}" presName="spaceRect" presStyleCnt="0"/>
       <dgm:spPr/>
     </dgm:pt>
-    <dgm:pt modelId="{D1F29F23-E0E2-4F54-A93D-D64CCD57F1D0}" type="pres">
-      <dgm:prSet presAssocID="{586B83C0-ACBD-499E-86DD-BF96F8B661ED}" presName="textRect" presStyleLbl="revTx" presStyleIdx="3" presStyleCnt="4">
+    <dgm:pt modelId="{C50096C7-E6B4-42EA-9CD3-B6BE4E6C7446}" type="pres">
+      <dgm:prSet presAssocID="{3AEF27DC-9110-471B-829E-BDE3CFEFF1CB}" presName="textRect" presStyleLbl="revTx" presStyleIdx="3" presStyleCnt="4">
         <dgm:presLayoutVars>
           <dgm:chMax val="1"/>
           <dgm:chPref val="1"/>
@@ -2266,48 +3673,40 @@
     </dgm:pt>
   </dgm:ptLst>
   <dgm:cxnLst>
-    <dgm:cxn modelId="{48E60B03-7538-4941-B678-DA023CA1C7CA}" type="presOf" srcId="{A3CA0B46-74F9-4A62-9D92-2DBE4DBC4AE9}" destId="{B427B5D8-32AD-4A58-9FD4-401CD1DE3B97}" srcOrd="0" destOrd="0" presId="urn:microsoft.com/office/officeart/2018/2/layout/IconCircleList"/>
-    <dgm:cxn modelId="{8A4FD918-B9D5-4E82-804C-8CCC82E2CF3F}" srcId="{C76E26D4-FA45-455A-A360-9CF836DDE47C}" destId="{10CED95C-39BD-4ACC-B194-C60F84B916AC}" srcOrd="2" destOrd="0" parTransId="{53FB4348-E8A5-4BFC-BB92-A3DA06C6DA4D}" sibTransId="{86DF07E7-DBAA-458F-A686-B81337A21537}"/>
-    <dgm:cxn modelId="{9627782E-3DFF-49A6-BEAA-591D5ECF0096}" type="presOf" srcId="{586B83C0-ACBD-499E-86DD-BF96F8B661ED}" destId="{D1F29F23-E0E2-4F54-A93D-D64CCD57F1D0}" srcOrd="0" destOrd="0" presId="urn:microsoft.com/office/officeart/2018/2/layout/IconCircleList"/>
-    <dgm:cxn modelId="{B7A1FA38-7212-4004-A46A-B2546F876825}" srcId="{C76E26D4-FA45-455A-A360-9CF836DDE47C}" destId="{A88EB20E-230A-4F43-BFCF-CE2E84A8C7EC}" srcOrd="0" destOrd="0" parTransId="{9C67DA94-BF63-4355-B1FE-99AB3B73AF98}" sibTransId="{FE95F2E9-2709-41E8-99A3-7DEE5E12E347}"/>
-    <dgm:cxn modelId="{E72E8253-9745-416D-83BF-6EF7BBECE171}" type="presOf" srcId="{86DF07E7-DBAA-458F-A686-B81337A21537}" destId="{55161792-A3C5-4F30-BF92-95931BE6A1BA}" srcOrd="0" destOrd="0" presId="urn:microsoft.com/office/officeart/2018/2/layout/IconCircleList"/>
-    <dgm:cxn modelId="{239F9076-9322-4CED-B804-9813637CB39E}" srcId="{C76E26D4-FA45-455A-A360-9CF836DDE47C}" destId="{A3CA0B46-74F9-4A62-9D92-2DBE4DBC4AE9}" srcOrd="1" destOrd="0" parTransId="{F5F4AF54-3C83-4C20-B9F6-A3E8AD1930F8}" sibTransId="{2DC499CA-8F8A-4381-86E1-2511E6CAA870}"/>
-    <dgm:cxn modelId="{1AEDFA7E-3414-4CE5-9744-6D2261950582}" type="presOf" srcId="{2DC499CA-8F8A-4381-86E1-2511E6CAA870}" destId="{A7DD1FEA-2172-423F-9DA7-F0E76BA2B871}" srcOrd="0" destOrd="0" presId="urn:microsoft.com/office/officeart/2018/2/layout/IconCircleList"/>
-    <dgm:cxn modelId="{DA000683-DB33-4630-9381-A8A6B167EC60}" type="presOf" srcId="{FE95F2E9-2709-41E8-99A3-7DEE5E12E347}" destId="{2FB4B1DD-C774-4125-BC36-F3E45E851D0B}" srcOrd="0" destOrd="0" presId="urn:microsoft.com/office/officeart/2018/2/layout/IconCircleList"/>
-    <dgm:cxn modelId="{53C5B292-845D-49DC-BA02-456C2DEDA902}" type="presOf" srcId="{A88EB20E-230A-4F43-BFCF-CE2E84A8C7EC}" destId="{DD8476CB-6B46-48D2-B6B1-5B12F4298CB4}" srcOrd="0" destOrd="0" presId="urn:microsoft.com/office/officeart/2018/2/layout/IconCircleList"/>
-    <dgm:cxn modelId="{744E2CBF-7704-4812-A309-62842FC517E1}" type="presOf" srcId="{10CED95C-39BD-4ACC-B194-C60F84B916AC}" destId="{194DC941-B5B0-4D10-BCFA-50D2E84CED5D}" srcOrd="0" destOrd="0" presId="urn:microsoft.com/office/officeart/2018/2/layout/IconCircleList"/>
-    <dgm:cxn modelId="{45D1C4E0-F7AF-47E5-9429-A95F9542403B}" type="presOf" srcId="{C76E26D4-FA45-455A-A360-9CF836DDE47C}" destId="{66A1EDB0-14E4-4C08-8E8E-47B12AA7E1C8}" srcOrd="0" destOrd="0" presId="urn:microsoft.com/office/officeart/2018/2/layout/IconCircleList"/>
-    <dgm:cxn modelId="{B3CA80F5-A063-47A6-8DF8-AC286807754E}" srcId="{C76E26D4-FA45-455A-A360-9CF836DDE47C}" destId="{586B83C0-ACBD-499E-86DD-BF96F8B661ED}" srcOrd="3" destOrd="0" parTransId="{16BF05D2-5772-46B3-9339-9407AA238D4A}" sibTransId="{38BF3D73-2137-46F0-93DC-067B86FC7076}"/>
-    <dgm:cxn modelId="{98D08A99-60C5-40F9-9005-2B4A82B4BBD1}" type="presParOf" srcId="{66A1EDB0-14E4-4C08-8E8E-47B12AA7E1C8}" destId="{B0531FDC-EF43-4FFC-A8B4-4D61FFFA0BDB}" srcOrd="0" destOrd="0" presId="urn:microsoft.com/office/officeart/2018/2/layout/IconCircleList"/>
-    <dgm:cxn modelId="{34998FB5-A1CE-4DC7-B812-A139A40CACC8}" type="presParOf" srcId="{B0531FDC-EF43-4FFC-A8B4-4D61FFFA0BDB}" destId="{0F0FA0E3-9412-447E-85F7-D711876AFA30}" srcOrd="0" destOrd="0" presId="urn:microsoft.com/office/officeart/2018/2/layout/IconCircleList"/>
-    <dgm:cxn modelId="{CE923A3D-3ED8-4683-808E-363495BACD87}" type="presParOf" srcId="{0F0FA0E3-9412-447E-85F7-D711876AFA30}" destId="{D1D15136-3438-4A22-A880-B45CAE98F4A0}" srcOrd="0" destOrd="0" presId="urn:microsoft.com/office/officeart/2018/2/layout/IconCircleList"/>
-    <dgm:cxn modelId="{8F42CBE4-6350-4BF8-8A5A-A9909E6C89B2}" type="presParOf" srcId="{0F0FA0E3-9412-447E-85F7-D711876AFA30}" destId="{CF00D076-0877-46B2-8E70-8725F666974B}" srcOrd="1" destOrd="0" presId="urn:microsoft.com/office/officeart/2018/2/layout/IconCircleList"/>
-    <dgm:cxn modelId="{D3482E73-506C-4AA9-98B9-153955B8F9B6}" type="presParOf" srcId="{0F0FA0E3-9412-447E-85F7-D711876AFA30}" destId="{1060FD5D-114A-463A-B6E0-E8C3CBE3DBE7}" srcOrd="2" destOrd="0" presId="urn:microsoft.com/office/officeart/2018/2/layout/IconCircleList"/>
-    <dgm:cxn modelId="{E223CCAC-5D2E-4F40-847D-B632496067A0}" type="presParOf" srcId="{0F0FA0E3-9412-447E-85F7-D711876AFA30}" destId="{DD8476CB-6B46-48D2-B6B1-5B12F4298CB4}" srcOrd="3" destOrd="0" presId="urn:microsoft.com/office/officeart/2018/2/layout/IconCircleList"/>
-    <dgm:cxn modelId="{E0D0C319-EC15-4C59-B51E-0513BE6340C7}" type="presParOf" srcId="{B0531FDC-EF43-4FFC-A8B4-4D61FFFA0BDB}" destId="{2FB4B1DD-C774-4125-BC36-F3E45E851D0B}" srcOrd="1" destOrd="0" presId="urn:microsoft.com/office/officeart/2018/2/layout/IconCircleList"/>
-    <dgm:cxn modelId="{A1CC6331-A8CD-4A28-9884-D79C2B7E38B3}" type="presParOf" srcId="{B0531FDC-EF43-4FFC-A8B4-4D61FFFA0BDB}" destId="{75E412D9-7083-458E-BD89-8E32C7D8DF05}" srcOrd="2" destOrd="0" presId="urn:microsoft.com/office/officeart/2018/2/layout/IconCircleList"/>
-    <dgm:cxn modelId="{F870A20D-E0C9-4727-B951-4706664128CF}" type="presParOf" srcId="{75E412D9-7083-458E-BD89-8E32C7D8DF05}" destId="{A0C84828-85F1-488D-8FAB-3B55EA4FCF0E}" srcOrd="0" destOrd="0" presId="urn:microsoft.com/office/officeart/2018/2/layout/IconCircleList"/>
-    <dgm:cxn modelId="{CEA9A2F0-F75A-495C-9BED-7AF018B610E0}" type="presParOf" srcId="{75E412D9-7083-458E-BD89-8E32C7D8DF05}" destId="{1838CED1-D33F-4174-8A1E-E7F468FAEE90}" srcOrd="1" destOrd="0" presId="urn:microsoft.com/office/officeart/2018/2/layout/IconCircleList"/>
-    <dgm:cxn modelId="{D5106A9C-9FC2-4FEC-BCB7-920217902E98}" type="presParOf" srcId="{75E412D9-7083-458E-BD89-8E32C7D8DF05}" destId="{65E2CCD0-0DCD-4D2B-AFC1-83161AAEBEB6}" srcOrd="2" destOrd="0" presId="urn:microsoft.com/office/officeart/2018/2/layout/IconCircleList"/>
-    <dgm:cxn modelId="{67550F6E-A9E7-487C-A5CC-CE36670EB3CC}" type="presParOf" srcId="{75E412D9-7083-458E-BD89-8E32C7D8DF05}" destId="{B427B5D8-32AD-4A58-9FD4-401CD1DE3B97}" srcOrd="3" destOrd="0" presId="urn:microsoft.com/office/officeart/2018/2/layout/IconCircleList"/>
-    <dgm:cxn modelId="{F2DB4E29-B0AF-431A-A233-CB3AF91E81C1}" type="presParOf" srcId="{B0531FDC-EF43-4FFC-A8B4-4D61FFFA0BDB}" destId="{A7DD1FEA-2172-423F-9DA7-F0E76BA2B871}" srcOrd="3" destOrd="0" presId="urn:microsoft.com/office/officeart/2018/2/layout/IconCircleList"/>
-    <dgm:cxn modelId="{832F7DAB-212B-43BE-A0C5-A3231E3FEA58}" type="presParOf" srcId="{B0531FDC-EF43-4FFC-A8B4-4D61FFFA0BDB}" destId="{C41A8AB1-5096-4B10-BB68-FCB8ACAB230E}" srcOrd="4" destOrd="0" presId="urn:microsoft.com/office/officeart/2018/2/layout/IconCircleList"/>
-    <dgm:cxn modelId="{08C4DB44-E728-4320-9E74-3E327E498163}" type="presParOf" srcId="{C41A8AB1-5096-4B10-BB68-FCB8ACAB230E}" destId="{2A15DC1A-238E-49DE-8E39-482DCF356458}" srcOrd="0" destOrd="0" presId="urn:microsoft.com/office/officeart/2018/2/layout/IconCircleList"/>
-    <dgm:cxn modelId="{4F12091B-1A1F-4365-9063-D1A42488ECE6}" type="presParOf" srcId="{C41A8AB1-5096-4B10-BB68-FCB8ACAB230E}" destId="{91C6346A-6D4A-4B30-9B80-2650BA3BE137}" srcOrd="1" destOrd="0" presId="urn:microsoft.com/office/officeart/2018/2/layout/IconCircleList"/>
-    <dgm:cxn modelId="{04DCFC58-E1E6-468D-81F0-03BD5A06FDD1}" type="presParOf" srcId="{C41A8AB1-5096-4B10-BB68-FCB8ACAB230E}" destId="{0FDAFD4F-2160-4DE6-A00F-368C1B1DDFB5}" srcOrd="2" destOrd="0" presId="urn:microsoft.com/office/officeart/2018/2/layout/IconCircleList"/>
-    <dgm:cxn modelId="{EB5D693F-9761-450D-9382-82E67CC1DD77}" type="presParOf" srcId="{C41A8AB1-5096-4B10-BB68-FCB8ACAB230E}" destId="{194DC941-B5B0-4D10-BCFA-50D2E84CED5D}" srcOrd="3" destOrd="0" presId="urn:microsoft.com/office/officeart/2018/2/layout/IconCircleList"/>
-    <dgm:cxn modelId="{F6D7501F-F233-4E71-89CA-00B161774D95}" type="presParOf" srcId="{B0531FDC-EF43-4FFC-A8B4-4D61FFFA0BDB}" destId="{55161792-A3C5-4F30-BF92-95931BE6A1BA}" srcOrd="5" destOrd="0" presId="urn:microsoft.com/office/officeart/2018/2/layout/IconCircleList"/>
-    <dgm:cxn modelId="{B305F72D-26F6-49C6-A250-E094C42B8DC9}" type="presParOf" srcId="{B0531FDC-EF43-4FFC-A8B4-4D61FFFA0BDB}" destId="{C6B3AA2F-4099-401E-B2E7-72B65C2BA561}" srcOrd="6" destOrd="0" presId="urn:microsoft.com/office/officeart/2018/2/layout/IconCircleList"/>
-    <dgm:cxn modelId="{44C5EFB2-B163-41E0-B6AD-F3CC5856A081}" type="presParOf" srcId="{C6B3AA2F-4099-401E-B2E7-72B65C2BA561}" destId="{013CD06F-57A0-4365-9794-316A3792D5C1}" srcOrd="0" destOrd="0" presId="urn:microsoft.com/office/officeart/2018/2/layout/IconCircleList"/>
-    <dgm:cxn modelId="{E3362392-FAFF-4B0A-B99A-AF05C3D5DC56}" type="presParOf" srcId="{C6B3AA2F-4099-401E-B2E7-72B65C2BA561}" destId="{78A4D01C-FC66-4DFE-B496-F523BF4F6B8B}" srcOrd="1" destOrd="0" presId="urn:microsoft.com/office/officeart/2018/2/layout/IconCircleList"/>
-    <dgm:cxn modelId="{BC310D85-03E4-486D-B45D-91CDA237FB8A}" type="presParOf" srcId="{C6B3AA2F-4099-401E-B2E7-72B65C2BA561}" destId="{2B49909C-E9E4-4FB6-A7D3-3ED622F51077}" srcOrd="2" destOrd="0" presId="urn:microsoft.com/office/officeart/2018/2/layout/IconCircleList"/>
-    <dgm:cxn modelId="{C352B11B-1439-48C3-B803-EF0777F3A5C0}" type="presParOf" srcId="{C6B3AA2F-4099-401E-B2E7-72B65C2BA561}" destId="{D1F29F23-E0E2-4F54-A93D-D64CCD57F1D0}" srcOrd="3" destOrd="0" presId="urn:microsoft.com/office/officeart/2018/2/layout/IconCircleList"/>
+    <dgm:cxn modelId="{921B4C2F-898B-4C33-8731-80CA17265E21}" type="presOf" srcId="{A454DF9D-2B91-403B-8C9C-B4D35EFA9DD6}" destId="{93D791DE-6B1B-4D08-8C3B-1F3C6655C3FD}" srcOrd="0" destOrd="0" presId="urn:microsoft.com/office/officeart/2018/2/layout/IconLabelList"/>
+    <dgm:cxn modelId="{C864CB41-47ED-4443-894B-9F2BBBE440D1}" type="presOf" srcId="{E875DEAD-2345-400D-A59E-14642DAD4D22}" destId="{B15506AA-FBFC-4D73-A376-703A67B1E063}" srcOrd="0" destOrd="0" presId="urn:microsoft.com/office/officeart/2018/2/layout/IconLabelList"/>
+    <dgm:cxn modelId="{CE5EFF7F-8926-49A0-9501-91F539804203}" type="presOf" srcId="{3AEF27DC-9110-471B-829E-BDE3CFEFF1CB}" destId="{C50096C7-E6B4-42EA-9CD3-B6BE4E6C7446}" srcOrd="0" destOrd="0" presId="urn:microsoft.com/office/officeart/2018/2/layout/IconLabelList"/>
+    <dgm:cxn modelId="{7F8D7989-C16D-4B63-8477-ACB1B9B1D1EE}" type="presOf" srcId="{FAD945BF-DD73-409B-BCED-4C49FED05D1C}" destId="{EB5F957E-5DCA-497B-8CEA-C65A6425A861}" srcOrd="0" destOrd="0" presId="urn:microsoft.com/office/officeart/2018/2/layout/IconLabelList"/>
+    <dgm:cxn modelId="{E1A54CBB-FA33-4AAA-A49B-6C56B7F0F8FB}" srcId="{E875DEAD-2345-400D-A59E-14642DAD4D22}" destId="{0D65B5D9-413D-445A-B6D4-32454E1132A6}" srcOrd="2" destOrd="0" parTransId="{EBE6C427-4BEA-487D-84BC-068498D99362}" sibTransId="{AD08F5A6-37C6-4A09-A5B1-560D6E3E16F3}"/>
+    <dgm:cxn modelId="{43B30CD0-DB65-4772-9DF6-71A082393840}" srcId="{E875DEAD-2345-400D-A59E-14642DAD4D22}" destId="{3AEF27DC-9110-471B-829E-BDE3CFEFF1CB}" srcOrd="3" destOrd="0" parTransId="{B037A3FE-EA30-4818-ABCE-CC7259C99CF0}" sibTransId="{0B27E4FB-8D42-47B7-B691-8FA3CBB317F4}"/>
+    <dgm:cxn modelId="{08FC08D9-3C6B-472A-BAAA-81BB9273231A}" srcId="{E875DEAD-2345-400D-A59E-14642DAD4D22}" destId="{FAD945BF-DD73-409B-BCED-4C49FED05D1C}" srcOrd="0" destOrd="0" parTransId="{7D133664-FA20-4389-81A5-11EF5B86927B}" sibTransId="{CE6BCFF5-9140-4D4E-BECB-4EC860A111D3}"/>
+    <dgm:cxn modelId="{734135E6-2BD2-41F3-9CA1-4EF7E96C4280}" type="presOf" srcId="{0D65B5D9-413D-445A-B6D4-32454E1132A6}" destId="{AD8702F0-A9B0-4BA6-94C1-D9932EEFE456}" srcOrd="0" destOrd="0" presId="urn:microsoft.com/office/officeart/2018/2/layout/IconLabelList"/>
+    <dgm:cxn modelId="{2E12ECED-9FFC-4430-A8A1-AC5E3C4E92C0}" srcId="{E875DEAD-2345-400D-A59E-14642DAD4D22}" destId="{A454DF9D-2B91-403B-8C9C-B4D35EFA9DD6}" srcOrd="1" destOrd="0" parTransId="{AF2307CB-A478-4988-9EDF-88C07BD5DA7A}" sibTransId="{0AC4ACB2-D57B-4BE7-90ED-4DA49EE6DE51}"/>
+    <dgm:cxn modelId="{F8680EC7-5BCA-4ACF-945B-61FCC71814DB}" type="presParOf" srcId="{B15506AA-FBFC-4D73-A376-703A67B1E063}" destId="{00215C31-0E71-484F-85D8-A24A56B875D7}" srcOrd="0" destOrd="0" presId="urn:microsoft.com/office/officeart/2018/2/layout/IconLabelList"/>
+    <dgm:cxn modelId="{5500F625-8FA7-4D4E-B0C4-B28560FB565A}" type="presParOf" srcId="{00215C31-0E71-484F-85D8-A24A56B875D7}" destId="{95BC0C2A-B6E9-4574-AD93-6C5516352CB1}" srcOrd="0" destOrd="0" presId="urn:microsoft.com/office/officeart/2018/2/layout/IconLabelList"/>
+    <dgm:cxn modelId="{C953B1A5-497A-433F-ACAD-0CA5A04E6EAF}" type="presParOf" srcId="{00215C31-0E71-484F-85D8-A24A56B875D7}" destId="{0E330A91-29B9-497F-8921-15AE9495C1F0}" srcOrd="1" destOrd="0" presId="urn:microsoft.com/office/officeart/2018/2/layout/IconLabelList"/>
+    <dgm:cxn modelId="{9A5B52C5-8EF0-43C2-BF62-14EBEEE5D91D}" type="presParOf" srcId="{00215C31-0E71-484F-85D8-A24A56B875D7}" destId="{EB5F957E-5DCA-497B-8CEA-C65A6425A861}" srcOrd="2" destOrd="0" presId="urn:microsoft.com/office/officeart/2018/2/layout/IconLabelList"/>
+    <dgm:cxn modelId="{B9526F7E-2F73-483B-AA1F-563BE343E303}" type="presParOf" srcId="{B15506AA-FBFC-4D73-A376-703A67B1E063}" destId="{F342F462-3C63-4BC1-8374-31511E85558F}" srcOrd="1" destOrd="0" presId="urn:microsoft.com/office/officeart/2018/2/layout/IconLabelList"/>
+    <dgm:cxn modelId="{137FAC69-A7A2-4948-B9A0-C6066C935829}" type="presParOf" srcId="{B15506AA-FBFC-4D73-A376-703A67B1E063}" destId="{FC7A567D-FCDA-4BE7-999B-A60E573EEACE}" srcOrd="2" destOrd="0" presId="urn:microsoft.com/office/officeart/2018/2/layout/IconLabelList"/>
+    <dgm:cxn modelId="{49C05A24-78BA-4CAE-8729-2E8BEF975F16}" type="presParOf" srcId="{FC7A567D-FCDA-4BE7-999B-A60E573EEACE}" destId="{068F1B07-5271-411B-BD96-17600C08A263}" srcOrd="0" destOrd="0" presId="urn:microsoft.com/office/officeart/2018/2/layout/IconLabelList"/>
+    <dgm:cxn modelId="{C66EE22F-0A01-445B-8A66-856D7B2265BD}" type="presParOf" srcId="{FC7A567D-FCDA-4BE7-999B-A60E573EEACE}" destId="{819F4ADB-D74D-4791-BCA1-617C85D35AA0}" srcOrd="1" destOrd="0" presId="urn:microsoft.com/office/officeart/2018/2/layout/IconLabelList"/>
+    <dgm:cxn modelId="{A1D8A9EB-9022-4E66-8FCB-3F9E6653FF70}" type="presParOf" srcId="{FC7A567D-FCDA-4BE7-999B-A60E573EEACE}" destId="{93D791DE-6B1B-4D08-8C3B-1F3C6655C3FD}" srcOrd="2" destOrd="0" presId="urn:microsoft.com/office/officeart/2018/2/layout/IconLabelList"/>
+    <dgm:cxn modelId="{771D186A-F88F-4A5D-9E70-0EF651637201}" type="presParOf" srcId="{B15506AA-FBFC-4D73-A376-703A67B1E063}" destId="{6F13499C-6851-4280-911B-4E478FAC42B2}" srcOrd="3" destOrd="0" presId="urn:microsoft.com/office/officeart/2018/2/layout/IconLabelList"/>
+    <dgm:cxn modelId="{A14B38F6-B2F4-4BA9-8100-78B99B857927}" type="presParOf" srcId="{B15506AA-FBFC-4D73-A376-703A67B1E063}" destId="{B479B1AE-72A7-448D-BF69-E18AE4F2D5E8}" srcOrd="4" destOrd="0" presId="urn:microsoft.com/office/officeart/2018/2/layout/IconLabelList"/>
+    <dgm:cxn modelId="{B1E74230-ADAB-4F0E-8A85-01EE4A605CE5}" type="presParOf" srcId="{B479B1AE-72A7-448D-BF69-E18AE4F2D5E8}" destId="{E6F64D16-A361-474B-BD19-9458228D5A7E}" srcOrd="0" destOrd="0" presId="urn:microsoft.com/office/officeart/2018/2/layout/IconLabelList"/>
+    <dgm:cxn modelId="{8B9FDC59-0BD2-4286-806B-F1EF1CD79C0F}" type="presParOf" srcId="{B479B1AE-72A7-448D-BF69-E18AE4F2D5E8}" destId="{61EE62A1-C62C-47A9-B4E5-442EDB75E306}" srcOrd="1" destOrd="0" presId="urn:microsoft.com/office/officeart/2018/2/layout/IconLabelList"/>
+    <dgm:cxn modelId="{F1F1694C-6A68-4C85-B35A-4FEE003D547B}" type="presParOf" srcId="{B479B1AE-72A7-448D-BF69-E18AE4F2D5E8}" destId="{AD8702F0-A9B0-4BA6-94C1-D9932EEFE456}" srcOrd="2" destOrd="0" presId="urn:microsoft.com/office/officeart/2018/2/layout/IconLabelList"/>
+    <dgm:cxn modelId="{0C592E78-728A-467A-BE8E-D2B32804073C}" type="presParOf" srcId="{B15506AA-FBFC-4D73-A376-703A67B1E063}" destId="{E21A51AE-6E3E-48C3-AD5C-9214B357F3E2}" srcOrd="5" destOrd="0" presId="urn:microsoft.com/office/officeart/2018/2/layout/IconLabelList"/>
+    <dgm:cxn modelId="{B40C0CFD-8536-4E4D-98BA-A8546AD1B418}" type="presParOf" srcId="{B15506AA-FBFC-4D73-A376-703A67B1E063}" destId="{1A1D4706-E03A-4D48-B848-EBDDB4F7122B}" srcOrd="6" destOrd="0" presId="urn:microsoft.com/office/officeart/2018/2/layout/IconLabelList"/>
+    <dgm:cxn modelId="{ACBFE794-18CE-4DD4-90F5-2969844E848E}" type="presParOf" srcId="{1A1D4706-E03A-4D48-B848-EBDDB4F7122B}" destId="{CF2075C2-A3CA-464A-90A9-68A85CF42384}" srcOrd="0" destOrd="0" presId="urn:microsoft.com/office/officeart/2018/2/layout/IconLabelList"/>
+    <dgm:cxn modelId="{53955450-BA8C-43A2-923E-D03556B8CA8B}" type="presParOf" srcId="{1A1D4706-E03A-4D48-B848-EBDDB4F7122B}" destId="{E2BE468B-76C5-469B-94B1-6DD1E6F8D2C2}" srcOrd="1" destOrd="0" presId="urn:microsoft.com/office/officeart/2018/2/layout/IconLabelList"/>
+    <dgm:cxn modelId="{2262C60A-FFB2-4720-B59F-832FED32CAA4}" type="presParOf" srcId="{1A1D4706-E03A-4D48-B848-EBDDB4F7122B}" destId="{C50096C7-E6B4-42EA-9CD3-B6BE4E6C7446}" srcOrd="2" destOrd="0" presId="urn:microsoft.com/office/officeart/2018/2/layout/IconLabelList"/>
   </dgm:cxnLst>
   <dgm:bg/>
   <dgm:whole/>
   <dgm:extLst>
     <a:ext uri="http://schemas.microsoft.com/office/drawing/2008/diagram">
-      <dsp:dataModelExt xmlns:dsp="http://schemas.microsoft.com/office/drawing/2008/diagram" relId="rId8" minVer="http://schemas.openxmlformats.org/drawingml/2006/diagram"/>
+      <dsp:dataModelExt xmlns:dsp="http://schemas.microsoft.com/office/drawing/2008/diagram" relId="rId6" minVer="http://schemas.openxmlformats.org/drawingml/2006/diagram"/>
     </a:ext>
   </dgm:extLst>
 </dgm:dataModel>
@@ -2321,54 +3720,15 @@
       <dsp:cNvGrpSpPr/>
     </dsp:nvGrpSpPr>
     <dsp:grpSpPr/>
-    <dsp:sp modelId="{D1D15136-3438-4A22-A880-B45CAE98F4A0}">
+    <dsp:sp modelId="{95BC0C2A-B6E9-4574-AD93-6C5516352CB1}">
       <dsp:nvSpPr>
         <dsp:cNvPr id="0" name=""/>
         <dsp:cNvSpPr/>
       </dsp:nvSpPr>
       <dsp:spPr>
         <a:xfrm>
-          <a:off x="66937" y="928917"/>
-          <a:ext cx="894585" cy="894585"/>
-        </a:xfrm>
-        <a:prstGeom prst="ellipse">
-          <a:avLst/>
-        </a:prstGeom>
-        <a:solidFill>
-          <a:schemeClr val="dk2">
-            <a:hueOff val="0"/>
-            <a:satOff val="0"/>
-            <a:lumOff val="0"/>
-            <a:alphaOff val="0"/>
-          </a:schemeClr>
-        </a:solidFill>
-        <a:ln>
-          <a:noFill/>
-        </a:ln>
-        <a:effectLst/>
-      </dsp:spPr>
-      <dsp:style>
-        <a:lnRef idx="0">
-          <a:scrgbClr r="0" g="0" b="0"/>
-        </a:lnRef>
-        <a:fillRef idx="1">
-          <a:scrgbClr r="0" g="0" b="0"/>
-        </a:fillRef>
-        <a:effectRef idx="0">
-          <a:scrgbClr r="0" g="0" b="0"/>
-        </a:effectRef>
-        <a:fontRef idx="minor"/>
-      </dsp:style>
-    </dsp:sp>
-    <dsp:sp modelId="{CF00D076-0877-46B2-8E70-8725F666974B}">
-      <dsp:nvSpPr>
-        <dsp:cNvPr id="0" name=""/>
-        <dsp:cNvSpPr/>
-      </dsp:nvSpPr>
-      <dsp:spPr>
-        <a:xfrm>
-          <a:off x="254800" y="1116780"/>
-          <a:ext cx="518859" cy="518859"/>
+          <a:off x="932813" y="1116595"/>
+          <a:ext cx="1080210" cy="1080210"/>
         </a:xfrm>
         <a:prstGeom prst="rect">
           <a:avLst/>
@@ -2410,15 +3770,15 @@
         </a:fontRef>
       </dsp:style>
     </dsp:sp>
-    <dsp:sp modelId="{DD8476CB-6B46-48D2-B6B1-5B12F4298CB4}">
+    <dsp:sp modelId="{EB5F957E-5DCA-497B-8CEA-C65A6425A861}">
       <dsp:nvSpPr>
         <dsp:cNvPr id="0" name=""/>
         <dsp:cNvSpPr/>
       </dsp:nvSpPr>
       <dsp:spPr>
         <a:xfrm>
-          <a:off x="1153219" y="928917"/>
-          <a:ext cx="2108665" cy="894585"/>
+          <a:off x="272684" y="2514742"/>
+          <a:ext cx="2400467" cy="720000"/>
         </a:xfrm>
         <a:prstGeom prst="rect">
           <a:avLst/>
@@ -2442,14 +3802,14 @@
         <a:fontRef idx="minor"/>
       </dsp:style>
       <dsp:txBody>
-        <a:bodyPr spcFirstLastPara="0" vert="horz" wrap="square" lIns="0" tIns="0" rIns="0" bIns="0" numCol="1" spcCol="1270" anchor="ctr" anchorCtr="0">
+        <a:bodyPr spcFirstLastPara="0" vert="horz" wrap="square" lIns="0" tIns="0" rIns="0" bIns="0" numCol="1" spcCol="1270" anchor="t" anchorCtr="0">
           <a:noAutofit/>
         </a:bodyPr>
         <a:lstStyle/>
         <a:p>
-          <a:pPr marL="0" lvl="0" indent="0" algn="l" defTabSz="1066800">
+          <a:pPr marL="0" lvl="0" indent="0" algn="ctr" defTabSz="1333500">
             <a:lnSpc>
-              <a:spcPct val="90000"/>
+              <a:spcPct val="100000"/>
             </a:lnSpc>
             <a:spcBef>
               <a:spcPct val="0"/>
@@ -2460,65 +3820,26 @@
             <a:buNone/>
           </a:pPr>
           <a:r>
-            <a:rPr lang="de-DE" sz="2400" b="1" kern="1200" dirty="0"/>
+            <a:rPr lang="de-DE" sz="3000" kern="1200"/>
             <a:t>Motivation</a:t>
           </a:r>
-          <a:endParaRPr lang="en-US" sz="2400" kern="1200" dirty="0"/>
+          <a:endParaRPr lang="en-US" sz="3000" kern="1200"/>
         </a:p>
       </dsp:txBody>
       <dsp:txXfrm>
-        <a:off x="1153219" y="928917"/>
-        <a:ext cx="2108665" cy="894585"/>
+        <a:off x="272684" y="2514742"/>
+        <a:ext cx="2400467" cy="720000"/>
       </dsp:txXfrm>
     </dsp:sp>
-    <dsp:sp modelId="{A0C84828-85F1-488D-8FAB-3B55EA4FCF0E}">
+    <dsp:sp modelId="{068F1B07-5271-411B-BD96-17600C08A263}">
       <dsp:nvSpPr>
         <dsp:cNvPr id="0" name=""/>
         <dsp:cNvSpPr/>
       </dsp:nvSpPr>
       <dsp:spPr>
         <a:xfrm>
-          <a:off x="3629303" y="928917"/>
-          <a:ext cx="894585" cy="894585"/>
-        </a:xfrm>
-        <a:prstGeom prst="ellipse">
-          <a:avLst/>
-        </a:prstGeom>
-        <a:solidFill>
-          <a:schemeClr val="dk2">
-            <a:hueOff val="0"/>
-            <a:satOff val="0"/>
-            <a:lumOff val="0"/>
-            <a:alphaOff val="0"/>
-          </a:schemeClr>
-        </a:solidFill>
-        <a:ln>
-          <a:noFill/>
-        </a:ln>
-        <a:effectLst/>
-      </dsp:spPr>
-      <dsp:style>
-        <a:lnRef idx="0">
-          <a:scrgbClr r="0" g="0" b="0"/>
-        </a:lnRef>
-        <a:fillRef idx="1">
-          <a:scrgbClr r="0" g="0" b="0"/>
-        </a:fillRef>
-        <a:effectRef idx="0">
-          <a:scrgbClr r="0" g="0" b="0"/>
-        </a:effectRef>
-        <a:fontRef idx="minor"/>
-      </dsp:style>
-    </dsp:sp>
-    <dsp:sp modelId="{1838CED1-D33F-4174-8A1E-E7F468FAEE90}">
-      <dsp:nvSpPr>
-        <dsp:cNvPr id="0" name=""/>
-        <dsp:cNvSpPr/>
-      </dsp:nvSpPr>
-      <dsp:spPr>
-        <a:xfrm>
-          <a:off x="3817166" y="1116780"/>
-          <a:ext cx="518859" cy="518859"/>
+          <a:off x="3753363" y="1116595"/>
+          <a:ext cx="1080210" cy="1080210"/>
         </a:xfrm>
         <a:prstGeom prst="rect">
           <a:avLst/>
@@ -2560,15 +3881,15 @@
         </a:fontRef>
       </dsp:style>
     </dsp:sp>
-    <dsp:sp modelId="{B427B5D8-32AD-4A58-9FD4-401CD1DE3B97}">
+    <dsp:sp modelId="{93D791DE-6B1B-4D08-8C3B-1F3C6655C3FD}">
       <dsp:nvSpPr>
         <dsp:cNvPr id="0" name=""/>
         <dsp:cNvSpPr/>
       </dsp:nvSpPr>
       <dsp:spPr>
         <a:xfrm>
-          <a:off x="4715585" y="928917"/>
-          <a:ext cx="2108665" cy="894585"/>
+          <a:off x="3093234" y="2514742"/>
+          <a:ext cx="2400467" cy="720000"/>
         </a:xfrm>
         <a:prstGeom prst="rect">
           <a:avLst/>
@@ -2592,14 +3913,14 @@
         <a:fontRef idx="minor"/>
       </dsp:style>
       <dsp:txBody>
-        <a:bodyPr spcFirstLastPara="0" vert="horz" wrap="square" lIns="0" tIns="0" rIns="0" bIns="0" numCol="1" spcCol="1270" anchor="ctr" anchorCtr="0">
+        <a:bodyPr spcFirstLastPara="0" vert="horz" wrap="square" lIns="0" tIns="0" rIns="0" bIns="0" numCol="1" spcCol="1270" anchor="t" anchorCtr="0">
           <a:noAutofit/>
         </a:bodyPr>
         <a:lstStyle/>
         <a:p>
-          <a:pPr marL="0" lvl="0" indent="0" algn="l" defTabSz="1066800">
+          <a:pPr marL="0" lvl="0" indent="0" algn="ctr" defTabSz="1333500">
             <a:lnSpc>
-              <a:spcPct val="90000"/>
+              <a:spcPct val="100000"/>
             </a:lnSpc>
             <a:spcBef>
               <a:spcPct val="0"/>
@@ -2610,65 +3931,26 @@
             <a:buNone/>
           </a:pPr>
           <a:r>
-            <a:rPr lang="de-DE" sz="2400" b="1" kern="1200"/>
-            <a:t>State of the art</a:t>
+            <a:rPr lang="de-DE" sz="3000" kern="1200"/>
+            <a:t>State of the Art</a:t>
           </a:r>
-          <a:endParaRPr lang="en-US" sz="2400" kern="1200"/>
+          <a:endParaRPr lang="en-US" sz="3000" kern="1200"/>
         </a:p>
       </dsp:txBody>
       <dsp:txXfrm>
-        <a:off x="4715585" y="928917"/>
-        <a:ext cx="2108665" cy="894585"/>
+        <a:off x="3093234" y="2514742"/>
+        <a:ext cx="2400467" cy="720000"/>
       </dsp:txXfrm>
     </dsp:sp>
-    <dsp:sp modelId="{2A15DC1A-238E-49DE-8E39-482DCF356458}">
+    <dsp:sp modelId="{E6F64D16-A361-474B-BD19-9458228D5A7E}">
       <dsp:nvSpPr>
         <dsp:cNvPr id="0" name=""/>
         <dsp:cNvSpPr/>
       </dsp:nvSpPr>
       <dsp:spPr>
         <a:xfrm>
-          <a:off x="66937" y="2570479"/>
-          <a:ext cx="894585" cy="894585"/>
-        </a:xfrm>
-        <a:prstGeom prst="ellipse">
-          <a:avLst/>
-        </a:prstGeom>
-        <a:solidFill>
-          <a:schemeClr val="dk2">
-            <a:hueOff val="0"/>
-            <a:satOff val="0"/>
-            <a:lumOff val="0"/>
-            <a:alphaOff val="0"/>
-          </a:schemeClr>
-        </a:solidFill>
-        <a:ln>
-          <a:noFill/>
-        </a:ln>
-        <a:effectLst/>
-      </dsp:spPr>
-      <dsp:style>
-        <a:lnRef idx="0">
-          <a:scrgbClr r="0" g="0" b="0"/>
-        </a:lnRef>
-        <a:fillRef idx="1">
-          <a:scrgbClr r="0" g="0" b="0"/>
-        </a:fillRef>
-        <a:effectRef idx="0">
-          <a:scrgbClr r="0" g="0" b="0"/>
-        </a:effectRef>
-        <a:fontRef idx="minor"/>
-      </dsp:style>
-    </dsp:sp>
-    <dsp:sp modelId="{91C6346A-6D4A-4B30-9B80-2650BA3BE137}">
-      <dsp:nvSpPr>
-        <dsp:cNvPr id="0" name=""/>
-        <dsp:cNvSpPr/>
-      </dsp:nvSpPr>
-      <dsp:spPr>
-        <a:xfrm>
-          <a:off x="254800" y="2758342"/>
-          <a:ext cx="518859" cy="518859"/>
+          <a:off x="6573913" y="1116595"/>
+          <a:ext cx="1080210" cy="1080210"/>
         </a:xfrm>
         <a:prstGeom prst="rect">
           <a:avLst/>
@@ -2710,15 +3992,15 @@
         </a:fontRef>
       </dsp:style>
     </dsp:sp>
-    <dsp:sp modelId="{194DC941-B5B0-4D10-BCFA-50D2E84CED5D}">
+    <dsp:sp modelId="{AD8702F0-A9B0-4BA6-94C1-D9932EEFE456}">
       <dsp:nvSpPr>
         <dsp:cNvPr id="0" name=""/>
         <dsp:cNvSpPr/>
       </dsp:nvSpPr>
       <dsp:spPr>
         <a:xfrm>
-          <a:off x="1153219" y="2570479"/>
-          <a:ext cx="2108665" cy="894585"/>
+          <a:off x="5913784" y="2514742"/>
+          <a:ext cx="2400467" cy="720000"/>
         </a:xfrm>
         <a:prstGeom prst="rect">
           <a:avLst/>
@@ -2742,14 +4024,14 @@
         <a:fontRef idx="minor"/>
       </dsp:style>
       <dsp:txBody>
-        <a:bodyPr spcFirstLastPara="0" vert="horz" wrap="square" lIns="0" tIns="0" rIns="0" bIns="0" numCol="1" spcCol="1270" anchor="ctr" anchorCtr="0">
+        <a:bodyPr spcFirstLastPara="0" vert="horz" wrap="square" lIns="0" tIns="0" rIns="0" bIns="0" numCol="1" spcCol="1270" anchor="t" anchorCtr="0">
           <a:noAutofit/>
         </a:bodyPr>
         <a:lstStyle/>
         <a:p>
-          <a:pPr marL="0" lvl="0" indent="0" algn="l" defTabSz="1066800">
+          <a:pPr marL="0" lvl="0" indent="0" algn="ctr" defTabSz="1333500">
             <a:lnSpc>
-              <a:spcPct val="90000"/>
+              <a:spcPct val="100000"/>
             </a:lnSpc>
             <a:spcBef>
               <a:spcPct val="0"/>
@@ -2760,65 +4042,26 @@
             <a:buNone/>
           </a:pPr>
           <a:r>
-            <a:rPr lang="de-DE" sz="2400" b="1" kern="1200"/>
-            <a:t>Algortihm explained</a:t>
+            <a:rPr lang="de-DE" sz="3000" kern="1200"/>
+            <a:t>Algorithm</a:t>
           </a:r>
-          <a:endParaRPr lang="en-US" sz="2400" kern="1200"/>
+          <a:endParaRPr lang="en-US" sz="3000" kern="1200"/>
         </a:p>
       </dsp:txBody>
       <dsp:txXfrm>
-        <a:off x="1153219" y="2570479"/>
-        <a:ext cx="2108665" cy="894585"/>
+        <a:off x="5913784" y="2514742"/>
+        <a:ext cx="2400467" cy="720000"/>
       </dsp:txXfrm>
     </dsp:sp>
-    <dsp:sp modelId="{013CD06F-57A0-4365-9794-316A3792D5C1}">
+    <dsp:sp modelId="{CF2075C2-A3CA-464A-90A9-68A85CF42384}">
       <dsp:nvSpPr>
         <dsp:cNvPr id="0" name=""/>
         <dsp:cNvSpPr/>
       </dsp:nvSpPr>
       <dsp:spPr>
         <a:xfrm>
-          <a:off x="3629303" y="2570479"/>
-          <a:ext cx="894585" cy="894585"/>
-        </a:xfrm>
-        <a:prstGeom prst="ellipse">
-          <a:avLst/>
-        </a:prstGeom>
-        <a:solidFill>
-          <a:schemeClr val="dk2">
-            <a:hueOff val="0"/>
-            <a:satOff val="0"/>
-            <a:lumOff val="0"/>
-            <a:alphaOff val="0"/>
-          </a:schemeClr>
-        </a:solidFill>
-        <a:ln>
-          <a:noFill/>
-        </a:ln>
-        <a:effectLst/>
-      </dsp:spPr>
-      <dsp:style>
-        <a:lnRef idx="0">
-          <a:scrgbClr r="0" g="0" b="0"/>
-        </a:lnRef>
-        <a:fillRef idx="1">
-          <a:scrgbClr r="0" g="0" b="0"/>
-        </a:fillRef>
-        <a:effectRef idx="0">
-          <a:scrgbClr r="0" g="0" b="0"/>
-        </a:effectRef>
-        <a:fontRef idx="minor"/>
-      </dsp:style>
-    </dsp:sp>
-    <dsp:sp modelId="{78A4D01C-FC66-4DFE-B496-F523BF4F6B8B}">
-      <dsp:nvSpPr>
-        <dsp:cNvPr id="0" name=""/>
-        <dsp:cNvSpPr/>
-      </dsp:nvSpPr>
-      <dsp:spPr>
-        <a:xfrm>
-          <a:off x="3817166" y="2758342"/>
-          <a:ext cx="518859" cy="518859"/>
+          <a:off x="9394462" y="1116595"/>
+          <a:ext cx="1080210" cy="1080210"/>
         </a:xfrm>
         <a:prstGeom prst="rect">
           <a:avLst/>
@@ -2860,15 +4103,15 @@
         </a:fontRef>
       </dsp:style>
     </dsp:sp>
-    <dsp:sp modelId="{D1F29F23-E0E2-4F54-A93D-D64CCD57F1D0}">
+    <dsp:sp modelId="{C50096C7-E6B4-42EA-9CD3-B6BE4E6C7446}">
       <dsp:nvSpPr>
         <dsp:cNvPr id="0" name=""/>
         <dsp:cNvSpPr/>
       </dsp:nvSpPr>
       <dsp:spPr>
         <a:xfrm>
-          <a:off x="4715585" y="2570479"/>
-          <a:ext cx="2108665" cy="894585"/>
+          <a:off x="8734334" y="2514742"/>
+          <a:ext cx="2400467" cy="720000"/>
         </a:xfrm>
         <a:prstGeom prst="rect">
           <a:avLst/>
@@ -2892,14 +4135,14 @@
         <a:fontRef idx="minor"/>
       </dsp:style>
       <dsp:txBody>
-        <a:bodyPr spcFirstLastPara="0" vert="horz" wrap="square" lIns="0" tIns="0" rIns="0" bIns="0" numCol="1" spcCol="1270" anchor="ctr" anchorCtr="0">
+        <a:bodyPr spcFirstLastPara="0" vert="horz" wrap="square" lIns="0" tIns="0" rIns="0" bIns="0" numCol="1" spcCol="1270" anchor="t" anchorCtr="0">
           <a:noAutofit/>
         </a:bodyPr>
         <a:lstStyle/>
         <a:p>
-          <a:pPr marL="0" lvl="0" indent="0" algn="l" defTabSz="1066800">
+          <a:pPr marL="0" lvl="0" indent="0" algn="ctr" defTabSz="1333500">
             <a:lnSpc>
-              <a:spcPct val="90000"/>
+              <a:spcPct val="100000"/>
             </a:lnSpc>
             <a:spcBef>
               <a:spcPct val="0"/>
@@ -2910,15 +4153,15 @@
             <a:buNone/>
           </a:pPr>
           <a:r>
-            <a:rPr lang="de-DE" sz="2400" b="1" kern="1200"/>
-            <a:t>Vorgehensweise </a:t>
+            <a:rPr lang="de-DE" sz="3000" kern="1200"/>
+            <a:t>Procedure</a:t>
           </a:r>
-          <a:endParaRPr lang="en-US" sz="2400" kern="1200"/>
+          <a:endParaRPr lang="en-US" sz="3000" kern="1200"/>
         </a:p>
       </dsp:txBody>
       <dsp:txXfrm>
-        <a:off x="4715585" y="2570479"/>
-        <a:ext cx="2108665" cy="894585"/>
+        <a:off x="8734334" y="2514742"/>
+        <a:ext cx="2400467" cy="720000"/>
       </dsp:txXfrm>
     </dsp:sp>
   </dsp:spTree>
@@ -2926,9 +4169,9 @@
 </file>
 
 <file path=ppt/diagrams/layout1.xml><?xml version="1.0" encoding="utf-8"?>
-<dgm:layoutDef xmlns:dgm="http://schemas.openxmlformats.org/drawingml/2006/diagram" xmlns:a="http://schemas.openxmlformats.org/drawingml/2006/main" uniqueId="urn:microsoft.com/office/officeart/2018/2/layout/IconCircleList">
-  <dgm:title val="Icon Circle List"/>
-  <dgm:desc val="Use to show non-sequential or grouped chunks of information accompanied by related visuals. Circular shapes can hold an icon or small picture and corresponding text box shows Level 1 text. Works best for icons or small pictures with medium-length descriptions."/>
+<dgm:layoutDef xmlns:dgm="http://schemas.openxmlformats.org/drawingml/2006/diagram" xmlns:a="http://schemas.openxmlformats.org/drawingml/2006/main" uniqueId="urn:microsoft.com/office/officeart/2018/2/layout/IconLabelList">
+  <dgm:title val="Icon Label List"/>
+  <dgm:desc val="Use to show non-sequential or grouped chunks of information accompanied by a related visuals. Works best with icons or small pictures with short text captions."/>
   <dgm:catLst>
     <dgm:cat type="icon" pri="500"/>
   </dgm:catLst>
@@ -2958,170 +4201,148 @@
       <dgm:dir/>
       <dgm:resizeHandles val="exact"/>
     </dgm:varLst>
-    <dgm:alg type="sp"/>
+    <dgm:choose name="Name0">
+      <dgm:if name="Name1" axis="self" func="var" arg="dir" op="equ" val="norm">
+        <dgm:alg type="snake">
+          <dgm:param type="grDir" val="tL"/>
+          <dgm:param type="flowDir" val="row"/>
+          <dgm:param type="contDir" val="sameDir"/>
+          <dgm:param type="off" val="ctr"/>
+          <dgm:param type="vertAlign" val="mid"/>
+          <dgm:param type="horzAlign" val="ctr"/>
+        </dgm:alg>
+      </dgm:if>
+      <dgm:else name="Name2">
+        <dgm:alg type="snake">
+          <dgm:param type="grDir" val="tR"/>
+          <dgm:param type="flowDir" val="row"/>
+          <dgm:param type="contDir" val="sameDir"/>
+          <dgm:param type="off" val="ctr"/>
+          <dgm:param type="vertAlign" val="mid"/>
+          <dgm:param type="horzAlign" val="ctr"/>
+        </dgm:alg>
+      </dgm:else>
+    </dgm:choose>
     <dgm:shape xmlns:r="http://schemas.openxmlformats.org/officeDocument/2006/relationships" r:blip="">
       <dgm:adjLst/>
     </dgm:shape>
     <dgm:presOf/>
-    <dgm:choose name="Name0">
-      <dgm:if name="Name1" axis="ch" ptType="node" func="cnt" op="lte" val="3">
+    <dgm:choose name="Name3">
+      <dgm:if name="Name4" axis="ch" ptType="node" func="cnt" op="lte" val="2">
         <dgm:constrLst>
-          <dgm:constr type="w" for="ch" forName="container" refType="w"/>
-          <dgm:constr type="h" for="ch" forName="container" refType="h" fact="0.4"/>
+          <dgm:constr type="h" for="ch" forName="compNode" refType="h" fact="0.4"/>
+          <dgm:constr type="w" for="ch" forName="compNode" val="120"/>
+          <dgm:constr type="w" for="ch" forName="sibTrans" refType="w" refFor="ch" refForName="compNode" fact="0.175"/>
+          <dgm:constr type="sp" refType="w" refFor="ch" refForName="compNode" op="equ" fact="0.25"/>
+          <dgm:constr type="primFontSz" for="des" ptType="node" op="equ" val="50"/>
+          <dgm:constr type="h" for="des" forName="compNode" op="equ"/>
+          <dgm:constr type="h" for="des" forName="textRect" op="equ"/>
         </dgm:constrLst>
       </dgm:if>
-      <dgm:else name="Name2">
+      <dgm:if name="Name5" axis="ch" ptType="node" func="cnt" op="lte" val="4">
         <dgm:constrLst>
-          <dgm:constr type="w" for="ch" forName="container" refType="w"/>
-          <dgm:constr type="h" for="ch" forName="container" refType="h"/>
+          <dgm:constr type="h" for="ch" forName="compNode" refType="h" fact="0.4"/>
+          <dgm:constr type="w" for="ch" forName="compNode" refType="w"/>
+          <dgm:constr type="w" for="ch" forName="sibTrans" refType="w" refFor="ch" refForName="compNode" fact="0.175"/>
+          <dgm:constr type="sp" refType="w" refFor="ch" refForName="compNode" op="equ" fact="0.25"/>
+          <dgm:constr type="primFontSz" for="des" ptType="node" op="equ" val="36"/>
+          <dgm:constr type="h" for="des" forName="compNode" op="equ"/>
+          <dgm:constr type="h" for="des" forName="textRect" op="equ"/>
+        </dgm:constrLst>
+      </dgm:if>
+      <dgm:else name="Name6">
+        <dgm:constrLst>
+          <dgm:constr type="h" for="ch" forName="compNode" refType="h" fact="0.4"/>
+          <dgm:constr type="w" for="ch" forName="compNode" refType="w"/>
+          <dgm:constr type="w" for="ch" forName="sibTrans" refType="w" refFor="ch" refForName="compNode" fact="0.175"/>
+          <dgm:constr type="sp" refType="w" refFor="ch" refForName="compNode" op="equ" fact="0.25"/>
+          <dgm:constr type="primFontSz" for="des" ptType="node" op="equ" val="24"/>
+          <dgm:constr type="h" for="des" forName="compNode" op="equ"/>
+          <dgm:constr type="h" for="des" forName="textRect" op="equ"/>
         </dgm:constrLst>
       </dgm:else>
     </dgm:choose>
     <dgm:ruleLst>
-      <dgm:rule type="h" for="ch" forName="container" val="INF" fact="NaN" max="NaN"/>
+      <dgm:rule type="w" for="ch" forName="compNode" val="50" fact="NaN" max="NaN"/>
     </dgm:ruleLst>
-    <dgm:layoutNode name="container">
-      <dgm:varLst>
-        <dgm:dir/>
-        <dgm:resizeHandles val="exact"/>
-      </dgm:varLst>
-      <dgm:choose name="Name3">
-        <dgm:if name="Name4" axis="self" func="var" arg="dir" op="equ" val="norm">
-          <dgm:alg type="snake">
-            <dgm:param type="grDir" val="tL"/>
-            <dgm:param type="flowDir" val="row"/>
-            <dgm:param type="contDir" val="sameDir"/>
+    <dgm:forEach name="Name7" axis="ch" ptType="node">
+      <dgm:layoutNode name="compNode">
+        <dgm:alg type="composite"/>
+        <dgm:shape xmlns:r="http://schemas.openxmlformats.org/officeDocument/2006/relationships" r:blip="">
+          <dgm:adjLst/>
+        </dgm:shape>
+        <dgm:presOf axis="self"/>
+        <dgm:constrLst>
+          <dgm:constr type="w" for="ch" forName="iconRect" refType="w" fact="0.45"/>
+          <dgm:constr type="h" for="ch" forName="iconRect" refType="w" refFor="ch" refForName="iconRect"/>
+          <dgm:constr type="ctrX" for="ch" forName="iconRect" refType="w" fact="0.5"/>
+          <dgm:constr type="t" for="ch" forName="iconRect"/>
+          <dgm:constr type="h" for="ch" forName="spaceRect" refType="h" fact="0.15"/>
+          <dgm:constr type="w" for="ch" forName="spaceRect" refType="w"/>
+          <dgm:constr type="l" for="ch" forName="spaceRect"/>
+          <dgm:constr type="t" for="ch" forName="spaceRect" refType="b" refFor="ch" refForName="iconRect"/>
+          <dgm:constr type="h" for="ch" forName="textRect" val="20"/>
+          <dgm:constr type="w" for="ch" forName="textRect" refType="w"/>
+          <dgm:constr type="l" for="ch" forName="textRect"/>
+          <dgm:constr type="t" for="ch" forName="textRect" refType="b" refFor="ch" refForName="spaceRect"/>
+        </dgm:constrLst>
+        <dgm:ruleLst>
+          <dgm:rule type="h" val="INF" fact="NaN" max="NaN"/>
+        </dgm:ruleLst>
+        <dgm:layoutNode name="iconRect" styleLbl="node1">
+          <dgm:alg type="sp"/>
+          <dgm:shape xmlns:r="http://schemas.openxmlformats.org/officeDocument/2006/relationships" type="rect" r:blip="" blipPhldr="1">
+            <dgm:adjLst/>
+          </dgm:shape>
+          <dgm:presOf/>
+          <dgm:constrLst/>
+          <dgm:ruleLst/>
+        </dgm:layoutNode>
+        <dgm:layoutNode name="spaceRect">
+          <dgm:alg type="sp"/>
+          <dgm:shape xmlns:r="http://schemas.openxmlformats.org/officeDocument/2006/relationships" r:blip="">
+            <dgm:adjLst/>
+          </dgm:shape>
+          <dgm:presOf/>
+          <dgm:constrLst/>
+          <dgm:ruleLst/>
+        </dgm:layoutNode>
+        <dgm:layoutNode name="textRect" styleLbl="revTx">
+          <dgm:varLst>
+            <dgm:chMax val="1"/>
+            <dgm:chPref val="1"/>
+          </dgm:varLst>
+          <dgm:alg type="tx">
+            <dgm:param type="txAnchorVert" val="t"/>
           </dgm:alg>
-        </dgm:if>
-        <dgm:else name="Name5">
-          <dgm:alg type="snake">
-            <dgm:param type="grDir" val="tR"/>
-            <dgm:param type="flowDir" val="row"/>
-            <dgm:param type="contDir" val="sameDir"/>
-          </dgm:alg>
-        </dgm:else>
-      </dgm:choose>
-      <dgm:shape xmlns:r="http://schemas.openxmlformats.org/officeDocument/2006/relationships" r:blip="">
-        <dgm:adjLst/>
-      </dgm:shape>
-      <dgm:presOf/>
-      <dgm:constrLst>
-        <dgm:constr type="w" for="ch" forName="compNode" refType="w"/>
-        <dgm:constr type="h" for="ch" forName="compNode" refType="w" fact="0.28"/>
-        <dgm:constr type="w" for="ch" forName="sibTrans" refType="w" refFor="ch" refForName="compNode" fact="0.115"/>
-        <dgm:constr type="sp" refType="h" op="equ" fact="0.17"/>
-        <dgm:constr type="primFontSz" for="des" ptType="node" op="equ" val="24"/>
-        <dgm:constr type="h" for="des" forName="compNode" op="equ"/>
-        <dgm:constr type="h" for="des" forName="iconBgRect" op="equ"/>
-      </dgm:constrLst>
-      <dgm:ruleLst>
-        <dgm:rule type="w" for="ch" forName="compNode" val="60" fact="NaN" max="NaN"/>
-      </dgm:ruleLst>
-      <dgm:forEach name="Name6" axis="ch" ptType="node">
-        <dgm:layoutNode name="compNode">
-          <dgm:alg type="composite"/>
+          <dgm:shape xmlns:r="http://schemas.openxmlformats.org/officeDocument/2006/relationships" type="rect" r:blip="">
+            <dgm:adjLst/>
+          </dgm:shape>
+          <dgm:presOf axis="self" ptType="node"/>
+          <dgm:constrLst>
+            <dgm:constr type="lMarg"/>
+            <dgm:constr type="rMarg"/>
+            <dgm:constr type="tMarg"/>
+            <dgm:constr type="bMarg"/>
+          </dgm:constrLst>
+          <dgm:ruleLst>
+            <dgm:rule type="primFontSz" val="11" fact="NaN" max="NaN"/>
+            <dgm:rule type="h" val="INF" fact="NaN" max="NaN"/>
+          </dgm:ruleLst>
+        </dgm:layoutNode>
+      </dgm:layoutNode>
+      <dgm:forEach name="Name8" axis="followSib" ptType="sibTrans" cnt="1">
+        <dgm:layoutNode name="sibTrans">
+          <dgm:alg type="sp"/>
           <dgm:shape xmlns:r="http://schemas.openxmlformats.org/officeDocument/2006/relationships" r:blip="">
             <dgm:adjLst/>
           </dgm:shape>
           <dgm:presOf axis="self"/>
-          <dgm:constrLst>
-            <dgm:constr type="w" for="ch" forName="iconBgRect" refType="w" fact="0.28"/>
-            <dgm:constr type="h" for="ch" forName="iconBgRect" refType="w" refFor="ch" refForName="iconBgRect"/>
-            <dgm:constr type="t" for="ch" forName="iconBgRect"/>
-            <dgm:constr type="l" for="ch" forName="iconBgRect"/>
-            <dgm:constr type="w" for="ch" forName="iconRect" refType="w" refFor="ch" refForName="iconBgRect" fact="0.58"/>
-            <dgm:constr type="h" for="ch" forName="iconRect" refType="w" refFor="ch" refForName="iconRect"/>
-            <dgm:constr type="ctrX" for="ch" forName="iconRect" refType="ctrX" refFor="ch" refForName="iconBgRect"/>
-            <dgm:constr type="ctrY" for="ch" forName="iconRect" refType="ctrY" refFor="ch" refForName="iconBgRect"/>
-            <dgm:constr type="w" for="ch" forName="spaceRect" refType="w" fact="0.06"/>
-            <dgm:constr type="h" for="ch" forName="spaceRect" refType="h" refFor="ch" refForName="iconBgRect"/>
-            <dgm:constr type="t" for="ch" forName="spaceRect" refType="t" refFor="ch" refForName="iconBgRect"/>
-            <dgm:constr type="l" for="ch" forName="spaceRect" refType="r" refFor="ch" refForName="iconBgRect"/>
-            <dgm:constr type="h" for="ch" forName="textRect" refType="h" refFor="ch" refForName="iconBgRect"/>
-            <dgm:constr type="t" for="ch" forName="textRect" refType="t" refFor="ch" refForName="iconBgRect"/>
-            <dgm:constr type="l" for="ch" forName="textRect" refType="r" refFor="ch" refForName="spaceRect"/>
-          </dgm:constrLst>
+          <dgm:constrLst/>
           <dgm:ruleLst/>
-          <dgm:layoutNode name="iconBgRect" styleLbl="bgShp">
-            <dgm:alg type="sp"/>
-            <dgm:shape xmlns:r="http://schemas.openxmlformats.org/officeDocument/2006/relationships" type="ellipse" r:blip="">
-              <dgm:adjLst/>
-            </dgm:shape>
-            <dgm:presOf/>
-            <dgm:constrLst/>
-            <dgm:ruleLst/>
-          </dgm:layoutNode>
-          <dgm:layoutNode name="iconRect" styleLbl="node1">
-            <dgm:alg type="sp"/>
-            <dgm:shape xmlns:r="http://schemas.openxmlformats.org/officeDocument/2006/relationships" type="rect" r:blip="" blipPhldr="1">
-              <dgm:adjLst/>
-            </dgm:shape>
-            <dgm:presOf/>
-            <dgm:constrLst/>
-            <dgm:ruleLst/>
-          </dgm:layoutNode>
-          <dgm:layoutNode name="spaceRect">
-            <dgm:alg type="sp"/>
-            <dgm:shape xmlns:r="http://schemas.openxmlformats.org/officeDocument/2006/relationships" r:blip="">
-              <dgm:adjLst/>
-            </dgm:shape>
-            <dgm:presOf/>
-            <dgm:constrLst/>
-            <dgm:ruleLst/>
-          </dgm:layoutNode>
-          <dgm:layoutNode name="textRect" styleLbl="revTx">
-            <dgm:varLst>
-              <dgm:chMax val="1"/>
-              <dgm:chPref val="1"/>
-            </dgm:varLst>
-            <dgm:choose name="Name7">
-              <dgm:if name="Name8" func="var" arg="dir" op="equ" val="norm">
-                <dgm:alg type="tx">
-                  <dgm:param type="txAnchorVert" val="mid"/>
-                  <dgm:param type="parTxLTRAlign" val="l"/>
-                  <dgm:param type="shpTxLTRAlignCh" val="l"/>
-                  <dgm:param type="parTxRTLAlign" val="l"/>
-                  <dgm:param type="shpTxRTLAlignCh" val="l"/>
-                </dgm:alg>
-              </dgm:if>
-              <dgm:else name="Name9">
-                <dgm:alg type="tx">
-                  <dgm:param type="txAnchorVert" val="mid"/>
-                  <dgm:param type="parTxLTRAlign" val="r"/>
-                  <dgm:param type="shpTxLTRAlignCh" val="r"/>
-                  <dgm:param type="parTxRTLAlign" val="r"/>
-                  <dgm:param type="shpTxRTLAlignCh" val="r"/>
-                </dgm:alg>
-              </dgm:else>
-            </dgm:choose>
-            <dgm:shape xmlns:r="http://schemas.openxmlformats.org/officeDocument/2006/relationships" type="rect" r:blip="">
-              <dgm:adjLst/>
-            </dgm:shape>
-            <dgm:presOf axis="self" ptType="node"/>
-            <dgm:constrLst>
-              <dgm:constr type="lMarg"/>
-              <dgm:constr type="rMarg"/>
-              <dgm:constr type="tMarg"/>
-              <dgm:constr type="bMarg"/>
-            </dgm:constrLst>
-            <dgm:ruleLst>
-              <dgm:rule type="primFontSz" val="11" fact="NaN" max="NaN"/>
-            </dgm:ruleLst>
-          </dgm:layoutNode>
         </dgm:layoutNode>
-        <dgm:forEach name="Name10" axis="followSib" ptType="sibTrans" cnt="1">
-          <dgm:layoutNode name="sibTrans">
-            <dgm:alg type="sp"/>
-            <dgm:shape xmlns:r="http://schemas.openxmlformats.org/officeDocument/2006/relationships" type="rect" r:blip="" hideGeom="1">
-              <dgm:adjLst/>
-            </dgm:shape>
-            <dgm:presOf axis="self"/>
-            <dgm:constrLst/>
-            <dgm:ruleLst/>
-          </dgm:layoutNode>
-        </dgm:forEach>
       </dgm:forEach>
-    </dgm:layoutNode>
+    </dgm:forEach>
   </dgm:layoutNode>
   <dgm:extLst>
     <a:ext uri="{68A01E43-0DF5-4B5B-8FA6-DAF915123BFB}">
@@ -4253,7 +5474,7 @@
           <a:p>
             <a:fld id="{EC23A34E-68F0-4489-A79F-CD1755C002C0}" type="datetimeFigureOut">
               <a:rPr lang="de-DE" smtClean="0"/>
-              <a:t>29.05.2020</a:t>
+              <a:t>31.05.2020</a:t>
             </a:fld>
             <a:endParaRPr lang="de-DE"/>
           </a:p>
@@ -4564,7 +5785,13 @@
           <a:bodyPr/>
           <a:lstStyle/>
           <a:p>
-            <a:endParaRPr lang="de-DE"/>
+            <a:r>
+              <a:rPr lang="de-DE" dirty="0">
+                <a:hlinkClick r:id="rId3"/>
+              </a:rPr>
+              <a:t>https://towardsdatascience.com/monte-carlo-tree-search-158a917a8baa</a:t>
+            </a:r>
+            <a:endParaRPr lang="de-DE" dirty="0"/>
           </a:p>
         </p:txBody>
       </p:sp>
@@ -4585,7 +5812,7 @@
           <a:p>
             <a:fld id="{BC52C456-CD7D-4690-8F51-FCB0DF6598F8}" type="slidenum">
               <a:rPr lang="de-DE" smtClean="0"/>
-              <a:t>2</a:t>
+              <a:t>10</a:t>
             </a:fld>
             <a:endParaRPr lang="de-DE"/>
           </a:p>
@@ -4594,7 +5821,7 @@
     </p:spTree>
     <p:extLst>
       <p:ext uri="{BB962C8B-B14F-4D97-AF65-F5344CB8AC3E}">
-        <p14:creationId xmlns:p14="http://schemas.microsoft.com/office/powerpoint/2010/main" val="1810884761"/>
+        <p14:creationId xmlns:p14="http://schemas.microsoft.com/office/powerpoint/2010/main" val="797592261"/>
       </p:ext>
     </p:extLst>
   </p:cSld>
@@ -4735,7 +5962,7 @@
           <a:p>
             <a:fld id="{7274FCDF-DB5A-4937-AFDD-46172A037428}" type="datetime1">
               <a:rPr lang="de-DE" smtClean="0"/>
-              <a:t>29.05.2020</a:t>
+              <a:t>31.05.2020</a:t>
             </a:fld>
             <a:endParaRPr lang="de-DE"/>
           </a:p>
@@ -4905,7 +6132,7 @@
           <a:p>
             <a:fld id="{3125A9F4-B276-4BE8-944F-538609C5789E}" type="datetime1">
               <a:rPr lang="de-DE" smtClean="0"/>
-              <a:t>29.05.2020</a:t>
+              <a:t>31.05.2020</a:t>
             </a:fld>
             <a:endParaRPr lang="de-DE"/>
           </a:p>
@@ -5085,7 +6312,7 @@
           <a:p>
             <a:fld id="{C0A750BB-54FB-43F4-9E4F-5741A5FF7F3A}" type="datetime1">
               <a:rPr lang="de-DE" smtClean="0"/>
-              <a:t>29.05.2020</a:t>
+              <a:t>31.05.2020</a:t>
             </a:fld>
             <a:endParaRPr lang="de-DE"/>
           </a:p>
@@ -5255,7 +6482,7 @@
           <a:p>
             <a:fld id="{3046D782-B936-43A6-A435-D03A438B36D4}" type="datetime1">
               <a:rPr lang="de-DE" smtClean="0"/>
-              <a:t>29.05.2020</a:t>
+              <a:t>31.05.2020</a:t>
             </a:fld>
             <a:endParaRPr lang="de-DE"/>
           </a:p>
@@ -5501,7 +6728,7 @@
           <a:p>
             <a:fld id="{923A3FE6-3BEB-438B-8C2D-D782033BF854}" type="datetime1">
               <a:rPr lang="de-DE" smtClean="0"/>
-              <a:t>29.05.2020</a:t>
+              <a:t>31.05.2020</a:t>
             </a:fld>
             <a:endParaRPr lang="de-DE"/>
           </a:p>
@@ -5733,7 +6960,7 @@
           <a:p>
             <a:fld id="{150B4A5C-3457-4770-8CFE-2E265CC58C69}" type="datetime1">
               <a:rPr lang="de-DE" smtClean="0"/>
-              <a:t>29.05.2020</a:t>
+              <a:t>31.05.2020</a:t>
             </a:fld>
             <a:endParaRPr lang="de-DE"/>
           </a:p>
@@ -6100,7 +7327,7 @@
           <a:p>
             <a:fld id="{AF7890AA-D97D-4D18-BA74-AC63CCF42475}" type="datetime1">
               <a:rPr lang="de-DE" smtClean="0"/>
-              <a:t>29.05.2020</a:t>
+              <a:t>31.05.2020</a:t>
             </a:fld>
             <a:endParaRPr lang="de-DE"/>
           </a:p>
@@ -6218,7 +7445,7 @@
           <a:p>
             <a:fld id="{76DECC9E-09AA-4DC9-AE13-A132AF68154C}" type="datetime1">
               <a:rPr lang="de-DE" smtClean="0"/>
-              <a:t>29.05.2020</a:t>
+              <a:t>31.05.2020</a:t>
             </a:fld>
             <a:endParaRPr lang="de-DE"/>
           </a:p>
@@ -6313,7 +7540,7 @@
           <a:p>
             <a:fld id="{A9DEFCBE-7915-4B11-924B-716072F60B95}" type="datetime1">
               <a:rPr lang="de-DE" smtClean="0"/>
-              <a:t>29.05.2020</a:t>
+              <a:t>31.05.2020</a:t>
             </a:fld>
             <a:endParaRPr lang="de-DE"/>
           </a:p>
@@ -6590,7 +7817,7 @@
           <a:p>
             <a:fld id="{E06F06F5-9E83-4BFD-95A9-4C55A14ED18E}" type="datetime1">
               <a:rPr lang="de-DE" smtClean="0"/>
-              <a:t>29.05.2020</a:t>
+              <a:t>31.05.2020</a:t>
             </a:fld>
             <a:endParaRPr lang="de-DE"/>
           </a:p>
@@ -6847,7 +8074,7 @@
           <a:p>
             <a:fld id="{FF4BEB5C-CBE6-45A3-8D57-7F62FA7573AC}" type="datetime1">
               <a:rPr lang="de-DE" smtClean="0"/>
-              <a:t>29.05.2020</a:t>
+              <a:t>31.05.2020</a:t>
             </a:fld>
             <a:endParaRPr lang="de-DE"/>
           </a:p>
@@ -7060,7 +8287,7 @@
           <a:p>
             <a:fld id="{87BABDF2-F3C5-4AC0-9DA9-0726FEA9F971}" type="datetime1">
               <a:rPr lang="de-DE" smtClean="0"/>
-              <a:t>29.05.2020</a:t>
+              <a:t>31.05.2020</a:t>
             </a:fld>
             <a:endParaRPr lang="de-DE"/>
           </a:p>
@@ -8503,7 +9730,7 @@
 </p:sld>
 </file>
 
-<file path=ppt/slides/slide2.xml><?xml version="1.0" encoding="utf-8"?>
+<file path=ppt/slides/slide10.xml><?xml version="1.0" encoding="utf-8"?>
 <p:sld xmlns:a="http://schemas.openxmlformats.org/drawingml/2006/main" xmlns:r="http://schemas.openxmlformats.org/officeDocument/2006/relationships" xmlns:p="http://schemas.openxmlformats.org/presentationml/2006/main">
   <p:cSld>
     <p:bg>
@@ -8530,7 +9757,7 @@
       </p:grpSpPr>
       <p:sp>
         <p:nvSpPr>
-          <p:cNvPr id="51" name="Rectangle 50">
+          <p:cNvPr id="23" name="Rectangle 8">
             <a:extLst>
               <a:ext uri="{FF2B5EF4-FFF2-40B4-BE49-F238E27FC236}">
                 <a16:creationId xmlns:a16="http://schemas.microsoft.com/office/drawing/2014/main" id="{2B566528-1B12-4246-9431-5C2D7D081168}"/>
@@ -8596,7 +9823,7 @@
           <p:cNvPr id="2" name="Titel 1">
             <a:extLst>
               <a:ext uri="{FF2B5EF4-FFF2-40B4-BE49-F238E27FC236}">
-                <a16:creationId xmlns:a16="http://schemas.microsoft.com/office/drawing/2014/main" id="{492FFEF1-A030-455F-B289-A85B31D057B8}"/>
+                <a16:creationId xmlns:a16="http://schemas.microsoft.com/office/drawing/2014/main" id="{5AE67FBB-C739-48C1-9469-53803B87622F}"/>
               </a:ext>
             </a:extLst>
           </p:cNvPr>
@@ -8621,68 +9848,53 @@
           <a:p>
             <a:r>
               <a:rPr lang="de-DE" sz="3600"/>
-              <a:t>Inhalt</a:t>
+              <a:t>Motnecarlo Tree Search</a:t>
             </a:r>
             <a:endParaRPr lang="de-DE" sz="3600" dirty="0"/>
           </a:p>
         </p:txBody>
       </p:sp>
-      <p:pic>
-        <p:nvPicPr>
-          <p:cNvPr id="47" name="Picture 46">
+      <p:sp>
+        <p:nvSpPr>
+          <p:cNvPr id="3" name="Inhaltsplatzhalter 2">
             <a:extLst>
               <a:ext uri="{FF2B5EF4-FFF2-40B4-BE49-F238E27FC236}">
-                <a16:creationId xmlns:a16="http://schemas.microsoft.com/office/drawing/2014/main" id="{C92F4E2B-56D8-427C-A69D-14F5E332A6EA}"/>
+                <a16:creationId xmlns:a16="http://schemas.microsoft.com/office/drawing/2014/main" id="{0368D168-01DD-4E98-AB1D-2C5EF2677C34}"/>
               </a:ext>
             </a:extLst>
           </p:cNvPr>
-          <p:cNvPicPr>
-            <a:picLocks noChangeAspect="1"/>
-          </p:cNvPicPr>
-          <p:nvPr/>
-        </p:nvPicPr>
-        <p:blipFill rotWithShape="1">
-          <a:blip r:embed="rId3"/>
-          <a:srcRect l="12664" r="29007" b="-2"/>
-          <a:stretch/>
-        </p:blipFill>
+          <p:cNvSpPr>
+            <a:spLocks noGrp="1"/>
+          </p:cNvSpPr>
+          <p:nvPr>
+            <p:ph idx="1"/>
+          </p:nvPr>
+        </p:nvSpPr>
         <p:spPr>
           <a:xfrm>
-            <a:off x="7777393" y="1976277"/>
-            <a:ext cx="4414606" cy="4881723"/>
+            <a:off x="643467" y="1782981"/>
+            <a:ext cx="10905066" cy="4393982"/>
           </a:xfrm>
-          <a:custGeom>
-            <a:avLst/>
-            <a:gdLst/>
-            <a:ahLst/>
-            <a:cxnLst/>
-            <a:rect l="l" t="t" r="r" b="b"/>
-            <a:pathLst>
-              <a:path w="4414606" h="4881723">
-                <a:moveTo>
-                  <a:pt x="3151661" y="0"/>
-                </a:moveTo>
-                <a:lnTo>
-                  <a:pt x="4414606" y="1262946"/>
-                </a:lnTo>
-                <a:lnTo>
-                  <a:pt x="4414606" y="4881723"/>
-                </a:lnTo>
-                <a:lnTo>
-                  <a:pt x="1730061" y="4881723"/>
-                </a:lnTo>
-                <a:lnTo>
-                  <a:pt x="0" y="3151662"/>
-                </a:lnTo>
-                <a:close/>
-              </a:path>
-            </a:pathLst>
-          </a:custGeom>
         </p:spPr>
-      </p:pic>
+        <p:txBody>
+          <a:bodyPr>
+            <a:normAutofit/>
+          </a:bodyPr>
+          <a:lstStyle/>
+          <a:p>
+            <a:r>
+              <a:rPr lang="en-US" dirty="0"/>
+              <a:t>combines the precision of tree search with the generality of random sampling</a:t>
+            </a:r>
+          </a:p>
+          <a:p>
+            <a:endParaRPr lang="de-DE" sz="2000" dirty="0"/>
+          </a:p>
+        </p:txBody>
+      </p:sp>
       <p:sp>
         <p:nvSpPr>
-          <p:cNvPr id="53" name="Rectangle 52">
+          <p:cNvPr id="24" name="Rectangle 10">
             <a:extLst>
               <a:ext uri="{FF2B5EF4-FFF2-40B4-BE49-F238E27FC236}">
                 <a16:creationId xmlns:a16="http://schemas.microsoft.com/office/drawing/2014/main" id="{2E80C965-DB6D-4F81-9E9E-B027384D0BD6}"/>
@@ -8747,7 +9959,7 @@
       </p:sp>
       <p:sp>
         <p:nvSpPr>
-          <p:cNvPr id="55" name="Isosceles Triangle 54">
+          <p:cNvPr id="25" name="Isosceles Triangle 12">
             <a:extLst>
               <a:ext uri="{FF2B5EF4-FFF2-40B4-BE49-F238E27FC236}">
                 <a16:creationId xmlns:a16="http://schemas.microsoft.com/office/drawing/2014/main" id="{A580F890-B085-4E95-96AA-55AEBEC5CE6E}"/>
@@ -8814,7 +10026,7 @@
       </p:sp>
       <p:sp>
         <p:nvSpPr>
-          <p:cNvPr id="57" name="Isosceles Triangle 56">
+          <p:cNvPr id="26" name="Isosceles Triangle 14">
             <a:extLst>
               <a:ext uri="{FF2B5EF4-FFF2-40B4-BE49-F238E27FC236}">
                 <a16:creationId xmlns:a16="http://schemas.microsoft.com/office/drawing/2014/main" id="{D3F51FEB-38FB-4F6C-9F7B-2F2AFAB65463}"/>
@@ -8871,7 +10083,9 @@
           </a:fontRef>
         </p:style>
         <p:txBody>
-          <a:bodyPr rtlCol="0" anchor="ctr"/>
+          <a:bodyPr wrap="square" rtlCol="0" anchor="ctr">
+            <a:noAutofit/>
+          </a:bodyPr>
           <a:lstStyle/>
           <a:p>
             <a:pPr algn="ctr"/>
@@ -8881,7 +10095,7 @@
       </p:sp>
       <p:sp>
         <p:nvSpPr>
-          <p:cNvPr id="59" name="Rectangle 58">
+          <p:cNvPr id="27" name="Rectangle 16">
             <a:extLst>
               <a:ext uri="{FF2B5EF4-FFF2-40B4-BE49-F238E27FC236}">
                 <a16:creationId xmlns:a16="http://schemas.microsoft.com/office/drawing/2014/main" id="{1E547BA6-BAE0-43BB-A7CA-60F69CE252F0}"/>
@@ -8936,7 +10150,9 @@
           </a:fontRef>
         </p:style>
         <p:txBody>
-          <a:bodyPr rtlCol="0" anchor="ctr"/>
+          <a:bodyPr wrap="square" rtlCol="0" anchor="ctr">
+            <a:noAutofit/>
+          </a:bodyPr>
           <a:lstStyle/>
           <a:p>
             <a:pPr algn="ctr"/>
@@ -8944,43 +10160,12 @@
           </a:p>
         </p:txBody>
       </p:sp>
-      <p:graphicFrame>
-        <p:nvGraphicFramePr>
-          <p:cNvPr id="48" name="Inhaltsplatzhalter 2">
+      <p:sp>
+        <p:nvSpPr>
+          <p:cNvPr id="4" name="Foliennummernplatzhalter 3">
             <a:extLst>
               <a:ext uri="{FF2B5EF4-FFF2-40B4-BE49-F238E27FC236}">
-                <a16:creationId xmlns:a16="http://schemas.microsoft.com/office/drawing/2014/main" id="{CE4FCDEF-0476-4801-8F44-321142380B61}"/>
-              </a:ext>
-            </a:extLst>
-          </p:cNvPr>
-          <p:cNvGraphicFramePr>
-            <a:graphicFrameLocks noGrp="1"/>
-          </p:cNvGraphicFramePr>
-          <p:nvPr>
-            <p:ph idx="1"/>
-            <p:extLst>
-              <p:ext uri="{D42A27DB-BD31-4B8C-83A1-F6EECF244321}">
-                <p14:modId xmlns:p14="http://schemas.microsoft.com/office/powerpoint/2010/main" val="880892526"/>
-              </p:ext>
-            </p:extLst>
-          </p:nvPr>
-        </p:nvGraphicFramePr>
-        <p:xfrm>
-          <a:off x="643468" y="1782981"/>
-          <a:ext cx="6891188" cy="4393982"/>
-        </p:xfrm>
-        <a:graphic>
-          <a:graphicData uri="http://schemas.openxmlformats.org/drawingml/2006/diagram">
-            <dgm:relIds xmlns:dgm="http://schemas.openxmlformats.org/drawingml/2006/diagram" xmlns:r="http://schemas.openxmlformats.org/officeDocument/2006/relationships" r:dm="rId4" r:lo="rId5" r:qs="rId6" r:cs="rId7"/>
-          </a:graphicData>
-        </a:graphic>
-      </p:graphicFrame>
-      <p:sp>
-        <p:nvSpPr>
-          <p:cNvPr id="9" name="Foliennummernplatzhalter 8">
-            <a:extLst>
-              <a:ext uri="{FF2B5EF4-FFF2-40B4-BE49-F238E27FC236}">
-                <a16:creationId xmlns:a16="http://schemas.microsoft.com/office/drawing/2014/main" id="{CF2E3CC8-BB00-4D2B-A446-DCEEB8157431}"/>
+                <a16:creationId xmlns:a16="http://schemas.microsoft.com/office/drawing/2014/main" id="{CFEFB799-7DB3-47B9-84A4-6B570130C9ED}"/>
               </a:ext>
             </a:extLst>
           </p:cNvPr>
@@ -8991,14 +10176,31 @@
             <p:ph type="sldNum" sz="quarter" idx="12"/>
           </p:nvPr>
         </p:nvSpPr>
-        <p:spPr/>
+        <p:spPr>
+          <a:xfrm>
+            <a:off x="8805333" y="6356350"/>
+            <a:ext cx="2743200" cy="365125"/>
+          </a:xfrm>
+        </p:spPr>
         <p:txBody>
-          <a:bodyPr/>
+          <a:bodyPr>
+            <a:normAutofit/>
+          </a:bodyPr>
           <a:lstStyle/>
           <a:p>
+            <a:pPr>
+              <a:spcAft>
+                <a:spcPts val="600"/>
+              </a:spcAft>
+            </a:pPr>
             <a:fld id="{DFF01B4A-46B9-4C6C-A96B-6DAD2C3CC688}" type="slidenum">
               <a:rPr lang="de-DE" smtClean="0"/>
-              <a:t>2</a:t>
+              <a:pPr>
+                <a:spcAft>
+                  <a:spcPts val="600"/>
+                </a:spcAft>
+              </a:pPr>
+              <a:t>10</a:t>
             </a:fld>
             <a:endParaRPr lang="de-DE"/>
           </a:p>
@@ -9007,7 +10209,7 @@
     </p:spTree>
     <p:extLst>
       <p:ext uri="{BB962C8B-B14F-4D97-AF65-F5344CB8AC3E}">
-        <p14:creationId xmlns:p14="http://schemas.microsoft.com/office/powerpoint/2010/main" val="1410129481"/>
+        <p14:creationId xmlns:p14="http://schemas.microsoft.com/office/powerpoint/2010/main" val="3503204803"/>
       </p:ext>
     </p:extLst>
   </p:cSld>
@@ -9017,7 +10219,522 @@
 </p:sld>
 </file>
 
-<file path=ppt/slides/slide3.xml><?xml version="1.0" encoding="utf-8"?>
+<file path=ppt/slides/slide11.xml><?xml version="1.0" encoding="utf-8"?>
+<p:sld xmlns:a="http://schemas.openxmlformats.org/drawingml/2006/main" xmlns:r="http://schemas.openxmlformats.org/officeDocument/2006/relationships" xmlns:p="http://schemas.openxmlformats.org/presentationml/2006/main">
+  <p:cSld>
+    <p:bg>
+      <p:bgPr>
+        <a:solidFill>
+          <a:schemeClr val="bg1"/>
+        </a:solidFill>
+        <a:effectLst/>
+      </p:bgPr>
+    </p:bg>
+    <p:spTree>
+      <p:nvGrpSpPr>
+        <p:cNvPr id="1" name=""/>
+        <p:cNvGrpSpPr/>
+        <p:nvPr/>
+      </p:nvGrpSpPr>
+      <p:grpSpPr>
+        <a:xfrm>
+          <a:off x="0" y="0"/>
+          <a:ext cx="0" cy="0"/>
+          <a:chOff x="0" y="0"/>
+          <a:chExt cx="0" cy="0"/>
+        </a:xfrm>
+      </p:grpSpPr>
+      <p:sp>
+        <p:nvSpPr>
+          <p:cNvPr id="9" name="Rectangle 8">
+            <a:extLst>
+              <a:ext uri="{FF2B5EF4-FFF2-40B4-BE49-F238E27FC236}">
+                <a16:creationId xmlns:a16="http://schemas.microsoft.com/office/drawing/2014/main" id="{2B566528-1B12-4246-9431-5C2D7D081168}"/>
+              </a:ext>
+              <a:ext uri="{C183D7F6-B498-43B3-948B-1728B52AA6E4}">
+                <adec:decorative xmlns:adec="http://schemas.microsoft.com/office/drawing/2017/decorative" val="1"/>
+              </a:ext>
+            </a:extLst>
+          </p:cNvPr>
+          <p:cNvSpPr>
+            <a:spLocks noGrp="1" noRot="1" noChangeAspect="1" noMove="1" noResize="1" noEditPoints="1" noAdjustHandles="1" noChangeArrowheads="1" noChangeShapeType="1" noTextEdit="1"/>
+          </p:cNvSpPr>
+          <p:nvPr>
+            <p:extLst>
+              <p:ext uri="{386F3935-93C4-4BCD-93E2-E3B085C9AB24}">
+                <p16:designElem xmlns:p16="http://schemas.microsoft.com/office/powerpoint/2015/main" val="1"/>
+              </p:ext>
+            </p:extLst>
+          </p:nvPr>
+        </p:nvSpPr>
+        <p:spPr>
+          <a:xfrm>
+            <a:off x="0" y="0"/>
+            <a:ext cx="12192000" cy="6858000"/>
+          </a:xfrm>
+          <a:prstGeom prst="rect">
+            <a:avLst/>
+          </a:prstGeom>
+          <a:solidFill>
+            <a:schemeClr val="bg1"/>
+          </a:solidFill>
+          <a:ln>
+            <a:noFill/>
+          </a:ln>
+        </p:spPr>
+        <p:style>
+          <a:lnRef idx="2">
+            <a:schemeClr val="accent1">
+              <a:shade val="50000"/>
+            </a:schemeClr>
+          </a:lnRef>
+          <a:fillRef idx="1">
+            <a:schemeClr val="accent1"/>
+          </a:fillRef>
+          <a:effectRef idx="0">
+            <a:schemeClr val="accent1"/>
+          </a:effectRef>
+          <a:fontRef idx="minor">
+            <a:schemeClr val="lt1"/>
+          </a:fontRef>
+        </p:style>
+        <p:txBody>
+          <a:bodyPr rtlCol="0" anchor="ctr"/>
+          <a:lstStyle/>
+          <a:p>
+            <a:pPr algn="ctr"/>
+            <a:endParaRPr lang="en-US" dirty="0"/>
+          </a:p>
+        </p:txBody>
+      </p:sp>
+      <p:sp>
+        <p:nvSpPr>
+          <p:cNvPr id="2" name="Titel 1">
+            <a:extLst>
+              <a:ext uri="{FF2B5EF4-FFF2-40B4-BE49-F238E27FC236}">
+                <a16:creationId xmlns:a16="http://schemas.microsoft.com/office/drawing/2014/main" id="{D2DF4CDF-BDA5-42BB-B9FE-BCF9DC1BDD2B}"/>
+              </a:ext>
+            </a:extLst>
+          </p:cNvPr>
+          <p:cNvSpPr>
+            <a:spLocks noGrp="1"/>
+          </p:cNvSpPr>
+          <p:nvPr>
+            <p:ph type="title"/>
+          </p:nvPr>
+        </p:nvSpPr>
+        <p:spPr>
+          <a:xfrm>
+            <a:off x="643467" y="321734"/>
+            <a:ext cx="10905066" cy="1135737"/>
+          </a:xfrm>
+        </p:spPr>
+        <p:txBody>
+          <a:bodyPr>
+            <a:normAutofit/>
+          </a:bodyPr>
+          <a:lstStyle/>
+          <a:p>
+            <a:r>
+              <a:rPr lang="de-DE" sz="3600" dirty="0"/>
+              <a:t>Monte Carlo </a:t>
+            </a:r>
+            <a:r>
+              <a:rPr lang="de-DE" sz="3600" dirty="0" err="1"/>
+              <a:t>Tree</a:t>
+            </a:r>
+            <a:r>
+              <a:rPr lang="de-DE" sz="3600" dirty="0"/>
+              <a:t> Search </a:t>
+            </a:r>
+            <a:r>
+              <a:rPr lang="de-DE" sz="3600" dirty="0" err="1"/>
+              <a:t>Ctd</a:t>
+            </a:r>
+            <a:r>
+              <a:rPr lang="de-DE" sz="3600" dirty="0"/>
+              <a:t>.</a:t>
+            </a:r>
+          </a:p>
+        </p:txBody>
+      </p:sp>
+      <p:sp>
+        <p:nvSpPr>
+          <p:cNvPr id="11" name="Rectangle 10">
+            <a:extLst>
+              <a:ext uri="{FF2B5EF4-FFF2-40B4-BE49-F238E27FC236}">
+                <a16:creationId xmlns:a16="http://schemas.microsoft.com/office/drawing/2014/main" id="{2E80C965-DB6D-4F81-9E9E-B027384D0BD6}"/>
+              </a:ext>
+              <a:ext uri="{C183D7F6-B498-43B3-948B-1728B52AA6E4}">
+                <adec:decorative xmlns:adec="http://schemas.microsoft.com/office/drawing/2017/decorative" val="1"/>
+              </a:ext>
+            </a:extLst>
+          </p:cNvPr>
+          <p:cNvSpPr>
+            <a:spLocks noGrp="1" noRot="1" noChangeAspect="1" noMove="1" noResize="1" noEditPoints="1" noAdjustHandles="1" noChangeArrowheads="1" noChangeShapeType="1" noTextEdit="1"/>
+          </p:cNvSpPr>
+          <p:nvPr>
+            <p:extLst>
+              <p:ext uri="{386F3935-93C4-4BCD-93E2-E3B085C9AB24}">
+                <p16:designElem xmlns:p16="http://schemas.microsoft.com/office/powerpoint/2015/main" val="1"/>
+              </p:ext>
+            </p:extLst>
+          </p:nvPr>
+        </p:nvSpPr>
+        <p:spPr>
+          <a:xfrm rot="2700000">
+            <a:off x="11052629" y="2120024"/>
+            <a:ext cx="645368" cy="645368"/>
+          </a:xfrm>
+          <a:prstGeom prst="rect">
+            <a:avLst/>
+          </a:prstGeom>
+          <a:solidFill>
+            <a:schemeClr val="accent4">
+              <a:alpha val="30000"/>
+            </a:schemeClr>
+          </a:solidFill>
+          <a:ln>
+            <a:noFill/>
+          </a:ln>
+        </p:spPr>
+        <p:style>
+          <a:lnRef idx="2">
+            <a:schemeClr val="accent1">
+              <a:shade val="50000"/>
+            </a:schemeClr>
+          </a:lnRef>
+          <a:fillRef idx="1">
+            <a:schemeClr val="accent1"/>
+          </a:fillRef>
+          <a:effectRef idx="0">
+            <a:schemeClr val="accent1"/>
+          </a:effectRef>
+          <a:fontRef idx="minor">
+            <a:schemeClr val="lt1"/>
+          </a:fontRef>
+        </p:style>
+        <p:txBody>
+          <a:bodyPr rtlCol="0" anchor="ctr"/>
+          <a:lstStyle/>
+          <a:p>
+            <a:pPr algn="ctr"/>
+            <a:endParaRPr lang="en-US"/>
+          </a:p>
+        </p:txBody>
+      </p:sp>
+      <p:sp>
+        <p:nvSpPr>
+          <p:cNvPr id="13" name="Isosceles Triangle 12">
+            <a:extLst>
+              <a:ext uri="{FF2B5EF4-FFF2-40B4-BE49-F238E27FC236}">
+                <a16:creationId xmlns:a16="http://schemas.microsoft.com/office/drawing/2014/main" id="{A580F890-B085-4E95-96AA-55AEBEC5CE6E}"/>
+              </a:ext>
+              <a:ext uri="{C183D7F6-B498-43B3-948B-1728B52AA6E4}">
+                <adec:decorative xmlns:adec="http://schemas.microsoft.com/office/drawing/2017/decorative" val="1"/>
+              </a:ext>
+            </a:extLst>
+          </p:cNvPr>
+          <p:cNvSpPr>
+            <a:spLocks noGrp="1" noRot="1" noChangeAspect="1" noMove="1" noResize="1" noEditPoints="1" noAdjustHandles="1" noChangeArrowheads="1" noChangeShapeType="1" noTextEdit="1"/>
+          </p:cNvSpPr>
+          <p:nvPr>
+            <p:extLst>
+              <p:ext uri="{386F3935-93C4-4BCD-93E2-E3B085C9AB24}">
+                <p16:designElem xmlns:p16="http://schemas.microsoft.com/office/powerpoint/2015/main" val="1"/>
+              </p:ext>
+            </p:extLst>
+          </p:nvPr>
+        </p:nvSpPr>
+        <p:spPr>
+          <a:xfrm rot="16200000">
+            <a:off x="10289068" y="1343027"/>
+            <a:ext cx="2532832" cy="1273032"/>
+          </a:xfrm>
+          <a:prstGeom prst="triangle">
+            <a:avLst>
+              <a:gd name="adj" fmla="val 50000"/>
+            </a:avLst>
+          </a:prstGeom>
+          <a:solidFill>
+            <a:schemeClr val="accent4">
+              <a:alpha val="30000"/>
+            </a:schemeClr>
+          </a:solidFill>
+          <a:ln>
+            <a:noFill/>
+          </a:ln>
+        </p:spPr>
+        <p:style>
+          <a:lnRef idx="2">
+            <a:schemeClr val="accent1">
+              <a:shade val="50000"/>
+            </a:schemeClr>
+          </a:lnRef>
+          <a:fillRef idx="1">
+            <a:schemeClr val="accent1"/>
+          </a:fillRef>
+          <a:effectRef idx="0">
+            <a:schemeClr val="accent1"/>
+          </a:effectRef>
+          <a:fontRef idx="minor">
+            <a:schemeClr val="lt1"/>
+          </a:fontRef>
+        </p:style>
+        <p:txBody>
+          <a:bodyPr rtlCol="0" anchor="ctr"/>
+          <a:lstStyle/>
+          <a:p>
+            <a:pPr algn="ctr"/>
+            <a:endParaRPr lang="en-US"/>
+          </a:p>
+        </p:txBody>
+      </p:sp>
+      <p:sp>
+        <p:nvSpPr>
+          <p:cNvPr id="15" name="Isosceles Triangle 14">
+            <a:extLst>
+              <a:ext uri="{FF2B5EF4-FFF2-40B4-BE49-F238E27FC236}">
+                <a16:creationId xmlns:a16="http://schemas.microsoft.com/office/drawing/2014/main" id="{D3F51FEB-38FB-4F6C-9F7B-2F2AFAB65463}"/>
+              </a:ext>
+              <a:ext uri="{C183D7F6-B498-43B3-948B-1728B52AA6E4}">
+                <adec:decorative xmlns:adec="http://schemas.microsoft.com/office/drawing/2017/decorative" val="1"/>
+              </a:ext>
+            </a:extLst>
+          </p:cNvPr>
+          <p:cNvSpPr>
+            <a:spLocks noGrp="1" noRot="1" noChangeAspect="1" noMove="1" noResize="1" noEditPoints="1" noAdjustHandles="1" noChangeArrowheads="1" noChangeShapeType="1" noTextEdit="1"/>
+          </p:cNvSpPr>
+          <p:nvPr>
+            <p:extLst>
+              <p:ext uri="{386F3935-93C4-4BCD-93E2-E3B085C9AB24}">
+                <p16:designElem xmlns:p16="http://schemas.microsoft.com/office/powerpoint/2015/main" val="1"/>
+              </p:ext>
+            </p:extLst>
+          </p:nvPr>
+        </p:nvSpPr>
+        <p:spPr>
+          <a:xfrm rot="5400000">
+            <a:off x="-501760" y="5103257"/>
+            <a:ext cx="2017580" cy="1014060"/>
+          </a:xfrm>
+          <a:prstGeom prst="triangle">
+            <a:avLst>
+              <a:gd name="adj" fmla="val 50000"/>
+            </a:avLst>
+          </a:prstGeom>
+          <a:solidFill>
+            <a:schemeClr val="accent1">
+              <a:alpha val="30000"/>
+            </a:schemeClr>
+          </a:solidFill>
+          <a:ln>
+            <a:noFill/>
+          </a:ln>
+        </p:spPr>
+        <p:style>
+          <a:lnRef idx="2">
+            <a:schemeClr val="accent1">
+              <a:shade val="50000"/>
+            </a:schemeClr>
+          </a:lnRef>
+          <a:fillRef idx="1">
+            <a:schemeClr val="accent1"/>
+          </a:fillRef>
+          <a:effectRef idx="0">
+            <a:schemeClr val="accent1"/>
+          </a:effectRef>
+          <a:fontRef idx="minor">
+            <a:schemeClr val="lt1"/>
+          </a:fontRef>
+        </p:style>
+        <p:txBody>
+          <a:bodyPr wrap="square" rtlCol="0" anchor="ctr">
+            <a:noAutofit/>
+          </a:bodyPr>
+          <a:lstStyle/>
+          <a:p>
+            <a:pPr algn="ctr"/>
+            <a:endParaRPr lang="en-US"/>
+          </a:p>
+        </p:txBody>
+      </p:sp>
+      <p:sp>
+        <p:nvSpPr>
+          <p:cNvPr id="17" name="Rectangle 16">
+            <a:extLst>
+              <a:ext uri="{FF2B5EF4-FFF2-40B4-BE49-F238E27FC236}">
+                <a16:creationId xmlns:a16="http://schemas.microsoft.com/office/drawing/2014/main" id="{1E547BA6-BAE0-43BB-A7CA-60F69CE252F0}"/>
+              </a:ext>
+              <a:ext uri="{C183D7F6-B498-43B3-948B-1728B52AA6E4}">
+                <adec:decorative xmlns:adec="http://schemas.microsoft.com/office/drawing/2017/decorative" val="1"/>
+              </a:ext>
+            </a:extLst>
+          </p:cNvPr>
+          <p:cNvSpPr>
+            <a:spLocks noGrp="1" noRot="1" noChangeAspect="1" noMove="1" noResize="1" noEditPoints="1" noAdjustHandles="1" noChangeArrowheads="1" noChangeShapeType="1" noTextEdit="1"/>
+          </p:cNvSpPr>
+          <p:nvPr>
+            <p:extLst>
+              <p:ext uri="{386F3935-93C4-4BCD-93E2-E3B085C9AB24}">
+                <p16:designElem xmlns:p16="http://schemas.microsoft.com/office/powerpoint/2015/main" val="1"/>
+              </p:ext>
+            </p:extLst>
+          </p:nvPr>
+        </p:nvSpPr>
+        <p:spPr>
+          <a:xfrm rot="2700000">
+            <a:off x="427916" y="5728708"/>
+            <a:ext cx="485578" cy="485578"/>
+          </a:xfrm>
+          <a:prstGeom prst="rect">
+            <a:avLst/>
+          </a:prstGeom>
+          <a:solidFill>
+            <a:schemeClr val="accent1">
+              <a:alpha val="30000"/>
+            </a:schemeClr>
+          </a:solidFill>
+          <a:ln>
+            <a:noFill/>
+          </a:ln>
+        </p:spPr>
+        <p:style>
+          <a:lnRef idx="2">
+            <a:schemeClr val="accent1">
+              <a:shade val="50000"/>
+            </a:schemeClr>
+          </a:lnRef>
+          <a:fillRef idx="1">
+            <a:schemeClr val="accent1"/>
+          </a:fillRef>
+          <a:effectRef idx="0">
+            <a:schemeClr val="accent1"/>
+          </a:effectRef>
+          <a:fontRef idx="minor">
+            <a:schemeClr val="lt1"/>
+          </a:fontRef>
+        </p:style>
+        <p:txBody>
+          <a:bodyPr wrap="square" rtlCol="0" anchor="ctr">
+            <a:noAutofit/>
+          </a:bodyPr>
+          <a:lstStyle/>
+          <a:p>
+            <a:pPr algn="ctr"/>
+            <a:endParaRPr lang="en-US"/>
+          </a:p>
+        </p:txBody>
+      </p:sp>
+      <p:sp>
+        <p:nvSpPr>
+          <p:cNvPr id="4" name="Foliennummernplatzhalter 3">
+            <a:extLst>
+              <a:ext uri="{FF2B5EF4-FFF2-40B4-BE49-F238E27FC236}">
+                <a16:creationId xmlns:a16="http://schemas.microsoft.com/office/drawing/2014/main" id="{9A2CAB6A-4C77-45F7-A301-7C11D9B6FF6F}"/>
+              </a:ext>
+            </a:extLst>
+          </p:cNvPr>
+          <p:cNvSpPr>
+            <a:spLocks noGrp="1"/>
+          </p:cNvSpPr>
+          <p:nvPr>
+            <p:ph type="sldNum" sz="quarter" idx="12"/>
+          </p:nvPr>
+        </p:nvSpPr>
+        <p:spPr>
+          <a:xfrm>
+            <a:off x="8805333" y="6356350"/>
+            <a:ext cx="2743200" cy="365125"/>
+          </a:xfrm>
+        </p:spPr>
+        <p:txBody>
+          <a:bodyPr>
+            <a:normAutofit/>
+          </a:bodyPr>
+          <a:lstStyle/>
+          <a:p>
+            <a:pPr>
+              <a:spcAft>
+                <a:spcPts val="600"/>
+              </a:spcAft>
+            </a:pPr>
+            <a:fld id="{DFF01B4A-46B9-4C6C-A96B-6DAD2C3CC688}" type="slidenum">
+              <a:rPr lang="de-DE" smtClean="0"/>
+              <a:pPr>
+                <a:spcAft>
+                  <a:spcPts val="600"/>
+                </a:spcAft>
+              </a:pPr>
+              <a:t>11</a:t>
+            </a:fld>
+            <a:endParaRPr lang="de-DE"/>
+          </a:p>
+        </p:txBody>
+      </p:sp>
+      <p:pic>
+        <p:nvPicPr>
+          <p:cNvPr id="6146" name="Picture 2" descr="Phases of the Monte Carlo tree search algorithm. A search tree ...">
+            <a:extLst>
+              <a:ext uri="{FF2B5EF4-FFF2-40B4-BE49-F238E27FC236}">
+                <a16:creationId xmlns:a16="http://schemas.microsoft.com/office/drawing/2014/main" id="{AC5BBD7E-DC3E-4626-8D95-4D29A253D4BC}"/>
+              </a:ext>
+            </a:extLst>
+          </p:cNvPr>
+          <p:cNvPicPr>
+            <a:picLocks noGrp="1" noChangeAspect="1" noChangeArrowheads="1"/>
+          </p:cNvPicPr>
+          <p:nvPr>
+            <p:ph idx="1"/>
+          </p:nvPr>
+        </p:nvPicPr>
+        <p:blipFill>
+          <a:blip r:embed="rId2">
+            <a:extLst>
+              <a:ext uri="{28A0092B-C50C-407E-A947-70E740481C1C}">
+                <a14:useLocalDpi xmlns:a14="http://schemas.microsoft.com/office/drawing/2010/main" val="0"/>
+              </a:ext>
+            </a:extLst>
+          </a:blip>
+          <a:srcRect/>
+          <a:stretch>
+            <a:fillRect/>
+          </a:stretch>
+        </p:blipFill>
+        <p:spPr bwMode="auto">
+          <a:xfrm>
+            <a:off x="1534314" y="2266291"/>
+            <a:ext cx="9123371" cy="3516830"/>
+          </a:xfrm>
+          <a:prstGeom prst="rect">
+            <a:avLst/>
+          </a:prstGeom>
+          <a:noFill/>
+          <a:extLst>
+            <a:ext uri="{909E8E84-426E-40DD-AFC4-6F175D3DCCD1}">
+              <a14:hiddenFill xmlns:a14="http://schemas.microsoft.com/office/drawing/2010/main">
+                <a:solidFill>
+                  <a:srgbClr val="FFFFFF"/>
+                </a:solidFill>
+              </a14:hiddenFill>
+            </a:ext>
+          </a:extLst>
+        </p:spPr>
+      </p:pic>
+    </p:spTree>
+    <p:extLst>
+      <p:ext uri="{BB962C8B-B14F-4D97-AF65-F5344CB8AC3E}">
+        <p14:creationId xmlns:p14="http://schemas.microsoft.com/office/powerpoint/2010/main" val="70705722"/>
+      </p:ext>
+    </p:extLst>
+  </p:cSld>
+  <p:clrMapOvr>
+    <a:masterClrMapping/>
+  </p:clrMapOvr>
+</p:sld>
+</file>
+
+<file path=ppt/slides/slide12.xml><?xml version="1.0" encoding="utf-8"?>
 <p:sld xmlns:a="http://schemas.openxmlformats.org/drawingml/2006/main" xmlns:r="http://schemas.openxmlformats.org/officeDocument/2006/relationships" xmlns:p="http://schemas.openxmlformats.org/presentationml/2006/main">
   <p:cSld>
     <p:bg>
@@ -9708,7 +11425,7 @@
       </p:sp>
       <p:sp>
         <p:nvSpPr>
-          <p:cNvPr id="22" name="Freeform: Shape 21">
+          <p:cNvPr id="33" name="Freeform: Shape 21">
             <a:extLst>
               <a:ext uri="{FF2B5EF4-FFF2-40B4-BE49-F238E27FC236}">
                 <a16:creationId xmlns:a16="http://schemas.microsoft.com/office/drawing/2014/main" id="{35E9085E-E730-4768-83D4-6CB7E9897153}"/>
@@ -9832,7 +11549,7 @@
       </p:sp>
       <p:sp>
         <p:nvSpPr>
-          <p:cNvPr id="24" name="Freeform: Shape 23">
+          <p:cNvPr id="34" name="Freeform: Shape 23">
             <a:extLst>
               <a:ext uri="{FF2B5EF4-FFF2-40B4-BE49-F238E27FC236}">
                 <a16:creationId xmlns:a16="http://schemas.microsoft.com/office/drawing/2014/main" id="{973272FE-A474-4CAE-8CA2-BCC8B476C3F4}"/>
@@ -10014,7 +11731,7 @@
           <p:cNvPr id="2" name="Titel 1">
             <a:extLst>
               <a:ext uri="{FF2B5EF4-FFF2-40B4-BE49-F238E27FC236}">
-                <a16:creationId xmlns:a16="http://schemas.microsoft.com/office/drawing/2014/main" id="{F1B9508F-34D6-4234-A011-6003F313B7DB}"/>
+                <a16:creationId xmlns:a16="http://schemas.microsoft.com/office/drawing/2014/main" id="{E7C5E82A-3382-4BFE-ADDE-DB1DFDB4A1D5}"/>
               </a:ext>
             </a:extLst>
           </p:cNvPr>
@@ -10040,7 +11757,7 @@
           <a:p>
             <a:pPr algn="ctr"/>
             <a:r>
-              <a:rPr lang="en-US" sz="3600" kern="1200">
+              <a:rPr lang="en-US" sz="3600" kern="1200" dirty="0">
                 <a:solidFill>
                   <a:srgbClr val="080808"/>
                 </a:solidFill>
@@ -10048,14 +11765,14 @@
                 <a:ea typeface="+mj-ea"/>
                 <a:cs typeface="+mj-cs"/>
               </a:rPr>
-              <a:t>Motivation</a:t>
+              <a:t>Procedure</a:t>
             </a:r>
           </a:p>
         </p:txBody>
       </p:sp>
       <p:sp>
         <p:nvSpPr>
-          <p:cNvPr id="26" name="Freeform: Shape 25">
+          <p:cNvPr id="35" name="Freeform: Shape 25">
             <a:extLst>
               <a:ext uri="{FF2B5EF4-FFF2-40B4-BE49-F238E27FC236}">
                 <a16:creationId xmlns:a16="http://schemas.microsoft.com/office/drawing/2014/main" id="{E07981EA-05A6-437C-88D7-B377B92B031D}"/>
@@ -10165,7 +11882,7 @@
       </p:sp>
       <p:sp>
         <p:nvSpPr>
-          <p:cNvPr id="28" name="Rectangle 27">
+          <p:cNvPr id="36" name="Rectangle 27">
             <a:extLst>
               <a:ext uri="{FF2B5EF4-FFF2-40B4-BE49-F238E27FC236}">
                 <a16:creationId xmlns:a16="http://schemas.microsoft.com/office/drawing/2014/main" id="{15E3C750-986E-4769-B1AE-49289FBEE757}"/>
@@ -10235,7 +11952,7 @@
           <p:cNvPr id="5" name="Foliennummernplatzhalter 4">
             <a:extLst>
               <a:ext uri="{FF2B5EF4-FFF2-40B4-BE49-F238E27FC236}">
-                <a16:creationId xmlns:a16="http://schemas.microsoft.com/office/drawing/2014/main" id="{4BC0475B-9268-4136-9DF1-1D4D0057C72F}"/>
+                <a16:creationId xmlns:a16="http://schemas.microsoft.com/office/drawing/2014/main" id="{B9E293D6-1C47-4864-A191-8CD63A98ACA5}"/>
               </a:ext>
             </a:extLst>
           </p:cNvPr>
@@ -10253,7 +11970,7 @@
           <a:p>
             <a:fld id="{DFF01B4A-46B9-4C6C-A96B-6DAD2C3CC688}" type="slidenum">
               <a:rPr lang="de-DE" smtClean="0"/>
-              <a:t>3</a:t>
+              <a:t>12</a:t>
             </a:fld>
             <a:endParaRPr lang="de-DE"/>
           </a:p>
@@ -10262,7 +11979,7 @@
     </p:spTree>
     <p:extLst>
       <p:ext uri="{BB962C8B-B14F-4D97-AF65-F5344CB8AC3E}">
-        <p14:creationId xmlns:p14="http://schemas.microsoft.com/office/powerpoint/2010/main" val="1253730509"/>
+        <p14:creationId xmlns:p14="http://schemas.microsoft.com/office/powerpoint/2010/main" val="1736600020"/>
       </p:ext>
     </p:extLst>
   </p:cSld>
@@ -10272,7 +11989,7 @@
 </p:sld>
 </file>
 
-<file path=ppt/slides/slide4.xml><?xml version="1.0" encoding="utf-8"?>
+<file path=ppt/slides/slide13.xml><?xml version="1.0" encoding="utf-8"?>
 <p:sld xmlns:a="http://schemas.openxmlformats.org/drawingml/2006/main" xmlns:r="http://schemas.openxmlformats.org/officeDocument/2006/relationships" xmlns:p="http://schemas.openxmlformats.org/presentationml/2006/main">
   <p:cSld>
     <p:bg>
@@ -10299,7 +12016,7 @@
       </p:grpSpPr>
       <p:sp>
         <p:nvSpPr>
-          <p:cNvPr id="10" name="Rectangle 9">
+          <p:cNvPr id="9" name="Rectangle 8">
             <a:extLst>
               <a:ext uri="{FF2B5EF4-FFF2-40B4-BE49-F238E27FC236}">
                 <a16:creationId xmlns:a16="http://schemas.microsoft.com/office/drawing/2014/main" id="{2B566528-1B12-4246-9431-5C2D7D081168}"/>
@@ -10365,7 +12082,7 @@
           <p:cNvPr id="2" name="Titel 1">
             <a:extLst>
               <a:ext uri="{FF2B5EF4-FFF2-40B4-BE49-F238E27FC236}">
-                <a16:creationId xmlns:a16="http://schemas.microsoft.com/office/drawing/2014/main" id="{D1C4EE7D-9277-43DE-889A-A73FD51A2837}"/>
+                <a16:creationId xmlns:a16="http://schemas.microsoft.com/office/drawing/2014/main" id="{3F9AB655-8833-49F2-AD81-65CE2B5FD799}"/>
               </a:ext>
             </a:extLst>
           </p:cNvPr>
@@ -10388,7 +12105,15 @@
           </a:bodyPr>
           <a:lstStyle/>
           <a:p>
-            <a:endParaRPr lang="de-DE" sz="3600"/>
+            <a:r>
+              <a:rPr lang="de-DE" sz="3600" dirty="0"/>
+              <a:t>Next </a:t>
+            </a:r>
+            <a:r>
+              <a:rPr lang="de-DE" sz="3600" dirty="0" err="1"/>
+              <a:t>Steps</a:t>
+            </a:r>
+            <a:endParaRPr lang="de-DE" sz="3600" dirty="0"/>
           </a:p>
         </p:txBody>
       </p:sp>
@@ -10397,7 +12122,7 @@
           <p:cNvPr id="3" name="Inhaltsplatzhalter 2">
             <a:extLst>
               <a:ext uri="{FF2B5EF4-FFF2-40B4-BE49-F238E27FC236}">
-                <a16:creationId xmlns:a16="http://schemas.microsoft.com/office/drawing/2014/main" id="{3751EFFD-586A-4666-AF00-AFCBE7F6BF61}"/>
+                <a16:creationId xmlns:a16="http://schemas.microsoft.com/office/drawing/2014/main" id="{329B2781-0E5C-4CE0-ADEF-601467FAA4E0}"/>
               </a:ext>
             </a:extLst>
           </p:cNvPr>
@@ -10426,7 +12151,7 @@
       </p:sp>
       <p:sp>
         <p:nvSpPr>
-          <p:cNvPr id="12" name="Rectangle 11">
+          <p:cNvPr id="11" name="Rectangle 10">
             <a:extLst>
               <a:ext uri="{FF2B5EF4-FFF2-40B4-BE49-F238E27FC236}">
                 <a16:creationId xmlns:a16="http://schemas.microsoft.com/office/drawing/2014/main" id="{2E80C965-DB6D-4F81-9E9E-B027384D0BD6}"/>
@@ -10491,7 +12216,7 @@
       </p:sp>
       <p:sp>
         <p:nvSpPr>
-          <p:cNvPr id="14" name="Isosceles Triangle 13">
+          <p:cNvPr id="13" name="Isosceles Triangle 12">
             <a:extLst>
               <a:ext uri="{FF2B5EF4-FFF2-40B4-BE49-F238E27FC236}">
                 <a16:creationId xmlns:a16="http://schemas.microsoft.com/office/drawing/2014/main" id="{A580F890-B085-4E95-96AA-55AEBEC5CE6E}"/>
@@ -10558,7 +12283,7 @@
       </p:sp>
       <p:sp>
         <p:nvSpPr>
-          <p:cNvPr id="16" name="Isosceles Triangle 15">
+          <p:cNvPr id="15" name="Isosceles Triangle 14">
             <a:extLst>
               <a:ext uri="{FF2B5EF4-FFF2-40B4-BE49-F238E27FC236}">
                 <a16:creationId xmlns:a16="http://schemas.microsoft.com/office/drawing/2014/main" id="{D3F51FEB-38FB-4F6C-9F7B-2F2AFAB65463}"/>
@@ -10627,7 +12352,7 @@
       </p:sp>
       <p:sp>
         <p:nvSpPr>
-          <p:cNvPr id="18" name="Rectangle 17">
+          <p:cNvPr id="17" name="Rectangle 16">
             <a:extLst>
               <a:ext uri="{FF2B5EF4-FFF2-40B4-BE49-F238E27FC236}">
                 <a16:creationId xmlns:a16="http://schemas.microsoft.com/office/drawing/2014/main" id="{1E547BA6-BAE0-43BB-A7CA-60F69CE252F0}"/>
@@ -10694,10 +12419,10 @@
       </p:sp>
       <p:sp>
         <p:nvSpPr>
-          <p:cNvPr id="5" name="Foliennummernplatzhalter 4">
+          <p:cNvPr id="4" name="Foliennummernplatzhalter 3">
             <a:extLst>
               <a:ext uri="{FF2B5EF4-FFF2-40B4-BE49-F238E27FC236}">
-                <a16:creationId xmlns:a16="http://schemas.microsoft.com/office/drawing/2014/main" id="{D420F1DA-7584-44DA-99A7-7F4B3373B623}"/>
+                <a16:creationId xmlns:a16="http://schemas.microsoft.com/office/drawing/2014/main" id="{DAE8212D-F5CE-4469-AF6B-DF4B2402E631}"/>
               </a:ext>
             </a:extLst>
           </p:cNvPr>
@@ -10732,7 +12457,7 @@
                   <a:spcPts val="600"/>
                 </a:spcAft>
               </a:pPr>
-              <a:t>4</a:t>
+              <a:t>13</a:t>
             </a:fld>
             <a:endParaRPr lang="de-DE"/>
           </a:p>
@@ -10741,7 +12466,7 @@
     </p:spTree>
     <p:extLst>
       <p:ext uri="{BB962C8B-B14F-4D97-AF65-F5344CB8AC3E}">
-        <p14:creationId xmlns:p14="http://schemas.microsoft.com/office/powerpoint/2010/main" val="733108152"/>
+        <p14:creationId xmlns:p14="http://schemas.microsoft.com/office/powerpoint/2010/main" val="2922850977"/>
       </p:ext>
     </p:extLst>
   </p:cSld>
@@ -10751,7 +12476,7 @@
 </p:sld>
 </file>
 
-<file path=ppt/slides/slide5.xml><?xml version="1.0" encoding="utf-8"?>
+<file path=ppt/slides/slide14.xml><?xml version="1.0" encoding="utf-8"?>
 <p:sld xmlns:a="http://schemas.openxmlformats.org/drawingml/2006/main" xmlns:r="http://schemas.openxmlformats.org/officeDocument/2006/relationships" xmlns:p="http://schemas.openxmlformats.org/presentationml/2006/main">
   <p:cSld>
     <p:bg>
@@ -10778,7 +12503,7 @@
       </p:grpSpPr>
       <p:sp>
         <p:nvSpPr>
-          <p:cNvPr id="8" name="Rectangle 7">
+          <p:cNvPr id="41" name="Rectangle 40">
             <a:extLst>
               <a:ext uri="{FF2B5EF4-FFF2-40B4-BE49-F238E27FC236}">
                 <a16:creationId xmlns:a16="http://schemas.microsoft.com/office/drawing/2014/main" id="{88294908-8B00-4F58-BBBA-20F71A40AA9E}"/>
@@ -10841,7 +12566,7 @@
       </p:sp>
       <p:sp>
         <p:nvSpPr>
-          <p:cNvPr id="10" name="Freeform: Shape 9">
+          <p:cNvPr id="43" name="Freeform: Shape 42">
             <a:extLst>
               <a:ext uri="{FF2B5EF4-FFF2-40B4-BE49-F238E27FC236}">
                 <a16:creationId xmlns:a16="http://schemas.microsoft.com/office/drawing/2014/main" id="{4364C879-1404-4203-8E9D-CC5DE0A621A2}"/>
@@ -10951,7 +12676,7 @@
       </p:sp>
       <p:sp>
         <p:nvSpPr>
-          <p:cNvPr id="12" name="Freeform: Shape 11">
+          <p:cNvPr id="45" name="Freeform: Shape 44">
             <a:extLst>
               <a:ext uri="{FF2B5EF4-FFF2-40B4-BE49-F238E27FC236}">
                 <a16:creationId xmlns:a16="http://schemas.microsoft.com/office/drawing/2014/main" id="{84617302-4B0D-4351-A6BB-6F0930D943AC}"/>
@@ -11069,7 +12794,7 @@
       </p:sp>
       <p:sp>
         <p:nvSpPr>
-          <p:cNvPr id="14" name="Freeform: Shape 13">
+          <p:cNvPr id="47" name="Freeform: Shape 46">
             <a:extLst>
               <a:ext uri="{FF2B5EF4-FFF2-40B4-BE49-F238E27FC236}">
                 <a16:creationId xmlns:a16="http://schemas.microsoft.com/office/drawing/2014/main" id="{DA2C7802-C2E0-4218-8F89-8DD7CCD2CD1C}"/>
@@ -11179,7 +12904,7 @@
       </p:sp>
       <p:sp>
         <p:nvSpPr>
-          <p:cNvPr id="16" name="Rectangle 15">
+          <p:cNvPr id="49" name="Rectangle 48">
             <a:extLst>
               <a:ext uri="{FF2B5EF4-FFF2-40B4-BE49-F238E27FC236}">
                 <a16:creationId xmlns:a16="http://schemas.microsoft.com/office/drawing/2014/main" id="{A6D7111A-21E5-4EE9-8A78-10E5530F0116}"/>
@@ -11246,7 +12971,7 @@
       </p:sp>
       <p:sp>
         <p:nvSpPr>
-          <p:cNvPr id="18" name="Freeform: Shape 17">
+          <p:cNvPr id="51" name="Freeform: Shape 50">
             <a:extLst>
               <a:ext uri="{FF2B5EF4-FFF2-40B4-BE49-F238E27FC236}">
                 <a16:creationId xmlns:a16="http://schemas.microsoft.com/office/drawing/2014/main" id="{A3969E80-A77B-49FC-9122-D89AFD5EE118}"/>
@@ -11364,7 +13089,7 @@
       </p:sp>
       <p:sp>
         <p:nvSpPr>
-          <p:cNvPr id="20" name="Rectangle 19">
+          <p:cNvPr id="53" name="Rectangle 52">
             <a:extLst>
               <a:ext uri="{FF2B5EF4-FFF2-40B4-BE49-F238E27FC236}">
                 <a16:creationId xmlns:a16="http://schemas.microsoft.com/office/drawing/2014/main" id="{1849CA57-76BD-4CF2-80BA-D7A46A01B7B1}"/>
@@ -11442,7 +13167,7 @@
       </p:sp>
       <p:sp>
         <p:nvSpPr>
-          <p:cNvPr id="22" name="Freeform: Shape 21">
+          <p:cNvPr id="55" name="Freeform: Shape 54">
             <a:extLst>
               <a:ext uri="{FF2B5EF4-FFF2-40B4-BE49-F238E27FC236}">
                 <a16:creationId xmlns:a16="http://schemas.microsoft.com/office/drawing/2014/main" id="{35E9085E-E730-4768-83D4-6CB7E9897153}"/>
@@ -11566,7 +13291,61 @@
       </p:sp>
       <p:sp>
         <p:nvSpPr>
-          <p:cNvPr id="24" name="Freeform: Shape 23">
+          <p:cNvPr id="4" name="Foliennummernplatzhalter 3">
+            <a:extLst>
+              <a:ext uri="{FF2B5EF4-FFF2-40B4-BE49-F238E27FC236}">
+                <a16:creationId xmlns:a16="http://schemas.microsoft.com/office/drawing/2014/main" id="{6EE3ED4D-1B29-43FD-B4D0-7AE782C3A51D}"/>
+              </a:ext>
+            </a:extLst>
+          </p:cNvPr>
+          <p:cNvSpPr>
+            <a:spLocks noGrp="1"/>
+          </p:cNvSpPr>
+          <p:nvPr>
+            <p:ph type="sldNum" sz="quarter" idx="12"/>
+          </p:nvPr>
+        </p:nvSpPr>
+        <p:spPr>
+          <a:xfrm>
+            <a:off x="321732" y="6356350"/>
+            <a:ext cx="2568811" cy="365125"/>
+          </a:xfrm>
+        </p:spPr>
+        <p:txBody>
+          <a:bodyPr vert="horz" lIns="91440" tIns="45720" rIns="91440" bIns="45720" rtlCol="0" anchor="ctr">
+            <a:normAutofit/>
+          </a:bodyPr>
+          <a:lstStyle/>
+          <a:p>
+            <a:pPr algn="l" defTabSz="914400">
+              <a:spcAft>
+                <a:spcPts val="600"/>
+              </a:spcAft>
+            </a:pPr>
+            <a:fld id="{DFF01B4A-46B9-4C6C-A96B-6DAD2C3CC688}" type="slidenum">
+              <a:rPr lang="en-US">
+                <a:solidFill>
+                  <a:srgbClr val="FFFFFF"/>
+                </a:solidFill>
+              </a:rPr>
+              <a:pPr algn="l" defTabSz="914400">
+                <a:spcAft>
+                  <a:spcPts val="600"/>
+                </a:spcAft>
+              </a:pPr>
+              <a:t>14</a:t>
+            </a:fld>
+            <a:endParaRPr lang="en-US">
+              <a:solidFill>
+                <a:srgbClr val="FFFFFF"/>
+              </a:solidFill>
+            </a:endParaRPr>
+          </a:p>
+        </p:txBody>
+      </p:sp>
+      <p:sp>
+        <p:nvSpPr>
+          <p:cNvPr id="57" name="Freeform: Shape 56">
             <a:extLst>
               <a:ext uri="{FF2B5EF4-FFF2-40B4-BE49-F238E27FC236}">
                 <a16:creationId xmlns:a16="http://schemas.microsoft.com/office/drawing/2014/main" id="{973272FE-A474-4CAE-8CA2-BCC8B476C3F4}"/>
@@ -11748,7 +13527,7 @@
           <p:cNvPr id="2" name="Titel 1">
             <a:extLst>
               <a:ext uri="{FF2B5EF4-FFF2-40B4-BE49-F238E27FC236}">
-                <a16:creationId xmlns:a16="http://schemas.microsoft.com/office/drawing/2014/main" id="{5561434E-3D71-4084-BF78-FFC495BDF811}"/>
+                <a16:creationId xmlns:a16="http://schemas.microsoft.com/office/drawing/2014/main" id="{34F6631A-0EE3-412E-AE60-1CFC492D3819}"/>
               </a:ext>
             </a:extLst>
           </p:cNvPr>
@@ -11774,7 +13553,7 @@
           <a:p>
             <a:pPr algn="ctr"/>
             <a:r>
-              <a:rPr lang="en-US" sz="3600" kern="1200">
+              <a:rPr lang="en-US" sz="3600" kern="1200" dirty="0">
                 <a:solidFill>
                   <a:srgbClr val="080808"/>
                 </a:solidFill>
@@ -11782,14 +13561,14 @@
                 <a:ea typeface="+mj-ea"/>
                 <a:cs typeface="+mj-cs"/>
               </a:rPr>
-              <a:t>State of the Art</a:t>
+              <a:t>Any Questions?</a:t>
             </a:r>
           </a:p>
         </p:txBody>
       </p:sp>
       <p:sp>
         <p:nvSpPr>
-          <p:cNvPr id="26" name="Freeform: Shape 25">
+          <p:cNvPr id="59" name="Freeform: Shape 58">
             <a:extLst>
               <a:ext uri="{FF2B5EF4-FFF2-40B4-BE49-F238E27FC236}">
                 <a16:creationId xmlns:a16="http://schemas.microsoft.com/office/drawing/2014/main" id="{E07981EA-05A6-437C-88D7-B377B92B031D}"/>
@@ -11899,7 +13678,7 @@
       </p:sp>
       <p:sp>
         <p:nvSpPr>
-          <p:cNvPr id="28" name="Rectangle 27">
+          <p:cNvPr id="61" name="Rectangle 60">
             <a:extLst>
               <a:ext uri="{FF2B5EF4-FFF2-40B4-BE49-F238E27FC236}">
                 <a16:creationId xmlns:a16="http://schemas.microsoft.com/office/drawing/2014/main" id="{15E3C750-986E-4769-B1AE-49289FBEE757}"/>
@@ -11964,39 +13743,10 @@
           </a:p>
         </p:txBody>
       </p:sp>
-      <p:sp>
-        <p:nvSpPr>
-          <p:cNvPr id="5" name="Foliennummernplatzhalter 4">
-            <a:extLst>
-              <a:ext uri="{FF2B5EF4-FFF2-40B4-BE49-F238E27FC236}">
-                <a16:creationId xmlns:a16="http://schemas.microsoft.com/office/drawing/2014/main" id="{36575B1D-DDF2-4D83-8856-AEBB7453805F}"/>
-              </a:ext>
-            </a:extLst>
-          </p:cNvPr>
-          <p:cNvSpPr>
-            <a:spLocks noGrp="1"/>
-          </p:cNvSpPr>
-          <p:nvPr>
-            <p:ph type="sldNum" sz="quarter" idx="12"/>
-          </p:nvPr>
-        </p:nvSpPr>
-        <p:spPr/>
-        <p:txBody>
-          <a:bodyPr/>
-          <a:lstStyle/>
-          <a:p>
-            <a:fld id="{DFF01B4A-46B9-4C6C-A96B-6DAD2C3CC688}" type="slidenum">
-              <a:rPr lang="de-DE" smtClean="0"/>
-              <a:t>5</a:t>
-            </a:fld>
-            <a:endParaRPr lang="de-DE"/>
-          </a:p>
-        </p:txBody>
-      </p:sp>
     </p:spTree>
     <p:extLst>
       <p:ext uri="{BB962C8B-B14F-4D97-AF65-F5344CB8AC3E}">
-        <p14:creationId xmlns:p14="http://schemas.microsoft.com/office/powerpoint/2010/main" val="1061349089"/>
+        <p14:creationId xmlns:p14="http://schemas.microsoft.com/office/powerpoint/2010/main" val="2024766194"/>
       </p:ext>
     </p:extLst>
   </p:cSld>
@@ -12006,7 +13756,7 @@
 </p:sld>
 </file>
 
-<file path=ppt/slides/slide6.xml><?xml version="1.0" encoding="utf-8"?>
+<file path=ppt/slides/slide15.xml><?xml version="1.0" encoding="utf-8"?>
 <p:sld xmlns:a="http://schemas.openxmlformats.org/drawingml/2006/main" xmlns:r="http://schemas.openxmlformats.org/officeDocument/2006/relationships" xmlns:p="http://schemas.openxmlformats.org/presentationml/2006/main">
   <p:cSld>
     <p:bg>
@@ -12031,57 +13781,12 @@
           <a:chExt cx="0" cy="0"/>
         </a:xfrm>
       </p:grpSpPr>
-      <p:pic>
-        <p:nvPicPr>
-          <p:cNvPr id="1026" name="Picture 2" descr="Inside the (deep) mind of AlphaZero | ChessBase">
+      <p:sp>
+        <p:nvSpPr>
+          <p:cNvPr id="34" name="Rectangle 33">
             <a:extLst>
               <a:ext uri="{FF2B5EF4-FFF2-40B4-BE49-F238E27FC236}">
-                <a16:creationId xmlns:a16="http://schemas.microsoft.com/office/drawing/2014/main" id="{885848D4-53E6-4D8D-AA3A-08215466BFF6}"/>
-              </a:ext>
-            </a:extLst>
-          </p:cNvPr>
-          <p:cNvPicPr>
-            <a:picLocks noChangeAspect="1" noChangeArrowheads="1"/>
-          </p:cNvPicPr>
-          <p:nvPr/>
-        </p:nvPicPr>
-        <p:blipFill rotWithShape="1">
-          <a:blip r:embed="rId2">
-            <a:extLst>
-              <a:ext uri="{28A0092B-C50C-407E-A947-70E740481C1C}">
-                <a14:useLocalDpi xmlns:a14="http://schemas.microsoft.com/office/drawing/2010/main" val="0"/>
-              </a:ext>
-            </a:extLst>
-          </a:blip>
-          <a:srcRect t="11919" r="9091" b="11473"/>
-          <a:stretch/>
-        </p:blipFill>
-        <p:spPr bwMode="auto">
-          <a:xfrm>
-            <a:off x="20" y="10"/>
-            <a:ext cx="12191980" cy="6857990"/>
-          </a:xfrm>
-          <a:prstGeom prst="rect">
-            <a:avLst/>
-          </a:prstGeom>
-          <a:noFill/>
-          <a:extLst>
-            <a:ext uri="{909E8E84-426E-40DD-AFC4-6F175D3DCCD1}">
-              <a14:hiddenFill xmlns:a14="http://schemas.microsoft.com/office/drawing/2010/main">
-                <a:solidFill>
-                  <a:srgbClr val="FFFFFF"/>
-                </a:solidFill>
-              </a14:hiddenFill>
-            </a:ext>
-          </a:extLst>
-        </p:spPr>
-      </p:pic>
-      <p:sp>
-        <p:nvSpPr>
-          <p:cNvPr id="1028" name="Rectangle 70">
-            <a:extLst>
-              <a:ext uri="{FF2B5EF4-FFF2-40B4-BE49-F238E27FC236}">
-                <a16:creationId xmlns:a16="http://schemas.microsoft.com/office/drawing/2014/main" id="{724CD679-7405-4CD3-A92A-9469F279A59D}"/>
+                <a16:creationId xmlns:a16="http://schemas.microsoft.com/office/drawing/2014/main" id="{7905BA41-EE6E-4F80-8636-447F22DD729A}"/>
               </a:ext>
               <a:ext uri="{C183D7F6-B498-43B3-948B-1728B52AA6E4}">
                 <adec:decorative xmlns:adec="http://schemas.microsoft.com/office/drawing/2017/decorative" val="1"/>
@@ -12099,22 +13804,155 @@
             </p:extLst>
           </p:nvPr>
         </p:nvSpPr>
-        <p:spPr bwMode="ltGray">
+        <p:spPr>
           <a:xfrm>
-            <a:off x="336884" y="321176"/>
-            <a:ext cx="5735590" cy="5896743"/>
+            <a:off x="0" y="0"/>
+            <a:ext cx="12192000" cy="6858000"/>
           </a:xfrm>
           <a:prstGeom prst="rect">
             <a:avLst/>
           </a:prstGeom>
           <a:solidFill>
-            <a:schemeClr val="bg1">
-              <a:alpha val="90000"/>
+            <a:schemeClr val="accent1"/>
+          </a:solidFill>
+          <a:ln>
+            <a:noFill/>
+          </a:ln>
+        </p:spPr>
+        <p:style>
+          <a:lnRef idx="2">
+            <a:schemeClr val="accent1">
+              <a:shade val="50000"/>
             </a:schemeClr>
+          </a:lnRef>
+          <a:fillRef idx="1">
+            <a:schemeClr val="accent1"/>
+          </a:fillRef>
+          <a:effectRef idx="0">
+            <a:schemeClr val="accent1"/>
+          </a:effectRef>
+          <a:fontRef idx="minor">
+            <a:schemeClr val="lt1"/>
+          </a:fontRef>
+        </p:style>
+        <p:txBody>
+          <a:bodyPr rtlCol="0" anchor="ctr"/>
+          <a:lstStyle/>
+          <a:p>
+            <a:pPr marL="0" marR="0" lvl="0" indent="0" algn="ctr" defTabSz="914400" rtl="0" eaLnBrk="1" fontAlgn="auto" latinLnBrk="0" hangingPunct="1">
+              <a:lnSpc>
+                <a:spcPct val="100000"/>
+              </a:lnSpc>
+              <a:spcBef>
+                <a:spcPts val="0"/>
+              </a:spcBef>
+              <a:spcAft>
+                <a:spcPts val="0"/>
+              </a:spcAft>
+              <a:buClrTx/>
+              <a:buSzTx/>
+              <a:buFontTx/>
+              <a:buNone/>
+              <a:tabLst/>
+              <a:defRPr/>
+            </a:pPr>
+            <a:endParaRPr kumimoji="0" lang="en-US" sz="1800" b="0" i="0" u="none" strike="noStrike" kern="1200" cap="none" spc="0" normalizeH="0" baseline="0" noProof="0">
+              <a:ln>
+                <a:noFill/>
+              </a:ln>
+              <a:solidFill>
+                <a:prstClr val="white"/>
+              </a:solidFill>
+              <a:effectLst/>
+              <a:uLnTx/>
+              <a:uFillTx/>
+              <a:latin typeface="Calibri" panose="020F0502020204030204"/>
+              <a:ea typeface="+mn-ea"/>
+              <a:cs typeface="+mn-cs"/>
+            </a:endParaRPr>
+          </a:p>
+        </p:txBody>
+      </p:sp>
+      <p:sp>
+        <p:nvSpPr>
+          <p:cNvPr id="2" name="Titel 1">
+            <a:extLst>
+              <a:ext uri="{FF2B5EF4-FFF2-40B4-BE49-F238E27FC236}">
+                <a16:creationId xmlns:a16="http://schemas.microsoft.com/office/drawing/2014/main" id="{34F6631A-0EE3-412E-AE60-1CFC492D3819}"/>
+              </a:ext>
+            </a:extLst>
+          </p:cNvPr>
+          <p:cNvSpPr>
+            <a:spLocks noGrp="1"/>
+          </p:cNvSpPr>
+          <p:nvPr>
+            <p:ph type="title"/>
+          </p:nvPr>
+        </p:nvSpPr>
+        <p:spPr>
+          <a:xfrm>
+            <a:off x="1848465" y="3298722"/>
+            <a:ext cx="8495070" cy="1784402"/>
+          </a:xfrm>
+        </p:spPr>
+        <p:txBody>
+          <a:bodyPr vert="horz" lIns="91440" tIns="45720" rIns="91440" bIns="45720" rtlCol="0" anchor="b">
+            <a:normAutofit/>
+          </a:bodyPr>
+          <a:lstStyle/>
+          <a:p>
+            <a:pPr algn="ctr"/>
+            <a:r>
+              <a:rPr lang="en-US" sz="6000" kern="1200">
+                <a:solidFill>
+                  <a:srgbClr val="FFFFFF"/>
+                </a:solidFill>
+                <a:latin typeface="+mj-lt"/>
+                <a:ea typeface="+mj-ea"/>
+                <a:cs typeface="+mj-cs"/>
+              </a:rPr>
+              <a:t>Thank you for your Attention</a:t>
+            </a:r>
+          </a:p>
+        </p:txBody>
+      </p:sp>
+      <p:sp>
+        <p:nvSpPr>
+          <p:cNvPr id="36" name="Oval 35">
+            <a:extLst>
+              <a:ext uri="{FF2B5EF4-FFF2-40B4-BE49-F238E27FC236}">
+                <a16:creationId xmlns:a16="http://schemas.microsoft.com/office/drawing/2014/main" id="{CD7549B2-EE05-4558-8C64-AC46755F2B25}"/>
+              </a:ext>
+              <a:ext uri="{C183D7F6-B498-43B3-948B-1728B52AA6E4}">
+                <adec:decorative xmlns:adec="http://schemas.microsoft.com/office/drawing/2017/decorative" val="1"/>
+              </a:ext>
+            </a:extLst>
+          </p:cNvPr>
+          <p:cNvSpPr>
+            <a:spLocks noGrp="1" noRot="1" noChangeAspect="1" noMove="1" noResize="1" noEditPoints="1" noAdjustHandles="1" noChangeArrowheads="1" noChangeShapeType="1" noTextEdit="1"/>
+          </p:cNvSpPr>
+          <p:nvPr>
+            <p:extLst>
+              <p:ext uri="{386F3935-93C4-4BCD-93E2-E3B085C9AB24}">
+                <p16:designElem xmlns:p16="http://schemas.microsoft.com/office/powerpoint/2015/main" val="1"/>
+              </p:ext>
+            </p:extLst>
+          </p:nvPr>
+        </p:nvSpPr>
+        <p:spPr>
+          <a:xfrm>
+            <a:off x="5025914" y="889251"/>
+            <a:ext cx="2140172" cy="2140172"/>
+          </a:xfrm>
+          <a:prstGeom prst="ellipse">
+            <a:avLst/>
+          </a:prstGeom>
+          <a:solidFill>
+            <a:srgbClr val="FFFFFF"/>
           </a:solidFill>
-          <a:ln w="127000" cap="sq" cmpd="thinThick">
+          <a:ln w="19050">
             <a:solidFill>
-              <a:schemeClr val="bg1"/>
+              <a:schemeClr val="accent1"/>
             </a:solidFill>
           </a:ln>
         </p:spPr>
@@ -12138,17 +13976,177 @@
           <a:bodyPr rtlCol="0" anchor="ctr"/>
           <a:lstStyle/>
           <a:p>
-            <a:pPr algn="ctr"/>
-            <a:endParaRPr lang="en-US"/>
+            <a:pPr marL="0" marR="0" lvl="0" indent="0" algn="ctr" defTabSz="914400" rtl="0" eaLnBrk="1" fontAlgn="auto" latinLnBrk="0" hangingPunct="1">
+              <a:lnSpc>
+                <a:spcPct val="100000"/>
+              </a:lnSpc>
+              <a:spcBef>
+                <a:spcPts val="0"/>
+              </a:spcBef>
+              <a:spcAft>
+                <a:spcPts val="0"/>
+              </a:spcAft>
+              <a:buClrTx/>
+              <a:buSzTx/>
+              <a:buFontTx/>
+              <a:buNone/>
+              <a:tabLst/>
+              <a:defRPr/>
+            </a:pPr>
+            <a:endParaRPr kumimoji="0" lang="en-US" sz="1800" b="0" i="0" u="none" strike="noStrike" kern="1200" cap="none" spc="0" normalizeH="0" baseline="0" noProof="0">
+              <a:ln>
+                <a:noFill/>
+              </a:ln>
+              <a:solidFill>
+                <a:prstClr val="white"/>
+              </a:solidFill>
+              <a:effectLst/>
+              <a:uLnTx/>
+              <a:uFillTx/>
+              <a:latin typeface="Calibri" panose="020F0502020204030204"/>
+              <a:ea typeface="+mn-ea"/>
+              <a:cs typeface="+mn-cs"/>
+            </a:endParaRPr>
           </a:p>
         </p:txBody>
       </p:sp>
+      <p:pic>
+        <p:nvPicPr>
+          <p:cNvPr id="31" name="Graphic 30">
+            <a:extLst>
+              <a:ext uri="{FF2B5EF4-FFF2-40B4-BE49-F238E27FC236}">
+                <a16:creationId xmlns:a16="http://schemas.microsoft.com/office/drawing/2014/main" id="{EA1CF595-43FF-4EE9-954D-39700326774A}"/>
+              </a:ext>
+            </a:extLst>
+          </p:cNvPr>
+          <p:cNvPicPr>
+            <a:picLocks noChangeAspect="1"/>
+          </p:cNvPicPr>
+          <p:nvPr/>
+        </p:nvPicPr>
+        <p:blipFill>
+          <a:blip r:embed="rId2">
+            <a:extLst>
+              <a:ext uri="{28A0092B-C50C-407E-A947-70E740481C1C}">
+                <a14:useLocalDpi xmlns:a14="http://schemas.microsoft.com/office/drawing/2010/main" val="0"/>
+              </a:ext>
+              <a:ext uri="{96DAC541-7B7A-43D3-8B79-37D633B846F1}">
+                <asvg:svgBlip xmlns:asvg="http://schemas.microsoft.com/office/drawing/2016/SVG/main" r:embed="rId3"/>
+              </a:ext>
+            </a:extLst>
+          </a:blip>
+          <a:stretch>
+            <a:fillRect/>
+          </a:stretch>
+        </p:blipFill>
+        <p:spPr>
+          <a:xfrm>
+            <a:off x="5508264" y="1371601"/>
+            <a:ext cx="1175474" cy="1175474"/>
+          </a:xfrm>
+          <a:prstGeom prst="rect">
+            <a:avLst/>
+          </a:prstGeom>
+        </p:spPr>
+      </p:pic>
+      <p:sp>
+        <p:nvSpPr>
+          <p:cNvPr id="4" name="Foliennummernplatzhalter 3">
+            <a:extLst>
+              <a:ext uri="{FF2B5EF4-FFF2-40B4-BE49-F238E27FC236}">
+                <a16:creationId xmlns:a16="http://schemas.microsoft.com/office/drawing/2014/main" id="{6EE3ED4D-1B29-43FD-B4D0-7AE782C3A51D}"/>
+              </a:ext>
+            </a:extLst>
+          </p:cNvPr>
+          <p:cNvSpPr>
+            <a:spLocks noGrp="1"/>
+          </p:cNvSpPr>
+          <p:nvPr>
+            <p:ph type="sldNum" sz="quarter" idx="12"/>
+          </p:nvPr>
+        </p:nvSpPr>
+        <p:spPr>
+          <a:xfrm>
+            <a:off x="8610600" y="6356350"/>
+            <a:ext cx="2743200" cy="365125"/>
+          </a:xfrm>
+        </p:spPr>
+        <p:txBody>
+          <a:bodyPr vert="horz" lIns="91440" tIns="45720" rIns="91440" bIns="45720" rtlCol="0" anchor="ctr">
+            <a:normAutofit/>
+          </a:bodyPr>
+          <a:lstStyle/>
+          <a:p>
+            <a:pPr defTabSz="914400">
+              <a:spcAft>
+                <a:spcPts val="600"/>
+              </a:spcAft>
+            </a:pPr>
+            <a:fld id="{DFF01B4A-46B9-4C6C-A96B-6DAD2C3CC688}" type="slidenum">
+              <a:rPr lang="en-US">
+                <a:solidFill>
+                  <a:prstClr val="white"/>
+                </a:solidFill>
+              </a:rPr>
+              <a:pPr defTabSz="914400">
+                <a:spcAft>
+                  <a:spcPts val="600"/>
+                </a:spcAft>
+              </a:pPr>
+              <a:t>15</a:t>
+            </a:fld>
+            <a:endParaRPr lang="en-US">
+              <a:solidFill>
+                <a:prstClr val="white"/>
+              </a:solidFill>
+            </a:endParaRPr>
+          </a:p>
+        </p:txBody>
+      </p:sp>
+    </p:spTree>
+    <p:extLst>
+      <p:ext uri="{BB962C8B-B14F-4D97-AF65-F5344CB8AC3E}">
+        <p14:creationId xmlns:p14="http://schemas.microsoft.com/office/powerpoint/2010/main" val="3860202698"/>
+      </p:ext>
+    </p:extLst>
+  </p:cSld>
+  <p:clrMapOvr>
+    <a:masterClrMapping/>
+  </p:clrMapOvr>
+</p:sld>
+</file>
+
+<file path=ppt/slides/slide2.xml><?xml version="1.0" encoding="utf-8"?>
+<p:sld xmlns:a="http://schemas.openxmlformats.org/drawingml/2006/main" xmlns:r="http://schemas.openxmlformats.org/officeDocument/2006/relationships" xmlns:p="http://schemas.openxmlformats.org/presentationml/2006/main">
+  <p:cSld>
+    <p:bg>
+      <p:bgPr>
+        <a:solidFill>
+          <a:schemeClr val="bg1"/>
+        </a:solidFill>
+        <a:effectLst/>
+      </p:bgPr>
+    </p:bg>
+    <p:spTree>
+      <p:nvGrpSpPr>
+        <p:cNvPr id="1" name=""/>
+        <p:cNvGrpSpPr/>
+        <p:nvPr/>
+      </p:nvGrpSpPr>
+      <p:grpSpPr>
+        <a:xfrm>
+          <a:off x="0" y="0"/>
+          <a:ext cx="0" cy="0"/>
+          <a:chOff x="0" y="0"/>
+          <a:chExt cx="0" cy="0"/>
+        </a:xfrm>
+      </p:grpSpPr>
       <p:sp>
         <p:nvSpPr>
           <p:cNvPr id="2" name="Titel 1">
             <a:extLst>
               <a:ext uri="{FF2B5EF4-FFF2-40B4-BE49-F238E27FC236}">
-                <a16:creationId xmlns:a16="http://schemas.microsoft.com/office/drawing/2014/main" id="{D876FA07-50C3-4ACA-8688-56A99B65C35B}"/>
+                <a16:creationId xmlns:a16="http://schemas.microsoft.com/office/drawing/2014/main" id="{795DF038-569A-4894-861A-72097C92DAE3}"/>
               </a:ext>
             </a:extLst>
           </p:cNvPr>
@@ -12161,8 +14159,8 @@
         </p:nvSpPr>
         <p:spPr>
           <a:xfrm>
-            <a:off x="594805" y="640263"/>
-            <a:ext cx="5221266" cy="1344975"/>
+            <a:off x="391378" y="320675"/>
+            <a:ext cx="11407487" cy="1325563"/>
           </a:xfrm>
         </p:spPr>
         <p:txBody>
@@ -12172,50 +14170,9 @@
           <a:lstStyle/>
           <a:p>
             <a:r>
-              <a:rPr lang="de-DE" sz="4000" dirty="0"/>
-              <a:t>DeepMind - </a:t>
+              <a:rPr lang="de-DE" sz="5400"/>
+              <a:t>Table of Content</a:t>
             </a:r>
-            <a:r>
-              <a:rPr lang="de-DE" sz="4000" dirty="0" err="1"/>
-              <a:t>AlphaZero</a:t>
-            </a:r>
-            <a:endParaRPr lang="de-DE" sz="4000" dirty="0"/>
-          </a:p>
-        </p:txBody>
-      </p:sp>
-      <p:sp>
-        <p:nvSpPr>
-          <p:cNvPr id="3" name="Inhaltsplatzhalter 2">
-            <a:extLst>
-              <a:ext uri="{FF2B5EF4-FFF2-40B4-BE49-F238E27FC236}">
-                <a16:creationId xmlns:a16="http://schemas.microsoft.com/office/drawing/2014/main" id="{86117E30-EC20-4121-9ECE-708E2BC2CC77}"/>
-              </a:ext>
-            </a:extLst>
-          </p:cNvPr>
-          <p:cNvSpPr>
-            <a:spLocks noGrp="1"/>
-          </p:cNvSpPr>
-          <p:nvPr>
-            <p:ph idx="1"/>
-          </p:nvPr>
-        </p:nvSpPr>
-        <p:spPr>
-          <a:xfrm>
-            <a:off x="594110" y="2121763"/>
-            <a:ext cx="5235490" cy="3773010"/>
-          </a:xfrm>
-        </p:spPr>
-        <p:txBody>
-          <a:bodyPr>
-            <a:normAutofit/>
-          </a:bodyPr>
-          <a:lstStyle/>
-          <a:p>
-            <a:r>
-              <a:rPr lang="de-DE" sz="2400"/>
-              <a:t>2017 </a:t>
-            </a:r>
-            <a:endParaRPr lang="de-DE" sz="2400" dirty="0"/>
           </a:p>
         </p:txBody>
       </p:sp>
@@ -12224,7 +14181,7 @@
           <p:cNvPr id="4" name="Foliennummernplatzhalter 3">
             <a:extLst>
               <a:ext uri="{FF2B5EF4-FFF2-40B4-BE49-F238E27FC236}">
-                <a16:creationId xmlns:a16="http://schemas.microsoft.com/office/drawing/2014/main" id="{0B74A0A5-A7FB-40C8-A067-5C89BCCD5E73}"/>
+                <a16:creationId xmlns:a16="http://schemas.microsoft.com/office/drawing/2014/main" id="{56E6B6B5-F344-48AE-8E99-DFE8CEF93666}"/>
               </a:ext>
             </a:extLst>
           </p:cNvPr>
@@ -12253,30 +14210,53 @@
               </a:spcAft>
             </a:pPr>
             <a:fld id="{DFF01B4A-46B9-4C6C-A96B-6DAD2C3CC688}" type="slidenum">
-              <a:rPr lang="de-DE">
-                <a:solidFill>
-                  <a:srgbClr val="FFFFFF"/>
-                </a:solidFill>
-              </a:rPr>
+              <a:rPr lang="de-DE" smtClean="0"/>
               <a:pPr>
                 <a:spcAft>
                   <a:spcPts val="600"/>
                 </a:spcAft>
               </a:pPr>
-              <a:t>6</a:t>
+              <a:t>2</a:t>
             </a:fld>
-            <a:endParaRPr lang="de-DE">
-              <a:solidFill>
-                <a:srgbClr val="FFFFFF"/>
-              </a:solidFill>
-            </a:endParaRPr>
+            <a:endParaRPr lang="de-DE"/>
           </a:p>
         </p:txBody>
       </p:sp>
+      <p:graphicFrame>
+        <p:nvGraphicFramePr>
+          <p:cNvPr id="19" name="Inhaltsplatzhalter 2">
+            <a:extLst>
+              <a:ext uri="{FF2B5EF4-FFF2-40B4-BE49-F238E27FC236}">
+                <a16:creationId xmlns:a16="http://schemas.microsoft.com/office/drawing/2014/main" id="{8E42A22F-9C5A-4DD7-B7C9-16976C0948DC}"/>
+              </a:ext>
+            </a:extLst>
+          </p:cNvPr>
+          <p:cNvGraphicFramePr>
+            <a:graphicFrameLocks noGrp="1"/>
+          </p:cNvGraphicFramePr>
+          <p:nvPr>
+            <p:ph idx="1"/>
+            <p:extLst>
+              <p:ext uri="{D42A27DB-BD31-4B8C-83A1-F6EECF244321}">
+                <p14:modId xmlns:p14="http://schemas.microsoft.com/office/powerpoint/2010/main" val="1582151032"/>
+              </p:ext>
+            </p:extLst>
+          </p:nvPr>
+        </p:nvGraphicFramePr>
+        <p:xfrm>
+          <a:off x="391379" y="1825625"/>
+          <a:ext cx="11407487" cy="4351338"/>
+        </p:xfrm>
+        <a:graphic>
+          <a:graphicData uri="http://schemas.openxmlformats.org/drawingml/2006/diagram">
+            <dgm:relIds xmlns:dgm="http://schemas.openxmlformats.org/drawingml/2006/diagram" xmlns:r="http://schemas.openxmlformats.org/officeDocument/2006/relationships" r:dm="rId2" r:lo="rId3" r:qs="rId4" r:cs="rId5"/>
+          </a:graphicData>
+        </a:graphic>
+      </p:graphicFrame>
     </p:spTree>
     <p:extLst>
       <p:ext uri="{BB962C8B-B14F-4D97-AF65-F5344CB8AC3E}">
-        <p14:creationId xmlns:p14="http://schemas.microsoft.com/office/powerpoint/2010/main" val="3705508391"/>
+        <p14:creationId xmlns:p14="http://schemas.microsoft.com/office/powerpoint/2010/main" val="2853104534"/>
       </p:ext>
     </p:extLst>
   </p:cSld>
@@ -12286,7 +14266,7 @@
 </p:sld>
 </file>
 
-<file path=ppt/slides/slide7.xml><?xml version="1.0" encoding="utf-8"?>
+<file path=ppt/slides/slide3.xml><?xml version="1.0" encoding="utf-8"?>
 <p:sld xmlns:a="http://schemas.openxmlformats.org/drawingml/2006/main" xmlns:r="http://schemas.openxmlformats.org/officeDocument/2006/relationships" xmlns:p="http://schemas.openxmlformats.org/presentationml/2006/main">
   <p:cSld>
     <p:bg>
@@ -13283,7 +15263,7 @@
           <p:cNvPr id="2" name="Titel 1">
             <a:extLst>
               <a:ext uri="{FF2B5EF4-FFF2-40B4-BE49-F238E27FC236}">
-                <a16:creationId xmlns:a16="http://schemas.microsoft.com/office/drawing/2014/main" id="{76ACC6E6-7CA0-48B7-8D35-CE4440EB3149}"/>
+                <a16:creationId xmlns:a16="http://schemas.microsoft.com/office/drawing/2014/main" id="{F1B9508F-34D6-4234-A011-6003F313B7DB}"/>
               </a:ext>
             </a:extLst>
           </p:cNvPr>
@@ -13317,7 +15297,7 @@
                 <a:ea typeface="+mj-ea"/>
                 <a:cs typeface="+mj-cs"/>
               </a:rPr>
-              <a:t>Algortihm explained</a:t>
+              <a:t>Motivation</a:t>
             </a:r>
           </a:p>
         </p:txBody>
@@ -13504,7 +15484,7 @@
           <p:cNvPr id="5" name="Foliennummernplatzhalter 4">
             <a:extLst>
               <a:ext uri="{FF2B5EF4-FFF2-40B4-BE49-F238E27FC236}">
-                <a16:creationId xmlns:a16="http://schemas.microsoft.com/office/drawing/2014/main" id="{38AB55F4-A5E4-4EE6-8255-12A908920A90}"/>
+                <a16:creationId xmlns:a16="http://schemas.microsoft.com/office/drawing/2014/main" id="{4BC0475B-9268-4136-9DF1-1D4D0057C72F}"/>
               </a:ext>
             </a:extLst>
           </p:cNvPr>
@@ -13522,7 +15502,7 @@
           <a:p>
             <a:fld id="{DFF01B4A-46B9-4C6C-A96B-6DAD2C3CC688}" type="slidenum">
               <a:rPr lang="de-DE" smtClean="0"/>
-              <a:t>7</a:t>
+              <a:t>3</a:t>
             </a:fld>
             <a:endParaRPr lang="de-DE"/>
           </a:p>
@@ -13531,7 +15511,7 @@
     </p:spTree>
     <p:extLst>
       <p:ext uri="{BB962C8B-B14F-4D97-AF65-F5344CB8AC3E}">
-        <p14:creationId xmlns:p14="http://schemas.microsoft.com/office/powerpoint/2010/main" val="1477730887"/>
+        <p14:creationId xmlns:p14="http://schemas.microsoft.com/office/powerpoint/2010/main" val="1253730509"/>
       </p:ext>
     </p:extLst>
   </p:cSld>
@@ -13541,7 +15521,7 @@
 </p:sld>
 </file>
 
-<file path=ppt/slides/slide8.xml><?xml version="1.0" encoding="utf-8"?>
+<file path=ppt/slides/slide4.xml><?xml version="1.0" encoding="utf-8"?>
 <p:sld xmlns:a="http://schemas.openxmlformats.org/drawingml/2006/main" xmlns:r="http://schemas.openxmlformats.org/officeDocument/2006/relationships" xmlns:p="http://schemas.openxmlformats.org/presentationml/2006/main">
   <p:cSld>
     <p:bg>
@@ -13568,7 +15548,7 @@
       </p:grpSpPr>
       <p:sp>
         <p:nvSpPr>
-          <p:cNvPr id="23" name="Rectangle 8">
+          <p:cNvPr id="10" name="Rectangle 9">
             <a:extLst>
               <a:ext uri="{FF2B5EF4-FFF2-40B4-BE49-F238E27FC236}">
                 <a16:creationId xmlns:a16="http://schemas.microsoft.com/office/drawing/2014/main" id="{2B566528-1B12-4246-9431-5C2D7D081168}"/>
@@ -13634,7 +15614,7 @@
           <p:cNvPr id="2" name="Titel 1">
             <a:extLst>
               <a:ext uri="{FF2B5EF4-FFF2-40B4-BE49-F238E27FC236}">
-                <a16:creationId xmlns:a16="http://schemas.microsoft.com/office/drawing/2014/main" id="{5AE67FBB-C739-48C1-9469-53803B87622F}"/>
+                <a16:creationId xmlns:a16="http://schemas.microsoft.com/office/drawing/2014/main" id="{D1C4EE7D-9277-43DE-889A-A73FD51A2837}"/>
               </a:ext>
             </a:extLst>
           </p:cNvPr>
@@ -13657,10 +15637,6 @@
           </a:bodyPr>
           <a:lstStyle/>
           <a:p>
-            <a:r>
-              <a:rPr lang="de-DE" sz="3600"/>
-              <a:t>Motnecarlo Tree Search</a:t>
-            </a:r>
             <a:endParaRPr lang="de-DE" sz="3600" dirty="0"/>
           </a:p>
         </p:txBody>
@@ -13670,7 +15646,7 @@
           <p:cNvPr id="3" name="Inhaltsplatzhalter 2">
             <a:extLst>
               <a:ext uri="{FF2B5EF4-FFF2-40B4-BE49-F238E27FC236}">
-                <a16:creationId xmlns:a16="http://schemas.microsoft.com/office/drawing/2014/main" id="{0368D168-01DD-4E98-AB1D-2C5EF2677C34}"/>
+                <a16:creationId xmlns:a16="http://schemas.microsoft.com/office/drawing/2014/main" id="{3751EFFD-586A-4666-AF00-AFCBE7F6BF61}"/>
               </a:ext>
             </a:extLst>
           </p:cNvPr>
@@ -13693,19 +15669,13 @@
           </a:bodyPr>
           <a:lstStyle/>
           <a:p>
-            <a:r>
-              <a:rPr lang="en-US" dirty="0"/>
-              <a:t>combines the precision of tree search with the generality of random sampling</a:t>
-            </a:r>
-          </a:p>
-          <a:p>
             <a:endParaRPr lang="de-DE" sz="2000" dirty="0"/>
           </a:p>
         </p:txBody>
       </p:sp>
       <p:sp>
         <p:nvSpPr>
-          <p:cNvPr id="24" name="Rectangle 10">
+          <p:cNvPr id="12" name="Rectangle 11">
             <a:extLst>
               <a:ext uri="{FF2B5EF4-FFF2-40B4-BE49-F238E27FC236}">
                 <a16:creationId xmlns:a16="http://schemas.microsoft.com/office/drawing/2014/main" id="{2E80C965-DB6D-4F81-9E9E-B027384D0BD6}"/>
@@ -13770,7 +15740,7 @@
       </p:sp>
       <p:sp>
         <p:nvSpPr>
-          <p:cNvPr id="25" name="Isosceles Triangle 12">
+          <p:cNvPr id="14" name="Isosceles Triangle 13">
             <a:extLst>
               <a:ext uri="{FF2B5EF4-FFF2-40B4-BE49-F238E27FC236}">
                 <a16:creationId xmlns:a16="http://schemas.microsoft.com/office/drawing/2014/main" id="{A580F890-B085-4E95-96AA-55AEBEC5CE6E}"/>
@@ -13837,7 +15807,7 @@
       </p:sp>
       <p:sp>
         <p:nvSpPr>
-          <p:cNvPr id="26" name="Isosceles Triangle 14">
+          <p:cNvPr id="16" name="Isosceles Triangle 15">
             <a:extLst>
               <a:ext uri="{FF2B5EF4-FFF2-40B4-BE49-F238E27FC236}">
                 <a16:creationId xmlns:a16="http://schemas.microsoft.com/office/drawing/2014/main" id="{D3F51FEB-38FB-4F6C-9F7B-2F2AFAB65463}"/>
@@ -13906,7 +15876,7 @@
       </p:sp>
       <p:sp>
         <p:nvSpPr>
-          <p:cNvPr id="27" name="Rectangle 16">
+          <p:cNvPr id="18" name="Rectangle 17">
             <a:extLst>
               <a:ext uri="{FF2B5EF4-FFF2-40B4-BE49-F238E27FC236}">
                 <a16:creationId xmlns:a16="http://schemas.microsoft.com/office/drawing/2014/main" id="{1E547BA6-BAE0-43BB-A7CA-60F69CE252F0}"/>
@@ -13973,10 +15943,10 @@
       </p:sp>
       <p:sp>
         <p:nvSpPr>
-          <p:cNvPr id="4" name="Foliennummernplatzhalter 3">
+          <p:cNvPr id="5" name="Foliennummernplatzhalter 4">
             <a:extLst>
               <a:ext uri="{FF2B5EF4-FFF2-40B4-BE49-F238E27FC236}">
-                <a16:creationId xmlns:a16="http://schemas.microsoft.com/office/drawing/2014/main" id="{CFEFB799-7DB3-47B9-84A4-6B570130C9ED}"/>
+                <a16:creationId xmlns:a16="http://schemas.microsoft.com/office/drawing/2014/main" id="{D420F1DA-7584-44DA-99A7-7F4B3373B623}"/>
               </a:ext>
             </a:extLst>
           </p:cNvPr>
@@ -14011,7 +15981,7 @@
                   <a:spcPts val="600"/>
                 </a:spcAft>
               </a:pPr>
-              <a:t>8</a:t>
+              <a:t>4</a:t>
             </a:fld>
             <a:endParaRPr lang="de-DE"/>
           </a:p>
@@ -14020,7 +15990,7 @@
     </p:spTree>
     <p:extLst>
       <p:ext uri="{BB962C8B-B14F-4D97-AF65-F5344CB8AC3E}">
-        <p14:creationId xmlns:p14="http://schemas.microsoft.com/office/powerpoint/2010/main" val="3503204803"/>
+        <p14:creationId xmlns:p14="http://schemas.microsoft.com/office/powerpoint/2010/main" val="733108152"/>
       </p:ext>
     </p:extLst>
   </p:cSld>
@@ -14030,7 +16000,7 @@
 </p:sld>
 </file>
 
-<file path=ppt/slides/slide9.xml><?xml version="1.0" encoding="utf-8"?>
+<file path=ppt/slides/slide5.xml><?xml version="1.0" encoding="utf-8"?>
 <p:sld xmlns:a="http://schemas.openxmlformats.org/drawingml/2006/main" xmlns:r="http://schemas.openxmlformats.org/officeDocument/2006/relationships" xmlns:p="http://schemas.openxmlformats.org/presentationml/2006/main">
   <p:cSld>
     <p:bg>
@@ -14721,7 +16691,7 @@
       </p:sp>
       <p:sp>
         <p:nvSpPr>
-          <p:cNvPr id="33" name="Freeform: Shape 21">
+          <p:cNvPr id="22" name="Freeform: Shape 21">
             <a:extLst>
               <a:ext uri="{FF2B5EF4-FFF2-40B4-BE49-F238E27FC236}">
                 <a16:creationId xmlns:a16="http://schemas.microsoft.com/office/drawing/2014/main" id="{35E9085E-E730-4768-83D4-6CB7E9897153}"/>
@@ -14845,7 +16815,7 @@
       </p:sp>
       <p:sp>
         <p:nvSpPr>
-          <p:cNvPr id="34" name="Freeform: Shape 23">
+          <p:cNvPr id="24" name="Freeform: Shape 23">
             <a:extLst>
               <a:ext uri="{FF2B5EF4-FFF2-40B4-BE49-F238E27FC236}">
                 <a16:creationId xmlns:a16="http://schemas.microsoft.com/office/drawing/2014/main" id="{973272FE-A474-4CAE-8CA2-BCC8B476C3F4}"/>
@@ -15027,7 +16997,7 @@
           <p:cNvPr id="2" name="Titel 1">
             <a:extLst>
               <a:ext uri="{FF2B5EF4-FFF2-40B4-BE49-F238E27FC236}">
-                <a16:creationId xmlns:a16="http://schemas.microsoft.com/office/drawing/2014/main" id="{E7C5E82A-3382-4BFE-ADDE-DB1DFDB4A1D5}"/>
+                <a16:creationId xmlns:a16="http://schemas.microsoft.com/office/drawing/2014/main" id="{5561434E-3D71-4084-BF78-FFC495BDF811}"/>
               </a:ext>
             </a:extLst>
           </p:cNvPr>
@@ -15061,14 +17031,14 @@
                 <a:ea typeface="+mj-ea"/>
                 <a:cs typeface="+mj-cs"/>
               </a:rPr>
-              <a:t>Vorgehensweise</a:t>
+              <a:t>State of the Art</a:t>
             </a:r>
           </a:p>
         </p:txBody>
       </p:sp>
       <p:sp>
         <p:nvSpPr>
-          <p:cNvPr id="35" name="Freeform: Shape 25">
+          <p:cNvPr id="26" name="Freeform: Shape 25">
             <a:extLst>
               <a:ext uri="{FF2B5EF4-FFF2-40B4-BE49-F238E27FC236}">
                 <a16:creationId xmlns:a16="http://schemas.microsoft.com/office/drawing/2014/main" id="{E07981EA-05A6-437C-88D7-B377B92B031D}"/>
@@ -15178,7 +17148,7 @@
       </p:sp>
       <p:sp>
         <p:nvSpPr>
-          <p:cNvPr id="36" name="Rectangle 27">
+          <p:cNvPr id="28" name="Rectangle 27">
             <a:extLst>
               <a:ext uri="{FF2B5EF4-FFF2-40B4-BE49-F238E27FC236}">
                 <a16:creationId xmlns:a16="http://schemas.microsoft.com/office/drawing/2014/main" id="{15E3C750-986E-4769-B1AE-49289FBEE757}"/>
@@ -15248,7 +17218,7 @@
           <p:cNvPr id="5" name="Foliennummernplatzhalter 4">
             <a:extLst>
               <a:ext uri="{FF2B5EF4-FFF2-40B4-BE49-F238E27FC236}">
-                <a16:creationId xmlns:a16="http://schemas.microsoft.com/office/drawing/2014/main" id="{B9E293D6-1C47-4864-A191-8CD63A98ACA5}"/>
+                <a16:creationId xmlns:a16="http://schemas.microsoft.com/office/drawing/2014/main" id="{36575B1D-DDF2-4D83-8856-AEBB7453805F}"/>
               </a:ext>
             </a:extLst>
           </p:cNvPr>
@@ -15266,7 +17236,7 @@
           <a:p>
             <a:fld id="{DFF01B4A-46B9-4C6C-A96B-6DAD2C3CC688}" type="slidenum">
               <a:rPr lang="de-DE" smtClean="0"/>
-              <a:t>9</a:t>
+              <a:t>5</a:t>
             </a:fld>
             <a:endParaRPr lang="de-DE"/>
           </a:p>
@@ -15275,7 +17245,2532 @@
     </p:spTree>
     <p:extLst>
       <p:ext uri="{BB962C8B-B14F-4D97-AF65-F5344CB8AC3E}">
-        <p14:creationId xmlns:p14="http://schemas.microsoft.com/office/powerpoint/2010/main" val="1736600020"/>
+        <p14:creationId xmlns:p14="http://schemas.microsoft.com/office/powerpoint/2010/main" val="1061349089"/>
+      </p:ext>
+    </p:extLst>
+  </p:cSld>
+  <p:clrMapOvr>
+    <a:masterClrMapping/>
+  </p:clrMapOvr>
+</p:sld>
+</file>
+
+<file path=ppt/slides/slide6.xml><?xml version="1.0" encoding="utf-8"?>
+<p:sld xmlns:a="http://schemas.openxmlformats.org/drawingml/2006/main" xmlns:r="http://schemas.openxmlformats.org/officeDocument/2006/relationships" xmlns:p="http://schemas.openxmlformats.org/presentationml/2006/main">
+  <p:cSld>
+    <p:bg>
+      <p:bgPr>
+        <a:solidFill>
+          <a:schemeClr val="bg1"/>
+        </a:solidFill>
+        <a:effectLst/>
+      </p:bgPr>
+    </p:bg>
+    <p:spTree>
+      <p:nvGrpSpPr>
+        <p:cNvPr id="1" name=""/>
+        <p:cNvGrpSpPr/>
+        <p:nvPr/>
+      </p:nvGrpSpPr>
+      <p:grpSpPr>
+        <a:xfrm>
+          <a:off x="0" y="0"/>
+          <a:ext cx="0" cy="0"/>
+          <a:chOff x="0" y="0"/>
+          <a:chExt cx="0" cy="0"/>
+        </a:xfrm>
+      </p:grpSpPr>
+      <p:sp>
+        <p:nvSpPr>
+          <p:cNvPr id="2" name="Titel 1">
+            <a:extLst>
+              <a:ext uri="{FF2B5EF4-FFF2-40B4-BE49-F238E27FC236}">
+                <a16:creationId xmlns:a16="http://schemas.microsoft.com/office/drawing/2014/main" id="{34DB7194-E807-46D7-80E2-BFE3EF21DDC4}"/>
+              </a:ext>
+            </a:extLst>
+          </p:cNvPr>
+          <p:cNvSpPr>
+            <a:spLocks noGrp="1"/>
+          </p:cNvSpPr>
+          <p:nvPr>
+            <p:ph type="title"/>
+          </p:nvPr>
+        </p:nvSpPr>
+        <p:spPr>
+          <a:xfrm>
+            <a:off x="1136428" y="627564"/>
+            <a:ext cx="7474172" cy="1325563"/>
+          </a:xfrm>
+        </p:spPr>
+        <p:txBody>
+          <a:bodyPr>
+            <a:normAutofit/>
+          </a:bodyPr>
+          <a:lstStyle/>
+          <a:p>
+            <a:r>
+              <a:rPr lang="de-DE" err="1"/>
+              <a:t>Stockfish</a:t>
+            </a:r>
+            <a:endParaRPr lang="de-DE"/>
+          </a:p>
+        </p:txBody>
+      </p:sp>
+      <p:sp>
+        <p:nvSpPr>
+          <p:cNvPr id="3" name="Inhaltsplatzhalter 2">
+            <a:extLst>
+              <a:ext uri="{FF2B5EF4-FFF2-40B4-BE49-F238E27FC236}">
+                <a16:creationId xmlns:a16="http://schemas.microsoft.com/office/drawing/2014/main" id="{C91D2AE3-9995-47C9-AD35-393230652795}"/>
+              </a:ext>
+            </a:extLst>
+          </p:cNvPr>
+          <p:cNvSpPr>
+            <a:spLocks noGrp="1"/>
+          </p:cNvSpPr>
+          <p:nvPr>
+            <p:ph idx="1"/>
+          </p:nvPr>
+        </p:nvSpPr>
+        <p:spPr>
+          <a:xfrm>
+            <a:off x="1136429" y="2278173"/>
+            <a:ext cx="6467867" cy="3450613"/>
+          </a:xfrm>
+        </p:spPr>
+        <p:txBody>
+          <a:bodyPr anchor="ctr">
+            <a:normAutofit/>
+          </a:bodyPr>
+          <a:lstStyle/>
+          <a:p>
+            <a:r>
+              <a:rPr lang="en-US" sz="2400"/>
+              <a:t>Open source chess engine</a:t>
+            </a:r>
+          </a:p>
+          <a:p>
+            <a:r>
+              <a:rPr lang="en-US" sz="2400"/>
+              <a:t>Known as the / one of the most powerful chess engines </a:t>
+            </a:r>
+          </a:p>
+          <a:p>
+            <a:pPr lvl="1"/>
+            <a:r>
+              <a:rPr lang="en-US"/>
+              <a:t>which does no rely on AI to predict moves.</a:t>
+            </a:r>
+          </a:p>
+          <a:p>
+            <a:endParaRPr lang="en-US" sz="2400"/>
+          </a:p>
+        </p:txBody>
+      </p:sp>
+      <p:sp>
+        <p:nvSpPr>
+          <p:cNvPr id="71" name="Rectangle 70">
+            <a:extLst>
+              <a:ext uri="{FF2B5EF4-FFF2-40B4-BE49-F238E27FC236}">
+                <a16:creationId xmlns:a16="http://schemas.microsoft.com/office/drawing/2014/main" id="{59A309A7-1751-4ABE-A3C1-EEC40366AD89}"/>
+              </a:ext>
+              <a:ext uri="{C183D7F6-B498-43B3-948B-1728B52AA6E4}">
+                <adec:decorative xmlns:adec="http://schemas.microsoft.com/office/drawing/2017/decorative" val="1"/>
+              </a:ext>
+            </a:extLst>
+          </p:cNvPr>
+          <p:cNvSpPr>
+            <a:spLocks noGrp="1" noRot="1" noChangeAspect="1" noMove="1" noResize="1" noEditPoints="1" noAdjustHandles="1" noChangeArrowheads="1" noChangeShapeType="1" noTextEdit="1"/>
+          </p:cNvSpPr>
+          <p:nvPr>
+            <p:extLst>
+              <p:ext uri="{386F3935-93C4-4BCD-93E2-E3B085C9AB24}">
+                <p16:designElem xmlns:p16="http://schemas.microsoft.com/office/powerpoint/2015/main" val="1"/>
+              </p:ext>
+            </p:extLst>
+          </p:nvPr>
+        </p:nvSpPr>
+        <p:spPr>
+          <a:xfrm>
+            <a:off x="10088880" y="0"/>
+            <a:ext cx="2103120" cy="6858000"/>
+          </a:xfrm>
+          <a:prstGeom prst="rect">
+            <a:avLst/>
+          </a:prstGeom>
+          <a:ln>
+            <a:noFill/>
+          </a:ln>
+        </p:spPr>
+        <p:style>
+          <a:lnRef idx="2">
+            <a:schemeClr val="accent1">
+              <a:shade val="50000"/>
+            </a:schemeClr>
+          </a:lnRef>
+          <a:fillRef idx="1">
+            <a:schemeClr val="accent1"/>
+          </a:fillRef>
+          <a:effectRef idx="0">
+            <a:schemeClr val="accent1"/>
+          </a:effectRef>
+          <a:fontRef idx="minor">
+            <a:schemeClr val="lt1"/>
+          </a:fontRef>
+        </p:style>
+        <p:txBody>
+          <a:bodyPr rtlCol="0" anchor="ctr"/>
+          <a:lstStyle/>
+          <a:p>
+            <a:pPr algn="ctr"/>
+            <a:endParaRPr lang="en-US"/>
+          </a:p>
+        </p:txBody>
+      </p:sp>
+      <p:sp>
+        <p:nvSpPr>
+          <p:cNvPr id="73" name="Oval 72">
+            <a:extLst>
+              <a:ext uri="{FF2B5EF4-FFF2-40B4-BE49-F238E27FC236}">
+                <a16:creationId xmlns:a16="http://schemas.microsoft.com/office/drawing/2014/main" id="{967D8EB6-EAE1-4F9C-B398-83321E287204}"/>
+              </a:ext>
+              <a:ext uri="{C183D7F6-B498-43B3-948B-1728B52AA6E4}">
+                <adec:decorative xmlns:adec="http://schemas.microsoft.com/office/drawing/2017/decorative" val="1"/>
+              </a:ext>
+            </a:extLst>
+          </p:cNvPr>
+          <p:cNvSpPr>
+            <a:spLocks noGrp="1" noRot="1" noChangeAspect="1" noMove="1" noResize="1" noEditPoints="1" noAdjustHandles="1" noChangeArrowheads="1" noChangeShapeType="1" noTextEdit="1"/>
+          </p:cNvSpPr>
+          <p:nvPr>
+            <p:extLst>
+              <p:ext uri="{386F3935-93C4-4BCD-93E2-E3B085C9AB24}">
+                <p16:designElem xmlns:p16="http://schemas.microsoft.com/office/powerpoint/2015/main" val="1"/>
+              </p:ext>
+            </p:extLst>
+          </p:nvPr>
+        </p:nvSpPr>
+        <p:spPr>
+          <a:xfrm>
+            <a:off x="8915400" y="2358913"/>
+            <a:ext cx="2140172" cy="2140172"/>
+          </a:xfrm>
+          <a:prstGeom prst="ellipse">
+            <a:avLst/>
+          </a:prstGeom>
+          <a:solidFill>
+            <a:srgbClr val="FFFFFF"/>
+          </a:solidFill>
+          <a:ln w="22225">
+            <a:solidFill>
+              <a:schemeClr val="accent1"/>
+            </a:solidFill>
+          </a:ln>
+        </p:spPr>
+        <p:style>
+          <a:lnRef idx="2">
+            <a:schemeClr val="accent1">
+              <a:shade val="50000"/>
+            </a:schemeClr>
+          </a:lnRef>
+          <a:fillRef idx="1">
+            <a:schemeClr val="accent1"/>
+          </a:fillRef>
+          <a:effectRef idx="0">
+            <a:schemeClr val="accent1"/>
+          </a:effectRef>
+          <a:fontRef idx="minor">
+            <a:schemeClr val="lt1"/>
+          </a:fontRef>
+        </p:style>
+        <p:txBody>
+          <a:bodyPr rtlCol="0" anchor="ctr"/>
+          <a:lstStyle/>
+          <a:p>
+            <a:pPr algn="ctr"/>
+            <a:endParaRPr lang="en-US"/>
+          </a:p>
+        </p:txBody>
+      </p:sp>
+      <p:pic>
+        <p:nvPicPr>
+          <p:cNvPr id="2050" name="Picture 2">
+            <a:extLst>
+              <a:ext uri="{FF2B5EF4-FFF2-40B4-BE49-F238E27FC236}">
+                <a16:creationId xmlns:a16="http://schemas.microsoft.com/office/drawing/2014/main" id="{30F5D735-16E2-4121-9F22-407D7A6B26AF}"/>
+              </a:ext>
+            </a:extLst>
+          </p:cNvPr>
+          <p:cNvPicPr>
+            <a:picLocks noChangeAspect="1" noChangeArrowheads="1"/>
+          </p:cNvPicPr>
+          <p:nvPr/>
+        </p:nvPicPr>
+        <p:blipFill rotWithShape="1">
+          <a:blip r:embed="rId2">
+            <a:alphaModFix/>
+            <a:extLst>
+              <a:ext uri="{28A0092B-C50C-407E-A947-70E740481C1C}">
+                <a14:useLocalDpi xmlns:a14="http://schemas.microsoft.com/office/drawing/2010/main" val="0"/>
+              </a:ext>
+            </a:extLst>
+          </a:blip>
+          <a:srcRect l="16536" r="16023" b="1"/>
+          <a:stretch/>
+        </p:blipFill>
+        <p:spPr bwMode="auto">
+          <a:xfrm>
+            <a:off x="9030743" y="2474254"/>
+            <a:ext cx="1912560" cy="1909489"/>
+          </a:xfrm>
+          <a:custGeom>
+            <a:avLst/>
+            <a:gdLst/>
+            <a:ahLst/>
+            <a:cxnLst/>
+            <a:rect l="l" t="t" r="r" b="b"/>
+            <a:pathLst>
+              <a:path w="6057610" h="6057610">
+                <a:moveTo>
+                  <a:pt x="3028805" y="0"/>
+                </a:moveTo>
+                <a:cubicBezTo>
+                  <a:pt x="4701568" y="0"/>
+                  <a:pt x="6057610" y="1356042"/>
+                  <a:pt x="6057610" y="3028805"/>
+                </a:cubicBezTo>
+                <a:cubicBezTo>
+                  <a:pt x="6057610" y="4701568"/>
+                  <a:pt x="4701568" y="6057610"/>
+                  <a:pt x="3028805" y="6057610"/>
+                </a:cubicBezTo>
+                <a:cubicBezTo>
+                  <a:pt x="1356042" y="6057610"/>
+                  <a:pt x="0" y="4701568"/>
+                  <a:pt x="0" y="3028805"/>
+                </a:cubicBezTo>
+                <a:cubicBezTo>
+                  <a:pt x="0" y="1356042"/>
+                  <a:pt x="1356042" y="0"/>
+                  <a:pt x="3028805" y="0"/>
+                </a:cubicBezTo>
+                <a:close/>
+              </a:path>
+            </a:pathLst>
+          </a:custGeom>
+          <a:noFill/>
+          <a:effectLst>
+            <a:softEdge rad="0"/>
+          </a:effectLst>
+          <a:extLst>
+            <a:ext uri="{909E8E84-426E-40DD-AFC4-6F175D3DCCD1}">
+              <a14:hiddenFill xmlns:a14="http://schemas.microsoft.com/office/drawing/2010/main">
+                <a:solidFill>
+                  <a:srgbClr val="FFFFFF"/>
+                </a:solidFill>
+              </a14:hiddenFill>
+            </a:ext>
+          </a:extLst>
+        </p:spPr>
+      </p:pic>
+      <p:sp>
+        <p:nvSpPr>
+          <p:cNvPr id="4" name="Foliennummernplatzhalter 3">
+            <a:extLst>
+              <a:ext uri="{FF2B5EF4-FFF2-40B4-BE49-F238E27FC236}">
+                <a16:creationId xmlns:a16="http://schemas.microsoft.com/office/drawing/2014/main" id="{17B0F6C2-8196-4EBA-8271-86C78DF23318}"/>
+              </a:ext>
+            </a:extLst>
+          </p:cNvPr>
+          <p:cNvSpPr>
+            <a:spLocks noGrp="1"/>
+          </p:cNvSpPr>
+          <p:nvPr>
+            <p:ph type="sldNum" sz="quarter" idx="12"/>
+          </p:nvPr>
+        </p:nvSpPr>
+        <p:spPr>
+          <a:xfrm>
+            <a:off x="10341428" y="6356350"/>
+            <a:ext cx="1012371" cy="365125"/>
+          </a:xfrm>
+        </p:spPr>
+        <p:txBody>
+          <a:bodyPr>
+            <a:normAutofit/>
+          </a:bodyPr>
+          <a:lstStyle/>
+          <a:p>
+            <a:pPr>
+              <a:spcAft>
+                <a:spcPts val="600"/>
+              </a:spcAft>
+            </a:pPr>
+            <a:fld id="{DFF01B4A-46B9-4C6C-A96B-6DAD2C3CC688}" type="slidenum">
+              <a:rPr lang="de-DE">
+                <a:solidFill>
+                  <a:srgbClr val="FFFFFF"/>
+                </a:solidFill>
+              </a:rPr>
+              <a:pPr>
+                <a:spcAft>
+                  <a:spcPts val="600"/>
+                </a:spcAft>
+              </a:pPr>
+              <a:t>6</a:t>
+            </a:fld>
+            <a:endParaRPr lang="de-DE">
+              <a:solidFill>
+                <a:srgbClr val="FFFFFF"/>
+              </a:solidFill>
+            </a:endParaRPr>
+          </a:p>
+        </p:txBody>
+      </p:sp>
+    </p:spTree>
+    <p:extLst>
+      <p:ext uri="{BB962C8B-B14F-4D97-AF65-F5344CB8AC3E}">
+        <p14:creationId xmlns:p14="http://schemas.microsoft.com/office/powerpoint/2010/main" val="405527029"/>
+      </p:ext>
+    </p:extLst>
+  </p:cSld>
+  <p:clrMapOvr>
+    <a:masterClrMapping/>
+  </p:clrMapOvr>
+</p:sld>
+</file>
+
+<file path=ppt/slides/slide7.xml><?xml version="1.0" encoding="utf-8"?>
+<p:sld xmlns:a="http://schemas.openxmlformats.org/drawingml/2006/main" xmlns:r="http://schemas.openxmlformats.org/officeDocument/2006/relationships" xmlns:p="http://schemas.openxmlformats.org/presentationml/2006/main">
+  <p:cSld>
+    <p:bg>
+      <p:bgPr>
+        <a:solidFill>
+          <a:schemeClr val="bg1"/>
+        </a:solidFill>
+        <a:effectLst/>
+      </p:bgPr>
+    </p:bg>
+    <p:spTree>
+      <p:nvGrpSpPr>
+        <p:cNvPr id="1" name=""/>
+        <p:cNvGrpSpPr/>
+        <p:nvPr/>
+      </p:nvGrpSpPr>
+      <p:grpSpPr>
+        <a:xfrm>
+          <a:off x="0" y="0"/>
+          <a:ext cx="0" cy="0"/>
+          <a:chOff x="0" y="0"/>
+          <a:chExt cx="0" cy="0"/>
+        </a:xfrm>
+      </p:grpSpPr>
+      <p:sp>
+        <p:nvSpPr>
+          <p:cNvPr id="2" name="Titel 1">
+            <a:extLst>
+              <a:ext uri="{FF2B5EF4-FFF2-40B4-BE49-F238E27FC236}">
+                <a16:creationId xmlns:a16="http://schemas.microsoft.com/office/drawing/2014/main" id="{D876FA07-50C3-4ACA-8688-56A99B65C35B}"/>
+              </a:ext>
+            </a:extLst>
+          </p:cNvPr>
+          <p:cNvSpPr>
+            <a:spLocks noGrp="1"/>
+          </p:cNvSpPr>
+          <p:nvPr>
+            <p:ph type="title"/>
+          </p:nvPr>
+        </p:nvSpPr>
+        <p:spPr>
+          <a:xfrm>
+            <a:off x="1136428" y="627564"/>
+            <a:ext cx="7474172" cy="1325563"/>
+          </a:xfrm>
+        </p:spPr>
+        <p:txBody>
+          <a:bodyPr>
+            <a:normAutofit/>
+          </a:bodyPr>
+          <a:lstStyle/>
+          <a:p>
+            <a:r>
+              <a:rPr lang="de-DE" dirty="0"/>
+              <a:t>DeepMind - </a:t>
+            </a:r>
+            <a:r>
+              <a:rPr lang="de-DE" dirty="0" err="1"/>
+              <a:t>AlphaZero</a:t>
+            </a:r>
+            <a:endParaRPr lang="de-DE" dirty="0"/>
+          </a:p>
+        </p:txBody>
+      </p:sp>
+      <p:sp>
+        <p:nvSpPr>
+          <p:cNvPr id="3" name="Inhaltsplatzhalter 2">
+            <a:extLst>
+              <a:ext uri="{FF2B5EF4-FFF2-40B4-BE49-F238E27FC236}">
+                <a16:creationId xmlns:a16="http://schemas.microsoft.com/office/drawing/2014/main" id="{86117E30-EC20-4121-9ECE-708E2BC2CC77}"/>
+              </a:ext>
+            </a:extLst>
+          </p:cNvPr>
+          <p:cNvSpPr>
+            <a:spLocks noGrp="1"/>
+          </p:cNvSpPr>
+          <p:nvPr>
+            <p:ph idx="1"/>
+          </p:nvPr>
+        </p:nvSpPr>
+        <p:spPr>
+          <a:xfrm>
+            <a:off x="1136429" y="2278173"/>
+            <a:ext cx="6467867" cy="3450613"/>
+          </a:xfrm>
+        </p:spPr>
+        <p:txBody>
+          <a:bodyPr anchor="ctr">
+            <a:normAutofit/>
+          </a:bodyPr>
+          <a:lstStyle/>
+          <a:p>
+            <a:r>
+              <a:rPr lang="de-DE" sz="2400" dirty="0" err="1"/>
+              <a:t>Deepmind</a:t>
+            </a:r>
+            <a:r>
+              <a:rPr lang="de-DE" sz="2400" dirty="0"/>
+              <a:t> </a:t>
+            </a:r>
+            <a:r>
+              <a:rPr lang="de-DE" sz="2400" dirty="0" err="1"/>
+              <a:t>belpngs</a:t>
+            </a:r>
+            <a:r>
+              <a:rPr lang="de-DE" sz="2400" dirty="0"/>
+              <a:t> </a:t>
+            </a:r>
+            <a:r>
+              <a:rPr lang="de-DE" sz="2400" dirty="0" err="1"/>
+              <a:t>to</a:t>
+            </a:r>
+            <a:r>
+              <a:rPr lang="de-DE" sz="2400" dirty="0"/>
+              <a:t> </a:t>
+            </a:r>
+            <a:r>
+              <a:rPr lang="de-DE" sz="2400" dirty="0" err="1"/>
+              <a:t>google</a:t>
+            </a:r>
+            <a:endParaRPr lang="de-DE" sz="2400" dirty="0"/>
+          </a:p>
+        </p:txBody>
+      </p:sp>
+      <p:sp>
+        <p:nvSpPr>
+          <p:cNvPr id="73" name="Rectangle 72">
+            <a:extLst>
+              <a:ext uri="{FF2B5EF4-FFF2-40B4-BE49-F238E27FC236}">
+                <a16:creationId xmlns:a16="http://schemas.microsoft.com/office/drawing/2014/main" id="{59A309A7-1751-4ABE-A3C1-EEC40366AD89}"/>
+              </a:ext>
+              <a:ext uri="{C183D7F6-B498-43B3-948B-1728B52AA6E4}">
+                <adec:decorative xmlns:adec="http://schemas.microsoft.com/office/drawing/2017/decorative" val="1"/>
+              </a:ext>
+            </a:extLst>
+          </p:cNvPr>
+          <p:cNvSpPr>
+            <a:spLocks noGrp="1" noRot="1" noChangeAspect="1" noMove="1" noResize="1" noEditPoints="1" noAdjustHandles="1" noChangeArrowheads="1" noChangeShapeType="1" noTextEdit="1"/>
+          </p:cNvSpPr>
+          <p:nvPr>
+            <p:extLst>
+              <p:ext uri="{386F3935-93C4-4BCD-93E2-E3B085C9AB24}">
+                <p16:designElem xmlns:p16="http://schemas.microsoft.com/office/powerpoint/2015/main" val="1"/>
+              </p:ext>
+            </p:extLst>
+          </p:nvPr>
+        </p:nvSpPr>
+        <p:spPr>
+          <a:xfrm>
+            <a:off x="10088880" y="0"/>
+            <a:ext cx="2103120" cy="6858000"/>
+          </a:xfrm>
+          <a:prstGeom prst="rect">
+            <a:avLst/>
+          </a:prstGeom>
+          <a:solidFill>
+            <a:srgbClr val="4B425B"/>
+          </a:solidFill>
+          <a:ln>
+            <a:noFill/>
+          </a:ln>
+        </p:spPr>
+        <p:style>
+          <a:lnRef idx="2">
+            <a:schemeClr val="accent1">
+              <a:shade val="50000"/>
+            </a:schemeClr>
+          </a:lnRef>
+          <a:fillRef idx="1">
+            <a:schemeClr val="accent1"/>
+          </a:fillRef>
+          <a:effectRef idx="0">
+            <a:schemeClr val="accent1"/>
+          </a:effectRef>
+          <a:fontRef idx="minor">
+            <a:schemeClr val="lt1"/>
+          </a:fontRef>
+        </p:style>
+        <p:txBody>
+          <a:bodyPr rtlCol="0" anchor="ctr"/>
+          <a:lstStyle/>
+          <a:p>
+            <a:pPr algn="ctr"/>
+            <a:endParaRPr lang="en-US"/>
+          </a:p>
+        </p:txBody>
+      </p:sp>
+      <p:sp>
+        <p:nvSpPr>
+          <p:cNvPr id="75" name="Oval 74">
+            <a:extLst>
+              <a:ext uri="{FF2B5EF4-FFF2-40B4-BE49-F238E27FC236}">
+                <a16:creationId xmlns:a16="http://schemas.microsoft.com/office/drawing/2014/main" id="{967D8EB6-EAE1-4F9C-B398-83321E287204}"/>
+              </a:ext>
+              <a:ext uri="{C183D7F6-B498-43B3-948B-1728B52AA6E4}">
+                <adec:decorative xmlns:adec="http://schemas.microsoft.com/office/drawing/2017/decorative" val="1"/>
+              </a:ext>
+            </a:extLst>
+          </p:cNvPr>
+          <p:cNvSpPr>
+            <a:spLocks noGrp="1" noRot="1" noChangeAspect="1" noMove="1" noResize="1" noEditPoints="1" noAdjustHandles="1" noChangeArrowheads="1" noChangeShapeType="1" noTextEdit="1"/>
+          </p:cNvSpPr>
+          <p:nvPr>
+            <p:extLst>
+              <p:ext uri="{386F3935-93C4-4BCD-93E2-E3B085C9AB24}">
+                <p16:designElem xmlns:p16="http://schemas.microsoft.com/office/powerpoint/2015/main" val="1"/>
+              </p:ext>
+            </p:extLst>
+          </p:nvPr>
+        </p:nvSpPr>
+        <p:spPr>
+          <a:xfrm>
+            <a:off x="8915400" y="2358913"/>
+            <a:ext cx="2140172" cy="2140172"/>
+          </a:xfrm>
+          <a:prstGeom prst="ellipse">
+            <a:avLst/>
+          </a:prstGeom>
+          <a:solidFill>
+            <a:srgbClr val="FFFFFF"/>
+          </a:solidFill>
+          <a:ln w="22225">
+            <a:solidFill>
+              <a:srgbClr val="51BDCD"/>
+            </a:solidFill>
+          </a:ln>
+        </p:spPr>
+        <p:style>
+          <a:lnRef idx="2">
+            <a:schemeClr val="accent1">
+              <a:shade val="50000"/>
+            </a:schemeClr>
+          </a:lnRef>
+          <a:fillRef idx="1">
+            <a:schemeClr val="accent1"/>
+          </a:fillRef>
+          <a:effectRef idx="0">
+            <a:schemeClr val="accent1"/>
+          </a:effectRef>
+          <a:fontRef idx="minor">
+            <a:schemeClr val="lt1"/>
+          </a:fontRef>
+        </p:style>
+        <p:txBody>
+          <a:bodyPr rtlCol="0" anchor="ctr"/>
+          <a:lstStyle/>
+          <a:p>
+            <a:pPr algn="ctr"/>
+            <a:endParaRPr lang="en-US"/>
+          </a:p>
+        </p:txBody>
+      </p:sp>
+      <p:pic>
+        <p:nvPicPr>
+          <p:cNvPr id="1026" name="Picture 2" descr="Inside the (deep) mind of AlphaZero | ChessBase">
+            <a:extLst>
+              <a:ext uri="{FF2B5EF4-FFF2-40B4-BE49-F238E27FC236}">
+                <a16:creationId xmlns:a16="http://schemas.microsoft.com/office/drawing/2014/main" id="{885848D4-53E6-4D8D-AA3A-08215466BFF6}"/>
+              </a:ext>
+            </a:extLst>
+          </p:cNvPr>
+          <p:cNvPicPr>
+            <a:picLocks noChangeAspect="1" noChangeArrowheads="1"/>
+          </p:cNvPicPr>
+          <p:nvPr/>
+        </p:nvPicPr>
+        <p:blipFill rotWithShape="1">
+          <a:blip r:embed="rId2">
+            <a:alphaModFix/>
+            <a:extLst>
+              <a:ext uri="{28A0092B-C50C-407E-A947-70E740481C1C}">
+                <a14:useLocalDpi xmlns:a14="http://schemas.microsoft.com/office/drawing/2010/main" val="0"/>
+              </a:ext>
+            </a:extLst>
+          </a:blip>
+          <a:srcRect l="10417" r="22729" b="5"/>
+          <a:stretch/>
+        </p:blipFill>
+        <p:spPr bwMode="auto">
+          <a:xfrm>
+            <a:off x="9030743" y="2474254"/>
+            <a:ext cx="1912560" cy="1909489"/>
+          </a:xfrm>
+          <a:custGeom>
+            <a:avLst/>
+            <a:gdLst/>
+            <a:ahLst/>
+            <a:cxnLst/>
+            <a:rect l="l" t="t" r="r" b="b"/>
+            <a:pathLst>
+              <a:path w="6057610" h="6057610">
+                <a:moveTo>
+                  <a:pt x="3028805" y="0"/>
+                </a:moveTo>
+                <a:cubicBezTo>
+                  <a:pt x="4701568" y="0"/>
+                  <a:pt x="6057610" y="1356042"/>
+                  <a:pt x="6057610" y="3028805"/>
+                </a:cubicBezTo>
+                <a:cubicBezTo>
+                  <a:pt x="6057610" y="4701568"/>
+                  <a:pt x="4701568" y="6057610"/>
+                  <a:pt x="3028805" y="6057610"/>
+                </a:cubicBezTo>
+                <a:cubicBezTo>
+                  <a:pt x="1356042" y="6057610"/>
+                  <a:pt x="0" y="4701568"/>
+                  <a:pt x="0" y="3028805"/>
+                </a:cubicBezTo>
+                <a:cubicBezTo>
+                  <a:pt x="0" y="1356042"/>
+                  <a:pt x="1356042" y="0"/>
+                  <a:pt x="3028805" y="0"/>
+                </a:cubicBezTo>
+                <a:close/>
+              </a:path>
+            </a:pathLst>
+          </a:custGeom>
+          <a:noFill/>
+          <a:effectLst>
+            <a:softEdge rad="0"/>
+          </a:effectLst>
+          <a:extLst>
+            <a:ext uri="{909E8E84-426E-40DD-AFC4-6F175D3DCCD1}">
+              <a14:hiddenFill xmlns:a14="http://schemas.microsoft.com/office/drawing/2010/main">
+                <a:solidFill>
+                  <a:srgbClr val="FFFFFF"/>
+                </a:solidFill>
+              </a14:hiddenFill>
+            </a:ext>
+          </a:extLst>
+        </p:spPr>
+      </p:pic>
+      <p:sp>
+        <p:nvSpPr>
+          <p:cNvPr id="4" name="Foliennummernplatzhalter 3">
+            <a:extLst>
+              <a:ext uri="{FF2B5EF4-FFF2-40B4-BE49-F238E27FC236}">
+                <a16:creationId xmlns:a16="http://schemas.microsoft.com/office/drawing/2014/main" id="{0B74A0A5-A7FB-40C8-A067-5C89BCCD5E73}"/>
+              </a:ext>
+            </a:extLst>
+          </p:cNvPr>
+          <p:cNvSpPr>
+            <a:spLocks noGrp="1"/>
+          </p:cNvSpPr>
+          <p:nvPr>
+            <p:ph type="sldNum" sz="quarter" idx="12"/>
+          </p:nvPr>
+        </p:nvSpPr>
+        <p:spPr>
+          <a:xfrm>
+            <a:off x="10341428" y="6356350"/>
+            <a:ext cx="1012371" cy="365125"/>
+          </a:xfrm>
+        </p:spPr>
+        <p:txBody>
+          <a:bodyPr>
+            <a:normAutofit/>
+          </a:bodyPr>
+          <a:lstStyle/>
+          <a:p>
+            <a:pPr>
+              <a:spcAft>
+                <a:spcPts val="600"/>
+              </a:spcAft>
+            </a:pPr>
+            <a:fld id="{DFF01B4A-46B9-4C6C-A96B-6DAD2C3CC688}" type="slidenum">
+              <a:rPr lang="de-DE">
+                <a:solidFill>
+                  <a:srgbClr val="FFFFFF"/>
+                </a:solidFill>
+              </a:rPr>
+              <a:pPr>
+                <a:spcAft>
+                  <a:spcPts val="600"/>
+                </a:spcAft>
+              </a:pPr>
+              <a:t>7</a:t>
+            </a:fld>
+            <a:endParaRPr lang="de-DE">
+              <a:solidFill>
+                <a:srgbClr val="FFFFFF"/>
+              </a:solidFill>
+            </a:endParaRPr>
+          </a:p>
+        </p:txBody>
+      </p:sp>
+    </p:spTree>
+    <p:extLst>
+      <p:ext uri="{BB962C8B-B14F-4D97-AF65-F5344CB8AC3E}">
+        <p14:creationId xmlns:p14="http://schemas.microsoft.com/office/powerpoint/2010/main" val="3705508391"/>
+      </p:ext>
+    </p:extLst>
+  </p:cSld>
+  <p:clrMapOvr>
+    <a:masterClrMapping/>
+  </p:clrMapOvr>
+</p:sld>
+</file>
+
+<file path=ppt/slides/slide8.xml><?xml version="1.0" encoding="utf-8"?>
+<p:sld xmlns:a="http://schemas.openxmlformats.org/drawingml/2006/main" xmlns:r="http://schemas.openxmlformats.org/officeDocument/2006/relationships" xmlns:p="http://schemas.openxmlformats.org/presentationml/2006/main">
+  <p:cSld>
+    <p:bg>
+      <p:bgPr>
+        <a:solidFill>
+          <a:schemeClr val="bg1"/>
+        </a:solidFill>
+        <a:effectLst/>
+      </p:bgPr>
+    </p:bg>
+    <p:spTree>
+      <p:nvGrpSpPr>
+        <p:cNvPr id="1" name=""/>
+        <p:cNvGrpSpPr/>
+        <p:nvPr/>
+      </p:nvGrpSpPr>
+      <p:grpSpPr>
+        <a:xfrm>
+          <a:off x="0" y="0"/>
+          <a:ext cx="0" cy="0"/>
+          <a:chOff x="0" y="0"/>
+          <a:chExt cx="0" cy="0"/>
+        </a:xfrm>
+      </p:grpSpPr>
+      <p:sp>
+        <p:nvSpPr>
+          <p:cNvPr id="2" name="Titel 1">
+            <a:extLst>
+              <a:ext uri="{FF2B5EF4-FFF2-40B4-BE49-F238E27FC236}">
+                <a16:creationId xmlns:a16="http://schemas.microsoft.com/office/drawing/2014/main" id="{014C229D-49B8-4B80-AD6A-9FF127012DDD}"/>
+              </a:ext>
+            </a:extLst>
+          </p:cNvPr>
+          <p:cNvSpPr>
+            <a:spLocks noGrp="1"/>
+          </p:cNvSpPr>
+          <p:nvPr>
+            <p:ph type="title"/>
+          </p:nvPr>
+        </p:nvSpPr>
+        <p:spPr>
+          <a:xfrm>
+            <a:off x="1136428" y="627564"/>
+            <a:ext cx="7474172" cy="1325563"/>
+          </a:xfrm>
+        </p:spPr>
+        <p:txBody>
+          <a:bodyPr>
+            <a:normAutofit/>
+          </a:bodyPr>
+          <a:lstStyle/>
+          <a:p>
+            <a:r>
+              <a:rPr lang="de-DE" dirty="0" err="1"/>
+              <a:t>Deepmind</a:t>
+            </a:r>
+            <a:r>
+              <a:rPr lang="de-DE" dirty="0"/>
+              <a:t> – AlphaGo</a:t>
+            </a:r>
+          </a:p>
+        </p:txBody>
+      </p:sp>
+      <p:sp>
+        <p:nvSpPr>
+          <p:cNvPr id="3" name="Inhaltsplatzhalter 2">
+            <a:extLst>
+              <a:ext uri="{FF2B5EF4-FFF2-40B4-BE49-F238E27FC236}">
+                <a16:creationId xmlns:a16="http://schemas.microsoft.com/office/drawing/2014/main" id="{A2FF9E9C-05BE-4246-8514-F002AF38E56F}"/>
+              </a:ext>
+            </a:extLst>
+          </p:cNvPr>
+          <p:cNvSpPr>
+            <a:spLocks noGrp="1"/>
+          </p:cNvSpPr>
+          <p:nvPr>
+            <p:ph idx="1"/>
+          </p:nvPr>
+        </p:nvSpPr>
+        <p:spPr>
+          <a:xfrm>
+            <a:off x="1136429" y="2278173"/>
+            <a:ext cx="6467867" cy="3450613"/>
+          </a:xfrm>
+        </p:spPr>
+        <p:txBody>
+          <a:bodyPr anchor="ctr">
+            <a:normAutofit/>
+          </a:bodyPr>
+          <a:lstStyle/>
+          <a:p>
+            <a:r>
+              <a:rPr lang="de-DE" sz="2400" dirty="0"/>
+              <a:t>A </a:t>
+            </a:r>
+            <a:r>
+              <a:rPr lang="de-DE" sz="2400" dirty="0" err="1"/>
+              <a:t>next</a:t>
+            </a:r>
+            <a:r>
+              <a:rPr lang="de-DE" sz="2400" dirty="0"/>
+              <a:t> </a:t>
+            </a:r>
+            <a:r>
+              <a:rPr lang="de-DE" sz="2400" dirty="0" err="1"/>
+              <a:t>step</a:t>
+            </a:r>
+            <a:r>
+              <a:rPr lang="de-DE" sz="2400" dirty="0"/>
+              <a:t> </a:t>
+            </a:r>
+            <a:r>
+              <a:rPr lang="de-DE" sz="2400" dirty="0" err="1"/>
+              <a:t>for</a:t>
+            </a:r>
+            <a:r>
+              <a:rPr lang="de-DE" sz="2400" dirty="0"/>
+              <a:t> </a:t>
+            </a:r>
+            <a:r>
+              <a:rPr lang="de-DE" sz="2400" dirty="0" err="1"/>
+              <a:t>Deepmind</a:t>
+            </a:r>
+            <a:r>
+              <a:rPr lang="de-DE" sz="2400" dirty="0"/>
+              <a:t> was </a:t>
+            </a:r>
+            <a:r>
+              <a:rPr lang="de-DE" sz="2400" dirty="0" err="1"/>
+              <a:t>the</a:t>
+            </a:r>
+            <a:r>
+              <a:rPr lang="de-DE" sz="2400" dirty="0"/>
+              <a:t> game „GO“ </a:t>
+            </a:r>
+            <a:r>
+              <a:rPr lang="de-DE" sz="2400" dirty="0" err="1"/>
+              <a:t>which</a:t>
+            </a:r>
+            <a:r>
+              <a:rPr lang="de-DE" sz="2400" dirty="0"/>
+              <a:t> </a:t>
+            </a:r>
+            <a:r>
+              <a:rPr lang="de-DE" sz="2400" dirty="0" err="1"/>
+              <a:t>is</a:t>
+            </a:r>
+            <a:r>
+              <a:rPr lang="de-DE" sz="2400" dirty="0"/>
+              <a:t> a </a:t>
+            </a:r>
+            <a:r>
+              <a:rPr lang="de-DE" sz="2400" dirty="0" err="1"/>
+              <a:t>lot</a:t>
+            </a:r>
+            <a:r>
+              <a:rPr lang="de-DE" sz="2400" dirty="0"/>
+              <a:t> </a:t>
+            </a:r>
+            <a:r>
+              <a:rPr lang="de-DE" sz="2400" dirty="0" err="1"/>
+              <a:t>more</a:t>
+            </a:r>
+            <a:r>
+              <a:rPr lang="de-DE" sz="2400" dirty="0"/>
+              <a:t> </a:t>
+            </a:r>
+            <a:r>
+              <a:rPr lang="de-DE" sz="2400" dirty="0" err="1"/>
+              <a:t>complicated</a:t>
+            </a:r>
+            <a:r>
+              <a:rPr lang="de-DE" sz="2400" dirty="0"/>
+              <a:t> </a:t>
+            </a:r>
+            <a:r>
+              <a:rPr lang="de-DE" sz="2400" dirty="0" err="1"/>
+              <a:t>to</a:t>
+            </a:r>
+            <a:r>
+              <a:rPr lang="de-DE" sz="2400" dirty="0"/>
+              <a:t> </a:t>
+            </a:r>
+            <a:r>
+              <a:rPr lang="de-DE" sz="2400" dirty="0" err="1"/>
+              <a:t>compute</a:t>
+            </a:r>
+            <a:r>
+              <a:rPr lang="de-DE" sz="2400" dirty="0"/>
+              <a:t> </a:t>
+            </a:r>
+            <a:r>
+              <a:rPr lang="de-DE" sz="2400" dirty="0" err="1"/>
+              <a:t>than</a:t>
+            </a:r>
+            <a:r>
+              <a:rPr lang="de-DE" sz="2400" dirty="0"/>
+              <a:t> </a:t>
+            </a:r>
+            <a:r>
+              <a:rPr lang="de-DE" sz="2400" dirty="0" err="1"/>
+              <a:t>chess</a:t>
+            </a:r>
+            <a:endParaRPr lang="de-DE" sz="2400" dirty="0"/>
+          </a:p>
+        </p:txBody>
+      </p:sp>
+      <p:sp>
+        <p:nvSpPr>
+          <p:cNvPr id="71" name="Rectangle 70">
+            <a:extLst>
+              <a:ext uri="{FF2B5EF4-FFF2-40B4-BE49-F238E27FC236}">
+                <a16:creationId xmlns:a16="http://schemas.microsoft.com/office/drawing/2014/main" id="{59A309A7-1751-4ABE-A3C1-EEC40366AD89}"/>
+              </a:ext>
+              <a:ext uri="{C183D7F6-B498-43B3-948B-1728B52AA6E4}">
+                <adec:decorative xmlns:adec="http://schemas.microsoft.com/office/drawing/2017/decorative" val="1"/>
+              </a:ext>
+            </a:extLst>
+          </p:cNvPr>
+          <p:cNvSpPr>
+            <a:spLocks noGrp="1" noRot="1" noChangeAspect="1" noMove="1" noResize="1" noEditPoints="1" noAdjustHandles="1" noChangeArrowheads="1" noChangeShapeType="1" noTextEdit="1"/>
+          </p:cNvSpPr>
+          <p:nvPr>
+            <p:extLst>
+              <p:ext uri="{386F3935-93C4-4BCD-93E2-E3B085C9AB24}">
+                <p16:designElem xmlns:p16="http://schemas.microsoft.com/office/powerpoint/2015/main" val="1"/>
+              </p:ext>
+            </p:extLst>
+          </p:nvPr>
+        </p:nvSpPr>
+        <p:spPr>
+          <a:xfrm>
+            <a:off x="10088880" y="0"/>
+            <a:ext cx="2103120" cy="6858000"/>
+          </a:xfrm>
+          <a:prstGeom prst="rect">
+            <a:avLst/>
+          </a:prstGeom>
+          <a:solidFill>
+            <a:srgbClr val="4E6267"/>
+          </a:solidFill>
+          <a:ln>
+            <a:noFill/>
+          </a:ln>
+        </p:spPr>
+        <p:style>
+          <a:lnRef idx="2">
+            <a:schemeClr val="accent1">
+              <a:shade val="50000"/>
+            </a:schemeClr>
+          </a:lnRef>
+          <a:fillRef idx="1">
+            <a:schemeClr val="accent1"/>
+          </a:fillRef>
+          <a:effectRef idx="0">
+            <a:schemeClr val="accent1"/>
+          </a:effectRef>
+          <a:fontRef idx="minor">
+            <a:schemeClr val="lt1"/>
+          </a:fontRef>
+        </p:style>
+        <p:txBody>
+          <a:bodyPr rtlCol="0" anchor="ctr"/>
+          <a:lstStyle/>
+          <a:p>
+            <a:pPr algn="ctr"/>
+            <a:endParaRPr lang="en-US"/>
+          </a:p>
+        </p:txBody>
+      </p:sp>
+      <p:sp>
+        <p:nvSpPr>
+          <p:cNvPr id="73" name="Oval 72">
+            <a:extLst>
+              <a:ext uri="{FF2B5EF4-FFF2-40B4-BE49-F238E27FC236}">
+                <a16:creationId xmlns:a16="http://schemas.microsoft.com/office/drawing/2014/main" id="{967D8EB6-EAE1-4F9C-B398-83321E287204}"/>
+              </a:ext>
+              <a:ext uri="{C183D7F6-B498-43B3-948B-1728B52AA6E4}">
+                <adec:decorative xmlns:adec="http://schemas.microsoft.com/office/drawing/2017/decorative" val="1"/>
+              </a:ext>
+            </a:extLst>
+          </p:cNvPr>
+          <p:cNvSpPr>
+            <a:spLocks noGrp="1" noRot="1" noChangeAspect="1" noMove="1" noResize="1" noEditPoints="1" noAdjustHandles="1" noChangeArrowheads="1" noChangeShapeType="1" noTextEdit="1"/>
+          </p:cNvSpPr>
+          <p:nvPr>
+            <p:extLst>
+              <p:ext uri="{386F3935-93C4-4BCD-93E2-E3B085C9AB24}">
+                <p16:designElem xmlns:p16="http://schemas.microsoft.com/office/powerpoint/2015/main" val="1"/>
+              </p:ext>
+            </p:extLst>
+          </p:nvPr>
+        </p:nvSpPr>
+        <p:spPr>
+          <a:xfrm>
+            <a:off x="8915400" y="2358913"/>
+            <a:ext cx="2140172" cy="2140172"/>
+          </a:xfrm>
+          <a:prstGeom prst="ellipse">
+            <a:avLst/>
+          </a:prstGeom>
+          <a:solidFill>
+            <a:srgbClr val="FFFFFF"/>
+          </a:solidFill>
+          <a:ln w="22225">
+            <a:solidFill>
+              <a:srgbClr val="38D4FF"/>
+            </a:solidFill>
+          </a:ln>
+        </p:spPr>
+        <p:style>
+          <a:lnRef idx="2">
+            <a:schemeClr val="accent1">
+              <a:shade val="50000"/>
+            </a:schemeClr>
+          </a:lnRef>
+          <a:fillRef idx="1">
+            <a:schemeClr val="accent1"/>
+          </a:fillRef>
+          <a:effectRef idx="0">
+            <a:schemeClr val="accent1"/>
+          </a:effectRef>
+          <a:fontRef idx="minor">
+            <a:schemeClr val="lt1"/>
+          </a:fontRef>
+        </p:style>
+        <p:txBody>
+          <a:bodyPr rtlCol="0" anchor="ctr"/>
+          <a:lstStyle/>
+          <a:p>
+            <a:pPr algn="ctr"/>
+            <a:endParaRPr lang="en-US"/>
+          </a:p>
+        </p:txBody>
+      </p:sp>
+      <p:pic>
+        <p:nvPicPr>
+          <p:cNvPr id="3074" name="Picture 2" descr="DeepMind AlphaGo Logo&quot; Spiral Notebook by James9834 | Redbubble">
+            <a:extLst>
+              <a:ext uri="{FF2B5EF4-FFF2-40B4-BE49-F238E27FC236}">
+                <a16:creationId xmlns:a16="http://schemas.microsoft.com/office/drawing/2014/main" id="{173C29E5-D106-4EB3-B43F-5A269578588E}"/>
+              </a:ext>
+            </a:extLst>
+          </p:cNvPr>
+          <p:cNvPicPr>
+            <a:picLocks noChangeAspect="1" noChangeArrowheads="1"/>
+          </p:cNvPicPr>
+          <p:nvPr/>
+        </p:nvPicPr>
+        <p:blipFill rotWithShape="1">
+          <a:blip r:embed="rId2">
+            <a:alphaModFix/>
+            <a:extLst>
+              <a:ext uri="{28A0092B-C50C-407E-A947-70E740481C1C}">
+                <a14:useLocalDpi xmlns:a14="http://schemas.microsoft.com/office/drawing/2010/main" val="0"/>
+              </a:ext>
+            </a:extLst>
+          </a:blip>
+          <a:srcRect t="161" r="-8" b="-8"/>
+          <a:stretch/>
+        </p:blipFill>
+        <p:spPr bwMode="auto">
+          <a:xfrm>
+            <a:off x="9030743" y="2474254"/>
+            <a:ext cx="1912560" cy="1909489"/>
+          </a:xfrm>
+          <a:custGeom>
+            <a:avLst/>
+            <a:gdLst/>
+            <a:ahLst/>
+            <a:cxnLst/>
+            <a:rect l="l" t="t" r="r" b="b"/>
+            <a:pathLst>
+              <a:path w="6057610" h="6057610">
+                <a:moveTo>
+                  <a:pt x="3028805" y="0"/>
+                </a:moveTo>
+                <a:cubicBezTo>
+                  <a:pt x="4701568" y="0"/>
+                  <a:pt x="6057610" y="1356042"/>
+                  <a:pt x="6057610" y="3028805"/>
+                </a:cubicBezTo>
+                <a:cubicBezTo>
+                  <a:pt x="6057610" y="4701568"/>
+                  <a:pt x="4701568" y="6057610"/>
+                  <a:pt x="3028805" y="6057610"/>
+                </a:cubicBezTo>
+                <a:cubicBezTo>
+                  <a:pt x="1356042" y="6057610"/>
+                  <a:pt x="0" y="4701568"/>
+                  <a:pt x="0" y="3028805"/>
+                </a:cubicBezTo>
+                <a:cubicBezTo>
+                  <a:pt x="0" y="1356042"/>
+                  <a:pt x="1356042" y="0"/>
+                  <a:pt x="3028805" y="0"/>
+                </a:cubicBezTo>
+                <a:close/>
+              </a:path>
+            </a:pathLst>
+          </a:custGeom>
+          <a:noFill/>
+          <a:effectLst>
+            <a:softEdge rad="0"/>
+          </a:effectLst>
+          <a:extLst>
+            <a:ext uri="{909E8E84-426E-40DD-AFC4-6F175D3DCCD1}">
+              <a14:hiddenFill xmlns:a14="http://schemas.microsoft.com/office/drawing/2010/main">
+                <a:solidFill>
+                  <a:srgbClr val="FFFFFF"/>
+                </a:solidFill>
+              </a14:hiddenFill>
+            </a:ext>
+          </a:extLst>
+        </p:spPr>
+      </p:pic>
+      <p:sp>
+        <p:nvSpPr>
+          <p:cNvPr id="4" name="Foliennummernplatzhalter 3">
+            <a:extLst>
+              <a:ext uri="{FF2B5EF4-FFF2-40B4-BE49-F238E27FC236}">
+                <a16:creationId xmlns:a16="http://schemas.microsoft.com/office/drawing/2014/main" id="{0D355E8B-3A68-4FA6-B50A-194FDECAB7B1}"/>
+              </a:ext>
+            </a:extLst>
+          </p:cNvPr>
+          <p:cNvSpPr>
+            <a:spLocks noGrp="1"/>
+          </p:cNvSpPr>
+          <p:nvPr>
+            <p:ph type="sldNum" sz="quarter" idx="12"/>
+          </p:nvPr>
+        </p:nvSpPr>
+        <p:spPr>
+          <a:xfrm>
+            <a:off x="10341428" y="6356350"/>
+            <a:ext cx="1012371" cy="365125"/>
+          </a:xfrm>
+        </p:spPr>
+        <p:txBody>
+          <a:bodyPr>
+            <a:normAutofit/>
+          </a:bodyPr>
+          <a:lstStyle/>
+          <a:p>
+            <a:pPr>
+              <a:spcAft>
+                <a:spcPts val="600"/>
+              </a:spcAft>
+            </a:pPr>
+            <a:fld id="{DFF01B4A-46B9-4C6C-A96B-6DAD2C3CC688}" type="slidenum">
+              <a:rPr lang="de-DE">
+                <a:solidFill>
+                  <a:srgbClr val="FFFFFF"/>
+                </a:solidFill>
+              </a:rPr>
+              <a:pPr>
+                <a:spcAft>
+                  <a:spcPts val="600"/>
+                </a:spcAft>
+              </a:pPr>
+              <a:t>8</a:t>
+            </a:fld>
+            <a:endParaRPr lang="de-DE">
+              <a:solidFill>
+                <a:srgbClr val="FFFFFF"/>
+              </a:solidFill>
+            </a:endParaRPr>
+          </a:p>
+        </p:txBody>
+      </p:sp>
+    </p:spTree>
+    <p:extLst>
+      <p:ext uri="{BB962C8B-B14F-4D97-AF65-F5344CB8AC3E}">
+        <p14:creationId xmlns:p14="http://schemas.microsoft.com/office/powerpoint/2010/main" val="4055910060"/>
+      </p:ext>
+    </p:extLst>
+  </p:cSld>
+  <p:clrMapOvr>
+    <a:masterClrMapping/>
+  </p:clrMapOvr>
+</p:sld>
+</file>
+
+<file path=ppt/slides/slide9.xml><?xml version="1.0" encoding="utf-8"?>
+<p:sld xmlns:a="http://schemas.openxmlformats.org/drawingml/2006/main" xmlns:r="http://schemas.openxmlformats.org/officeDocument/2006/relationships" xmlns:p="http://schemas.openxmlformats.org/presentationml/2006/main">
+  <p:cSld>
+    <p:bg>
+      <p:bgPr>
+        <a:solidFill>
+          <a:schemeClr val="bg1"/>
+        </a:solidFill>
+        <a:effectLst/>
+      </p:bgPr>
+    </p:bg>
+    <p:spTree>
+      <p:nvGrpSpPr>
+        <p:cNvPr id="1" name=""/>
+        <p:cNvGrpSpPr/>
+        <p:nvPr/>
+      </p:nvGrpSpPr>
+      <p:grpSpPr>
+        <a:xfrm>
+          <a:off x="0" y="0"/>
+          <a:ext cx="0" cy="0"/>
+          <a:chOff x="0" y="0"/>
+          <a:chExt cx="0" cy="0"/>
+        </a:xfrm>
+      </p:grpSpPr>
+      <p:sp>
+        <p:nvSpPr>
+          <p:cNvPr id="8" name="Rectangle 7">
+            <a:extLst>
+              <a:ext uri="{FF2B5EF4-FFF2-40B4-BE49-F238E27FC236}">
+                <a16:creationId xmlns:a16="http://schemas.microsoft.com/office/drawing/2014/main" id="{88294908-8B00-4F58-BBBA-20F71A40AA9E}"/>
+              </a:ext>
+              <a:ext uri="{C183D7F6-B498-43B3-948B-1728B52AA6E4}">
+                <adec:decorative xmlns:adec="http://schemas.microsoft.com/office/drawing/2017/decorative" val="1"/>
+              </a:ext>
+            </a:extLst>
+          </p:cNvPr>
+          <p:cNvSpPr>
+            <a:spLocks noGrp="1" noRot="1" noChangeAspect="1" noMove="1" noResize="1" noEditPoints="1" noAdjustHandles="1" noChangeArrowheads="1" noChangeShapeType="1" noTextEdit="1"/>
+          </p:cNvSpPr>
+          <p:nvPr>
+            <p:extLst>
+              <p:ext uri="{386F3935-93C4-4BCD-93E2-E3B085C9AB24}">
+                <p16:designElem xmlns:p16="http://schemas.microsoft.com/office/powerpoint/2015/main" val="1"/>
+              </p:ext>
+            </p:extLst>
+          </p:nvPr>
+        </p:nvSpPr>
+        <p:spPr>
+          <a:xfrm>
+            <a:off x="0" y="0"/>
+            <a:ext cx="12192000" cy="6858000"/>
+          </a:xfrm>
+          <a:prstGeom prst="rect">
+            <a:avLst/>
+          </a:prstGeom>
+          <a:solidFill>
+            <a:schemeClr val="bg2"/>
+          </a:solidFill>
+          <a:ln>
+            <a:noFill/>
+          </a:ln>
+        </p:spPr>
+        <p:style>
+          <a:lnRef idx="2">
+            <a:schemeClr val="accent1">
+              <a:shade val="50000"/>
+            </a:schemeClr>
+          </a:lnRef>
+          <a:fillRef idx="1">
+            <a:schemeClr val="accent1"/>
+          </a:fillRef>
+          <a:effectRef idx="0">
+            <a:schemeClr val="accent1"/>
+          </a:effectRef>
+          <a:fontRef idx="minor">
+            <a:schemeClr val="lt1"/>
+          </a:fontRef>
+        </p:style>
+        <p:txBody>
+          <a:bodyPr rtlCol="0" anchor="ctr"/>
+          <a:lstStyle/>
+          <a:p>
+            <a:pPr algn="ctr"/>
+            <a:endParaRPr lang="en-US" dirty="0"/>
+          </a:p>
+        </p:txBody>
+      </p:sp>
+      <p:sp>
+        <p:nvSpPr>
+          <p:cNvPr id="10" name="Freeform: Shape 9">
+            <a:extLst>
+              <a:ext uri="{FF2B5EF4-FFF2-40B4-BE49-F238E27FC236}">
+                <a16:creationId xmlns:a16="http://schemas.microsoft.com/office/drawing/2014/main" id="{4364C879-1404-4203-8E9D-CC5DE0A621A2}"/>
+              </a:ext>
+              <a:ext uri="{C183D7F6-B498-43B3-948B-1728B52AA6E4}">
+                <adec:decorative xmlns:adec="http://schemas.microsoft.com/office/drawing/2017/decorative" val="1"/>
+              </a:ext>
+            </a:extLst>
+          </p:cNvPr>
+          <p:cNvSpPr>
+            <a:spLocks noGrp="1" noRot="1" noChangeAspect="1" noMove="1" noResize="1" noEditPoints="1" noAdjustHandles="1" noChangeArrowheads="1" noChangeShapeType="1" noTextEdit="1"/>
+          </p:cNvSpPr>
+          <p:nvPr>
+            <p:extLst>
+              <p:ext uri="{386F3935-93C4-4BCD-93E2-E3B085C9AB24}">
+                <p16:designElem xmlns:p16="http://schemas.microsoft.com/office/powerpoint/2015/main" val="1"/>
+              </p:ext>
+            </p:extLst>
+          </p:nvPr>
+        </p:nvSpPr>
+        <p:spPr>
+          <a:xfrm rot="2700000">
+            <a:off x="82782" y="-1386168"/>
+            <a:ext cx="2424873" cy="3611191"/>
+          </a:xfrm>
+          <a:custGeom>
+            <a:avLst/>
+            <a:gdLst>
+              <a:gd name="connsiteX0" fmla="*/ 0 w 2424873"/>
+              <a:gd name="connsiteY0" fmla="*/ 2424874 h 3611191"/>
+              <a:gd name="connsiteX1" fmla="*/ 2424873 w 2424873"/>
+              <a:gd name="connsiteY1" fmla="*/ 0 h 3611191"/>
+              <a:gd name="connsiteX2" fmla="*/ 2424873 w 2424873"/>
+              <a:gd name="connsiteY2" fmla="*/ 3611191 h 3611191"/>
+              <a:gd name="connsiteX3" fmla="*/ 1186317 w 2424873"/>
+              <a:gd name="connsiteY3" fmla="*/ 3611191 h 3611191"/>
+            </a:gdLst>
+            <a:ahLst/>
+            <a:cxnLst>
+              <a:cxn ang="0">
+                <a:pos x="connsiteX0" y="connsiteY0"/>
+              </a:cxn>
+              <a:cxn ang="0">
+                <a:pos x="connsiteX1" y="connsiteY1"/>
+              </a:cxn>
+              <a:cxn ang="0">
+                <a:pos x="connsiteX2" y="connsiteY2"/>
+              </a:cxn>
+              <a:cxn ang="0">
+                <a:pos x="connsiteX3" y="connsiteY3"/>
+              </a:cxn>
+            </a:cxnLst>
+            <a:rect l="l" t="t" r="r" b="b"/>
+            <a:pathLst>
+              <a:path w="2424873" h="3611191">
+                <a:moveTo>
+                  <a:pt x="0" y="2424874"/>
+                </a:moveTo>
+                <a:lnTo>
+                  <a:pt x="2424873" y="0"/>
+                </a:lnTo>
+                <a:lnTo>
+                  <a:pt x="2424873" y="3611191"/>
+                </a:lnTo>
+                <a:lnTo>
+                  <a:pt x="1186317" y="3611191"/>
+                </a:lnTo>
+                <a:close/>
+              </a:path>
+            </a:pathLst>
+          </a:custGeom>
+          <a:solidFill>
+            <a:schemeClr val="accent4">
+              <a:alpha val="40000"/>
+            </a:schemeClr>
+          </a:solidFill>
+          <a:ln>
+            <a:noFill/>
+          </a:ln>
+        </p:spPr>
+        <p:style>
+          <a:lnRef idx="2">
+            <a:schemeClr val="accent1">
+              <a:shade val="50000"/>
+            </a:schemeClr>
+          </a:lnRef>
+          <a:fillRef idx="1">
+            <a:schemeClr val="accent1"/>
+          </a:fillRef>
+          <a:effectRef idx="0">
+            <a:schemeClr val="accent1"/>
+          </a:effectRef>
+          <a:fontRef idx="minor">
+            <a:schemeClr val="lt1"/>
+          </a:fontRef>
+        </p:style>
+        <p:txBody>
+          <a:bodyPr wrap="square" rtlCol="0" anchor="ctr">
+            <a:noAutofit/>
+          </a:bodyPr>
+          <a:lstStyle/>
+          <a:p>
+            <a:pPr algn="ctr"/>
+            <a:endParaRPr lang="en-US"/>
+          </a:p>
+        </p:txBody>
+      </p:sp>
+      <p:sp>
+        <p:nvSpPr>
+          <p:cNvPr id="12" name="Freeform: Shape 11">
+            <a:extLst>
+              <a:ext uri="{FF2B5EF4-FFF2-40B4-BE49-F238E27FC236}">
+                <a16:creationId xmlns:a16="http://schemas.microsoft.com/office/drawing/2014/main" id="{84617302-4B0D-4351-A6BB-6F0930D943AC}"/>
+              </a:ext>
+              <a:ext uri="{C183D7F6-B498-43B3-948B-1728B52AA6E4}">
+                <adec:decorative xmlns:adec="http://schemas.microsoft.com/office/drawing/2017/decorative" val="1"/>
+              </a:ext>
+            </a:extLst>
+          </p:cNvPr>
+          <p:cNvSpPr>
+            <a:spLocks noGrp="1" noRot="1" noChangeAspect="1" noMove="1" noResize="1" noEditPoints="1" noAdjustHandles="1" noChangeArrowheads="1" noChangeShapeType="1" noTextEdit="1"/>
+          </p:cNvSpPr>
+          <p:nvPr>
+            <p:extLst>
+              <p:ext uri="{386F3935-93C4-4BCD-93E2-E3B085C9AB24}">
+                <p16:designElem xmlns:p16="http://schemas.microsoft.com/office/powerpoint/2015/main" val="1"/>
+              </p:ext>
+            </p:extLst>
+          </p:nvPr>
+        </p:nvSpPr>
+        <p:spPr>
+          <a:xfrm rot="2700000">
+            <a:off x="1571000" y="-338582"/>
+            <a:ext cx="1635955" cy="1635955"/>
+          </a:xfrm>
+          <a:custGeom>
+            <a:avLst/>
+            <a:gdLst>
+              <a:gd name="connsiteX0" fmla="*/ 0 w 1635955"/>
+              <a:gd name="connsiteY0" fmla="*/ 957987 h 1635955"/>
+              <a:gd name="connsiteX1" fmla="*/ 957987 w 1635955"/>
+              <a:gd name="connsiteY1" fmla="*/ 0 h 1635955"/>
+              <a:gd name="connsiteX2" fmla="*/ 1635955 w 1635955"/>
+              <a:gd name="connsiteY2" fmla="*/ 0 h 1635955"/>
+              <a:gd name="connsiteX3" fmla="*/ 1635955 w 1635955"/>
+              <a:gd name="connsiteY3" fmla="*/ 1635955 h 1635955"/>
+              <a:gd name="connsiteX4" fmla="*/ 0 w 1635955"/>
+              <a:gd name="connsiteY4" fmla="*/ 1635955 h 1635955"/>
+            </a:gdLst>
+            <a:ahLst/>
+            <a:cxnLst>
+              <a:cxn ang="0">
+                <a:pos x="connsiteX0" y="connsiteY0"/>
+              </a:cxn>
+              <a:cxn ang="0">
+                <a:pos x="connsiteX1" y="connsiteY1"/>
+              </a:cxn>
+              <a:cxn ang="0">
+                <a:pos x="connsiteX2" y="connsiteY2"/>
+              </a:cxn>
+              <a:cxn ang="0">
+                <a:pos x="connsiteX3" y="connsiteY3"/>
+              </a:cxn>
+              <a:cxn ang="0">
+                <a:pos x="connsiteX4" y="connsiteY4"/>
+              </a:cxn>
+            </a:cxnLst>
+            <a:rect l="l" t="t" r="r" b="b"/>
+            <a:pathLst>
+              <a:path w="1635955" h="1635955">
+                <a:moveTo>
+                  <a:pt x="0" y="957987"/>
+                </a:moveTo>
+                <a:lnTo>
+                  <a:pt x="957987" y="0"/>
+                </a:lnTo>
+                <a:lnTo>
+                  <a:pt x="1635955" y="0"/>
+                </a:lnTo>
+                <a:lnTo>
+                  <a:pt x="1635955" y="1635955"/>
+                </a:lnTo>
+                <a:lnTo>
+                  <a:pt x="0" y="1635955"/>
+                </a:lnTo>
+                <a:close/>
+              </a:path>
+            </a:pathLst>
+          </a:custGeom>
+          <a:solidFill>
+            <a:schemeClr val="accent4">
+              <a:alpha val="40000"/>
+            </a:schemeClr>
+          </a:solidFill>
+          <a:ln>
+            <a:noFill/>
+          </a:ln>
+        </p:spPr>
+        <p:style>
+          <a:lnRef idx="2">
+            <a:schemeClr val="accent1">
+              <a:shade val="50000"/>
+            </a:schemeClr>
+          </a:lnRef>
+          <a:fillRef idx="1">
+            <a:schemeClr val="accent1"/>
+          </a:fillRef>
+          <a:effectRef idx="0">
+            <a:schemeClr val="accent1"/>
+          </a:effectRef>
+          <a:fontRef idx="minor">
+            <a:schemeClr val="lt1"/>
+          </a:fontRef>
+        </p:style>
+        <p:txBody>
+          <a:bodyPr wrap="square" rtlCol="0" anchor="ctr">
+            <a:noAutofit/>
+          </a:bodyPr>
+          <a:lstStyle/>
+          <a:p>
+            <a:pPr algn="ctr"/>
+            <a:endParaRPr lang="en-US"/>
+          </a:p>
+        </p:txBody>
+      </p:sp>
+      <p:sp>
+        <p:nvSpPr>
+          <p:cNvPr id="14" name="Freeform: Shape 13">
+            <a:extLst>
+              <a:ext uri="{FF2B5EF4-FFF2-40B4-BE49-F238E27FC236}">
+                <a16:creationId xmlns:a16="http://schemas.microsoft.com/office/drawing/2014/main" id="{DA2C7802-C2E0-4218-8F89-8DD7CCD2CD1C}"/>
+              </a:ext>
+              <a:ext uri="{C183D7F6-B498-43B3-948B-1728B52AA6E4}">
+                <adec:decorative xmlns:adec="http://schemas.microsoft.com/office/drawing/2017/decorative" val="1"/>
+              </a:ext>
+            </a:extLst>
+          </p:cNvPr>
+          <p:cNvSpPr>
+            <a:spLocks noGrp="1" noRot="1" noChangeAspect="1" noMove="1" noResize="1" noEditPoints="1" noAdjustHandles="1" noChangeArrowheads="1" noChangeShapeType="1" noTextEdit="1"/>
+          </p:cNvSpPr>
+          <p:nvPr>
+            <p:extLst>
+              <p:ext uri="{386F3935-93C4-4BCD-93E2-E3B085C9AB24}">
+                <p16:designElem xmlns:p16="http://schemas.microsoft.com/office/powerpoint/2015/main" val="1"/>
+              </p:ext>
+            </p:extLst>
+          </p:nvPr>
+        </p:nvSpPr>
+        <p:spPr>
+          <a:xfrm rot="2700000">
+            <a:off x="9627985" y="-6588"/>
+            <a:ext cx="4059393" cy="2548110"/>
+          </a:xfrm>
+          <a:custGeom>
+            <a:avLst/>
+            <a:gdLst>
+              <a:gd name="connsiteX0" fmla="*/ 0 w 4059393"/>
+              <a:gd name="connsiteY0" fmla="*/ 1511282 h 2548110"/>
+              <a:gd name="connsiteX1" fmla="*/ 1511282 w 4059393"/>
+              <a:gd name="connsiteY1" fmla="*/ 0 h 2548110"/>
+              <a:gd name="connsiteX2" fmla="*/ 4059393 w 4059393"/>
+              <a:gd name="connsiteY2" fmla="*/ 2548110 h 2548110"/>
+              <a:gd name="connsiteX3" fmla="*/ 0 w 4059393"/>
+              <a:gd name="connsiteY3" fmla="*/ 2548110 h 2548110"/>
+            </a:gdLst>
+            <a:ahLst/>
+            <a:cxnLst>
+              <a:cxn ang="0">
+                <a:pos x="connsiteX0" y="connsiteY0"/>
+              </a:cxn>
+              <a:cxn ang="0">
+                <a:pos x="connsiteX1" y="connsiteY1"/>
+              </a:cxn>
+              <a:cxn ang="0">
+                <a:pos x="connsiteX2" y="connsiteY2"/>
+              </a:cxn>
+              <a:cxn ang="0">
+                <a:pos x="connsiteX3" y="connsiteY3"/>
+              </a:cxn>
+            </a:cxnLst>
+            <a:rect l="l" t="t" r="r" b="b"/>
+            <a:pathLst>
+              <a:path w="4059393" h="2548110">
+                <a:moveTo>
+                  <a:pt x="0" y="1511282"/>
+                </a:moveTo>
+                <a:lnTo>
+                  <a:pt x="1511282" y="0"/>
+                </a:lnTo>
+                <a:lnTo>
+                  <a:pt x="4059393" y="2548110"/>
+                </a:lnTo>
+                <a:lnTo>
+                  <a:pt x="0" y="2548110"/>
+                </a:lnTo>
+                <a:close/>
+              </a:path>
+            </a:pathLst>
+          </a:custGeom>
+          <a:solidFill>
+            <a:schemeClr val="accent1">
+              <a:alpha val="30000"/>
+            </a:schemeClr>
+          </a:solidFill>
+          <a:ln>
+            <a:noFill/>
+          </a:ln>
+        </p:spPr>
+        <p:style>
+          <a:lnRef idx="2">
+            <a:schemeClr val="accent1">
+              <a:shade val="50000"/>
+            </a:schemeClr>
+          </a:lnRef>
+          <a:fillRef idx="1">
+            <a:schemeClr val="accent1"/>
+          </a:fillRef>
+          <a:effectRef idx="0">
+            <a:schemeClr val="accent1"/>
+          </a:effectRef>
+          <a:fontRef idx="minor">
+            <a:schemeClr val="lt1"/>
+          </a:fontRef>
+        </p:style>
+        <p:txBody>
+          <a:bodyPr wrap="square" rtlCol="0" anchor="ctr">
+            <a:noAutofit/>
+          </a:bodyPr>
+          <a:lstStyle/>
+          <a:p>
+            <a:pPr algn="ctr"/>
+            <a:endParaRPr lang="en-US"/>
+          </a:p>
+        </p:txBody>
+      </p:sp>
+      <p:sp>
+        <p:nvSpPr>
+          <p:cNvPr id="16" name="Rectangle 15">
+            <a:extLst>
+              <a:ext uri="{FF2B5EF4-FFF2-40B4-BE49-F238E27FC236}">
+                <a16:creationId xmlns:a16="http://schemas.microsoft.com/office/drawing/2014/main" id="{A6D7111A-21E5-4EE9-8A78-10E5530F0116}"/>
+              </a:ext>
+              <a:ext uri="{C183D7F6-B498-43B3-948B-1728B52AA6E4}">
+                <adec:decorative xmlns:adec="http://schemas.microsoft.com/office/drawing/2017/decorative" val="1"/>
+              </a:ext>
+            </a:extLst>
+          </p:cNvPr>
+          <p:cNvSpPr>
+            <a:spLocks noGrp="1" noRot="1" noChangeAspect="1" noMove="1" noResize="1" noEditPoints="1" noAdjustHandles="1" noChangeArrowheads="1" noChangeShapeType="1" noTextEdit="1"/>
+          </p:cNvSpPr>
+          <p:nvPr>
+            <p:extLst>
+              <p:ext uri="{386F3935-93C4-4BCD-93E2-E3B085C9AB24}">
+                <p16:designElem xmlns:p16="http://schemas.microsoft.com/office/powerpoint/2015/main" val="1"/>
+              </p:ext>
+            </p:extLst>
+          </p:nvPr>
+        </p:nvSpPr>
+        <p:spPr>
+          <a:xfrm rot="2700000">
+            <a:off x="10262924" y="1465780"/>
+            <a:ext cx="1185708" cy="1185708"/>
+          </a:xfrm>
+          <a:prstGeom prst="rect">
+            <a:avLst/>
+          </a:prstGeom>
+          <a:solidFill>
+            <a:schemeClr val="accent1">
+              <a:alpha val="30000"/>
+            </a:schemeClr>
+          </a:solidFill>
+          <a:ln>
+            <a:noFill/>
+          </a:ln>
+        </p:spPr>
+        <p:style>
+          <a:lnRef idx="2">
+            <a:schemeClr val="accent1">
+              <a:shade val="50000"/>
+            </a:schemeClr>
+          </a:lnRef>
+          <a:fillRef idx="1">
+            <a:schemeClr val="accent1"/>
+          </a:fillRef>
+          <a:effectRef idx="0">
+            <a:schemeClr val="accent1"/>
+          </a:effectRef>
+          <a:fontRef idx="minor">
+            <a:schemeClr val="lt1"/>
+          </a:fontRef>
+        </p:style>
+        <p:txBody>
+          <a:bodyPr wrap="square" rtlCol="0" anchor="ctr">
+            <a:noAutofit/>
+          </a:bodyPr>
+          <a:lstStyle/>
+          <a:p>
+            <a:pPr algn="ctr"/>
+            <a:endParaRPr lang="en-US"/>
+          </a:p>
+        </p:txBody>
+      </p:sp>
+      <p:sp>
+        <p:nvSpPr>
+          <p:cNvPr id="18" name="Freeform: Shape 17">
+            <a:extLst>
+              <a:ext uri="{FF2B5EF4-FFF2-40B4-BE49-F238E27FC236}">
+                <a16:creationId xmlns:a16="http://schemas.microsoft.com/office/drawing/2014/main" id="{A3969E80-A77B-49FC-9122-D89AFD5EE118}"/>
+              </a:ext>
+              <a:ext uri="{C183D7F6-B498-43B3-948B-1728B52AA6E4}">
+                <adec:decorative xmlns:adec="http://schemas.microsoft.com/office/drawing/2017/decorative" val="1"/>
+              </a:ext>
+            </a:extLst>
+          </p:cNvPr>
+          <p:cNvSpPr>
+            <a:spLocks noGrp="1" noRot="1" noChangeAspect="1" noMove="1" noResize="1" noEditPoints="1" noAdjustHandles="1" noChangeArrowheads="1" noChangeShapeType="1" noTextEdit="1"/>
+          </p:cNvSpPr>
+          <p:nvPr>
+            <p:extLst>
+              <p:ext uri="{386F3935-93C4-4BCD-93E2-E3B085C9AB24}">
+                <p16:designElem xmlns:p16="http://schemas.microsoft.com/office/powerpoint/2015/main" val="1"/>
+              </p:ext>
+            </p:extLst>
+          </p:nvPr>
+        </p:nvSpPr>
+        <p:spPr>
+          <a:xfrm rot="2700000">
+            <a:off x="-29557" y="5198743"/>
+            <a:ext cx="2444907" cy="2366116"/>
+          </a:xfrm>
+          <a:custGeom>
+            <a:avLst/>
+            <a:gdLst>
+              <a:gd name="connsiteX0" fmla="*/ 0 w 2203753"/>
+              <a:gd name="connsiteY0" fmla="*/ 0 h 2132734"/>
+              <a:gd name="connsiteX1" fmla="*/ 2203753 w 2203753"/>
+              <a:gd name="connsiteY1" fmla="*/ 0 h 2132734"/>
+              <a:gd name="connsiteX2" fmla="*/ 2203753 w 2203753"/>
+              <a:gd name="connsiteY2" fmla="*/ 576461 h 2132734"/>
+              <a:gd name="connsiteX3" fmla="*/ 647480 w 2203753"/>
+              <a:gd name="connsiteY3" fmla="*/ 2132734 h 2132734"/>
+              <a:gd name="connsiteX4" fmla="*/ 0 w 2203753"/>
+              <a:gd name="connsiteY4" fmla="*/ 1485255 h 2132734"/>
+            </a:gdLst>
+            <a:ahLst/>
+            <a:cxnLst>
+              <a:cxn ang="0">
+                <a:pos x="connsiteX0" y="connsiteY0"/>
+              </a:cxn>
+              <a:cxn ang="0">
+                <a:pos x="connsiteX1" y="connsiteY1"/>
+              </a:cxn>
+              <a:cxn ang="0">
+                <a:pos x="connsiteX2" y="connsiteY2"/>
+              </a:cxn>
+              <a:cxn ang="0">
+                <a:pos x="connsiteX3" y="connsiteY3"/>
+              </a:cxn>
+              <a:cxn ang="0">
+                <a:pos x="connsiteX4" y="connsiteY4"/>
+              </a:cxn>
+            </a:cxnLst>
+            <a:rect l="l" t="t" r="r" b="b"/>
+            <a:pathLst>
+              <a:path w="2203753" h="2132734">
+                <a:moveTo>
+                  <a:pt x="0" y="0"/>
+                </a:moveTo>
+                <a:lnTo>
+                  <a:pt x="2203753" y="0"/>
+                </a:lnTo>
+                <a:lnTo>
+                  <a:pt x="2203753" y="576461"/>
+                </a:lnTo>
+                <a:lnTo>
+                  <a:pt x="647480" y="2132734"/>
+                </a:lnTo>
+                <a:lnTo>
+                  <a:pt x="0" y="1485255"/>
+                </a:lnTo>
+                <a:close/>
+              </a:path>
+            </a:pathLst>
+          </a:custGeom>
+          <a:solidFill>
+            <a:schemeClr val="accent1">
+              <a:alpha val="30000"/>
+            </a:schemeClr>
+          </a:solidFill>
+          <a:ln>
+            <a:noFill/>
+          </a:ln>
+        </p:spPr>
+        <p:style>
+          <a:lnRef idx="2">
+            <a:schemeClr val="accent1">
+              <a:shade val="50000"/>
+            </a:schemeClr>
+          </a:lnRef>
+          <a:fillRef idx="1">
+            <a:schemeClr val="accent1"/>
+          </a:fillRef>
+          <a:effectRef idx="0">
+            <a:schemeClr val="accent1"/>
+          </a:effectRef>
+          <a:fontRef idx="minor">
+            <a:schemeClr val="lt1"/>
+          </a:fontRef>
+        </p:style>
+        <p:txBody>
+          <a:bodyPr wrap="square" rtlCol="0" anchor="ctr">
+            <a:noAutofit/>
+          </a:bodyPr>
+          <a:lstStyle/>
+          <a:p>
+            <a:pPr algn="ctr"/>
+            <a:endParaRPr lang="en-US"/>
+          </a:p>
+        </p:txBody>
+      </p:sp>
+      <p:sp>
+        <p:nvSpPr>
+          <p:cNvPr id="20" name="Rectangle 19">
+            <a:extLst>
+              <a:ext uri="{FF2B5EF4-FFF2-40B4-BE49-F238E27FC236}">
+                <a16:creationId xmlns:a16="http://schemas.microsoft.com/office/drawing/2014/main" id="{1849CA57-76BD-4CF2-80BA-D7A46A01B7B1}"/>
+              </a:ext>
+              <a:ext uri="{C183D7F6-B498-43B3-948B-1728B52AA6E4}">
+                <adec:decorative xmlns:adec="http://schemas.microsoft.com/office/drawing/2017/decorative" val="1"/>
+              </a:ext>
+            </a:extLst>
+          </p:cNvPr>
+          <p:cNvSpPr>
+            <a:spLocks noGrp="1" noRot="1" noChangeAspect="1" noMove="1" noResize="1" noEditPoints="1" noAdjustHandles="1" noChangeArrowheads="1" noChangeShapeType="1" noTextEdit="1"/>
+          </p:cNvSpPr>
+          <p:nvPr>
+            <p:extLst>
+              <p:ext uri="{386F3935-93C4-4BCD-93E2-E3B085C9AB24}">
+                <p16:designElem xmlns:p16="http://schemas.microsoft.com/office/powerpoint/2015/main" val="1"/>
+              </p:ext>
+            </p:extLst>
+          </p:nvPr>
+        </p:nvSpPr>
+        <p:spPr>
+          <a:xfrm rot="2700000">
+            <a:off x="1769787" y="5439893"/>
+            <a:ext cx="928467" cy="928467"/>
+          </a:xfrm>
+          <a:prstGeom prst="rect">
+            <a:avLst/>
+          </a:prstGeom>
+          <a:solidFill>
+            <a:schemeClr val="accent1">
+              <a:alpha val="30000"/>
+            </a:schemeClr>
+          </a:solidFill>
+          <a:ln>
+            <a:noFill/>
+          </a:ln>
+        </p:spPr>
+        <p:style>
+          <a:lnRef idx="2">
+            <a:schemeClr val="accent1">
+              <a:shade val="50000"/>
+            </a:schemeClr>
+          </a:lnRef>
+          <a:fillRef idx="1">
+            <a:schemeClr val="accent1"/>
+          </a:fillRef>
+          <a:effectRef idx="0">
+            <a:schemeClr val="accent1"/>
+          </a:effectRef>
+          <a:fontRef idx="minor">
+            <a:schemeClr val="lt1"/>
+          </a:fontRef>
+        </p:style>
+        <p:txBody>
+          <a:bodyPr wrap="square" rtlCol="0" anchor="ctr">
+            <a:noAutofit/>
+          </a:bodyPr>
+          <a:lstStyle/>
+          <a:p>
+            <a:pPr algn="ctr"/>
+            <a:endParaRPr lang="en-US">
+              <a:solidFill>
+                <a:srgbClr val="FFFFFF"/>
+              </a:solidFill>
+              <a:effectLst>
+                <a:outerShdw blurRad="38100" dist="38100" dir="2700000" algn="tl">
+                  <a:srgbClr val="000000">
+                    <a:alpha val="43137"/>
+                  </a:srgbClr>
+                </a:outerShdw>
+              </a:effectLst>
+            </a:endParaRPr>
+          </a:p>
+        </p:txBody>
+      </p:sp>
+      <p:sp>
+        <p:nvSpPr>
+          <p:cNvPr id="22" name="Freeform: Shape 21">
+            <a:extLst>
+              <a:ext uri="{FF2B5EF4-FFF2-40B4-BE49-F238E27FC236}">
+                <a16:creationId xmlns:a16="http://schemas.microsoft.com/office/drawing/2014/main" id="{35E9085E-E730-4768-83D4-6CB7E9897153}"/>
+              </a:ext>
+              <a:ext uri="{C183D7F6-B498-43B3-948B-1728B52AA6E4}">
+                <adec:decorative xmlns:adec="http://schemas.microsoft.com/office/drawing/2017/decorative" val="1"/>
+              </a:ext>
+            </a:extLst>
+          </p:cNvPr>
+          <p:cNvSpPr>
+            <a:spLocks noGrp="1" noRot="1" noChangeAspect="1" noMove="1" noResize="1" noEditPoints="1" noAdjustHandles="1" noChangeArrowheads="1" noChangeShapeType="1" noTextEdit="1"/>
+          </p:cNvSpPr>
+          <p:nvPr>
+            <p:extLst>
+              <p:ext uri="{386F3935-93C4-4BCD-93E2-E3B085C9AB24}">
+                <p16:designElem xmlns:p16="http://schemas.microsoft.com/office/powerpoint/2015/main" val="1"/>
+              </p:ext>
+            </p:extLst>
+          </p:nvPr>
+        </p:nvSpPr>
+        <p:spPr>
+          <a:xfrm rot="2700000">
+            <a:off x="3401311" y="734311"/>
+            <a:ext cx="5389379" cy="5389379"/>
+          </a:xfrm>
+          <a:custGeom>
+            <a:avLst/>
+            <a:gdLst>
+              <a:gd name="connsiteX0" fmla="*/ 0 w 5389379"/>
+              <a:gd name="connsiteY0" fmla="*/ 540040 h 5389379"/>
+              <a:gd name="connsiteX1" fmla="*/ 540040 w 5389379"/>
+              <a:gd name="connsiteY1" fmla="*/ 0 h 5389379"/>
+              <a:gd name="connsiteX2" fmla="*/ 5389379 w 5389379"/>
+              <a:gd name="connsiteY2" fmla="*/ 0 h 5389379"/>
+              <a:gd name="connsiteX3" fmla="*/ 5389379 w 5389379"/>
+              <a:gd name="connsiteY3" fmla="*/ 4838655 h 5389379"/>
+              <a:gd name="connsiteX4" fmla="*/ 4838655 w 5389379"/>
+              <a:gd name="connsiteY4" fmla="*/ 5389379 h 5389379"/>
+              <a:gd name="connsiteX5" fmla="*/ 0 w 5389379"/>
+              <a:gd name="connsiteY5" fmla="*/ 5389379 h 5389379"/>
+            </a:gdLst>
+            <a:ahLst/>
+            <a:cxnLst>
+              <a:cxn ang="0">
+                <a:pos x="connsiteX0" y="connsiteY0"/>
+              </a:cxn>
+              <a:cxn ang="0">
+                <a:pos x="connsiteX1" y="connsiteY1"/>
+              </a:cxn>
+              <a:cxn ang="0">
+                <a:pos x="connsiteX2" y="connsiteY2"/>
+              </a:cxn>
+              <a:cxn ang="0">
+                <a:pos x="connsiteX3" y="connsiteY3"/>
+              </a:cxn>
+              <a:cxn ang="0">
+                <a:pos x="connsiteX4" y="connsiteY4"/>
+              </a:cxn>
+              <a:cxn ang="0">
+                <a:pos x="connsiteX5" y="connsiteY5"/>
+              </a:cxn>
+            </a:cxnLst>
+            <a:rect l="l" t="t" r="r" b="b"/>
+            <a:pathLst>
+              <a:path w="5389379" h="5389379">
+                <a:moveTo>
+                  <a:pt x="0" y="540040"/>
+                </a:moveTo>
+                <a:lnTo>
+                  <a:pt x="540040" y="0"/>
+                </a:lnTo>
+                <a:lnTo>
+                  <a:pt x="5389379" y="0"/>
+                </a:lnTo>
+                <a:lnTo>
+                  <a:pt x="5389379" y="4838655"/>
+                </a:lnTo>
+                <a:lnTo>
+                  <a:pt x="4838655" y="5389379"/>
+                </a:lnTo>
+                <a:lnTo>
+                  <a:pt x="0" y="5389379"/>
+                </a:lnTo>
+                <a:close/>
+              </a:path>
+            </a:pathLst>
+          </a:custGeom>
+          <a:solidFill>
+            <a:srgbClr val="FFFFFF"/>
+          </a:solidFill>
+          <a:ln>
+            <a:noFill/>
+          </a:ln>
+        </p:spPr>
+        <p:style>
+          <a:lnRef idx="2">
+            <a:schemeClr val="accent1">
+              <a:shade val="50000"/>
+            </a:schemeClr>
+          </a:lnRef>
+          <a:fillRef idx="1">
+            <a:schemeClr val="accent1"/>
+          </a:fillRef>
+          <a:effectRef idx="0">
+            <a:schemeClr val="accent1"/>
+          </a:effectRef>
+          <a:fontRef idx="minor">
+            <a:schemeClr val="lt1"/>
+          </a:fontRef>
+        </p:style>
+        <p:txBody>
+          <a:bodyPr wrap="square" rtlCol="0" anchor="ctr">
+            <a:noAutofit/>
+          </a:bodyPr>
+          <a:lstStyle/>
+          <a:p>
+            <a:pPr algn="ctr"/>
+            <a:endParaRPr lang="en-US"/>
+          </a:p>
+        </p:txBody>
+      </p:sp>
+      <p:sp>
+        <p:nvSpPr>
+          <p:cNvPr id="24" name="Freeform: Shape 23">
+            <a:extLst>
+              <a:ext uri="{FF2B5EF4-FFF2-40B4-BE49-F238E27FC236}">
+                <a16:creationId xmlns:a16="http://schemas.microsoft.com/office/drawing/2014/main" id="{973272FE-A474-4CAE-8CA2-BCC8B476C3F4}"/>
+              </a:ext>
+              <a:ext uri="{C183D7F6-B498-43B3-948B-1728B52AA6E4}">
+                <adec:decorative xmlns:adec="http://schemas.microsoft.com/office/drawing/2017/decorative" val="1"/>
+              </a:ext>
+            </a:extLst>
+          </p:cNvPr>
+          <p:cNvSpPr>
+            <a:spLocks noGrp="1" noRot="1" noChangeAspect="1" noMove="1" noResize="1" noEditPoints="1" noAdjustHandles="1" noChangeArrowheads="1" noChangeShapeType="1" noTextEdit="1"/>
+          </p:cNvSpPr>
+          <p:nvPr>
+            <p:extLst>
+              <p:ext uri="{386F3935-93C4-4BCD-93E2-E3B085C9AB24}">
+                <p16:designElem xmlns:p16="http://schemas.microsoft.com/office/powerpoint/2015/main" val="1"/>
+              </p:ext>
+            </p:extLst>
+          </p:nvPr>
+        </p:nvSpPr>
+        <p:spPr>
+          <a:xfrm rot="2700000">
+            <a:off x="2700283" y="33283"/>
+            <a:ext cx="6791435" cy="6791435"/>
+          </a:xfrm>
+          <a:custGeom>
+            <a:avLst/>
+            <a:gdLst>
+              <a:gd name="connsiteX0" fmla="*/ 1860938 w 6791435"/>
+              <a:gd name="connsiteY0" fmla="*/ 81158 h 6791435"/>
+              <a:gd name="connsiteX1" fmla="*/ 1942096 w 6791435"/>
+              <a:gd name="connsiteY1" fmla="*/ 0 h 6791435"/>
+              <a:gd name="connsiteX2" fmla="*/ 6791435 w 6791435"/>
+              <a:gd name="connsiteY2" fmla="*/ 0 h 6791435"/>
+              <a:gd name="connsiteX3" fmla="*/ 6791435 w 6791435"/>
+              <a:gd name="connsiteY3" fmla="*/ 4838655 h 6791435"/>
+              <a:gd name="connsiteX4" fmla="*/ 6710277 w 6791435"/>
+              <a:gd name="connsiteY4" fmla="*/ 4919813 h 6791435"/>
+              <a:gd name="connsiteX5" fmla="*/ 6710277 w 6791435"/>
+              <a:gd name="connsiteY5" fmla="*/ 81158 h 6791435"/>
+              <a:gd name="connsiteX6" fmla="*/ 0 w 6791435"/>
+              <a:gd name="connsiteY6" fmla="*/ 1942096 h 6791435"/>
+              <a:gd name="connsiteX7" fmla="*/ 81158 w 6791435"/>
+              <a:gd name="connsiteY7" fmla="*/ 1860938 h 6791435"/>
+              <a:gd name="connsiteX8" fmla="*/ 81158 w 6791435"/>
+              <a:gd name="connsiteY8" fmla="*/ 6710277 h 6791435"/>
+              <a:gd name="connsiteX9" fmla="*/ 4919813 w 6791435"/>
+              <a:gd name="connsiteY9" fmla="*/ 6710277 h 6791435"/>
+              <a:gd name="connsiteX10" fmla="*/ 4838655 w 6791435"/>
+              <a:gd name="connsiteY10" fmla="*/ 6791435 h 6791435"/>
+              <a:gd name="connsiteX11" fmla="*/ 0 w 6791435"/>
+              <a:gd name="connsiteY11" fmla="*/ 6791435 h 6791435"/>
+            </a:gdLst>
+            <a:ahLst/>
+            <a:cxnLst>
+              <a:cxn ang="0">
+                <a:pos x="connsiteX0" y="connsiteY0"/>
+              </a:cxn>
+              <a:cxn ang="0">
+                <a:pos x="connsiteX1" y="connsiteY1"/>
+              </a:cxn>
+              <a:cxn ang="0">
+                <a:pos x="connsiteX2" y="connsiteY2"/>
+              </a:cxn>
+              <a:cxn ang="0">
+                <a:pos x="connsiteX3" y="connsiteY3"/>
+              </a:cxn>
+              <a:cxn ang="0">
+                <a:pos x="connsiteX4" y="connsiteY4"/>
+              </a:cxn>
+              <a:cxn ang="0">
+                <a:pos x="connsiteX5" y="connsiteY5"/>
+              </a:cxn>
+              <a:cxn ang="0">
+                <a:pos x="connsiteX6" y="connsiteY6"/>
+              </a:cxn>
+              <a:cxn ang="0">
+                <a:pos x="connsiteX7" y="connsiteY7"/>
+              </a:cxn>
+              <a:cxn ang="0">
+                <a:pos x="connsiteX8" y="connsiteY8"/>
+              </a:cxn>
+              <a:cxn ang="0">
+                <a:pos x="connsiteX9" y="connsiteY9"/>
+              </a:cxn>
+              <a:cxn ang="0">
+                <a:pos x="connsiteX10" y="connsiteY10"/>
+              </a:cxn>
+              <a:cxn ang="0">
+                <a:pos x="connsiteX11" y="connsiteY11"/>
+              </a:cxn>
+            </a:cxnLst>
+            <a:rect l="l" t="t" r="r" b="b"/>
+            <a:pathLst>
+              <a:path w="6791435" h="6791435">
+                <a:moveTo>
+                  <a:pt x="1860938" y="81158"/>
+                </a:moveTo>
+                <a:lnTo>
+                  <a:pt x="1942096" y="0"/>
+                </a:lnTo>
+                <a:lnTo>
+                  <a:pt x="6791435" y="0"/>
+                </a:lnTo>
+                <a:lnTo>
+                  <a:pt x="6791435" y="4838655"/>
+                </a:lnTo>
+                <a:lnTo>
+                  <a:pt x="6710277" y="4919813"/>
+                </a:lnTo>
+                <a:lnTo>
+                  <a:pt x="6710277" y="81158"/>
+                </a:lnTo>
+                <a:close/>
+                <a:moveTo>
+                  <a:pt x="0" y="1942096"/>
+                </a:moveTo>
+                <a:lnTo>
+                  <a:pt x="81158" y="1860938"/>
+                </a:lnTo>
+                <a:lnTo>
+                  <a:pt x="81158" y="6710277"/>
+                </a:lnTo>
+                <a:lnTo>
+                  <a:pt x="4919813" y="6710277"/>
+                </a:lnTo>
+                <a:lnTo>
+                  <a:pt x="4838655" y="6791435"/>
+                </a:lnTo>
+                <a:lnTo>
+                  <a:pt x="0" y="6791435"/>
+                </a:lnTo>
+                <a:close/>
+              </a:path>
+            </a:pathLst>
+          </a:custGeom>
+          <a:solidFill>
+            <a:srgbClr val="FFFFFF">
+              <a:alpha val="60000"/>
+            </a:srgbClr>
+          </a:solidFill>
+          <a:ln>
+            <a:noFill/>
+          </a:ln>
+        </p:spPr>
+        <p:style>
+          <a:lnRef idx="2">
+            <a:schemeClr val="accent1">
+              <a:shade val="50000"/>
+            </a:schemeClr>
+          </a:lnRef>
+          <a:fillRef idx="1">
+            <a:schemeClr val="accent1"/>
+          </a:fillRef>
+          <a:effectRef idx="0">
+            <a:schemeClr val="accent1"/>
+          </a:effectRef>
+          <a:fontRef idx="minor">
+            <a:schemeClr val="lt1"/>
+          </a:fontRef>
+        </p:style>
+        <p:txBody>
+          <a:bodyPr wrap="square" rtlCol="0" anchor="ctr">
+            <a:noAutofit/>
+          </a:bodyPr>
+          <a:lstStyle/>
+          <a:p>
+            <a:pPr algn="ctr"/>
+            <a:endParaRPr lang="en-US">
+              <a:solidFill>
+                <a:schemeClr val="tx1"/>
+              </a:solidFill>
+            </a:endParaRPr>
+          </a:p>
+        </p:txBody>
+      </p:sp>
+      <p:sp>
+        <p:nvSpPr>
+          <p:cNvPr id="2" name="Titel 1">
+            <a:extLst>
+              <a:ext uri="{FF2B5EF4-FFF2-40B4-BE49-F238E27FC236}">
+                <a16:creationId xmlns:a16="http://schemas.microsoft.com/office/drawing/2014/main" id="{76ACC6E6-7CA0-48B7-8D35-CE4440EB3149}"/>
+              </a:ext>
+            </a:extLst>
+          </p:cNvPr>
+          <p:cNvSpPr>
+            <a:spLocks noGrp="1"/>
+          </p:cNvSpPr>
+          <p:nvPr>
+            <p:ph type="title"/>
+          </p:nvPr>
+        </p:nvSpPr>
+        <p:spPr>
+          <a:xfrm>
+            <a:off x="3204642" y="2353641"/>
+            <a:ext cx="5782716" cy="2150719"/>
+          </a:xfrm>
+          <a:noFill/>
+        </p:spPr>
+        <p:txBody>
+          <a:bodyPr vert="horz" lIns="91440" tIns="45720" rIns="91440" bIns="45720" rtlCol="0" anchor="ctr">
+            <a:normAutofit/>
+          </a:bodyPr>
+          <a:lstStyle/>
+          <a:p>
+            <a:pPr algn="ctr"/>
+            <a:r>
+              <a:rPr lang="en-US" sz="3600" kern="1200">
+                <a:solidFill>
+                  <a:srgbClr val="080808"/>
+                </a:solidFill>
+                <a:latin typeface="+mj-lt"/>
+                <a:ea typeface="+mj-ea"/>
+                <a:cs typeface="+mj-cs"/>
+              </a:rPr>
+              <a:t>Algortihm explained</a:t>
+            </a:r>
+          </a:p>
+        </p:txBody>
+      </p:sp>
+      <p:sp>
+        <p:nvSpPr>
+          <p:cNvPr id="26" name="Freeform: Shape 25">
+            <a:extLst>
+              <a:ext uri="{FF2B5EF4-FFF2-40B4-BE49-F238E27FC236}">
+                <a16:creationId xmlns:a16="http://schemas.microsoft.com/office/drawing/2014/main" id="{E07981EA-05A6-437C-88D7-B377B92B031D}"/>
+              </a:ext>
+              <a:ext uri="{C183D7F6-B498-43B3-948B-1728B52AA6E4}">
+                <adec:decorative xmlns:adec="http://schemas.microsoft.com/office/drawing/2017/decorative" val="1"/>
+              </a:ext>
+            </a:extLst>
+          </p:cNvPr>
+          <p:cNvSpPr>
+            <a:spLocks noGrp="1" noRot="1" noChangeAspect="1" noMove="1" noResize="1" noEditPoints="1" noAdjustHandles="1" noChangeArrowheads="1" noChangeShapeType="1" noTextEdit="1"/>
+          </p:cNvSpPr>
+          <p:nvPr>
+            <p:extLst>
+              <p:ext uri="{386F3935-93C4-4BCD-93E2-E3B085C9AB24}">
+                <p16:designElem xmlns:p16="http://schemas.microsoft.com/office/powerpoint/2015/main" val="1"/>
+              </p:ext>
+            </p:extLst>
+          </p:nvPr>
+        </p:nvSpPr>
+        <p:spPr>
+          <a:xfrm rot="2700000">
+            <a:off x="9629823" y="5457591"/>
+            <a:ext cx="2231794" cy="2568811"/>
+          </a:xfrm>
+          <a:custGeom>
+            <a:avLst/>
+            <a:gdLst>
+              <a:gd name="connsiteX0" fmla="*/ 0 w 2940086"/>
+              <a:gd name="connsiteY0" fmla="*/ 0 h 3384061"/>
+              <a:gd name="connsiteX1" fmla="*/ 2496112 w 2940086"/>
+              <a:gd name="connsiteY1" fmla="*/ 0 h 3384061"/>
+              <a:gd name="connsiteX2" fmla="*/ 2940086 w 2940086"/>
+              <a:gd name="connsiteY2" fmla="*/ 443975 h 3384061"/>
+              <a:gd name="connsiteX3" fmla="*/ 0 w 2940086"/>
+              <a:gd name="connsiteY3" fmla="*/ 3384061 h 3384061"/>
+            </a:gdLst>
+            <a:ahLst/>
+            <a:cxnLst>
+              <a:cxn ang="0">
+                <a:pos x="connsiteX0" y="connsiteY0"/>
+              </a:cxn>
+              <a:cxn ang="0">
+                <a:pos x="connsiteX1" y="connsiteY1"/>
+              </a:cxn>
+              <a:cxn ang="0">
+                <a:pos x="connsiteX2" y="connsiteY2"/>
+              </a:cxn>
+              <a:cxn ang="0">
+                <a:pos x="connsiteX3" y="connsiteY3"/>
+              </a:cxn>
+            </a:cxnLst>
+            <a:rect l="l" t="t" r="r" b="b"/>
+            <a:pathLst>
+              <a:path w="2940086" h="3384061">
+                <a:moveTo>
+                  <a:pt x="0" y="0"/>
+                </a:moveTo>
+                <a:lnTo>
+                  <a:pt x="2496112" y="0"/>
+                </a:lnTo>
+                <a:lnTo>
+                  <a:pt x="2940086" y="443975"/>
+                </a:lnTo>
+                <a:lnTo>
+                  <a:pt x="0" y="3384061"/>
+                </a:lnTo>
+                <a:close/>
+              </a:path>
+            </a:pathLst>
+          </a:custGeom>
+          <a:solidFill>
+            <a:schemeClr val="accent4">
+              <a:alpha val="40000"/>
+            </a:schemeClr>
+          </a:solidFill>
+          <a:ln>
+            <a:noFill/>
+          </a:ln>
+        </p:spPr>
+        <p:style>
+          <a:lnRef idx="2">
+            <a:schemeClr val="accent1">
+              <a:shade val="50000"/>
+            </a:schemeClr>
+          </a:lnRef>
+          <a:fillRef idx="1">
+            <a:schemeClr val="accent1"/>
+          </a:fillRef>
+          <a:effectRef idx="0">
+            <a:schemeClr val="accent1"/>
+          </a:effectRef>
+          <a:fontRef idx="minor">
+            <a:schemeClr val="lt1"/>
+          </a:fontRef>
+        </p:style>
+        <p:txBody>
+          <a:bodyPr wrap="square" rtlCol="0" anchor="ctr">
+            <a:noAutofit/>
+          </a:bodyPr>
+          <a:lstStyle/>
+          <a:p>
+            <a:pPr algn="ctr"/>
+            <a:endParaRPr lang="en-US"/>
+          </a:p>
+        </p:txBody>
+      </p:sp>
+      <p:sp>
+        <p:nvSpPr>
+          <p:cNvPr id="28" name="Rectangle 27">
+            <a:extLst>
+              <a:ext uri="{FF2B5EF4-FFF2-40B4-BE49-F238E27FC236}">
+                <a16:creationId xmlns:a16="http://schemas.microsoft.com/office/drawing/2014/main" id="{15E3C750-986E-4769-B1AE-49289FBEE757}"/>
+              </a:ext>
+              <a:ext uri="{C183D7F6-B498-43B3-948B-1728B52AA6E4}">
+                <adec:decorative xmlns:adec="http://schemas.microsoft.com/office/drawing/2017/decorative" val="1"/>
+              </a:ext>
+            </a:extLst>
+          </p:cNvPr>
+          <p:cNvSpPr>
+            <a:spLocks noGrp="1" noRot="1" noChangeAspect="1" noMove="1" noResize="1" noEditPoints="1" noAdjustHandles="1" noChangeArrowheads="1" noChangeShapeType="1" noTextEdit="1"/>
+          </p:cNvSpPr>
+          <p:nvPr>
+            <p:extLst>
+              <p:ext uri="{386F3935-93C4-4BCD-93E2-E3B085C9AB24}">
+                <p16:designElem xmlns:p16="http://schemas.microsoft.com/office/powerpoint/2015/main" val="1"/>
+              </p:ext>
+            </p:extLst>
+          </p:nvPr>
+        </p:nvSpPr>
+        <p:spPr>
+          <a:xfrm rot="2700000">
+            <a:off x="9720059" y="5243545"/>
+            <a:ext cx="959985" cy="959985"/>
+          </a:xfrm>
+          <a:prstGeom prst="rect">
+            <a:avLst/>
+          </a:prstGeom>
+          <a:solidFill>
+            <a:schemeClr val="accent4">
+              <a:alpha val="40000"/>
+            </a:schemeClr>
+          </a:solidFill>
+          <a:ln>
+            <a:noFill/>
+          </a:ln>
+        </p:spPr>
+        <p:style>
+          <a:lnRef idx="2">
+            <a:schemeClr val="accent1">
+              <a:shade val="50000"/>
+            </a:schemeClr>
+          </a:lnRef>
+          <a:fillRef idx="1">
+            <a:schemeClr val="accent1"/>
+          </a:fillRef>
+          <a:effectRef idx="0">
+            <a:schemeClr val="accent1"/>
+          </a:effectRef>
+          <a:fontRef idx="minor">
+            <a:schemeClr val="lt1"/>
+          </a:fontRef>
+        </p:style>
+        <p:txBody>
+          <a:bodyPr wrap="square" rtlCol="0" anchor="ctr">
+            <a:noAutofit/>
+          </a:bodyPr>
+          <a:lstStyle/>
+          <a:p>
+            <a:pPr algn="ctr"/>
+            <a:endParaRPr lang="en-US"/>
+          </a:p>
+        </p:txBody>
+      </p:sp>
+      <p:sp>
+        <p:nvSpPr>
+          <p:cNvPr id="5" name="Foliennummernplatzhalter 4">
+            <a:extLst>
+              <a:ext uri="{FF2B5EF4-FFF2-40B4-BE49-F238E27FC236}">
+                <a16:creationId xmlns:a16="http://schemas.microsoft.com/office/drawing/2014/main" id="{38AB55F4-A5E4-4EE6-8255-12A908920A90}"/>
+              </a:ext>
+            </a:extLst>
+          </p:cNvPr>
+          <p:cNvSpPr>
+            <a:spLocks noGrp="1"/>
+          </p:cNvSpPr>
+          <p:nvPr>
+            <p:ph type="sldNum" sz="quarter" idx="12"/>
+          </p:nvPr>
+        </p:nvSpPr>
+        <p:spPr/>
+        <p:txBody>
+          <a:bodyPr/>
+          <a:lstStyle/>
+          <a:p>
+            <a:fld id="{DFF01B4A-46B9-4C6C-A96B-6DAD2C3CC688}" type="slidenum">
+              <a:rPr lang="de-DE" smtClean="0"/>
+              <a:t>9</a:t>
+            </a:fld>
+            <a:endParaRPr lang="de-DE"/>
+          </a:p>
+        </p:txBody>
+      </p:sp>
+    </p:spTree>
+    <p:extLst>
+      <p:ext uri="{BB962C8B-B14F-4D97-AF65-F5344CB8AC3E}">
+        <p14:creationId xmlns:p14="http://schemas.microsoft.com/office/powerpoint/2010/main" val="1477730887"/>
       </p:ext>
     </p:extLst>
   </p:cSld>
@@ -15842,21 +20337,6 @@
 </file>
 
 <file path=customXml/item1.xml><?xml version="1.0" encoding="utf-8"?>
-<p:properties xmlns:p="http://schemas.microsoft.com/office/2006/metadata/properties" xmlns:xsi="http://www.w3.org/2001/XMLSchema-instance" xmlns:pc="http://schemas.microsoft.com/office/infopath/2007/PartnerControls">
-  <documentManagement/>
-</p:properties>
-</file>
-
-<file path=customXml/item2.xml><?xml version="1.0" encoding="utf-8"?>
-<?mso-contentType ?>
-<FormTemplates xmlns="http://schemas.microsoft.com/sharepoint/v3/contenttype/forms">
-  <Display>DocumentLibraryForm</Display>
-  <Edit>DocumentLibraryForm</Edit>
-  <New>DocumentLibraryForm</New>
-</FormTemplates>
-</file>
-
-<file path=customXml/item3.xml><?xml version="1.0" encoding="utf-8"?>
 <ct:contentTypeSchema xmlns:ct="http://schemas.microsoft.com/office/2006/metadata/contentType" xmlns:ma="http://schemas.microsoft.com/office/2006/metadata/properties/metaAttributes" ct:_="" ma:_="" ma:contentTypeName="Dokument" ma:contentTypeID="0x0101006053BFF7913E914E8633705294D786E0" ma:contentTypeVersion="12" ma:contentTypeDescription="Ein neues Dokument erstellen." ma:contentTypeScope="" ma:versionID="292c63051bcc76f3c0ba6d3d005fc720">
   <xsd:schema xmlns:xsd="http://www.w3.org/2001/XMLSchema" xmlns:xs="http://www.w3.org/2001/XMLSchema" xmlns:p="http://schemas.microsoft.com/office/2006/metadata/properties" xmlns:ns3="428a2bfe-bcaf-43de-8bea-075e4c45d2d0" xmlns:ns4="19353dae-2197-414d-a888-862b93af9487" targetNamespace="http://schemas.microsoft.com/office/2006/metadata/properties" ma:root="true" ma:fieldsID="1ef18051d54d654b75909a1fce9ac096" ns3:_="" ns4:_="">
     <xsd:import namespace="428a2bfe-bcaf-43de-8bea-075e4c45d2d0"/>
@@ -16073,32 +20553,22 @@
 </ct:contentTypeSchema>
 </file>
 
-<file path=customXml/itemProps1.xml><?xml version="1.0" encoding="utf-8"?>
-<ds:datastoreItem xmlns:ds="http://schemas.openxmlformats.org/officeDocument/2006/customXml" ds:itemID="{3F8C196F-57CA-4A27-A0C5-E15A158BF523}">
-  <ds:schemaRefs>
-    <ds:schemaRef ds:uri="http://schemas.microsoft.com/office/2006/metadata/properties"/>
-    <ds:schemaRef ds:uri="428a2bfe-bcaf-43de-8bea-075e4c45d2d0"/>
-    <ds:schemaRef ds:uri="http://purl.org/dc/terms/"/>
-    <ds:schemaRef ds:uri="http://schemas.openxmlformats.org/package/2006/metadata/core-properties"/>
-    <ds:schemaRef ds:uri="http://schemas.microsoft.com/office/2006/documentManagement/types"/>
-    <ds:schemaRef ds:uri="19353dae-2197-414d-a888-862b93af9487"/>
-    <ds:schemaRef ds:uri="http://purl.org/dc/elements/1.1/"/>
-    <ds:schemaRef ds:uri="http://schemas.microsoft.com/office/infopath/2007/PartnerControls"/>
-    <ds:schemaRef ds:uri="http://www.w3.org/XML/1998/namespace"/>
-    <ds:schemaRef ds:uri="http://purl.org/dc/dcmitype/"/>
-  </ds:schemaRefs>
-</ds:datastoreItem>
+<file path=customXml/item2.xml><?xml version="1.0" encoding="utf-8"?>
+<?mso-contentType ?>
+<FormTemplates xmlns="http://schemas.microsoft.com/sharepoint/v3/contenttype/forms">
+  <Display>DocumentLibraryForm</Display>
+  <Edit>DocumentLibraryForm</Edit>
+  <New>DocumentLibraryForm</New>
+</FormTemplates>
 </file>
 
-<file path=customXml/itemProps2.xml><?xml version="1.0" encoding="utf-8"?>
-<ds:datastoreItem xmlns:ds="http://schemas.openxmlformats.org/officeDocument/2006/customXml" ds:itemID="{1676AEB8-5320-4F07-868F-E91141D86E7B}">
-  <ds:schemaRefs>
-    <ds:schemaRef ds:uri="http://schemas.microsoft.com/sharepoint/v3/contenttype/forms"/>
-  </ds:schemaRefs>
-</ds:datastoreItem>
+<file path=customXml/item3.xml><?xml version="1.0" encoding="utf-8"?>
+<p:properties xmlns:p="http://schemas.microsoft.com/office/2006/metadata/properties" xmlns:xsi="http://www.w3.org/2001/XMLSchema-instance" xmlns:pc="http://schemas.microsoft.com/office/infopath/2007/PartnerControls">
+  <documentManagement/>
+</p:properties>
 </file>
 
-<file path=customXml/itemProps3.xml><?xml version="1.0" encoding="utf-8"?>
+<file path=customXml/itemProps1.xml><?xml version="1.0" encoding="utf-8"?>
 <ds:datastoreItem xmlns:ds="http://schemas.openxmlformats.org/officeDocument/2006/customXml" ds:itemID="{7623EEBE-3AFD-45F2-B13A-22C0717EE2AE}">
   <ds:schemaRefs>
     <ds:schemaRef ds:uri="http://schemas.microsoft.com/office/2006/metadata/contentType"/>
@@ -16115,4 +20585,29 @@
     <ds:schemaRef ds:uri="http://schemas.microsoft.com/internal/obd"/>
   </ds:schemaRefs>
 </ds:datastoreItem>
+</file>
+
+<file path=customXml/itemProps2.xml><?xml version="1.0" encoding="utf-8"?>
+<ds:datastoreItem xmlns:ds="http://schemas.openxmlformats.org/officeDocument/2006/customXml" ds:itemID="{1676AEB8-5320-4F07-868F-E91141D86E7B}">
+  <ds:schemaRefs>
+    <ds:schemaRef ds:uri="http://schemas.microsoft.com/sharepoint/v3/contenttype/forms"/>
+  </ds:schemaRefs>
+</ds:datastoreItem>
+</file>
+
+<file path=customXml/itemProps3.xml><?xml version="1.0" encoding="utf-8"?>
+<ds:datastoreItem xmlns:ds="http://schemas.openxmlformats.org/officeDocument/2006/customXml" ds:itemID="{3F8C196F-57CA-4A27-A0C5-E15A158BF523}">
+  <ds:schemaRefs>
+    <ds:schemaRef ds:uri="http://schemas.microsoft.com/office/2006/documentManagement/types"/>
+    <ds:schemaRef ds:uri="19353dae-2197-414d-a888-862b93af9487"/>
+    <ds:schemaRef ds:uri="http://purl.org/dc/elements/1.1/"/>
+    <ds:schemaRef ds:uri="http://schemas.microsoft.com/office/2006/metadata/properties"/>
+    <ds:schemaRef ds:uri="428a2bfe-bcaf-43de-8bea-075e4c45d2d0"/>
+    <ds:schemaRef ds:uri="http://purl.org/dc/terms/"/>
+    <ds:schemaRef ds:uri="http://schemas.openxmlformats.org/package/2006/metadata/core-properties"/>
+    <ds:schemaRef ds:uri="http://schemas.microsoft.com/office/infopath/2007/PartnerControls"/>
+    <ds:schemaRef ds:uri="http://www.w3.org/XML/1998/namespace"/>
+    <ds:schemaRef ds:uri="http://purl.org/dc/dcmitype/"/>
+  </ds:schemaRefs>
+</ds:datastoreItem>
 </file>
--- a/Präsentationen/Zwischen_Präse/Chessmaster_Zwischenpräsentation.pptx
+++ b/Präsentationen/Zwischen_Präse/Chessmaster_Zwischenpräsentation.pptx
@@ -122,6 +122,49 @@
     </a:lvl9pPr>
   </p:defaultTextStyle>
   <p:extLst>
+    <p:ext uri="{521415D9-36F7-43E2-AB2F-B90AF26B5E84}">
+      <p14:sectionLst xmlns:p14="http://schemas.microsoft.com/office/powerpoint/2010/main">
+        <p14:section name="Start" id="{15E0E3E4-1B48-43F2-8791-09A2D4C2FC9E}">
+          <p14:sldIdLst>
+            <p14:sldId id="256"/>
+            <p14:sldId id="267"/>
+          </p14:sldIdLst>
+        </p14:section>
+        <p14:section name="Motivation" id="{F974A243-E6A0-46C9-88B4-A5B3BBAD436E}">
+          <p14:sldIdLst>
+            <p14:sldId id="258"/>
+            <p14:sldId id="262"/>
+          </p14:sldIdLst>
+        </p14:section>
+        <p14:section name="State of the Art" id="{94456F12-F98C-4B4F-B691-44AC85B61CE8}">
+          <p14:sldIdLst>
+            <p14:sldId id="259"/>
+            <p14:sldId id="265"/>
+            <p14:sldId id="264"/>
+            <p14:sldId id="266"/>
+          </p14:sldIdLst>
+        </p14:section>
+        <p14:section name="Algortihm" id="{49C9509F-5D63-4684-A812-16C034F1545C}">
+          <p14:sldIdLst>
+            <p14:sldId id="260"/>
+            <p14:sldId id="263"/>
+            <p14:sldId id="269"/>
+          </p14:sldIdLst>
+        </p14:section>
+        <p14:section name="Procedure" id="{128E0E20-0C0B-4820-8B11-63DFF24C021F}">
+          <p14:sldIdLst>
+            <p14:sldId id="261"/>
+            <p14:sldId id="270"/>
+          </p14:sldIdLst>
+        </p14:section>
+        <p14:section name="The End" id="{6C69CB28-6A81-4AC7-85DC-FB77774593A8}">
+          <p14:sldIdLst>
+            <p14:sldId id="272"/>
+            <p14:sldId id="271"/>
+          </p14:sldIdLst>
+        </p14:section>
+      </p14:sectionLst>
+    </p:ext>
     <p:ext uri="{EFAFB233-063F-42B5-8137-9DF3F51BA10A}">
       <p15:sldGuideLst xmlns:p15="http://schemas.microsoft.com/office/powerpoint/2012/main">
         <p15:guide id="1" orient="horz" pos="2160" userDrawn="1">
@@ -146,7 +189,7 @@
 <file path=ppt/revisionInfo.xml><?xml version="1.0" encoding="utf-8"?>
 <p1510:revInfo xmlns:a="http://schemas.openxmlformats.org/drawingml/2006/main" xmlns:r="http://schemas.openxmlformats.org/officeDocument/2006/relationships" xmlns:p1510="http://schemas.microsoft.com/office/powerpoint/2015/10/main">
   <p1510:revLst>
-    <p1510:client id="{E7A5B079-1BA6-4760-B851-727E3DF33BC4}" v="107" dt="2020-05-31T22:23:59.291"/>
+    <p1510:client id="{E7A5B079-1BA6-4760-B851-727E3DF33BC4}" v="123" dt="2020-05-31T22:33:40.741"/>
   </p1510:revLst>
 </p1510:revInfo>
 </file>
@@ -156,16 +199,24 @@
   <pc:docChgLst>
     <pc:chgData name="Thorsten Hilbradt" userId="b76ca37a-0758-4f71-aeb6-b277b8bbbfdd" providerId="ADAL" clId="{E7A5B079-1BA6-4760-B851-727E3DF33BC4}"/>
     <pc:docChg chg="undo custSel mod addSld delSld modSld sldOrd">
-      <pc:chgData name="Thorsten Hilbradt" userId="b76ca37a-0758-4f71-aeb6-b277b8bbbfdd" providerId="ADAL" clId="{E7A5B079-1BA6-4760-B851-727E3DF33BC4}" dt="2020-05-31T22:25:26.698" v="1264" actId="20577"/>
+      <pc:chgData name="Thorsten Hilbradt" userId="b76ca37a-0758-4f71-aeb6-b277b8bbbfdd" providerId="ADAL" clId="{E7A5B079-1BA6-4760-B851-727E3DF33BC4}" dt="2020-05-31T22:41:10.533" v="1351" actId="478"/>
       <pc:docMkLst>
         <pc:docMk/>
       </pc:docMkLst>
-      <pc:sldChg chg="addSp delSp delDesignElem">
-        <pc:chgData name="Thorsten Hilbradt" userId="b76ca37a-0758-4f71-aeb6-b277b8bbbfdd" providerId="ADAL" clId="{E7A5B079-1BA6-4760-B851-727E3DF33BC4}" dt="2020-05-29T07:53:35.752" v="27"/>
+      <pc:sldChg chg="addSp delSp modSp delDesignElem">
+        <pc:chgData name="Thorsten Hilbradt" userId="b76ca37a-0758-4f71-aeb6-b277b8bbbfdd" providerId="ADAL" clId="{E7A5B079-1BA6-4760-B851-727E3DF33BC4}" dt="2020-05-31T22:28:35.222" v="1298" actId="20577"/>
         <pc:sldMkLst>
           <pc:docMk/>
           <pc:sldMk cId="3447223317" sldId="256"/>
         </pc:sldMkLst>
+        <pc:spChg chg="mod">
+          <ac:chgData name="Thorsten Hilbradt" userId="b76ca37a-0758-4f71-aeb6-b277b8bbbfdd" providerId="ADAL" clId="{E7A5B079-1BA6-4760-B851-727E3DF33BC4}" dt="2020-05-31T22:28:35.222" v="1298" actId="20577"/>
+          <ac:spMkLst>
+            <pc:docMk/>
+            <pc:sldMk cId="3447223317" sldId="256"/>
+            <ac:spMk id="3" creationId="{B0363669-611E-4845-9C4F-7A73771836A4}"/>
+          </ac:spMkLst>
+        </pc:spChg>
         <pc:spChg chg="add del">
           <ac:chgData name="Thorsten Hilbradt" userId="b76ca37a-0758-4f71-aeb6-b277b8bbbfdd" providerId="ADAL" clId="{E7A5B079-1BA6-4760-B851-727E3DF33BC4}" dt="2020-05-29T07:53:35.752" v="27"/>
           <ac:spMkLst>
@@ -943,7 +994,7 @@
         </pc:spChg>
       </pc:sldChg>
       <pc:sldChg chg="addSp delSp modSp add mod ord setBg">
-        <pc:chgData name="Thorsten Hilbradt" userId="b76ca37a-0758-4f71-aeb6-b277b8bbbfdd" providerId="ADAL" clId="{E7A5B079-1BA6-4760-B851-727E3DF33BC4}" dt="2020-05-31T22:17:25.851" v="1052"/>
+        <pc:chgData name="Thorsten Hilbradt" userId="b76ca37a-0758-4f71-aeb6-b277b8bbbfdd" providerId="ADAL" clId="{E7A5B079-1BA6-4760-B851-727E3DF33BC4}" dt="2020-05-31T22:41:10.533" v="1351" actId="478"/>
         <pc:sldMkLst>
           <pc:docMk/>
           <pc:sldMk cId="3503204803" sldId="263"/>
@@ -1084,6 +1135,22 @@
             <ac:spMk id="34" creationId="{B4F5FA0D-0104-4987-8241-EFF7C85B88DE}"/>
           </ac:spMkLst>
         </pc:spChg>
+        <pc:graphicFrameChg chg="add del mod modGraphic">
+          <ac:chgData name="Thorsten Hilbradt" userId="b76ca37a-0758-4f71-aeb6-b277b8bbbfdd" providerId="ADAL" clId="{E7A5B079-1BA6-4760-B851-727E3DF33BC4}" dt="2020-05-31T22:41:10.533" v="1351" actId="478"/>
+          <ac:graphicFrameMkLst>
+            <pc:docMk/>
+            <pc:sldMk cId="3503204803" sldId="263"/>
+            <ac:graphicFrameMk id="6" creationId="{91314279-5659-49E8-9605-1755E1DB8672}"/>
+          </ac:graphicFrameMkLst>
+        </pc:graphicFrameChg>
+        <pc:graphicFrameChg chg="add del modGraphic">
+          <ac:chgData name="Thorsten Hilbradt" userId="b76ca37a-0758-4f71-aeb6-b277b8bbbfdd" providerId="ADAL" clId="{E7A5B079-1BA6-4760-B851-727E3DF33BC4}" dt="2020-05-31T22:40:52.792" v="1350" actId="478"/>
+          <ac:graphicFrameMkLst>
+            <pc:docMk/>
+            <pc:sldMk cId="3503204803" sldId="263"/>
+            <ac:graphicFrameMk id="8" creationId="{48C6780C-C0D2-4C6A-87B0-4A19EB70D5C0}"/>
+          </ac:graphicFrameMkLst>
+        </pc:graphicFrameChg>
         <pc:picChg chg="add del">
           <ac:chgData name="Thorsten Hilbradt" userId="b76ca37a-0758-4f71-aeb6-b277b8bbbfdd" providerId="ADAL" clId="{E7A5B079-1BA6-4760-B851-727E3DF33BC4}" dt="2020-05-29T10:16:54.484" v="62" actId="26606"/>
           <ac:picMkLst>
@@ -1994,7 +2061,7 @@
         </pc:sldMkLst>
       </pc:sldChg>
       <pc:sldChg chg="addSp delSp modSp add mod setBg">
-        <pc:chgData name="Thorsten Hilbradt" userId="b76ca37a-0758-4f71-aeb6-b277b8bbbfdd" providerId="ADAL" clId="{E7A5B079-1BA6-4760-B851-727E3DF33BC4}" dt="2020-05-31T22:22:25.867" v="1203" actId="26606"/>
+        <pc:chgData name="Thorsten Hilbradt" userId="b76ca37a-0758-4f71-aeb6-b277b8bbbfdd" providerId="ADAL" clId="{E7A5B079-1BA6-4760-B851-727E3DF33BC4}" dt="2020-05-31T22:31:15.310" v="1344" actId="1076"/>
         <pc:sldMkLst>
           <pc:docMk/>
           <pc:sldMk cId="3860202698" sldId="271"/>
@@ -2005,6 +2072,14 @@
             <pc:docMk/>
             <pc:sldMk cId="3860202698" sldId="271"/>
             <ac:spMk id="2" creationId="{34F6631A-0EE3-412E-AE60-1CFC492D3819}"/>
+          </ac:spMkLst>
+        </pc:spChg>
+        <pc:spChg chg="add mod">
+          <ac:chgData name="Thorsten Hilbradt" userId="b76ca37a-0758-4f71-aeb6-b277b8bbbfdd" providerId="ADAL" clId="{E7A5B079-1BA6-4760-B851-727E3DF33BC4}" dt="2020-05-31T22:31:15.310" v="1344" actId="1076"/>
+          <ac:spMkLst>
+            <pc:docMk/>
+            <pc:sldMk cId="3860202698" sldId="271"/>
+            <ac:spMk id="3" creationId="{23044B2E-58F0-4039-8E9D-B10FC5A59DB5}"/>
           </ac:spMkLst>
         </pc:spChg>
         <pc:spChg chg="del">
@@ -5474,7 +5549,7 @@
           <a:p>
             <a:fld id="{EC23A34E-68F0-4489-A79F-CD1755C002C0}" type="datetimeFigureOut">
               <a:rPr lang="de-DE" smtClean="0"/>
-              <a:t>31.05.2020</a:t>
+              <a:t>01.06.2020</a:t>
             </a:fld>
             <a:endParaRPr lang="de-DE"/>
           </a:p>
@@ -5960,9 +6035,9 @@
           <a:bodyPr/>
           <a:lstStyle/>
           <a:p>
-            <a:fld id="{7274FCDF-DB5A-4937-AFDD-46172A037428}" type="datetime1">
+            <a:fld id="{B3DF4E43-3733-40FD-A1D9-AD4B75B26908}" type="datetime1">
               <a:rPr lang="de-DE" smtClean="0"/>
-              <a:t>31.05.2020</a:t>
+              <a:t>01.06.2020</a:t>
             </a:fld>
             <a:endParaRPr lang="de-DE"/>
           </a:p>
@@ -6130,9 +6205,9 @@
           <a:bodyPr/>
           <a:lstStyle/>
           <a:p>
-            <a:fld id="{3125A9F4-B276-4BE8-944F-538609C5789E}" type="datetime1">
+            <a:fld id="{452CD2C4-1B13-44EB-AA07-A4D1A8E2ED7F}" type="datetime1">
               <a:rPr lang="de-DE" smtClean="0"/>
-              <a:t>31.05.2020</a:t>
+              <a:t>01.06.2020</a:t>
             </a:fld>
             <a:endParaRPr lang="de-DE"/>
           </a:p>
@@ -6310,9 +6385,9 @@
           <a:bodyPr/>
           <a:lstStyle/>
           <a:p>
-            <a:fld id="{C0A750BB-54FB-43F4-9E4F-5741A5FF7F3A}" type="datetime1">
+            <a:fld id="{07F7DB5F-C024-4C0B-A90D-1C2EEC4374EB}" type="datetime1">
               <a:rPr lang="de-DE" smtClean="0"/>
-              <a:t>31.05.2020</a:t>
+              <a:t>01.06.2020</a:t>
             </a:fld>
             <a:endParaRPr lang="de-DE"/>
           </a:p>
@@ -6480,9 +6555,9 @@
           <a:bodyPr/>
           <a:lstStyle/>
           <a:p>
-            <a:fld id="{3046D782-B936-43A6-A435-D03A438B36D4}" type="datetime1">
+            <a:fld id="{E708DCF5-D670-4C31-AEF1-850D4235FD4B}" type="datetime1">
               <a:rPr lang="de-DE" smtClean="0"/>
-              <a:t>31.05.2020</a:t>
+              <a:t>01.06.2020</a:t>
             </a:fld>
             <a:endParaRPr lang="de-DE"/>
           </a:p>
@@ -6726,9 +6801,9 @@
           <a:bodyPr/>
           <a:lstStyle/>
           <a:p>
-            <a:fld id="{923A3FE6-3BEB-438B-8C2D-D782033BF854}" type="datetime1">
+            <a:fld id="{BED56DEB-F291-4F9C-ACA1-0B6DABBF863B}" type="datetime1">
               <a:rPr lang="de-DE" smtClean="0"/>
-              <a:t>31.05.2020</a:t>
+              <a:t>01.06.2020</a:t>
             </a:fld>
             <a:endParaRPr lang="de-DE"/>
           </a:p>
@@ -6958,9 +7033,9 @@
           <a:bodyPr/>
           <a:lstStyle/>
           <a:p>
-            <a:fld id="{150B4A5C-3457-4770-8CFE-2E265CC58C69}" type="datetime1">
+            <a:fld id="{159025B1-E81C-44CF-AD44-E9FAFA2544FD}" type="datetime1">
               <a:rPr lang="de-DE" smtClean="0"/>
-              <a:t>31.05.2020</a:t>
+              <a:t>01.06.2020</a:t>
             </a:fld>
             <a:endParaRPr lang="de-DE"/>
           </a:p>
@@ -7325,9 +7400,9 @@
           <a:bodyPr/>
           <a:lstStyle/>
           <a:p>
-            <a:fld id="{AF7890AA-D97D-4D18-BA74-AC63CCF42475}" type="datetime1">
+            <a:fld id="{1CEE494A-F2E9-4F64-92C4-2135C39843F8}" type="datetime1">
               <a:rPr lang="de-DE" smtClean="0"/>
-              <a:t>31.05.2020</a:t>
+              <a:t>01.06.2020</a:t>
             </a:fld>
             <a:endParaRPr lang="de-DE"/>
           </a:p>
@@ -7443,9 +7518,9 @@
           <a:bodyPr/>
           <a:lstStyle/>
           <a:p>
-            <a:fld id="{76DECC9E-09AA-4DC9-AE13-A132AF68154C}" type="datetime1">
+            <a:fld id="{FC23396A-A564-4B2A-AFD7-1708A33F3AE0}" type="datetime1">
               <a:rPr lang="de-DE" smtClean="0"/>
-              <a:t>31.05.2020</a:t>
+              <a:t>01.06.2020</a:t>
             </a:fld>
             <a:endParaRPr lang="de-DE"/>
           </a:p>
@@ -7538,9 +7613,9 @@
           <a:bodyPr/>
           <a:lstStyle/>
           <a:p>
-            <a:fld id="{A9DEFCBE-7915-4B11-924B-716072F60B95}" type="datetime1">
+            <a:fld id="{AEE49A08-2FDF-49E2-89E7-744A8E4CF142}" type="datetime1">
               <a:rPr lang="de-DE" smtClean="0"/>
-              <a:t>31.05.2020</a:t>
+              <a:t>01.06.2020</a:t>
             </a:fld>
             <a:endParaRPr lang="de-DE"/>
           </a:p>
@@ -7815,9 +7890,9 @@
           <a:bodyPr/>
           <a:lstStyle/>
           <a:p>
-            <a:fld id="{E06F06F5-9E83-4BFD-95A9-4C55A14ED18E}" type="datetime1">
+            <a:fld id="{68A9B00C-BF7E-4714-984D-1CF5F0AB4A28}" type="datetime1">
               <a:rPr lang="de-DE" smtClean="0"/>
-              <a:t>31.05.2020</a:t>
+              <a:t>01.06.2020</a:t>
             </a:fld>
             <a:endParaRPr lang="de-DE"/>
           </a:p>
@@ -8072,9 +8147,9 @@
           <a:bodyPr/>
           <a:lstStyle/>
           <a:p>
-            <a:fld id="{FF4BEB5C-CBE6-45A3-8D57-7F62FA7573AC}" type="datetime1">
+            <a:fld id="{71791F12-72EB-4469-A882-0EE79FD2D23F}" type="datetime1">
               <a:rPr lang="de-DE" smtClean="0"/>
-              <a:t>31.05.2020</a:t>
+              <a:t>01.06.2020</a:t>
             </a:fld>
             <a:endParaRPr lang="de-DE"/>
           </a:p>
@@ -8285,9 +8360,9 @@
             </a:lvl1pPr>
           </a:lstStyle>
           <a:p>
-            <a:fld id="{87BABDF2-F3C5-4AC0-9DA9-0726FEA9F971}" type="datetime1">
+            <a:fld id="{C0D82272-7DA6-4C57-8D6A-4851730FC5F3}" type="datetime1">
               <a:rPr lang="de-DE" smtClean="0"/>
-              <a:t>31.05.2020</a:t>
+              <a:t>01.06.2020</a:t>
             </a:fld>
             <a:endParaRPr lang="de-DE"/>
           </a:p>
@@ -9580,8 +9655,85 @@
                   <a:srgbClr val="080808"/>
                 </a:solidFill>
               </a:rPr>
-              <a:t>Der neue Weg Schach zu spielen</a:t>
+              <a:t>A </a:t>
             </a:r>
+            <a:r>
+              <a:rPr lang="de-DE" sz="2000" dirty="0" err="1">
+                <a:solidFill>
+                  <a:srgbClr val="080808"/>
+                </a:solidFill>
+              </a:rPr>
+              <a:t>new</a:t>
+            </a:r>
+            <a:r>
+              <a:rPr lang="de-DE" sz="2000" dirty="0">
+                <a:solidFill>
+                  <a:srgbClr val="080808"/>
+                </a:solidFill>
+              </a:rPr>
+              <a:t> </a:t>
+            </a:r>
+            <a:r>
+              <a:rPr lang="de-DE" sz="2000" dirty="0" err="1">
+                <a:solidFill>
+                  <a:srgbClr val="080808"/>
+                </a:solidFill>
+              </a:rPr>
+              <a:t>way</a:t>
+            </a:r>
+            <a:r>
+              <a:rPr lang="de-DE" sz="2000" dirty="0">
+                <a:solidFill>
+                  <a:srgbClr val="080808"/>
+                </a:solidFill>
+              </a:rPr>
+              <a:t> </a:t>
+            </a:r>
+            <a:r>
+              <a:rPr lang="de-DE" sz="2000" dirty="0" err="1">
+                <a:solidFill>
+                  <a:srgbClr val="080808"/>
+                </a:solidFill>
+              </a:rPr>
+              <a:t>to</a:t>
+            </a:r>
+            <a:r>
+              <a:rPr lang="de-DE" sz="2000" dirty="0">
+                <a:solidFill>
+                  <a:srgbClr val="080808"/>
+                </a:solidFill>
+              </a:rPr>
+              <a:t> </a:t>
+            </a:r>
+            <a:r>
+              <a:rPr lang="de-DE" sz="2000" dirty="0" err="1">
+                <a:solidFill>
+                  <a:srgbClr val="080808"/>
+                </a:solidFill>
+              </a:rPr>
+              <a:t>play</a:t>
+            </a:r>
+            <a:r>
+              <a:rPr lang="de-DE" sz="2000" dirty="0">
+                <a:solidFill>
+                  <a:srgbClr val="080808"/>
+                </a:solidFill>
+              </a:rPr>
+              <a:t> </a:t>
+            </a:r>
+            <a:r>
+              <a:rPr lang="de-DE" sz="2000" dirty="0" err="1">
+                <a:solidFill>
+                  <a:srgbClr val="080808"/>
+                </a:solidFill>
+              </a:rPr>
+              <a:t>chess</a:t>
+            </a:r>
+            <a:endParaRPr lang="de-DE" sz="2000" dirty="0">
+              <a:solidFill>
+                <a:srgbClr val="080808"/>
+              </a:solidFill>
+            </a:endParaRPr>
           </a:p>
         </p:txBody>
       </p:sp>
@@ -14103,6 +14255,45 @@
           </a:p>
         </p:txBody>
       </p:sp>
+      <p:sp>
+        <p:nvSpPr>
+          <p:cNvPr id="3" name="Textfeld 2">
+            <a:extLst>
+              <a:ext uri="{FF2B5EF4-FFF2-40B4-BE49-F238E27FC236}">
+                <a16:creationId xmlns:a16="http://schemas.microsoft.com/office/drawing/2014/main" id="{23044B2E-58F0-4039-8E9D-B10FC5A59DB5}"/>
+              </a:ext>
+            </a:extLst>
+          </p:cNvPr>
+          <p:cNvSpPr txBox="1"/>
+          <p:nvPr/>
+        </p:nvSpPr>
+        <p:spPr>
+          <a:xfrm>
+            <a:off x="5633483" y="1859309"/>
+            <a:ext cx="925033" cy="200055"/>
+          </a:xfrm>
+          <a:prstGeom prst="rect">
+            <a:avLst/>
+          </a:prstGeom>
+          <a:noFill/>
+        </p:spPr>
+        <p:txBody>
+          <a:bodyPr wrap="square" rtlCol="0">
+            <a:spAutoFit/>
+          </a:bodyPr>
+          <a:lstStyle/>
+          <a:p>
+            <a:r>
+              <a:rPr lang="de-DE" sz="700" dirty="0">
+                <a:solidFill>
+                  <a:schemeClr val="bg1"/>
+                </a:solidFill>
+              </a:rPr>
+              <a:t>Killroy jr. Was here</a:t>
+            </a:r>
+          </a:p>
+        </p:txBody>
+      </p:sp>
     </p:spTree>
     <p:extLst>
       <p:ext uri="{BB962C8B-B14F-4D97-AF65-F5344CB8AC3E}">
@@ -15289,7 +15480,7 @@
           <a:p>
             <a:pPr algn="ctr"/>
             <a:r>
-              <a:rPr lang="en-US" sz="3600" kern="1200">
+              <a:rPr lang="en-US" sz="3600" kern="1200" dirty="0">
                 <a:solidFill>
                   <a:srgbClr val="080808"/>
                 </a:solidFill>
@@ -20337,6 +20528,21 @@
 </file>
 
 <file path=customXml/item1.xml><?xml version="1.0" encoding="utf-8"?>
+<p:properties xmlns:p="http://schemas.microsoft.com/office/2006/metadata/properties" xmlns:xsi="http://www.w3.org/2001/XMLSchema-instance" xmlns:pc="http://schemas.microsoft.com/office/infopath/2007/PartnerControls">
+  <documentManagement/>
+</p:properties>
+</file>
+
+<file path=customXml/item2.xml><?xml version="1.0" encoding="utf-8"?>
+<?mso-contentType ?>
+<FormTemplates xmlns="http://schemas.microsoft.com/sharepoint/v3/contenttype/forms">
+  <Display>DocumentLibraryForm</Display>
+  <Edit>DocumentLibraryForm</Edit>
+  <New>DocumentLibraryForm</New>
+</FormTemplates>
+</file>
+
+<file path=customXml/item3.xml><?xml version="1.0" encoding="utf-8"?>
 <ct:contentTypeSchema xmlns:ct="http://schemas.microsoft.com/office/2006/metadata/contentType" xmlns:ma="http://schemas.microsoft.com/office/2006/metadata/properties/metaAttributes" ct:_="" ma:_="" ma:contentTypeName="Dokument" ma:contentTypeID="0x0101006053BFF7913E914E8633705294D786E0" ma:contentTypeVersion="12" ma:contentTypeDescription="Ein neues Dokument erstellen." ma:contentTypeScope="" ma:versionID="292c63051bcc76f3c0ba6d3d005fc720">
   <xsd:schema xmlns:xsd="http://www.w3.org/2001/XMLSchema" xmlns:xs="http://www.w3.org/2001/XMLSchema" xmlns:p="http://schemas.microsoft.com/office/2006/metadata/properties" xmlns:ns3="428a2bfe-bcaf-43de-8bea-075e4c45d2d0" xmlns:ns4="19353dae-2197-414d-a888-862b93af9487" targetNamespace="http://schemas.microsoft.com/office/2006/metadata/properties" ma:root="true" ma:fieldsID="1ef18051d54d654b75909a1fce9ac096" ns3:_="" ns4:_="">
     <xsd:import namespace="428a2bfe-bcaf-43de-8bea-075e4c45d2d0"/>
@@ -20553,22 +20759,32 @@
 </ct:contentTypeSchema>
 </file>
 
-<file path=customXml/item2.xml><?xml version="1.0" encoding="utf-8"?>
-<?mso-contentType ?>
-<FormTemplates xmlns="http://schemas.microsoft.com/sharepoint/v3/contenttype/forms">
-  <Display>DocumentLibraryForm</Display>
-  <Edit>DocumentLibraryForm</Edit>
-  <New>DocumentLibraryForm</New>
-</FormTemplates>
+<file path=customXml/itemProps1.xml><?xml version="1.0" encoding="utf-8"?>
+<ds:datastoreItem xmlns:ds="http://schemas.openxmlformats.org/officeDocument/2006/customXml" ds:itemID="{3F8C196F-57CA-4A27-A0C5-E15A158BF523}">
+  <ds:schemaRefs>
+    <ds:schemaRef ds:uri="428a2bfe-bcaf-43de-8bea-075e4c45d2d0"/>
+    <ds:schemaRef ds:uri="http://purl.org/dc/terms/"/>
+    <ds:schemaRef ds:uri="http://schemas.openxmlformats.org/package/2006/metadata/core-properties"/>
+    <ds:schemaRef ds:uri="http://schemas.microsoft.com/office/2006/documentManagement/types"/>
+    <ds:schemaRef ds:uri="19353dae-2197-414d-a888-862b93af9487"/>
+    <ds:schemaRef ds:uri="http://purl.org/dc/elements/1.1/"/>
+    <ds:schemaRef ds:uri="http://schemas.microsoft.com/office/2006/metadata/properties"/>
+    <ds:schemaRef ds:uri="http://schemas.microsoft.com/office/infopath/2007/PartnerControls"/>
+    <ds:schemaRef ds:uri="http://www.w3.org/XML/1998/namespace"/>
+    <ds:schemaRef ds:uri="http://purl.org/dc/dcmitype/"/>
+  </ds:schemaRefs>
+</ds:datastoreItem>
 </file>
 
-<file path=customXml/item3.xml><?xml version="1.0" encoding="utf-8"?>
-<p:properties xmlns:p="http://schemas.microsoft.com/office/2006/metadata/properties" xmlns:xsi="http://www.w3.org/2001/XMLSchema-instance" xmlns:pc="http://schemas.microsoft.com/office/infopath/2007/PartnerControls">
-  <documentManagement/>
-</p:properties>
+<file path=customXml/itemProps2.xml><?xml version="1.0" encoding="utf-8"?>
+<ds:datastoreItem xmlns:ds="http://schemas.openxmlformats.org/officeDocument/2006/customXml" ds:itemID="{1676AEB8-5320-4F07-868F-E91141D86E7B}">
+  <ds:schemaRefs>
+    <ds:schemaRef ds:uri="http://schemas.microsoft.com/sharepoint/v3/contenttype/forms"/>
+  </ds:schemaRefs>
+</ds:datastoreItem>
 </file>
 
-<file path=customXml/itemProps1.xml><?xml version="1.0" encoding="utf-8"?>
+<file path=customXml/itemProps3.xml><?xml version="1.0" encoding="utf-8"?>
 <ds:datastoreItem xmlns:ds="http://schemas.openxmlformats.org/officeDocument/2006/customXml" ds:itemID="{7623EEBE-3AFD-45F2-B13A-22C0717EE2AE}">
   <ds:schemaRefs>
     <ds:schemaRef ds:uri="http://schemas.microsoft.com/office/2006/metadata/contentType"/>
@@ -20585,29 +20801,4 @@
     <ds:schemaRef ds:uri="http://schemas.microsoft.com/internal/obd"/>
   </ds:schemaRefs>
 </ds:datastoreItem>
-</file>
-
-<file path=customXml/itemProps2.xml><?xml version="1.0" encoding="utf-8"?>
-<ds:datastoreItem xmlns:ds="http://schemas.openxmlformats.org/officeDocument/2006/customXml" ds:itemID="{1676AEB8-5320-4F07-868F-E91141D86E7B}">
-  <ds:schemaRefs>
-    <ds:schemaRef ds:uri="http://schemas.microsoft.com/sharepoint/v3/contenttype/forms"/>
-  </ds:schemaRefs>
-</ds:datastoreItem>
-</file>
-
-<file path=customXml/itemProps3.xml><?xml version="1.0" encoding="utf-8"?>
-<ds:datastoreItem xmlns:ds="http://schemas.openxmlformats.org/officeDocument/2006/customXml" ds:itemID="{3F8C196F-57CA-4A27-A0C5-E15A158BF523}">
-  <ds:schemaRefs>
-    <ds:schemaRef ds:uri="http://schemas.microsoft.com/office/2006/documentManagement/types"/>
-    <ds:schemaRef ds:uri="19353dae-2197-414d-a888-862b93af9487"/>
-    <ds:schemaRef ds:uri="http://purl.org/dc/elements/1.1/"/>
-    <ds:schemaRef ds:uri="http://schemas.microsoft.com/office/2006/metadata/properties"/>
-    <ds:schemaRef ds:uri="428a2bfe-bcaf-43de-8bea-075e4c45d2d0"/>
-    <ds:schemaRef ds:uri="http://purl.org/dc/terms/"/>
-    <ds:schemaRef ds:uri="http://schemas.openxmlformats.org/package/2006/metadata/core-properties"/>
-    <ds:schemaRef ds:uri="http://schemas.microsoft.com/office/infopath/2007/PartnerControls"/>
-    <ds:schemaRef ds:uri="http://www.w3.org/XML/1998/namespace"/>
-    <ds:schemaRef ds:uri="http://purl.org/dc/dcmitype/"/>
-  </ds:schemaRefs>
-</ds:datastoreItem>
 </file>
--- a/Präsentationen/Zwischen_Präse/Chessmaster_Zwischenpräsentation.pptx
+++ b/Präsentationen/Zwischen_Präse/Chessmaster_Zwischenpräsentation.pptx
@@ -5,7 +5,7 @@
     <p:sldMasterId id="2147483744" r:id="rId4"/>
   </p:sldMasterIdLst>
   <p:notesMasterIdLst>
-    <p:notesMasterId r:id="rId20"/>
+    <p:notesMasterId r:id="rId21"/>
   </p:notesMasterIdLst>
   <p:sldIdLst>
     <p:sldId id="256" r:id="rId5"/>
@@ -21,8 +21,9 @@
     <p:sldId id="269" r:id="rId15"/>
     <p:sldId id="261" r:id="rId16"/>
     <p:sldId id="270" r:id="rId17"/>
-    <p:sldId id="272" r:id="rId18"/>
-    <p:sldId id="271" r:id="rId19"/>
+    <p:sldId id="273" r:id="rId18"/>
+    <p:sldId id="272" r:id="rId19"/>
+    <p:sldId id="271" r:id="rId20"/>
   </p:sldIdLst>
   <p:sldSz cx="12192000" cy="6858000"/>
   <p:notesSz cx="6858000" cy="9144000"/>
@@ -155,6 +156,7 @@
           <p14:sldIdLst>
             <p14:sldId id="261"/>
             <p14:sldId id="270"/>
+            <p14:sldId id="273"/>
           </p14:sldIdLst>
         </p14:section>
         <p14:section name="The End" id="{6C69CB28-6A81-4AC7-85DC-FB77774593A8}">
@@ -189,7 +191,7 @@
 <file path=ppt/revisionInfo.xml><?xml version="1.0" encoding="utf-8"?>
 <p1510:revInfo xmlns:a="http://schemas.openxmlformats.org/drawingml/2006/main" xmlns:r="http://schemas.openxmlformats.org/officeDocument/2006/relationships" xmlns:p1510="http://schemas.microsoft.com/office/powerpoint/2015/10/main">
   <p1510:revLst>
-    <p1510:client id="{E7A5B079-1BA6-4760-B851-727E3DF33BC4}" v="123" dt="2020-05-31T22:33:40.741"/>
+    <p1510:client id="{E7A5B079-1BA6-4760-B851-727E3DF33BC4}" v="124" dt="2020-06-01T07:49:00.762"/>
   </p1510:revLst>
 </p1510:revInfo>
 </file>
@@ -199,7 +201,7 @@
   <pc:docChgLst>
     <pc:chgData name="Thorsten Hilbradt" userId="b76ca37a-0758-4f71-aeb6-b277b8bbbfdd" providerId="ADAL" clId="{E7A5B079-1BA6-4760-B851-727E3DF33BC4}"/>
     <pc:docChg chg="undo custSel mod addSld delSld modSld sldOrd">
-      <pc:chgData name="Thorsten Hilbradt" userId="b76ca37a-0758-4f71-aeb6-b277b8bbbfdd" providerId="ADAL" clId="{E7A5B079-1BA6-4760-B851-727E3DF33BC4}" dt="2020-05-31T22:41:10.533" v="1351" actId="478"/>
+      <pc:chgData name="Thorsten Hilbradt" userId="b76ca37a-0758-4f71-aeb6-b277b8bbbfdd" providerId="ADAL" clId="{E7A5B079-1BA6-4760-B851-727E3DF33BC4}" dt="2020-06-01T07:49:24.826" v="1378" actId="20577"/>
       <pc:docMkLst>
         <pc:docMk/>
       </pc:docMkLst>
@@ -2436,6 +2438,77 @@
           <pc:docMk/>
           <pc:sldMk cId="4225977538" sldId="272"/>
         </pc:sldMkLst>
+      </pc:sldChg>
+      <pc:sldChg chg="addSp modSp add mod setBg">
+        <pc:chgData name="Thorsten Hilbradt" userId="b76ca37a-0758-4f71-aeb6-b277b8bbbfdd" providerId="ADAL" clId="{E7A5B079-1BA6-4760-B851-727E3DF33BC4}" dt="2020-06-01T07:49:24.826" v="1378" actId="20577"/>
+        <pc:sldMkLst>
+          <pc:docMk/>
+          <pc:sldMk cId="3875316342" sldId="273"/>
+        </pc:sldMkLst>
+        <pc:spChg chg="mod">
+          <ac:chgData name="Thorsten Hilbradt" userId="b76ca37a-0758-4f71-aeb6-b277b8bbbfdd" providerId="ADAL" clId="{E7A5B079-1BA6-4760-B851-727E3DF33BC4}" dt="2020-06-01T07:49:24.826" v="1378" actId="20577"/>
+          <ac:spMkLst>
+            <pc:docMk/>
+            <pc:sldMk cId="3875316342" sldId="273"/>
+            <ac:spMk id="2" creationId="{648C0CA9-B987-4F66-906C-A1BFE2B6E2F0}"/>
+          </ac:spMkLst>
+        </pc:spChg>
+        <pc:spChg chg="mod">
+          <ac:chgData name="Thorsten Hilbradt" userId="b76ca37a-0758-4f71-aeb6-b277b8bbbfdd" providerId="ADAL" clId="{E7A5B079-1BA6-4760-B851-727E3DF33BC4}" dt="2020-06-01T07:49:07.540" v="1353" actId="26606"/>
+          <ac:spMkLst>
+            <pc:docMk/>
+            <pc:sldMk cId="3875316342" sldId="273"/>
+            <ac:spMk id="3" creationId="{4E7CA38F-85E0-4331-BDDF-DE6EBA8C09E0}"/>
+          </ac:spMkLst>
+        </pc:spChg>
+        <pc:spChg chg="mod">
+          <ac:chgData name="Thorsten Hilbradt" userId="b76ca37a-0758-4f71-aeb6-b277b8bbbfdd" providerId="ADAL" clId="{E7A5B079-1BA6-4760-B851-727E3DF33BC4}" dt="2020-06-01T07:49:07.540" v="1353" actId="26606"/>
+          <ac:spMkLst>
+            <pc:docMk/>
+            <pc:sldMk cId="3875316342" sldId="273"/>
+            <ac:spMk id="4" creationId="{CD2D627F-F806-4E8C-A810-A3FBD18DAE3E}"/>
+          </ac:spMkLst>
+        </pc:spChg>
+        <pc:spChg chg="add">
+          <ac:chgData name="Thorsten Hilbradt" userId="b76ca37a-0758-4f71-aeb6-b277b8bbbfdd" providerId="ADAL" clId="{E7A5B079-1BA6-4760-B851-727E3DF33BC4}" dt="2020-06-01T07:49:07.540" v="1353" actId="26606"/>
+          <ac:spMkLst>
+            <pc:docMk/>
+            <pc:sldMk cId="3875316342" sldId="273"/>
+            <ac:spMk id="9" creationId="{2B566528-1B12-4246-9431-5C2D7D081168}"/>
+          </ac:spMkLst>
+        </pc:spChg>
+        <pc:spChg chg="add">
+          <ac:chgData name="Thorsten Hilbradt" userId="b76ca37a-0758-4f71-aeb6-b277b8bbbfdd" providerId="ADAL" clId="{E7A5B079-1BA6-4760-B851-727E3DF33BC4}" dt="2020-06-01T07:49:07.540" v="1353" actId="26606"/>
+          <ac:spMkLst>
+            <pc:docMk/>
+            <pc:sldMk cId="3875316342" sldId="273"/>
+            <ac:spMk id="11" creationId="{2E80C965-DB6D-4F81-9E9E-B027384D0BD6}"/>
+          </ac:spMkLst>
+        </pc:spChg>
+        <pc:spChg chg="add">
+          <ac:chgData name="Thorsten Hilbradt" userId="b76ca37a-0758-4f71-aeb6-b277b8bbbfdd" providerId="ADAL" clId="{E7A5B079-1BA6-4760-B851-727E3DF33BC4}" dt="2020-06-01T07:49:07.540" v="1353" actId="26606"/>
+          <ac:spMkLst>
+            <pc:docMk/>
+            <pc:sldMk cId="3875316342" sldId="273"/>
+            <ac:spMk id="13" creationId="{A580F890-B085-4E95-96AA-55AEBEC5CE6E}"/>
+          </ac:spMkLst>
+        </pc:spChg>
+        <pc:spChg chg="add">
+          <ac:chgData name="Thorsten Hilbradt" userId="b76ca37a-0758-4f71-aeb6-b277b8bbbfdd" providerId="ADAL" clId="{E7A5B079-1BA6-4760-B851-727E3DF33BC4}" dt="2020-06-01T07:49:07.540" v="1353" actId="26606"/>
+          <ac:spMkLst>
+            <pc:docMk/>
+            <pc:sldMk cId="3875316342" sldId="273"/>
+            <ac:spMk id="15" creationId="{D3F51FEB-38FB-4F6C-9F7B-2F2AFAB65463}"/>
+          </ac:spMkLst>
+        </pc:spChg>
+        <pc:spChg chg="add">
+          <ac:chgData name="Thorsten Hilbradt" userId="b76ca37a-0758-4f71-aeb6-b277b8bbbfdd" providerId="ADAL" clId="{E7A5B079-1BA6-4760-B851-727E3DF33BC4}" dt="2020-06-01T07:49:07.540" v="1353" actId="26606"/>
+          <ac:spMkLst>
+            <pc:docMk/>
+            <pc:sldMk cId="3875316342" sldId="273"/>
+            <ac:spMk id="17" creationId="{1E547BA6-BAE0-43BB-A7CA-60F69CE252F0}"/>
+          </ac:spMkLst>
+        </pc:spChg>
       </pc:sldChg>
     </pc:docChg>
   </pc:docChgLst>
@@ -12655,6 +12728,501 @@
       </p:grpSpPr>
       <p:sp>
         <p:nvSpPr>
+          <p:cNvPr id="9" name="Rectangle 8">
+            <a:extLst>
+              <a:ext uri="{FF2B5EF4-FFF2-40B4-BE49-F238E27FC236}">
+                <a16:creationId xmlns:a16="http://schemas.microsoft.com/office/drawing/2014/main" id="{2B566528-1B12-4246-9431-5C2D7D081168}"/>
+              </a:ext>
+              <a:ext uri="{C183D7F6-B498-43B3-948B-1728B52AA6E4}">
+                <adec:decorative xmlns:adec="http://schemas.microsoft.com/office/drawing/2017/decorative" val="1"/>
+              </a:ext>
+            </a:extLst>
+          </p:cNvPr>
+          <p:cNvSpPr>
+            <a:spLocks noGrp="1" noRot="1" noChangeAspect="1" noMove="1" noResize="1" noEditPoints="1" noAdjustHandles="1" noChangeArrowheads="1" noChangeShapeType="1" noTextEdit="1"/>
+          </p:cNvSpPr>
+          <p:nvPr>
+            <p:extLst>
+              <p:ext uri="{386F3935-93C4-4BCD-93E2-E3B085C9AB24}">
+                <p16:designElem xmlns:p16="http://schemas.microsoft.com/office/powerpoint/2015/main" val="1"/>
+              </p:ext>
+            </p:extLst>
+          </p:nvPr>
+        </p:nvSpPr>
+        <p:spPr>
+          <a:xfrm>
+            <a:off x="0" y="0"/>
+            <a:ext cx="12192000" cy="6858000"/>
+          </a:xfrm>
+          <a:prstGeom prst="rect">
+            <a:avLst/>
+          </a:prstGeom>
+          <a:solidFill>
+            <a:schemeClr val="bg1"/>
+          </a:solidFill>
+          <a:ln>
+            <a:noFill/>
+          </a:ln>
+        </p:spPr>
+        <p:style>
+          <a:lnRef idx="2">
+            <a:schemeClr val="accent1">
+              <a:shade val="50000"/>
+            </a:schemeClr>
+          </a:lnRef>
+          <a:fillRef idx="1">
+            <a:schemeClr val="accent1"/>
+          </a:fillRef>
+          <a:effectRef idx="0">
+            <a:schemeClr val="accent1"/>
+          </a:effectRef>
+          <a:fontRef idx="minor">
+            <a:schemeClr val="lt1"/>
+          </a:fontRef>
+        </p:style>
+        <p:txBody>
+          <a:bodyPr rtlCol="0" anchor="ctr"/>
+          <a:lstStyle/>
+          <a:p>
+            <a:pPr algn="ctr"/>
+            <a:endParaRPr lang="en-US" dirty="0"/>
+          </a:p>
+        </p:txBody>
+      </p:sp>
+      <p:sp>
+        <p:nvSpPr>
+          <p:cNvPr id="2" name="Titel 1">
+            <a:extLst>
+              <a:ext uri="{FF2B5EF4-FFF2-40B4-BE49-F238E27FC236}">
+                <a16:creationId xmlns:a16="http://schemas.microsoft.com/office/drawing/2014/main" id="{648C0CA9-B987-4F66-906C-A1BFE2B6E2F0}"/>
+              </a:ext>
+            </a:extLst>
+          </p:cNvPr>
+          <p:cNvSpPr>
+            <a:spLocks noGrp="1"/>
+          </p:cNvSpPr>
+          <p:nvPr>
+            <p:ph type="title"/>
+          </p:nvPr>
+        </p:nvSpPr>
+        <p:spPr>
+          <a:xfrm>
+            <a:off x="643467" y="321734"/>
+            <a:ext cx="10905066" cy="1135737"/>
+          </a:xfrm>
+        </p:spPr>
+        <p:txBody>
+          <a:bodyPr>
+            <a:normAutofit/>
+          </a:bodyPr>
+          <a:lstStyle/>
+          <a:p>
+            <a:r>
+              <a:rPr lang="de-DE" sz="3600" dirty="0"/>
+              <a:t>Evaluation </a:t>
+            </a:r>
+            <a:r>
+              <a:rPr lang="de-DE" sz="3600" dirty="0" err="1"/>
+              <a:t>of</a:t>
+            </a:r>
+            <a:r>
+              <a:rPr lang="de-DE" sz="3600" dirty="0"/>
+              <a:t> </a:t>
+            </a:r>
+            <a:r>
+              <a:rPr lang="de-DE" sz="3600" dirty="0" err="1"/>
+              <a:t>Algortihm</a:t>
+            </a:r>
+            <a:endParaRPr lang="de-DE" sz="3600" dirty="0"/>
+          </a:p>
+        </p:txBody>
+      </p:sp>
+      <p:sp>
+        <p:nvSpPr>
+          <p:cNvPr id="3" name="Inhaltsplatzhalter 2">
+            <a:extLst>
+              <a:ext uri="{FF2B5EF4-FFF2-40B4-BE49-F238E27FC236}">
+                <a16:creationId xmlns:a16="http://schemas.microsoft.com/office/drawing/2014/main" id="{4E7CA38F-85E0-4331-BDDF-DE6EBA8C09E0}"/>
+              </a:ext>
+            </a:extLst>
+          </p:cNvPr>
+          <p:cNvSpPr>
+            <a:spLocks noGrp="1"/>
+          </p:cNvSpPr>
+          <p:nvPr>
+            <p:ph idx="1"/>
+          </p:nvPr>
+        </p:nvSpPr>
+        <p:spPr>
+          <a:xfrm>
+            <a:off x="643467" y="1782981"/>
+            <a:ext cx="10905066" cy="4393982"/>
+          </a:xfrm>
+        </p:spPr>
+        <p:txBody>
+          <a:bodyPr>
+            <a:normAutofit/>
+          </a:bodyPr>
+          <a:lstStyle/>
+          <a:p>
+            <a:endParaRPr lang="de-DE" sz="2000"/>
+          </a:p>
+        </p:txBody>
+      </p:sp>
+      <p:sp>
+        <p:nvSpPr>
+          <p:cNvPr id="11" name="Rectangle 10">
+            <a:extLst>
+              <a:ext uri="{FF2B5EF4-FFF2-40B4-BE49-F238E27FC236}">
+                <a16:creationId xmlns:a16="http://schemas.microsoft.com/office/drawing/2014/main" id="{2E80C965-DB6D-4F81-9E9E-B027384D0BD6}"/>
+              </a:ext>
+              <a:ext uri="{C183D7F6-B498-43B3-948B-1728B52AA6E4}">
+                <adec:decorative xmlns:adec="http://schemas.microsoft.com/office/drawing/2017/decorative" val="1"/>
+              </a:ext>
+            </a:extLst>
+          </p:cNvPr>
+          <p:cNvSpPr>
+            <a:spLocks noGrp="1" noRot="1" noChangeAspect="1" noMove="1" noResize="1" noEditPoints="1" noAdjustHandles="1" noChangeArrowheads="1" noChangeShapeType="1" noTextEdit="1"/>
+          </p:cNvSpPr>
+          <p:nvPr>
+            <p:extLst>
+              <p:ext uri="{386F3935-93C4-4BCD-93E2-E3B085C9AB24}">
+                <p16:designElem xmlns:p16="http://schemas.microsoft.com/office/powerpoint/2015/main" val="1"/>
+              </p:ext>
+            </p:extLst>
+          </p:nvPr>
+        </p:nvSpPr>
+        <p:spPr>
+          <a:xfrm rot="2700000">
+            <a:off x="11052629" y="2120024"/>
+            <a:ext cx="645368" cy="645368"/>
+          </a:xfrm>
+          <a:prstGeom prst="rect">
+            <a:avLst/>
+          </a:prstGeom>
+          <a:solidFill>
+            <a:schemeClr val="accent4">
+              <a:alpha val="30000"/>
+            </a:schemeClr>
+          </a:solidFill>
+          <a:ln>
+            <a:noFill/>
+          </a:ln>
+        </p:spPr>
+        <p:style>
+          <a:lnRef idx="2">
+            <a:schemeClr val="accent1">
+              <a:shade val="50000"/>
+            </a:schemeClr>
+          </a:lnRef>
+          <a:fillRef idx="1">
+            <a:schemeClr val="accent1"/>
+          </a:fillRef>
+          <a:effectRef idx="0">
+            <a:schemeClr val="accent1"/>
+          </a:effectRef>
+          <a:fontRef idx="minor">
+            <a:schemeClr val="lt1"/>
+          </a:fontRef>
+        </p:style>
+        <p:txBody>
+          <a:bodyPr rtlCol="0" anchor="ctr"/>
+          <a:lstStyle/>
+          <a:p>
+            <a:pPr algn="ctr"/>
+            <a:endParaRPr lang="en-US"/>
+          </a:p>
+        </p:txBody>
+      </p:sp>
+      <p:sp>
+        <p:nvSpPr>
+          <p:cNvPr id="13" name="Isosceles Triangle 12">
+            <a:extLst>
+              <a:ext uri="{FF2B5EF4-FFF2-40B4-BE49-F238E27FC236}">
+                <a16:creationId xmlns:a16="http://schemas.microsoft.com/office/drawing/2014/main" id="{A580F890-B085-4E95-96AA-55AEBEC5CE6E}"/>
+              </a:ext>
+              <a:ext uri="{C183D7F6-B498-43B3-948B-1728B52AA6E4}">
+                <adec:decorative xmlns:adec="http://schemas.microsoft.com/office/drawing/2017/decorative" val="1"/>
+              </a:ext>
+            </a:extLst>
+          </p:cNvPr>
+          <p:cNvSpPr>
+            <a:spLocks noGrp="1" noRot="1" noChangeAspect="1" noMove="1" noResize="1" noEditPoints="1" noAdjustHandles="1" noChangeArrowheads="1" noChangeShapeType="1" noTextEdit="1"/>
+          </p:cNvSpPr>
+          <p:nvPr>
+            <p:extLst>
+              <p:ext uri="{386F3935-93C4-4BCD-93E2-E3B085C9AB24}">
+                <p16:designElem xmlns:p16="http://schemas.microsoft.com/office/powerpoint/2015/main" val="1"/>
+              </p:ext>
+            </p:extLst>
+          </p:nvPr>
+        </p:nvSpPr>
+        <p:spPr>
+          <a:xfrm rot="16200000">
+            <a:off x="10289068" y="1343027"/>
+            <a:ext cx="2532832" cy="1273032"/>
+          </a:xfrm>
+          <a:prstGeom prst="triangle">
+            <a:avLst>
+              <a:gd name="adj" fmla="val 50000"/>
+            </a:avLst>
+          </a:prstGeom>
+          <a:solidFill>
+            <a:schemeClr val="accent4">
+              <a:alpha val="30000"/>
+            </a:schemeClr>
+          </a:solidFill>
+          <a:ln>
+            <a:noFill/>
+          </a:ln>
+        </p:spPr>
+        <p:style>
+          <a:lnRef idx="2">
+            <a:schemeClr val="accent1">
+              <a:shade val="50000"/>
+            </a:schemeClr>
+          </a:lnRef>
+          <a:fillRef idx="1">
+            <a:schemeClr val="accent1"/>
+          </a:fillRef>
+          <a:effectRef idx="0">
+            <a:schemeClr val="accent1"/>
+          </a:effectRef>
+          <a:fontRef idx="minor">
+            <a:schemeClr val="lt1"/>
+          </a:fontRef>
+        </p:style>
+        <p:txBody>
+          <a:bodyPr rtlCol="0" anchor="ctr"/>
+          <a:lstStyle/>
+          <a:p>
+            <a:pPr algn="ctr"/>
+            <a:endParaRPr lang="en-US"/>
+          </a:p>
+        </p:txBody>
+      </p:sp>
+      <p:sp>
+        <p:nvSpPr>
+          <p:cNvPr id="15" name="Isosceles Triangle 14">
+            <a:extLst>
+              <a:ext uri="{FF2B5EF4-FFF2-40B4-BE49-F238E27FC236}">
+                <a16:creationId xmlns:a16="http://schemas.microsoft.com/office/drawing/2014/main" id="{D3F51FEB-38FB-4F6C-9F7B-2F2AFAB65463}"/>
+              </a:ext>
+              <a:ext uri="{C183D7F6-B498-43B3-948B-1728B52AA6E4}">
+                <adec:decorative xmlns:adec="http://schemas.microsoft.com/office/drawing/2017/decorative" val="1"/>
+              </a:ext>
+            </a:extLst>
+          </p:cNvPr>
+          <p:cNvSpPr>
+            <a:spLocks noGrp="1" noRot="1" noChangeAspect="1" noMove="1" noResize="1" noEditPoints="1" noAdjustHandles="1" noChangeArrowheads="1" noChangeShapeType="1" noTextEdit="1"/>
+          </p:cNvSpPr>
+          <p:nvPr>
+            <p:extLst>
+              <p:ext uri="{386F3935-93C4-4BCD-93E2-E3B085C9AB24}">
+                <p16:designElem xmlns:p16="http://schemas.microsoft.com/office/powerpoint/2015/main" val="1"/>
+              </p:ext>
+            </p:extLst>
+          </p:nvPr>
+        </p:nvSpPr>
+        <p:spPr>
+          <a:xfrm rot="5400000">
+            <a:off x="-501760" y="5103257"/>
+            <a:ext cx="2017580" cy="1014060"/>
+          </a:xfrm>
+          <a:prstGeom prst="triangle">
+            <a:avLst>
+              <a:gd name="adj" fmla="val 50000"/>
+            </a:avLst>
+          </a:prstGeom>
+          <a:solidFill>
+            <a:schemeClr val="accent1">
+              <a:alpha val="30000"/>
+            </a:schemeClr>
+          </a:solidFill>
+          <a:ln>
+            <a:noFill/>
+          </a:ln>
+        </p:spPr>
+        <p:style>
+          <a:lnRef idx="2">
+            <a:schemeClr val="accent1">
+              <a:shade val="50000"/>
+            </a:schemeClr>
+          </a:lnRef>
+          <a:fillRef idx="1">
+            <a:schemeClr val="accent1"/>
+          </a:fillRef>
+          <a:effectRef idx="0">
+            <a:schemeClr val="accent1"/>
+          </a:effectRef>
+          <a:fontRef idx="minor">
+            <a:schemeClr val="lt1"/>
+          </a:fontRef>
+        </p:style>
+        <p:txBody>
+          <a:bodyPr wrap="square" rtlCol="0" anchor="ctr">
+            <a:noAutofit/>
+          </a:bodyPr>
+          <a:lstStyle/>
+          <a:p>
+            <a:pPr algn="ctr"/>
+            <a:endParaRPr lang="en-US"/>
+          </a:p>
+        </p:txBody>
+      </p:sp>
+      <p:sp>
+        <p:nvSpPr>
+          <p:cNvPr id="17" name="Rectangle 16">
+            <a:extLst>
+              <a:ext uri="{FF2B5EF4-FFF2-40B4-BE49-F238E27FC236}">
+                <a16:creationId xmlns:a16="http://schemas.microsoft.com/office/drawing/2014/main" id="{1E547BA6-BAE0-43BB-A7CA-60F69CE252F0}"/>
+              </a:ext>
+              <a:ext uri="{C183D7F6-B498-43B3-948B-1728B52AA6E4}">
+                <adec:decorative xmlns:adec="http://schemas.microsoft.com/office/drawing/2017/decorative" val="1"/>
+              </a:ext>
+            </a:extLst>
+          </p:cNvPr>
+          <p:cNvSpPr>
+            <a:spLocks noGrp="1" noRot="1" noChangeAspect="1" noMove="1" noResize="1" noEditPoints="1" noAdjustHandles="1" noChangeArrowheads="1" noChangeShapeType="1" noTextEdit="1"/>
+          </p:cNvSpPr>
+          <p:nvPr>
+            <p:extLst>
+              <p:ext uri="{386F3935-93C4-4BCD-93E2-E3B085C9AB24}">
+                <p16:designElem xmlns:p16="http://schemas.microsoft.com/office/powerpoint/2015/main" val="1"/>
+              </p:ext>
+            </p:extLst>
+          </p:nvPr>
+        </p:nvSpPr>
+        <p:spPr>
+          <a:xfrm rot="2700000">
+            <a:off x="427916" y="5728708"/>
+            <a:ext cx="485578" cy="485578"/>
+          </a:xfrm>
+          <a:prstGeom prst="rect">
+            <a:avLst/>
+          </a:prstGeom>
+          <a:solidFill>
+            <a:schemeClr val="accent1">
+              <a:alpha val="30000"/>
+            </a:schemeClr>
+          </a:solidFill>
+          <a:ln>
+            <a:noFill/>
+          </a:ln>
+        </p:spPr>
+        <p:style>
+          <a:lnRef idx="2">
+            <a:schemeClr val="accent1">
+              <a:shade val="50000"/>
+            </a:schemeClr>
+          </a:lnRef>
+          <a:fillRef idx="1">
+            <a:schemeClr val="accent1"/>
+          </a:fillRef>
+          <a:effectRef idx="0">
+            <a:schemeClr val="accent1"/>
+          </a:effectRef>
+          <a:fontRef idx="minor">
+            <a:schemeClr val="lt1"/>
+          </a:fontRef>
+        </p:style>
+        <p:txBody>
+          <a:bodyPr wrap="square" rtlCol="0" anchor="ctr">
+            <a:noAutofit/>
+          </a:bodyPr>
+          <a:lstStyle/>
+          <a:p>
+            <a:pPr algn="ctr"/>
+            <a:endParaRPr lang="en-US"/>
+          </a:p>
+        </p:txBody>
+      </p:sp>
+      <p:sp>
+        <p:nvSpPr>
+          <p:cNvPr id="4" name="Foliennummernplatzhalter 3">
+            <a:extLst>
+              <a:ext uri="{FF2B5EF4-FFF2-40B4-BE49-F238E27FC236}">
+                <a16:creationId xmlns:a16="http://schemas.microsoft.com/office/drawing/2014/main" id="{CD2D627F-F806-4E8C-A810-A3FBD18DAE3E}"/>
+              </a:ext>
+            </a:extLst>
+          </p:cNvPr>
+          <p:cNvSpPr>
+            <a:spLocks noGrp="1"/>
+          </p:cNvSpPr>
+          <p:nvPr>
+            <p:ph type="sldNum" sz="quarter" idx="12"/>
+          </p:nvPr>
+        </p:nvSpPr>
+        <p:spPr>
+          <a:xfrm>
+            <a:off x="8805333" y="6356350"/>
+            <a:ext cx="2743200" cy="365125"/>
+          </a:xfrm>
+        </p:spPr>
+        <p:txBody>
+          <a:bodyPr>
+            <a:normAutofit/>
+          </a:bodyPr>
+          <a:lstStyle/>
+          <a:p>
+            <a:pPr>
+              <a:spcAft>
+                <a:spcPts val="600"/>
+              </a:spcAft>
+            </a:pPr>
+            <a:fld id="{DFF01B4A-46B9-4C6C-A96B-6DAD2C3CC688}" type="slidenum">
+              <a:rPr lang="de-DE" smtClean="0"/>
+              <a:pPr>
+                <a:spcAft>
+                  <a:spcPts val="600"/>
+                </a:spcAft>
+              </a:pPr>
+              <a:t>14</a:t>
+            </a:fld>
+            <a:endParaRPr lang="de-DE"/>
+          </a:p>
+        </p:txBody>
+      </p:sp>
+    </p:spTree>
+    <p:extLst>
+      <p:ext uri="{BB962C8B-B14F-4D97-AF65-F5344CB8AC3E}">
+        <p14:creationId xmlns:p14="http://schemas.microsoft.com/office/powerpoint/2010/main" val="3875316342"/>
+      </p:ext>
+    </p:extLst>
+  </p:cSld>
+  <p:clrMapOvr>
+    <a:masterClrMapping/>
+  </p:clrMapOvr>
+</p:sld>
+</file>
+
+<file path=ppt/slides/slide15.xml><?xml version="1.0" encoding="utf-8"?>
+<p:sld xmlns:a="http://schemas.openxmlformats.org/drawingml/2006/main" xmlns:r="http://schemas.openxmlformats.org/officeDocument/2006/relationships" xmlns:p="http://schemas.openxmlformats.org/presentationml/2006/main">
+  <p:cSld>
+    <p:bg>
+      <p:bgPr>
+        <a:solidFill>
+          <a:schemeClr val="bg1"/>
+        </a:solidFill>
+        <a:effectLst/>
+      </p:bgPr>
+    </p:bg>
+    <p:spTree>
+      <p:nvGrpSpPr>
+        <p:cNvPr id="1" name=""/>
+        <p:cNvGrpSpPr/>
+        <p:nvPr/>
+      </p:nvGrpSpPr>
+      <p:grpSpPr>
+        <a:xfrm>
+          <a:off x="0" y="0"/>
+          <a:ext cx="0" cy="0"/>
+          <a:chOff x="0" y="0"/>
+          <a:chExt cx="0" cy="0"/>
+        </a:xfrm>
+      </p:grpSpPr>
+      <p:sp>
+        <p:nvSpPr>
           <p:cNvPr id="41" name="Rectangle 40">
             <a:extLst>
               <a:ext uri="{FF2B5EF4-FFF2-40B4-BE49-F238E27FC236}">
@@ -13485,7 +14053,7 @@
                   <a:spcPts val="600"/>
                 </a:spcAft>
               </a:pPr>
-              <a:t>14</a:t>
+              <a:t>15</a:t>
             </a:fld>
             <a:endParaRPr lang="en-US">
               <a:solidFill>
@@ -13908,7 +14476,7 @@
 </p:sld>
 </file>
 
-<file path=ppt/slides/slide15.xml><?xml version="1.0" encoding="utf-8"?>
+<file path=ppt/slides/slide16.xml><?xml version="1.0" encoding="utf-8"?>
 <p:sld xmlns:a="http://schemas.openxmlformats.org/drawingml/2006/main" xmlns:r="http://schemas.openxmlformats.org/officeDocument/2006/relationships" xmlns:p="http://schemas.openxmlformats.org/presentationml/2006/main">
   <p:cSld>
     <p:bg>
@@ -14245,7 +14813,7 @@
                   <a:spcPts val="600"/>
                 </a:spcAft>
               </a:pPr>
-              <a:t>15</a:t>
+              <a:t>16</a:t>
             </a:fld>
             <a:endParaRPr lang="en-US">
               <a:solidFill>
@@ -20528,21 +21096,6 @@
 </file>
 
 <file path=customXml/item1.xml><?xml version="1.0" encoding="utf-8"?>
-<p:properties xmlns:p="http://schemas.microsoft.com/office/2006/metadata/properties" xmlns:xsi="http://www.w3.org/2001/XMLSchema-instance" xmlns:pc="http://schemas.microsoft.com/office/infopath/2007/PartnerControls">
-  <documentManagement/>
-</p:properties>
-</file>
-
-<file path=customXml/item2.xml><?xml version="1.0" encoding="utf-8"?>
-<?mso-contentType ?>
-<FormTemplates xmlns="http://schemas.microsoft.com/sharepoint/v3/contenttype/forms">
-  <Display>DocumentLibraryForm</Display>
-  <Edit>DocumentLibraryForm</Edit>
-  <New>DocumentLibraryForm</New>
-</FormTemplates>
-</file>
-
-<file path=customXml/item3.xml><?xml version="1.0" encoding="utf-8"?>
 <ct:contentTypeSchema xmlns:ct="http://schemas.microsoft.com/office/2006/metadata/contentType" xmlns:ma="http://schemas.microsoft.com/office/2006/metadata/properties/metaAttributes" ct:_="" ma:_="" ma:contentTypeName="Dokument" ma:contentTypeID="0x0101006053BFF7913E914E8633705294D786E0" ma:contentTypeVersion="12" ma:contentTypeDescription="Ein neues Dokument erstellen." ma:contentTypeScope="" ma:versionID="292c63051bcc76f3c0ba6d3d005fc720">
   <xsd:schema xmlns:xsd="http://www.w3.org/2001/XMLSchema" xmlns:xs="http://www.w3.org/2001/XMLSchema" xmlns:p="http://schemas.microsoft.com/office/2006/metadata/properties" xmlns:ns3="428a2bfe-bcaf-43de-8bea-075e4c45d2d0" xmlns:ns4="19353dae-2197-414d-a888-862b93af9487" targetNamespace="http://schemas.microsoft.com/office/2006/metadata/properties" ma:root="true" ma:fieldsID="1ef18051d54d654b75909a1fce9ac096" ns3:_="" ns4:_="">
     <xsd:import namespace="428a2bfe-bcaf-43de-8bea-075e4c45d2d0"/>
@@ -20759,32 +21312,22 @@
 </ct:contentTypeSchema>
 </file>
 
-<file path=customXml/itemProps1.xml><?xml version="1.0" encoding="utf-8"?>
-<ds:datastoreItem xmlns:ds="http://schemas.openxmlformats.org/officeDocument/2006/customXml" ds:itemID="{3F8C196F-57CA-4A27-A0C5-E15A158BF523}">
-  <ds:schemaRefs>
-    <ds:schemaRef ds:uri="428a2bfe-bcaf-43de-8bea-075e4c45d2d0"/>
-    <ds:schemaRef ds:uri="http://purl.org/dc/terms/"/>
-    <ds:schemaRef ds:uri="http://schemas.openxmlformats.org/package/2006/metadata/core-properties"/>
-    <ds:schemaRef ds:uri="http://schemas.microsoft.com/office/2006/documentManagement/types"/>
-    <ds:schemaRef ds:uri="19353dae-2197-414d-a888-862b93af9487"/>
-    <ds:schemaRef ds:uri="http://purl.org/dc/elements/1.1/"/>
-    <ds:schemaRef ds:uri="http://schemas.microsoft.com/office/2006/metadata/properties"/>
-    <ds:schemaRef ds:uri="http://schemas.microsoft.com/office/infopath/2007/PartnerControls"/>
-    <ds:schemaRef ds:uri="http://www.w3.org/XML/1998/namespace"/>
-    <ds:schemaRef ds:uri="http://purl.org/dc/dcmitype/"/>
-  </ds:schemaRefs>
-</ds:datastoreItem>
+<file path=customXml/item2.xml><?xml version="1.0" encoding="utf-8"?>
+<?mso-contentType ?>
+<FormTemplates xmlns="http://schemas.microsoft.com/sharepoint/v3/contenttype/forms">
+  <Display>DocumentLibraryForm</Display>
+  <Edit>DocumentLibraryForm</Edit>
+  <New>DocumentLibraryForm</New>
+</FormTemplates>
 </file>
 
-<file path=customXml/itemProps2.xml><?xml version="1.0" encoding="utf-8"?>
-<ds:datastoreItem xmlns:ds="http://schemas.openxmlformats.org/officeDocument/2006/customXml" ds:itemID="{1676AEB8-5320-4F07-868F-E91141D86E7B}">
-  <ds:schemaRefs>
-    <ds:schemaRef ds:uri="http://schemas.microsoft.com/sharepoint/v3/contenttype/forms"/>
-  </ds:schemaRefs>
-</ds:datastoreItem>
+<file path=customXml/item3.xml><?xml version="1.0" encoding="utf-8"?>
+<p:properties xmlns:p="http://schemas.microsoft.com/office/2006/metadata/properties" xmlns:xsi="http://www.w3.org/2001/XMLSchema-instance" xmlns:pc="http://schemas.microsoft.com/office/infopath/2007/PartnerControls">
+  <documentManagement/>
+</p:properties>
 </file>
 
-<file path=customXml/itemProps3.xml><?xml version="1.0" encoding="utf-8"?>
+<file path=customXml/itemProps1.xml><?xml version="1.0" encoding="utf-8"?>
 <ds:datastoreItem xmlns:ds="http://schemas.openxmlformats.org/officeDocument/2006/customXml" ds:itemID="{7623EEBE-3AFD-45F2-B13A-22C0717EE2AE}">
   <ds:schemaRefs>
     <ds:schemaRef ds:uri="http://schemas.microsoft.com/office/2006/metadata/contentType"/>
@@ -20801,4 +21344,29 @@
     <ds:schemaRef ds:uri="http://schemas.microsoft.com/internal/obd"/>
   </ds:schemaRefs>
 </ds:datastoreItem>
+</file>
+
+<file path=customXml/itemProps2.xml><?xml version="1.0" encoding="utf-8"?>
+<ds:datastoreItem xmlns:ds="http://schemas.openxmlformats.org/officeDocument/2006/customXml" ds:itemID="{1676AEB8-5320-4F07-868F-E91141D86E7B}">
+  <ds:schemaRefs>
+    <ds:schemaRef ds:uri="http://schemas.microsoft.com/sharepoint/v3/contenttype/forms"/>
+  </ds:schemaRefs>
+</ds:datastoreItem>
+</file>
+
+<file path=customXml/itemProps3.xml><?xml version="1.0" encoding="utf-8"?>
+<ds:datastoreItem xmlns:ds="http://schemas.openxmlformats.org/officeDocument/2006/customXml" ds:itemID="{3F8C196F-57CA-4A27-A0C5-E15A158BF523}">
+  <ds:schemaRefs>
+    <ds:schemaRef ds:uri="http://purl.org/dc/elements/1.1/"/>
+    <ds:schemaRef ds:uri="http://schemas.microsoft.com/office/2006/metadata/properties"/>
+    <ds:schemaRef ds:uri="428a2bfe-bcaf-43de-8bea-075e4c45d2d0"/>
+    <ds:schemaRef ds:uri="http://purl.org/dc/terms/"/>
+    <ds:schemaRef ds:uri="http://schemas.openxmlformats.org/package/2006/metadata/core-properties"/>
+    <ds:schemaRef ds:uri="http://schemas.microsoft.com/office/2006/documentManagement/types"/>
+    <ds:schemaRef ds:uri="19353dae-2197-414d-a888-862b93af9487"/>
+    <ds:schemaRef ds:uri="http://schemas.microsoft.com/office/infopath/2007/PartnerControls"/>
+    <ds:schemaRef ds:uri="http://www.w3.org/XML/1998/namespace"/>
+    <ds:schemaRef ds:uri="http://purl.org/dc/dcmitype/"/>
+  </ds:schemaRefs>
+</ds:datastoreItem>
 </file>
--- a/Präsentationen/Zwischen_Präse/Chessmaster_Zwischenpräsentation.pptx
+++ b/Präsentationen/Zwischen_Präse/Chessmaster_Zwischenpräsentation.pptx
@@ -13,9 +13,9 @@
     <p:sldId id="258" r:id="rId7"/>
     <p:sldId id="262" r:id="rId8"/>
     <p:sldId id="259" r:id="rId9"/>
-    <p:sldId id="265" r:id="rId10"/>
-    <p:sldId id="264" r:id="rId11"/>
-    <p:sldId id="266" r:id="rId12"/>
+    <p:sldId id="274" r:id="rId10"/>
+    <p:sldId id="265" r:id="rId11"/>
+    <p:sldId id="264" r:id="rId12"/>
     <p:sldId id="260" r:id="rId13"/>
     <p:sldId id="263" r:id="rId14"/>
     <p:sldId id="269" r:id="rId15"/>
@@ -140,9 +140,9 @@
         <p14:section name="State of the Art" id="{94456F12-F98C-4B4F-B691-44AC85B61CE8}">
           <p14:sldIdLst>
             <p14:sldId id="259"/>
+            <p14:sldId id="274"/>
             <p14:sldId id="265"/>
             <p14:sldId id="264"/>
-            <p14:sldId id="266"/>
           </p14:sldIdLst>
         </p14:section>
         <p14:section name="Algortihm" id="{49C9509F-5D63-4684-A812-16C034F1545C}">
@@ -191,7 +191,7 @@
 <file path=ppt/revisionInfo.xml><?xml version="1.0" encoding="utf-8"?>
 <p1510:revInfo xmlns:a="http://schemas.openxmlformats.org/drawingml/2006/main" xmlns:r="http://schemas.openxmlformats.org/officeDocument/2006/relationships" xmlns:p1510="http://schemas.microsoft.com/office/powerpoint/2015/10/main">
   <p1510:revLst>
-    <p1510:client id="{E7A5B079-1BA6-4760-B851-727E3DF33BC4}" v="124" dt="2020-06-01T07:49:00.762"/>
+    <p1510:client id="{E7A5B079-1BA6-4760-B851-727E3DF33BC4}" v="129" dt="2020-06-03T15:41:39.229"/>
   </p1510:revLst>
 </p1510:revInfo>
 </file>
@@ -200,8 +200,8 @@
 <pc:chgInfo xmlns:a="http://schemas.openxmlformats.org/drawingml/2006/main" xmlns:r="http://schemas.openxmlformats.org/officeDocument/2006/relationships" xmlns:ac="http://schemas.microsoft.com/office/drawing/2013/main/command" xmlns:pc="http://schemas.microsoft.com/office/powerpoint/2013/main/command">
   <pc:docChgLst>
     <pc:chgData name="Thorsten Hilbradt" userId="b76ca37a-0758-4f71-aeb6-b277b8bbbfdd" providerId="ADAL" clId="{E7A5B079-1BA6-4760-B851-727E3DF33BC4}"/>
-    <pc:docChg chg="undo custSel mod addSld delSld modSld sldOrd">
-      <pc:chgData name="Thorsten Hilbradt" userId="b76ca37a-0758-4f71-aeb6-b277b8bbbfdd" providerId="ADAL" clId="{E7A5B079-1BA6-4760-B851-727E3DF33BC4}" dt="2020-06-01T07:49:24.826" v="1378" actId="20577"/>
+    <pc:docChg chg="undo custSel mod addSld delSld modSld sldOrd modSection">
+      <pc:chgData name="Thorsten Hilbradt" userId="b76ca37a-0758-4f71-aeb6-b277b8bbbfdd" providerId="ADAL" clId="{E7A5B079-1BA6-4760-B851-727E3DF33BC4}" dt="2020-06-03T15:43:06.373" v="1398" actId="26606"/>
       <pc:docMkLst>
         <pc:docMk/>
       </pc:docMkLst>
@@ -1171,7 +1171,7 @@
         </pc:picChg>
       </pc:sldChg>
       <pc:sldChg chg="addSp delSp modSp add mod setBg">
-        <pc:chgData name="Thorsten Hilbradt" userId="b76ca37a-0758-4f71-aeb6-b277b8bbbfdd" providerId="ADAL" clId="{E7A5B079-1BA6-4760-B851-727E3DF33BC4}" dt="2020-05-31T22:11:18.444" v="904" actId="242"/>
+        <pc:chgData name="Thorsten Hilbradt" userId="b76ca37a-0758-4f71-aeb6-b277b8bbbfdd" providerId="ADAL" clId="{E7A5B079-1BA6-4760-B851-727E3DF33BC4}" dt="2020-06-03T15:41:39.341" v="1392" actId="27636"/>
         <pc:sldMkLst>
           <pc:docMk/>
           <pc:sldMk cId="3705508391" sldId="264"/>
@@ -1185,7 +1185,7 @@
           </ac:spMkLst>
         </pc:spChg>
         <pc:spChg chg="mod">
-          <ac:chgData name="Thorsten Hilbradt" userId="b76ca37a-0758-4f71-aeb6-b277b8bbbfdd" providerId="ADAL" clId="{E7A5B079-1BA6-4760-B851-727E3DF33BC4}" dt="2020-05-31T22:11:18.444" v="904" actId="242"/>
+          <ac:chgData name="Thorsten Hilbradt" userId="b76ca37a-0758-4f71-aeb6-b277b8bbbfdd" providerId="ADAL" clId="{E7A5B079-1BA6-4760-B851-727E3DF33BC4}" dt="2020-06-03T15:41:39.341" v="1392" actId="27636"/>
           <ac:spMkLst>
             <pc:docMk/>
             <pc:sldMk cId="3705508391" sldId="264"/>
@@ -1337,7 +1337,7 @@
         </pc:spChg>
       </pc:sldChg>
       <pc:sldChg chg="addSp delSp modSp add mod setBg">
-        <pc:chgData name="Thorsten Hilbradt" userId="b76ca37a-0758-4f71-aeb6-b277b8bbbfdd" providerId="ADAL" clId="{E7A5B079-1BA6-4760-B851-727E3DF33BC4}" dt="2020-05-31T22:06:59.840" v="665" actId="26606"/>
+        <pc:chgData name="Thorsten Hilbradt" userId="b76ca37a-0758-4f71-aeb6-b277b8bbbfdd" providerId="ADAL" clId="{E7A5B079-1BA6-4760-B851-727E3DF33BC4}" dt="2020-06-03T15:41:19.283" v="1390" actId="20577"/>
         <pc:sldMkLst>
           <pc:docMk/>
           <pc:sldMk cId="405527029" sldId="265"/>
@@ -1351,7 +1351,7 @@
           </ac:spMkLst>
         </pc:spChg>
         <pc:spChg chg="mod">
-          <ac:chgData name="Thorsten Hilbradt" userId="b76ca37a-0758-4f71-aeb6-b277b8bbbfdd" providerId="ADAL" clId="{E7A5B079-1BA6-4760-B851-727E3DF33BC4}" dt="2020-05-31T22:06:59.840" v="665" actId="26606"/>
+          <ac:chgData name="Thorsten Hilbradt" userId="b76ca37a-0758-4f71-aeb6-b277b8bbbfdd" providerId="ADAL" clId="{E7A5B079-1BA6-4760-B851-727E3DF33BC4}" dt="2020-06-03T15:41:19.283" v="1390" actId="20577"/>
           <ac:spMkLst>
             <pc:docMk/>
             <pc:sldMk cId="405527029" sldId="265"/>
@@ -1670,8 +1670,8 @@
           </ac:cxnSpMkLst>
         </pc:cxnChg>
       </pc:sldChg>
-      <pc:sldChg chg="addSp modSp add mod setBg">
-        <pc:chgData name="Thorsten Hilbradt" userId="b76ca37a-0758-4f71-aeb6-b277b8bbbfdd" providerId="ADAL" clId="{E7A5B079-1BA6-4760-B851-727E3DF33BC4}" dt="2020-05-31T22:11:02.327" v="903" actId="26606"/>
+      <pc:sldChg chg="addSp modSp add del mod setBg">
+        <pc:chgData name="Thorsten Hilbradt" userId="b76ca37a-0758-4f71-aeb6-b277b8bbbfdd" providerId="ADAL" clId="{E7A5B079-1BA6-4760-B851-727E3DF33BC4}" dt="2020-06-03T15:42:58.444" v="1393" actId="2696"/>
         <pc:sldMkLst>
           <pc:docMk/>
           <pc:sldMk cId="4055910060" sldId="266"/>
@@ -2509,6 +2509,109 @@
             <ac:spMk id="17" creationId="{1E547BA6-BAE0-43BB-A7CA-60F69CE252F0}"/>
           </ac:spMkLst>
         </pc:spChg>
+      </pc:sldChg>
+      <pc:sldChg chg="addSp delSp modSp add mod setBg delDesignElem">
+        <pc:chgData name="Thorsten Hilbradt" userId="b76ca37a-0758-4f71-aeb6-b277b8bbbfdd" providerId="ADAL" clId="{E7A5B079-1BA6-4760-B851-727E3DF33BC4}" dt="2020-06-03T15:43:06.373" v="1398" actId="26606"/>
+        <pc:sldMkLst>
+          <pc:docMk/>
+          <pc:sldMk cId="638968456" sldId="274"/>
+        </pc:sldMkLst>
+        <pc:spChg chg="mod">
+          <ac:chgData name="Thorsten Hilbradt" userId="b76ca37a-0758-4f71-aeb6-b277b8bbbfdd" providerId="ADAL" clId="{E7A5B079-1BA6-4760-B851-727E3DF33BC4}" dt="2020-06-03T15:43:06.373" v="1398" actId="26606"/>
+          <ac:spMkLst>
+            <pc:docMk/>
+            <pc:sldMk cId="638968456" sldId="274"/>
+            <ac:spMk id="3" creationId="{38BF8B7A-63D1-4D76-9099-1398710AEE77}"/>
+          </ac:spMkLst>
+        </pc:spChg>
+        <pc:spChg chg="del">
+          <ac:chgData name="Thorsten Hilbradt" userId="b76ca37a-0758-4f71-aeb6-b277b8bbbfdd" providerId="ADAL" clId="{E7A5B079-1BA6-4760-B851-727E3DF33BC4}" dt="2020-06-03T15:40:36.286" v="1380"/>
+          <ac:spMkLst>
+            <pc:docMk/>
+            <pc:sldMk cId="638968456" sldId="274"/>
+            <ac:spMk id="71" creationId="{59A309A7-1751-4ABE-A3C1-EEC40366AD89}"/>
+          </ac:spMkLst>
+        </pc:spChg>
+        <pc:spChg chg="del">
+          <ac:chgData name="Thorsten Hilbradt" userId="b76ca37a-0758-4f71-aeb6-b277b8bbbfdd" providerId="ADAL" clId="{E7A5B079-1BA6-4760-B851-727E3DF33BC4}" dt="2020-06-03T15:40:36.286" v="1380"/>
+          <ac:spMkLst>
+            <pc:docMk/>
+            <pc:sldMk cId="638968456" sldId="274"/>
+            <ac:spMk id="73" creationId="{967D8EB6-EAE1-4F9C-B398-83321E287204}"/>
+          </ac:spMkLst>
+        </pc:spChg>
+        <pc:spChg chg="add del">
+          <ac:chgData name="Thorsten Hilbradt" userId="b76ca37a-0758-4f71-aeb6-b277b8bbbfdd" providerId="ADAL" clId="{E7A5B079-1BA6-4760-B851-727E3DF33BC4}" dt="2020-06-03T15:41:09.682" v="1386" actId="26606"/>
+          <ac:spMkLst>
+            <pc:docMk/>
+            <pc:sldMk cId="638968456" sldId="274"/>
+            <ac:spMk id="1028" creationId="{59A309A7-1751-4ABE-A3C1-EEC40366AD89}"/>
+          </ac:spMkLst>
+        </pc:spChg>
+        <pc:spChg chg="add del">
+          <ac:chgData name="Thorsten Hilbradt" userId="b76ca37a-0758-4f71-aeb6-b277b8bbbfdd" providerId="ADAL" clId="{E7A5B079-1BA6-4760-B851-727E3DF33BC4}" dt="2020-06-03T15:41:09.682" v="1386" actId="26606"/>
+          <ac:spMkLst>
+            <pc:docMk/>
+            <pc:sldMk cId="638968456" sldId="274"/>
+            <ac:spMk id="1029" creationId="{967D8EB6-EAE1-4F9C-B398-83321E287204}"/>
+          </ac:spMkLst>
+        </pc:spChg>
+        <pc:spChg chg="add del">
+          <ac:chgData name="Thorsten Hilbradt" userId="b76ca37a-0758-4f71-aeb6-b277b8bbbfdd" providerId="ADAL" clId="{E7A5B079-1BA6-4760-B851-727E3DF33BC4}" dt="2020-06-03T15:43:05.349" v="1395" actId="26606"/>
+          <ac:spMkLst>
+            <pc:docMk/>
+            <pc:sldMk cId="638968456" sldId="274"/>
+            <ac:spMk id="1030" creationId="{59A309A7-1751-4ABE-A3C1-EEC40366AD89}"/>
+          </ac:spMkLst>
+        </pc:spChg>
+        <pc:spChg chg="add del">
+          <ac:chgData name="Thorsten Hilbradt" userId="b76ca37a-0758-4f71-aeb6-b277b8bbbfdd" providerId="ADAL" clId="{E7A5B079-1BA6-4760-B851-727E3DF33BC4}" dt="2020-06-03T15:43:05.349" v="1395" actId="26606"/>
+          <ac:spMkLst>
+            <pc:docMk/>
+            <pc:sldMk cId="638968456" sldId="274"/>
+            <ac:spMk id="1031" creationId="{967D8EB6-EAE1-4F9C-B398-83321E287204}"/>
+          </ac:spMkLst>
+        </pc:spChg>
+        <pc:spChg chg="add del">
+          <ac:chgData name="Thorsten Hilbradt" userId="b76ca37a-0758-4f71-aeb6-b277b8bbbfdd" providerId="ADAL" clId="{E7A5B079-1BA6-4760-B851-727E3DF33BC4}" dt="2020-06-03T15:43:06.367" v="1397" actId="26606"/>
+          <ac:spMkLst>
+            <pc:docMk/>
+            <pc:sldMk cId="638968456" sldId="274"/>
+            <ac:spMk id="1033" creationId="{59A309A7-1751-4ABE-A3C1-EEC40366AD89}"/>
+          </ac:spMkLst>
+        </pc:spChg>
+        <pc:spChg chg="add del">
+          <ac:chgData name="Thorsten Hilbradt" userId="b76ca37a-0758-4f71-aeb6-b277b8bbbfdd" providerId="ADAL" clId="{E7A5B079-1BA6-4760-B851-727E3DF33BC4}" dt="2020-06-03T15:43:06.367" v="1397" actId="26606"/>
+          <ac:spMkLst>
+            <pc:docMk/>
+            <pc:sldMk cId="638968456" sldId="274"/>
+            <ac:spMk id="1034" creationId="{967D8EB6-EAE1-4F9C-B398-83321E287204}"/>
+          </ac:spMkLst>
+        </pc:spChg>
+        <pc:spChg chg="add">
+          <ac:chgData name="Thorsten Hilbradt" userId="b76ca37a-0758-4f71-aeb6-b277b8bbbfdd" providerId="ADAL" clId="{E7A5B079-1BA6-4760-B851-727E3DF33BC4}" dt="2020-06-03T15:43:06.373" v="1398" actId="26606"/>
+          <ac:spMkLst>
+            <pc:docMk/>
+            <pc:sldMk cId="638968456" sldId="274"/>
+            <ac:spMk id="1036" creationId="{59A309A7-1751-4ABE-A3C1-EEC40366AD89}"/>
+          </ac:spMkLst>
+        </pc:spChg>
+        <pc:spChg chg="add">
+          <ac:chgData name="Thorsten Hilbradt" userId="b76ca37a-0758-4f71-aeb6-b277b8bbbfdd" providerId="ADAL" clId="{E7A5B079-1BA6-4760-B851-727E3DF33BC4}" dt="2020-06-03T15:43:06.373" v="1398" actId="26606"/>
+          <ac:spMkLst>
+            <pc:docMk/>
+            <pc:sldMk cId="638968456" sldId="274"/>
+            <ac:spMk id="1037" creationId="{967D8EB6-EAE1-4F9C-B398-83321E287204}"/>
+          </ac:spMkLst>
+        </pc:spChg>
+        <pc:picChg chg="mod">
+          <ac:chgData name="Thorsten Hilbradt" userId="b76ca37a-0758-4f71-aeb6-b277b8bbbfdd" providerId="ADAL" clId="{E7A5B079-1BA6-4760-B851-727E3DF33BC4}" dt="2020-06-03T15:43:06.367" v="1397" actId="26606"/>
+          <ac:picMkLst>
+            <pc:docMk/>
+            <pc:sldMk cId="638968456" sldId="274"/>
+            <ac:picMk id="1026" creationId="{C5418413-3B96-4D64-8B40-C7A5CFBCA748}"/>
+          </ac:picMkLst>
+        </pc:picChg>
       </pc:sldChg>
     </pc:docChg>
   </pc:docChgLst>
@@ -5622,7 +5725,7 @@
           <a:p>
             <a:fld id="{EC23A34E-68F0-4489-A79F-CD1755C002C0}" type="datetimeFigureOut">
               <a:rPr lang="de-DE" smtClean="0"/>
-              <a:t>01.06.2020</a:t>
+              <a:t>03.06.2020</a:t>
             </a:fld>
             <a:endParaRPr lang="de-DE"/>
           </a:p>
@@ -6110,7 +6213,7 @@
           <a:p>
             <a:fld id="{B3DF4E43-3733-40FD-A1D9-AD4B75B26908}" type="datetime1">
               <a:rPr lang="de-DE" smtClean="0"/>
-              <a:t>01.06.2020</a:t>
+              <a:t>03.06.2020</a:t>
             </a:fld>
             <a:endParaRPr lang="de-DE"/>
           </a:p>
@@ -6280,7 +6383,7 @@
           <a:p>
             <a:fld id="{452CD2C4-1B13-44EB-AA07-A4D1A8E2ED7F}" type="datetime1">
               <a:rPr lang="de-DE" smtClean="0"/>
-              <a:t>01.06.2020</a:t>
+              <a:t>03.06.2020</a:t>
             </a:fld>
             <a:endParaRPr lang="de-DE"/>
           </a:p>
@@ -6460,7 +6563,7 @@
           <a:p>
             <a:fld id="{07F7DB5F-C024-4C0B-A90D-1C2EEC4374EB}" type="datetime1">
               <a:rPr lang="de-DE" smtClean="0"/>
-              <a:t>01.06.2020</a:t>
+              <a:t>03.06.2020</a:t>
             </a:fld>
             <a:endParaRPr lang="de-DE"/>
           </a:p>
@@ -6630,7 +6733,7 @@
           <a:p>
             <a:fld id="{E708DCF5-D670-4C31-AEF1-850D4235FD4B}" type="datetime1">
               <a:rPr lang="de-DE" smtClean="0"/>
-              <a:t>01.06.2020</a:t>
+              <a:t>03.06.2020</a:t>
             </a:fld>
             <a:endParaRPr lang="de-DE"/>
           </a:p>
@@ -6876,7 +6979,7 @@
           <a:p>
             <a:fld id="{BED56DEB-F291-4F9C-ACA1-0B6DABBF863B}" type="datetime1">
               <a:rPr lang="de-DE" smtClean="0"/>
-              <a:t>01.06.2020</a:t>
+              <a:t>03.06.2020</a:t>
             </a:fld>
             <a:endParaRPr lang="de-DE"/>
           </a:p>
@@ -7108,7 +7211,7 @@
           <a:p>
             <a:fld id="{159025B1-E81C-44CF-AD44-E9FAFA2544FD}" type="datetime1">
               <a:rPr lang="de-DE" smtClean="0"/>
-              <a:t>01.06.2020</a:t>
+              <a:t>03.06.2020</a:t>
             </a:fld>
             <a:endParaRPr lang="de-DE"/>
           </a:p>
@@ -7475,7 +7578,7 @@
           <a:p>
             <a:fld id="{1CEE494A-F2E9-4F64-92C4-2135C39843F8}" type="datetime1">
               <a:rPr lang="de-DE" smtClean="0"/>
-              <a:t>01.06.2020</a:t>
+              <a:t>03.06.2020</a:t>
             </a:fld>
             <a:endParaRPr lang="de-DE"/>
           </a:p>
@@ -7593,7 +7696,7 @@
           <a:p>
             <a:fld id="{FC23396A-A564-4B2A-AFD7-1708A33F3AE0}" type="datetime1">
               <a:rPr lang="de-DE" smtClean="0"/>
-              <a:t>01.06.2020</a:t>
+              <a:t>03.06.2020</a:t>
             </a:fld>
             <a:endParaRPr lang="de-DE"/>
           </a:p>
@@ -7688,7 +7791,7 @@
           <a:p>
             <a:fld id="{AEE49A08-2FDF-49E2-89E7-744A8E4CF142}" type="datetime1">
               <a:rPr lang="de-DE" smtClean="0"/>
-              <a:t>01.06.2020</a:t>
+              <a:t>03.06.2020</a:t>
             </a:fld>
             <a:endParaRPr lang="de-DE"/>
           </a:p>
@@ -7965,7 +8068,7 @@
           <a:p>
             <a:fld id="{68A9B00C-BF7E-4714-984D-1CF5F0AB4A28}" type="datetime1">
               <a:rPr lang="de-DE" smtClean="0"/>
-              <a:t>01.06.2020</a:t>
+              <a:t>03.06.2020</a:t>
             </a:fld>
             <a:endParaRPr lang="de-DE"/>
           </a:p>
@@ -8222,7 +8325,7 @@
           <a:p>
             <a:fld id="{71791F12-72EB-4469-A882-0EE79FD2D23F}" type="datetime1">
               <a:rPr lang="de-DE" smtClean="0"/>
-              <a:t>01.06.2020</a:t>
+              <a:t>03.06.2020</a:t>
             </a:fld>
             <a:endParaRPr lang="de-DE"/>
           </a:p>
@@ -8435,7 +8538,7 @@
           <a:p>
             <a:fld id="{C0D82272-7DA6-4C57-8D6A-4851730FC5F3}" type="datetime1">
               <a:rPr lang="de-DE" smtClean="0"/>
-              <a:t>01.06.2020</a:t>
+              <a:t>03.06.2020</a:t>
             </a:fld>
             <a:endParaRPr lang="de-DE"/>
           </a:p>
@@ -18044,7 +18147,7 @@
           <p:cNvPr id="2" name="Titel 1">
             <a:extLst>
               <a:ext uri="{FF2B5EF4-FFF2-40B4-BE49-F238E27FC236}">
-                <a16:creationId xmlns:a16="http://schemas.microsoft.com/office/drawing/2014/main" id="{34DB7194-E807-46D7-80E2-BFE3EF21DDC4}"/>
+                <a16:creationId xmlns:a16="http://schemas.microsoft.com/office/drawing/2014/main" id="{3A9D315A-D29E-4AA4-9C68-FC1C36AA35A5}"/>
               </a:ext>
             </a:extLst>
           </p:cNvPr>
@@ -18068,10 +18171,13 @@
           <a:lstStyle/>
           <a:p>
             <a:r>
-              <a:rPr lang="de-DE" err="1"/>
-              <a:t>Stockfish</a:t>
+              <a:rPr lang="de-DE"/>
+              <a:t>IBM - Deep </a:t>
             </a:r>
-            <a:endParaRPr lang="de-DE"/>
+            <a:r>
+              <a:rPr lang="de-DE" dirty="0"/>
+              <a:t>Blue</a:t>
+            </a:r>
           </a:p>
         </p:txBody>
       </p:sp>
@@ -18080,7 +18186,7 @@
           <p:cNvPr id="3" name="Inhaltsplatzhalter 2">
             <a:extLst>
               <a:ext uri="{FF2B5EF4-FFF2-40B4-BE49-F238E27FC236}">
-                <a16:creationId xmlns:a16="http://schemas.microsoft.com/office/drawing/2014/main" id="{C91D2AE3-9995-47C9-AD35-393230652795}"/>
+                <a16:creationId xmlns:a16="http://schemas.microsoft.com/office/drawing/2014/main" id="{38BF8B7A-63D1-4D76-9099-1398710AEE77}"/>
               </a:ext>
             </a:extLst>
           </p:cNvPr>
@@ -18104,25 +18210,466 @@
           <a:lstStyle/>
           <a:p>
             <a:r>
-              <a:rPr lang="en-US" sz="2400"/>
-              <a:t>Open source chess engine</a:t>
+              <a:rPr lang="en-US" sz="2400" dirty="0"/>
+              <a:t>First real chess engine to beat a reign world champion</a:t>
             </a:r>
           </a:p>
           <a:p>
             <a:r>
-              <a:rPr lang="en-US" sz="2400"/>
-              <a:t>Known as the / one of the most powerful chess engines </a:t>
+              <a:rPr lang="en-US" sz="2400" dirty="0"/>
+              <a:t>Developed by IBM in 1989</a:t>
+            </a:r>
+          </a:p>
+          <a:p>
+            <a:r>
+              <a:rPr lang="en-US" sz="2400" dirty="0"/>
+              <a:t>It implemented the alpha beta search on very large-scale integration but in a brut-force method</a:t>
             </a:r>
           </a:p>
           <a:p>
             <a:pPr lvl="1"/>
             <a:r>
               <a:rPr lang="en-US"/>
-              <a:t>which does no rely on AI to predict moves.</a:t>
+              <a:t>Developers even denied it being an AI</a:t>
             </a:r>
           </a:p>
-          <a:p>
-            <a:endParaRPr lang="en-US" sz="2400"/>
+        </p:txBody>
+      </p:sp>
+      <p:sp>
+        <p:nvSpPr>
+          <p:cNvPr id="1036" name="Rectangle 70">
+            <a:extLst>
+              <a:ext uri="{FF2B5EF4-FFF2-40B4-BE49-F238E27FC236}">
+                <a16:creationId xmlns:a16="http://schemas.microsoft.com/office/drawing/2014/main" id="{59A309A7-1751-4ABE-A3C1-EEC40366AD89}"/>
+              </a:ext>
+              <a:ext uri="{C183D7F6-B498-43B3-948B-1728B52AA6E4}">
+                <adec:decorative xmlns:adec="http://schemas.microsoft.com/office/drawing/2017/decorative" val="1"/>
+              </a:ext>
+            </a:extLst>
+          </p:cNvPr>
+          <p:cNvSpPr>
+            <a:spLocks noGrp="1" noRot="1" noChangeAspect="1" noMove="1" noResize="1" noEditPoints="1" noAdjustHandles="1" noChangeArrowheads="1" noChangeShapeType="1" noTextEdit="1"/>
+          </p:cNvSpPr>
+          <p:nvPr>
+            <p:extLst>
+              <p:ext uri="{386F3935-93C4-4BCD-93E2-E3B085C9AB24}">
+                <p16:designElem xmlns:p16="http://schemas.microsoft.com/office/powerpoint/2015/main" val="1"/>
+              </p:ext>
+            </p:extLst>
+          </p:nvPr>
+        </p:nvSpPr>
+        <p:spPr>
+          <a:xfrm>
+            <a:off x="10088880" y="0"/>
+            <a:ext cx="2103120" cy="6858000"/>
+          </a:xfrm>
+          <a:prstGeom prst="rect">
+            <a:avLst/>
+          </a:prstGeom>
+          <a:solidFill>
+            <a:srgbClr val="5D5E26"/>
+          </a:solidFill>
+          <a:ln>
+            <a:noFill/>
+          </a:ln>
+        </p:spPr>
+        <p:style>
+          <a:lnRef idx="2">
+            <a:schemeClr val="accent1">
+              <a:shade val="50000"/>
+            </a:schemeClr>
+          </a:lnRef>
+          <a:fillRef idx="1">
+            <a:schemeClr val="accent1"/>
+          </a:fillRef>
+          <a:effectRef idx="0">
+            <a:schemeClr val="accent1"/>
+          </a:effectRef>
+          <a:fontRef idx="minor">
+            <a:schemeClr val="lt1"/>
+          </a:fontRef>
+        </p:style>
+        <p:txBody>
+          <a:bodyPr rtlCol="0" anchor="ctr"/>
+          <a:lstStyle/>
+          <a:p>
+            <a:pPr algn="ctr"/>
+            <a:endParaRPr lang="en-US"/>
+          </a:p>
+        </p:txBody>
+      </p:sp>
+      <p:sp>
+        <p:nvSpPr>
+          <p:cNvPr id="1037" name="Oval 72">
+            <a:extLst>
+              <a:ext uri="{FF2B5EF4-FFF2-40B4-BE49-F238E27FC236}">
+                <a16:creationId xmlns:a16="http://schemas.microsoft.com/office/drawing/2014/main" id="{967D8EB6-EAE1-4F9C-B398-83321E287204}"/>
+              </a:ext>
+              <a:ext uri="{C183D7F6-B498-43B3-948B-1728B52AA6E4}">
+                <adec:decorative xmlns:adec="http://schemas.microsoft.com/office/drawing/2017/decorative" val="1"/>
+              </a:ext>
+            </a:extLst>
+          </p:cNvPr>
+          <p:cNvSpPr>
+            <a:spLocks noGrp="1" noRot="1" noChangeAspect="1" noMove="1" noResize="1" noEditPoints="1" noAdjustHandles="1" noChangeArrowheads="1" noChangeShapeType="1" noTextEdit="1"/>
+          </p:cNvSpPr>
+          <p:nvPr>
+            <p:extLst>
+              <p:ext uri="{386F3935-93C4-4BCD-93E2-E3B085C9AB24}">
+                <p16:designElem xmlns:p16="http://schemas.microsoft.com/office/powerpoint/2015/main" val="1"/>
+              </p:ext>
+            </p:extLst>
+          </p:nvPr>
+        </p:nvSpPr>
+        <p:spPr>
+          <a:xfrm>
+            <a:off x="8915400" y="2358913"/>
+            <a:ext cx="2140172" cy="2140172"/>
+          </a:xfrm>
+          <a:prstGeom prst="ellipse">
+            <a:avLst/>
+          </a:prstGeom>
+          <a:solidFill>
+            <a:srgbClr val="FFFFFF"/>
+          </a:solidFill>
+          <a:ln w="22225">
+            <a:solidFill>
+              <a:srgbClr val="E89818"/>
+            </a:solidFill>
+          </a:ln>
+        </p:spPr>
+        <p:style>
+          <a:lnRef idx="2">
+            <a:schemeClr val="accent1">
+              <a:shade val="50000"/>
+            </a:schemeClr>
+          </a:lnRef>
+          <a:fillRef idx="1">
+            <a:schemeClr val="accent1"/>
+          </a:fillRef>
+          <a:effectRef idx="0">
+            <a:schemeClr val="accent1"/>
+          </a:effectRef>
+          <a:fontRef idx="minor">
+            <a:schemeClr val="lt1"/>
+          </a:fontRef>
+        </p:style>
+        <p:txBody>
+          <a:bodyPr rtlCol="0" anchor="ctr"/>
+          <a:lstStyle/>
+          <a:p>
+            <a:pPr algn="ctr"/>
+            <a:endParaRPr lang="en-US"/>
+          </a:p>
+        </p:txBody>
+      </p:sp>
+      <p:pic>
+        <p:nvPicPr>
+          <p:cNvPr id="1026" name="Picture 2" descr="Ein Bild, das Computer, Zeichnung enthält.&#10;&#10;Automatisch generierte Beschreibung">
+            <a:extLst>
+              <a:ext uri="{FF2B5EF4-FFF2-40B4-BE49-F238E27FC236}">
+                <a16:creationId xmlns:a16="http://schemas.microsoft.com/office/drawing/2014/main" id="{C5418413-3B96-4D64-8B40-C7A5CFBCA748}"/>
+              </a:ext>
+            </a:extLst>
+          </p:cNvPr>
+          <p:cNvPicPr>
+            <a:picLocks noChangeAspect="1" noChangeArrowheads="1"/>
+          </p:cNvPicPr>
+          <p:nvPr/>
+        </p:nvPicPr>
+        <p:blipFill rotWithShape="1">
+          <a:blip r:embed="rId2">
+            <a:alphaModFix/>
+            <a:extLst>
+              <a:ext uri="{28A0092B-C50C-407E-A947-70E740481C1C}">
+                <a14:useLocalDpi xmlns:a14="http://schemas.microsoft.com/office/drawing/2010/main" val="0"/>
+              </a:ext>
+            </a:extLst>
+          </a:blip>
+          <a:srcRect r="-8" b="152"/>
+          <a:stretch/>
+        </p:blipFill>
+        <p:spPr bwMode="auto">
+          <a:xfrm>
+            <a:off x="9030743" y="2474254"/>
+            <a:ext cx="1912560" cy="1909489"/>
+          </a:xfrm>
+          <a:custGeom>
+            <a:avLst/>
+            <a:gdLst/>
+            <a:ahLst/>
+            <a:cxnLst/>
+            <a:rect l="l" t="t" r="r" b="b"/>
+            <a:pathLst>
+              <a:path w="6057610" h="6057610">
+                <a:moveTo>
+                  <a:pt x="3028805" y="0"/>
+                </a:moveTo>
+                <a:cubicBezTo>
+                  <a:pt x="4701568" y="0"/>
+                  <a:pt x="6057610" y="1356042"/>
+                  <a:pt x="6057610" y="3028805"/>
+                </a:cubicBezTo>
+                <a:cubicBezTo>
+                  <a:pt x="6057610" y="4701568"/>
+                  <a:pt x="4701568" y="6057610"/>
+                  <a:pt x="3028805" y="6057610"/>
+                </a:cubicBezTo>
+                <a:cubicBezTo>
+                  <a:pt x="1356042" y="6057610"/>
+                  <a:pt x="0" y="4701568"/>
+                  <a:pt x="0" y="3028805"/>
+                </a:cubicBezTo>
+                <a:cubicBezTo>
+                  <a:pt x="0" y="1356042"/>
+                  <a:pt x="1356042" y="0"/>
+                  <a:pt x="3028805" y="0"/>
+                </a:cubicBezTo>
+                <a:close/>
+              </a:path>
+            </a:pathLst>
+          </a:custGeom>
+          <a:noFill/>
+          <a:effectLst>
+            <a:softEdge rad="0"/>
+          </a:effectLst>
+          <a:extLst>
+            <a:ext uri="{909E8E84-426E-40DD-AFC4-6F175D3DCCD1}">
+              <a14:hiddenFill xmlns:a14="http://schemas.microsoft.com/office/drawing/2010/main">
+                <a:solidFill>
+                  <a:srgbClr val="FFFFFF"/>
+                </a:solidFill>
+              </a14:hiddenFill>
+            </a:ext>
+          </a:extLst>
+        </p:spPr>
+      </p:pic>
+      <p:sp>
+        <p:nvSpPr>
+          <p:cNvPr id="4" name="Foliennummernplatzhalter 3">
+            <a:extLst>
+              <a:ext uri="{FF2B5EF4-FFF2-40B4-BE49-F238E27FC236}">
+                <a16:creationId xmlns:a16="http://schemas.microsoft.com/office/drawing/2014/main" id="{08723F62-EB9F-43DC-91E1-DDBE2CA33DAD}"/>
+              </a:ext>
+            </a:extLst>
+          </p:cNvPr>
+          <p:cNvSpPr>
+            <a:spLocks noGrp="1"/>
+          </p:cNvSpPr>
+          <p:nvPr>
+            <p:ph type="sldNum" sz="quarter" idx="12"/>
+          </p:nvPr>
+        </p:nvSpPr>
+        <p:spPr>
+          <a:xfrm>
+            <a:off x="10341428" y="6356350"/>
+            <a:ext cx="1012371" cy="365125"/>
+          </a:xfrm>
+        </p:spPr>
+        <p:txBody>
+          <a:bodyPr>
+            <a:normAutofit/>
+          </a:bodyPr>
+          <a:lstStyle/>
+          <a:p>
+            <a:pPr>
+              <a:spcAft>
+                <a:spcPts val="600"/>
+              </a:spcAft>
+            </a:pPr>
+            <a:fld id="{DFF01B4A-46B9-4C6C-A96B-6DAD2C3CC688}" type="slidenum">
+              <a:rPr lang="de-DE">
+                <a:solidFill>
+                  <a:srgbClr val="FFFFFF"/>
+                </a:solidFill>
+              </a:rPr>
+              <a:pPr>
+                <a:spcAft>
+                  <a:spcPts val="600"/>
+                </a:spcAft>
+              </a:pPr>
+              <a:t>6</a:t>
+            </a:fld>
+            <a:endParaRPr lang="de-DE">
+              <a:solidFill>
+                <a:srgbClr val="FFFFFF"/>
+              </a:solidFill>
+            </a:endParaRPr>
+          </a:p>
+        </p:txBody>
+      </p:sp>
+    </p:spTree>
+    <p:extLst>
+      <p:ext uri="{BB962C8B-B14F-4D97-AF65-F5344CB8AC3E}">
+        <p14:creationId xmlns:p14="http://schemas.microsoft.com/office/powerpoint/2010/main" val="638968456"/>
+      </p:ext>
+    </p:extLst>
+  </p:cSld>
+  <p:clrMapOvr>
+    <a:masterClrMapping/>
+  </p:clrMapOvr>
+</p:sld>
+</file>
+
+<file path=ppt/slides/slide7.xml><?xml version="1.0" encoding="utf-8"?>
+<p:sld xmlns:a="http://schemas.openxmlformats.org/drawingml/2006/main" xmlns:r="http://schemas.openxmlformats.org/officeDocument/2006/relationships" xmlns:p="http://schemas.openxmlformats.org/presentationml/2006/main">
+  <p:cSld>
+    <p:bg>
+      <p:bgPr>
+        <a:solidFill>
+          <a:schemeClr val="bg1"/>
+        </a:solidFill>
+        <a:effectLst/>
+      </p:bgPr>
+    </p:bg>
+    <p:spTree>
+      <p:nvGrpSpPr>
+        <p:cNvPr id="1" name=""/>
+        <p:cNvGrpSpPr/>
+        <p:nvPr/>
+      </p:nvGrpSpPr>
+      <p:grpSpPr>
+        <a:xfrm>
+          <a:off x="0" y="0"/>
+          <a:ext cx="0" cy="0"/>
+          <a:chOff x="0" y="0"/>
+          <a:chExt cx="0" cy="0"/>
+        </a:xfrm>
+      </p:grpSpPr>
+      <p:sp>
+        <p:nvSpPr>
+          <p:cNvPr id="2" name="Titel 1">
+            <a:extLst>
+              <a:ext uri="{FF2B5EF4-FFF2-40B4-BE49-F238E27FC236}">
+                <a16:creationId xmlns:a16="http://schemas.microsoft.com/office/drawing/2014/main" id="{34DB7194-E807-46D7-80E2-BFE3EF21DDC4}"/>
+              </a:ext>
+            </a:extLst>
+          </p:cNvPr>
+          <p:cNvSpPr>
+            <a:spLocks noGrp="1"/>
+          </p:cNvSpPr>
+          <p:nvPr>
+            <p:ph type="title"/>
+          </p:nvPr>
+        </p:nvSpPr>
+        <p:spPr>
+          <a:xfrm>
+            <a:off x="1136428" y="627564"/>
+            <a:ext cx="7474172" cy="1325563"/>
+          </a:xfrm>
+        </p:spPr>
+        <p:txBody>
+          <a:bodyPr>
+            <a:normAutofit/>
+          </a:bodyPr>
+          <a:lstStyle/>
+          <a:p>
+            <a:r>
+              <a:rPr lang="de-DE" err="1"/>
+              <a:t>Stockfish</a:t>
+            </a:r>
+            <a:endParaRPr lang="de-DE"/>
+          </a:p>
+        </p:txBody>
+      </p:sp>
+      <p:sp>
+        <p:nvSpPr>
+          <p:cNvPr id="3" name="Inhaltsplatzhalter 2">
+            <a:extLst>
+              <a:ext uri="{FF2B5EF4-FFF2-40B4-BE49-F238E27FC236}">
+                <a16:creationId xmlns:a16="http://schemas.microsoft.com/office/drawing/2014/main" id="{C91D2AE3-9995-47C9-AD35-393230652795}"/>
+              </a:ext>
+            </a:extLst>
+          </p:cNvPr>
+          <p:cNvSpPr>
+            <a:spLocks noGrp="1"/>
+          </p:cNvSpPr>
+          <p:nvPr>
+            <p:ph idx="1"/>
+          </p:nvPr>
+        </p:nvSpPr>
+        <p:spPr>
+          <a:xfrm>
+            <a:off x="1136429" y="2278173"/>
+            <a:ext cx="6467867" cy="3450613"/>
+          </a:xfrm>
+        </p:spPr>
+        <p:txBody>
+          <a:bodyPr anchor="ctr">
+            <a:normAutofit lnSpcReduction="10000"/>
+          </a:bodyPr>
+          <a:lstStyle/>
+          <a:p>
+            <a:r>
+              <a:rPr lang="en-US" sz="2400" dirty="0"/>
+              <a:t>Open source UCI chess engine</a:t>
+            </a:r>
+          </a:p>
+          <a:p>
+            <a:pPr lvl="1"/>
+            <a:r>
+              <a:rPr lang="en-US" sz="2000" dirty="0"/>
+              <a:t>UCI = Universal Chess interface</a:t>
+            </a:r>
+          </a:p>
+          <a:p>
+            <a:r>
+              <a:rPr lang="en-US" sz="2400" dirty="0"/>
+              <a:t>As of 2018 it has become the world strongest chess entity not relying on AI</a:t>
+            </a:r>
+          </a:p>
+          <a:p>
+            <a:r>
+              <a:rPr lang="de-DE" sz="2400" dirty="0" err="1"/>
+              <a:t>It</a:t>
+            </a:r>
+            <a:r>
+              <a:rPr lang="de-DE" sz="2400" dirty="0"/>
+              <a:t> </a:t>
+            </a:r>
+            <a:r>
+              <a:rPr lang="de-DE" sz="2400" dirty="0" err="1"/>
+              <a:t>uses</a:t>
+            </a:r>
+            <a:r>
+              <a:rPr lang="de-DE" sz="2400" dirty="0"/>
+              <a:t> Alpha-Beta-Search and Bitboards</a:t>
+            </a:r>
+          </a:p>
+          <a:p>
+            <a:pPr lvl="1"/>
+            <a:r>
+              <a:rPr lang="de-DE" sz="2000" dirty="0"/>
+              <a:t>Alpha-Beta-Search </a:t>
+            </a:r>
+            <a:r>
+              <a:rPr lang="de-DE" sz="2000" dirty="0" err="1"/>
+              <a:t>is</a:t>
+            </a:r>
+            <a:r>
+              <a:rPr lang="de-DE" sz="2000" dirty="0"/>
+              <a:t> a </a:t>
+            </a:r>
+            <a:r>
+              <a:rPr lang="en-US" sz="2000" dirty="0"/>
+              <a:t>optimized version of the </a:t>
+            </a:r>
+            <a:r>
+              <a:rPr lang="en-US" sz="2000" dirty="0" err="1"/>
+              <a:t>MiniMax</a:t>
+            </a:r>
+            <a:r>
+              <a:rPr lang="en-US" sz="2000" dirty="0"/>
+              <a:t> Algorithm</a:t>
+            </a:r>
+          </a:p>
+          <a:p>
+            <a:pPr lvl="1"/>
+            <a:r>
+              <a:rPr lang="en-US" sz="2000" dirty="0"/>
+              <a:t>A bitboard is a specialized bit array data structure where each bit corresponds to a game board space or piece.</a:t>
+            </a:r>
+            <a:endParaRPr lang="de-DE" sz="2000" dirty="0"/>
           </a:p>
         </p:txBody>
       </p:sp>
@@ -18376,7 +18923,7 @@
                   <a:spcPts val="600"/>
                 </a:spcAft>
               </a:pPr>
-              <a:t>6</a:t>
+              <a:t>7</a:t>
             </a:fld>
             <a:endParaRPr lang="de-DE">
               <a:solidFill>
@@ -18399,7 +18946,7 @@
 </p:sld>
 </file>
 
-<file path=ppt/slides/slide7.xml><?xml version="1.0" encoding="utf-8"?>
+<file path=ppt/slides/slide8.xml><?xml version="1.0" encoding="utf-8"?>
 <p:sld xmlns:a="http://schemas.openxmlformats.org/drawingml/2006/main" xmlns:r="http://schemas.openxmlformats.org/officeDocument/2006/relationships" xmlns:p="http://schemas.openxmlformats.org/presentationml/2006/main">
   <p:cSld>
     <p:bg>
@@ -18488,39 +19035,60 @@
         </p:spPr>
         <p:txBody>
           <a:bodyPr anchor="ctr">
-            <a:normAutofit/>
+            <a:normAutofit fontScale="77500" lnSpcReduction="20000"/>
           </a:bodyPr>
           <a:lstStyle/>
           <a:p>
             <a:r>
-              <a:rPr lang="de-DE" sz="2400" dirty="0" err="1"/>
-              <a:t>Deepmind</a:t>
+              <a:rPr lang="en-US" dirty="0"/>
+              <a:t>Uses a Deep Neural Network in combination with a reinforcement learning algorithm</a:t>
+            </a:r>
+          </a:p>
+          <a:p>
+            <a:pPr lvl="1"/>
+            <a:r>
+              <a:rPr lang="en-US" dirty="0"/>
+              <a:t>Deep Neural Networks are Neural Networks with two or more hidden layers </a:t>
+            </a:r>
+          </a:p>
+          <a:p>
+            <a:r>
+              <a:rPr lang="en-US" dirty="0"/>
+              <a:t>The trained network is used to guide the Monte-Carlo Tree Search Algorithm to select the most promising moves</a:t>
+            </a:r>
+          </a:p>
+          <a:p>
+            <a:r>
+              <a:rPr lang="en-US" dirty="0"/>
+              <a:t>In the beginning the algorithm does not know anything about the game besides the basic rules</a:t>
+            </a:r>
+          </a:p>
+          <a:p>
+            <a:pPr lvl="1"/>
+            <a:r>
+              <a:rPr lang="en-US" dirty="0"/>
+              <a:t>After 4 hours of training it was able to beat </a:t>
             </a:r>
             <a:r>
-              <a:rPr lang="de-DE" sz="2400" dirty="0"/>
-              <a:t> </a:t>
+              <a:rPr lang="en-US" dirty="0" err="1"/>
+              <a:t>Stockfish</a:t>
+            </a:r>
+            <a:endParaRPr lang="en-US" dirty="0"/>
+          </a:p>
+          <a:p>
+            <a:r>
+              <a:rPr lang="en-US" dirty="0"/>
+              <a:t>Besides Chess </a:t>
             </a:r>
             <a:r>
-              <a:rPr lang="de-DE" sz="2400" dirty="0" err="1"/>
-              <a:t>belpngs</a:t>
+              <a:rPr lang="en-US" dirty="0" err="1"/>
+              <a:t>AlphaZero</a:t>
             </a:r>
             <a:r>
-              <a:rPr lang="de-DE" sz="2400" dirty="0"/>
-              <a:t> </a:t>
+              <a:rPr lang="en-US" dirty="0"/>
+              <a:t> also learned Shogi and Go</a:t>
             </a:r>
-            <a:r>
-              <a:rPr lang="de-DE" sz="2400" dirty="0" err="1"/>
-              <a:t>to</a:t>
-            </a:r>
-            <a:r>
-              <a:rPr lang="de-DE" sz="2400" dirty="0"/>
-              <a:t> </a:t>
-            </a:r>
-            <a:r>
-              <a:rPr lang="de-DE" sz="2400" dirty="0" err="1"/>
-              <a:t>google</a:t>
-            </a:r>
-            <a:endParaRPr lang="de-DE" sz="2400" dirty="0"/>
+            <a:endParaRPr lang="en-US" sz="3700" dirty="0"/>
           </a:p>
         </p:txBody>
       </p:sp>
@@ -18777,490 +19345,6 @@
                   <a:spcPts val="600"/>
                 </a:spcAft>
               </a:pPr>
-              <a:t>7</a:t>
-            </a:fld>
-            <a:endParaRPr lang="de-DE">
-              <a:solidFill>
-                <a:srgbClr val="FFFFFF"/>
-              </a:solidFill>
-            </a:endParaRPr>
-          </a:p>
-        </p:txBody>
-      </p:sp>
-    </p:spTree>
-    <p:extLst>
-      <p:ext uri="{BB962C8B-B14F-4D97-AF65-F5344CB8AC3E}">
-        <p14:creationId xmlns:p14="http://schemas.microsoft.com/office/powerpoint/2010/main" val="3705508391"/>
-      </p:ext>
-    </p:extLst>
-  </p:cSld>
-  <p:clrMapOvr>
-    <a:masterClrMapping/>
-  </p:clrMapOvr>
-</p:sld>
-</file>
-
-<file path=ppt/slides/slide8.xml><?xml version="1.0" encoding="utf-8"?>
-<p:sld xmlns:a="http://schemas.openxmlformats.org/drawingml/2006/main" xmlns:r="http://schemas.openxmlformats.org/officeDocument/2006/relationships" xmlns:p="http://schemas.openxmlformats.org/presentationml/2006/main">
-  <p:cSld>
-    <p:bg>
-      <p:bgPr>
-        <a:solidFill>
-          <a:schemeClr val="bg1"/>
-        </a:solidFill>
-        <a:effectLst/>
-      </p:bgPr>
-    </p:bg>
-    <p:spTree>
-      <p:nvGrpSpPr>
-        <p:cNvPr id="1" name=""/>
-        <p:cNvGrpSpPr/>
-        <p:nvPr/>
-      </p:nvGrpSpPr>
-      <p:grpSpPr>
-        <a:xfrm>
-          <a:off x="0" y="0"/>
-          <a:ext cx="0" cy="0"/>
-          <a:chOff x="0" y="0"/>
-          <a:chExt cx="0" cy="0"/>
-        </a:xfrm>
-      </p:grpSpPr>
-      <p:sp>
-        <p:nvSpPr>
-          <p:cNvPr id="2" name="Titel 1">
-            <a:extLst>
-              <a:ext uri="{FF2B5EF4-FFF2-40B4-BE49-F238E27FC236}">
-                <a16:creationId xmlns:a16="http://schemas.microsoft.com/office/drawing/2014/main" id="{014C229D-49B8-4B80-AD6A-9FF127012DDD}"/>
-              </a:ext>
-            </a:extLst>
-          </p:cNvPr>
-          <p:cNvSpPr>
-            <a:spLocks noGrp="1"/>
-          </p:cNvSpPr>
-          <p:nvPr>
-            <p:ph type="title"/>
-          </p:nvPr>
-        </p:nvSpPr>
-        <p:spPr>
-          <a:xfrm>
-            <a:off x="1136428" y="627564"/>
-            <a:ext cx="7474172" cy="1325563"/>
-          </a:xfrm>
-        </p:spPr>
-        <p:txBody>
-          <a:bodyPr>
-            <a:normAutofit/>
-          </a:bodyPr>
-          <a:lstStyle/>
-          <a:p>
-            <a:r>
-              <a:rPr lang="de-DE" dirty="0" err="1"/>
-              <a:t>Deepmind</a:t>
-            </a:r>
-            <a:r>
-              <a:rPr lang="de-DE" dirty="0"/>
-              <a:t> – AlphaGo</a:t>
-            </a:r>
-          </a:p>
-        </p:txBody>
-      </p:sp>
-      <p:sp>
-        <p:nvSpPr>
-          <p:cNvPr id="3" name="Inhaltsplatzhalter 2">
-            <a:extLst>
-              <a:ext uri="{FF2B5EF4-FFF2-40B4-BE49-F238E27FC236}">
-                <a16:creationId xmlns:a16="http://schemas.microsoft.com/office/drawing/2014/main" id="{A2FF9E9C-05BE-4246-8514-F002AF38E56F}"/>
-              </a:ext>
-            </a:extLst>
-          </p:cNvPr>
-          <p:cNvSpPr>
-            <a:spLocks noGrp="1"/>
-          </p:cNvSpPr>
-          <p:nvPr>
-            <p:ph idx="1"/>
-          </p:nvPr>
-        </p:nvSpPr>
-        <p:spPr>
-          <a:xfrm>
-            <a:off x="1136429" y="2278173"/>
-            <a:ext cx="6467867" cy="3450613"/>
-          </a:xfrm>
-        </p:spPr>
-        <p:txBody>
-          <a:bodyPr anchor="ctr">
-            <a:normAutofit/>
-          </a:bodyPr>
-          <a:lstStyle/>
-          <a:p>
-            <a:r>
-              <a:rPr lang="de-DE" sz="2400" dirty="0"/>
-              <a:t>A </a:t>
-            </a:r>
-            <a:r>
-              <a:rPr lang="de-DE" sz="2400" dirty="0" err="1"/>
-              <a:t>next</a:t>
-            </a:r>
-            <a:r>
-              <a:rPr lang="de-DE" sz="2400" dirty="0"/>
-              <a:t> </a:t>
-            </a:r>
-            <a:r>
-              <a:rPr lang="de-DE" sz="2400" dirty="0" err="1"/>
-              <a:t>step</a:t>
-            </a:r>
-            <a:r>
-              <a:rPr lang="de-DE" sz="2400" dirty="0"/>
-              <a:t> </a:t>
-            </a:r>
-            <a:r>
-              <a:rPr lang="de-DE" sz="2400" dirty="0" err="1"/>
-              <a:t>for</a:t>
-            </a:r>
-            <a:r>
-              <a:rPr lang="de-DE" sz="2400" dirty="0"/>
-              <a:t> </a:t>
-            </a:r>
-            <a:r>
-              <a:rPr lang="de-DE" sz="2400" dirty="0" err="1"/>
-              <a:t>Deepmind</a:t>
-            </a:r>
-            <a:r>
-              <a:rPr lang="de-DE" sz="2400" dirty="0"/>
-              <a:t> was </a:t>
-            </a:r>
-            <a:r>
-              <a:rPr lang="de-DE" sz="2400" dirty="0" err="1"/>
-              <a:t>the</a:t>
-            </a:r>
-            <a:r>
-              <a:rPr lang="de-DE" sz="2400" dirty="0"/>
-              <a:t> game „GO“ </a:t>
-            </a:r>
-            <a:r>
-              <a:rPr lang="de-DE" sz="2400" dirty="0" err="1"/>
-              <a:t>which</a:t>
-            </a:r>
-            <a:r>
-              <a:rPr lang="de-DE" sz="2400" dirty="0"/>
-              <a:t> </a:t>
-            </a:r>
-            <a:r>
-              <a:rPr lang="de-DE" sz="2400" dirty="0" err="1"/>
-              <a:t>is</a:t>
-            </a:r>
-            <a:r>
-              <a:rPr lang="de-DE" sz="2400" dirty="0"/>
-              <a:t> a </a:t>
-            </a:r>
-            <a:r>
-              <a:rPr lang="de-DE" sz="2400" dirty="0" err="1"/>
-              <a:t>lot</a:t>
-            </a:r>
-            <a:r>
-              <a:rPr lang="de-DE" sz="2400" dirty="0"/>
-              <a:t> </a:t>
-            </a:r>
-            <a:r>
-              <a:rPr lang="de-DE" sz="2400" dirty="0" err="1"/>
-              <a:t>more</a:t>
-            </a:r>
-            <a:r>
-              <a:rPr lang="de-DE" sz="2400" dirty="0"/>
-              <a:t> </a:t>
-            </a:r>
-            <a:r>
-              <a:rPr lang="de-DE" sz="2400" dirty="0" err="1"/>
-              <a:t>complicated</a:t>
-            </a:r>
-            <a:r>
-              <a:rPr lang="de-DE" sz="2400" dirty="0"/>
-              <a:t> </a:t>
-            </a:r>
-            <a:r>
-              <a:rPr lang="de-DE" sz="2400" dirty="0" err="1"/>
-              <a:t>to</a:t>
-            </a:r>
-            <a:r>
-              <a:rPr lang="de-DE" sz="2400" dirty="0"/>
-              <a:t> </a:t>
-            </a:r>
-            <a:r>
-              <a:rPr lang="de-DE" sz="2400" dirty="0" err="1"/>
-              <a:t>compute</a:t>
-            </a:r>
-            <a:r>
-              <a:rPr lang="de-DE" sz="2400" dirty="0"/>
-              <a:t> </a:t>
-            </a:r>
-            <a:r>
-              <a:rPr lang="de-DE" sz="2400" dirty="0" err="1"/>
-              <a:t>than</a:t>
-            </a:r>
-            <a:r>
-              <a:rPr lang="de-DE" sz="2400" dirty="0"/>
-              <a:t> </a:t>
-            </a:r>
-            <a:r>
-              <a:rPr lang="de-DE" sz="2400" dirty="0" err="1"/>
-              <a:t>chess</a:t>
-            </a:r>
-            <a:endParaRPr lang="de-DE" sz="2400" dirty="0"/>
-          </a:p>
-        </p:txBody>
-      </p:sp>
-      <p:sp>
-        <p:nvSpPr>
-          <p:cNvPr id="71" name="Rectangle 70">
-            <a:extLst>
-              <a:ext uri="{FF2B5EF4-FFF2-40B4-BE49-F238E27FC236}">
-                <a16:creationId xmlns:a16="http://schemas.microsoft.com/office/drawing/2014/main" id="{59A309A7-1751-4ABE-A3C1-EEC40366AD89}"/>
-              </a:ext>
-              <a:ext uri="{C183D7F6-B498-43B3-948B-1728B52AA6E4}">
-                <adec:decorative xmlns:adec="http://schemas.microsoft.com/office/drawing/2017/decorative" val="1"/>
-              </a:ext>
-            </a:extLst>
-          </p:cNvPr>
-          <p:cNvSpPr>
-            <a:spLocks noGrp="1" noRot="1" noChangeAspect="1" noMove="1" noResize="1" noEditPoints="1" noAdjustHandles="1" noChangeArrowheads="1" noChangeShapeType="1" noTextEdit="1"/>
-          </p:cNvSpPr>
-          <p:nvPr>
-            <p:extLst>
-              <p:ext uri="{386F3935-93C4-4BCD-93E2-E3B085C9AB24}">
-                <p16:designElem xmlns:p16="http://schemas.microsoft.com/office/powerpoint/2015/main" val="1"/>
-              </p:ext>
-            </p:extLst>
-          </p:nvPr>
-        </p:nvSpPr>
-        <p:spPr>
-          <a:xfrm>
-            <a:off x="10088880" y="0"/>
-            <a:ext cx="2103120" cy="6858000"/>
-          </a:xfrm>
-          <a:prstGeom prst="rect">
-            <a:avLst/>
-          </a:prstGeom>
-          <a:solidFill>
-            <a:srgbClr val="4E6267"/>
-          </a:solidFill>
-          <a:ln>
-            <a:noFill/>
-          </a:ln>
-        </p:spPr>
-        <p:style>
-          <a:lnRef idx="2">
-            <a:schemeClr val="accent1">
-              <a:shade val="50000"/>
-            </a:schemeClr>
-          </a:lnRef>
-          <a:fillRef idx="1">
-            <a:schemeClr val="accent1"/>
-          </a:fillRef>
-          <a:effectRef idx="0">
-            <a:schemeClr val="accent1"/>
-          </a:effectRef>
-          <a:fontRef idx="minor">
-            <a:schemeClr val="lt1"/>
-          </a:fontRef>
-        </p:style>
-        <p:txBody>
-          <a:bodyPr rtlCol="0" anchor="ctr"/>
-          <a:lstStyle/>
-          <a:p>
-            <a:pPr algn="ctr"/>
-            <a:endParaRPr lang="en-US"/>
-          </a:p>
-        </p:txBody>
-      </p:sp>
-      <p:sp>
-        <p:nvSpPr>
-          <p:cNvPr id="73" name="Oval 72">
-            <a:extLst>
-              <a:ext uri="{FF2B5EF4-FFF2-40B4-BE49-F238E27FC236}">
-                <a16:creationId xmlns:a16="http://schemas.microsoft.com/office/drawing/2014/main" id="{967D8EB6-EAE1-4F9C-B398-83321E287204}"/>
-              </a:ext>
-              <a:ext uri="{C183D7F6-B498-43B3-948B-1728B52AA6E4}">
-                <adec:decorative xmlns:adec="http://schemas.microsoft.com/office/drawing/2017/decorative" val="1"/>
-              </a:ext>
-            </a:extLst>
-          </p:cNvPr>
-          <p:cNvSpPr>
-            <a:spLocks noGrp="1" noRot="1" noChangeAspect="1" noMove="1" noResize="1" noEditPoints="1" noAdjustHandles="1" noChangeArrowheads="1" noChangeShapeType="1" noTextEdit="1"/>
-          </p:cNvSpPr>
-          <p:nvPr>
-            <p:extLst>
-              <p:ext uri="{386F3935-93C4-4BCD-93E2-E3B085C9AB24}">
-                <p16:designElem xmlns:p16="http://schemas.microsoft.com/office/powerpoint/2015/main" val="1"/>
-              </p:ext>
-            </p:extLst>
-          </p:nvPr>
-        </p:nvSpPr>
-        <p:spPr>
-          <a:xfrm>
-            <a:off x="8915400" y="2358913"/>
-            <a:ext cx="2140172" cy="2140172"/>
-          </a:xfrm>
-          <a:prstGeom prst="ellipse">
-            <a:avLst/>
-          </a:prstGeom>
-          <a:solidFill>
-            <a:srgbClr val="FFFFFF"/>
-          </a:solidFill>
-          <a:ln w="22225">
-            <a:solidFill>
-              <a:srgbClr val="38D4FF"/>
-            </a:solidFill>
-          </a:ln>
-        </p:spPr>
-        <p:style>
-          <a:lnRef idx="2">
-            <a:schemeClr val="accent1">
-              <a:shade val="50000"/>
-            </a:schemeClr>
-          </a:lnRef>
-          <a:fillRef idx="1">
-            <a:schemeClr val="accent1"/>
-          </a:fillRef>
-          <a:effectRef idx="0">
-            <a:schemeClr val="accent1"/>
-          </a:effectRef>
-          <a:fontRef idx="minor">
-            <a:schemeClr val="lt1"/>
-          </a:fontRef>
-        </p:style>
-        <p:txBody>
-          <a:bodyPr rtlCol="0" anchor="ctr"/>
-          <a:lstStyle/>
-          <a:p>
-            <a:pPr algn="ctr"/>
-            <a:endParaRPr lang="en-US"/>
-          </a:p>
-        </p:txBody>
-      </p:sp>
-      <p:pic>
-        <p:nvPicPr>
-          <p:cNvPr id="3074" name="Picture 2" descr="DeepMind AlphaGo Logo&quot; Spiral Notebook by James9834 | Redbubble">
-            <a:extLst>
-              <a:ext uri="{FF2B5EF4-FFF2-40B4-BE49-F238E27FC236}">
-                <a16:creationId xmlns:a16="http://schemas.microsoft.com/office/drawing/2014/main" id="{173C29E5-D106-4EB3-B43F-5A269578588E}"/>
-              </a:ext>
-            </a:extLst>
-          </p:cNvPr>
-          <p:cNvPicPr>
-            <a:picLocks noChangeAspect="1" noChangeArrowheads="1"/>
-          </p:cNvPicPr>
-          <p:nvPr/>
-        </p:nvPicPr>
-        <p:blipFill rotWithShape="1">
-          <a:blip r:embed="rId2">
-            <a:alphaModFix/>
-            <a:extLst>
-              <a:ext uri="{28A0092B-C50C-407E-A947-70E740481C1C}">
-                <a14:useLocalDpi xmlns:a14="http://schemas.microsoft.com/office/drawing/2010/main" val="0"/>
-              </a:ext>
-            </a:extLst>
-          </a:blip>
-          <a:srcRect t="161" r="-8" b="-8"/>
-          <a:stretch/>
-        </p:blipFill>
-        <p:spPr bwMode="auto">
-          <a:xfrm>
-            <a:off x="9030743" y="2474254"/>
-            <a:ext cx="1912560" cy="1909489"/>
-          </a:xfrm>
-          <a:custGeom>
-            <a:avLst/>
-            <a:gdLst/>
-            <a:ahLst/>
-            <a:cxnLst/>
-            <a:rect l="l" t="t" r="r" b="b"/>
-            <a:pathLst>
-              <a:path w="6057610" h="6057610">
-                <a:moveTo>
-                  <a:pt x="3028805" y="0"/>
-                </a:moveTo>
-                <a:cubicBezTo>
-                  <a:pt x="4701568" y="0"/>
-                  <a:pt x="6057610" y="1356042"/>
-                  <a:pt x="6057610" y="3028805"/>
-                </a:cubicBezTo>
-                <a:cubicBezTo>
-                  <a:pt x="6057610" y="4701568"/>
-                  <a:pt x="4701568" y="6057610"/>
-                  <a:pt x="3028805" y="6057610"/>
-                </a:cubicBezTo>
-                <a:cubicBezTo>
-                  <a:pt x="1356042" y="6057610"/>
-                  <a:pt x="0" y="4701568"/>
-                  <a:pt x="0" y="3028805"/>
-                </a:cubicBezTo>
-                <a:cubicBezTo>
-                  <a:pt x="0" y="1356042"/>
-                  <a:pt x="1356042" y="0"/>
-                  <a:pt x="3028805" y="0"/>
-                </a:cubicBezTo>
-                <a:close/>
-              </a:path>
-            </a:pathLst>
-          </a:custGeom>
-          <a:noFill/>
-          <a:effectLst>
-            <a:softEdge rad="0"/>
-          </a:effectLst>
-          <a:extLst>
-            <a:ext uri="{909E8E84-426E-40DD-AFC4-6F175D3DCCD1}">
-              <a14:hiddenFill xmlns:a14="http://schemas.microsoft.com/office/drawing/2010/main">
-                <a:solidFill>
-                  <a:srgbClr val="FFFFFF"/>
-                </a:solidFill>
-              </a14:hiddenFill>
-            </a:ext>
-          </a:extLst>
-        </p:spPr>
-      </p:pic>
-      <p:sp>
-        <p:nvSpPr>
-          <p:cNvPr id="4" name="Foliennummernplatzhalter 3">
-            <a:extLst>
-              <a:ext uri="{FF2B5EF4-FFF2-40B4-BE49-F238E27FC236}">
-                <a16:creationId xmlns:a16="http://schemas.microsoft.com/office/drawing/2014/main" id="{0D355E8B-3A68-4FA6-B50A-194FDECAB7B1}"/>
-              </a:ext>
-            </a:extLst>
-          </p:cNvPr>
-          <p:cNvSpPr>
-            <a:spLocks noGrp="1"/>
-          </p:cNvSpPr>
-          <p:nvPr>
-            <p:ph type="sldNum" sz="quarter" idx="12"/>
-          </p:nvPr>
-        </p:nvSpPr>
-        <p:spPr>
-          <a:xfrm>
-            <a:off x="10341428" y="6356350"/>
-            <a:ext cx="1012371" cy="365125"/>
-          </a:xfrm>
-        </p:spPr>
-        <p:txBody>
-          <a:bodyPr>
-            <a:normAutofit/>
-          </a:bodyPr>
-          <a:lstStyle/>
-          <a:p>
-            <a:pPr>
-              <a:spcAft>
-                <a:spcPts val="600"/>
-              </a:spcAft>
-            </a:pPr>
-            <a:fld id="{DFF01B4A-46B9-4C6C-A96B-6DAD2C3CC688}" type="slidenum">
-              <a:rPr lang="de-DE">
-                <a:solidFill>
-                  <a:srgbClr val="FFFFFF"/>
-                </a:solidFill>
-              </a:rPr>
-              <a:pPr>
-                <a:spcAft>
-                  <a:spcPts val="600"/>
-                </a:spcAft>
-              </a:pPr>
               <a:t>8</a:t>
             </a:fld>
             <a:endParaRPr lang="de-DE">
@@ -19274,7 +19358,7 @@
     </p:spTree>
     <p:extLst>
       <p:ext uri="{BB962C8B-B14F-4D97-AF65-F5344CB8AC3E}">
-        <p14:creationId xmlns:p14="http://schemas.microsoft.com/office/powerpoint/2010/main" val="4055910060"/>
+        <p14:creationId xmlns:p14="http://schemas.microsoft.com/office/powerpoint/2010/main" val="3705508391"/>
       </p:ext>
     </p:extLst>
   </p:cSld>
@@ -21096,6 +21180,21 @@
 </file>
 
 <file path=customXml/item1.xml><?xml version="1.0" encoding="utf-8"?>
+<p:properties xmlns:p="http://schemas.microsoft.com/office/2006/metadata/properties" xmlns:xsi="http://www.w3.org/2001/XMLSchema-instance" xmlns:pc="http://schemas.microsoft.com/office/infopath/2007/PartnerControls">
+  <documentManagement/>
+</p:properties>
+</file>
+
+<file path=customXml/item2.xml><?xml version="1.0" encoding="utf-8"?>
+<?mso-contentType ?>
+<FormTemplates xmlns="http://schemas.microsoft.com/sharepoint/v3/contenttype/forms">
+  <Display>DocumentLibraryForm</Display>
+  <Edit>DocumentLibraryForm</Edit>
+  <New>DocumentLibraryForm</New>
+</FormTemplates>
+</file>
+
+<file path=customXml/item3.xml><?xml version="1.0" encoding="utf-8"?>
 <ct:contentTypeSchema xmlns:ct="http://schemas.microsoft.com/office/2006/metadata/contentType" xmlns:ma="http://schemas.microsoft.com/office/2006/metadata/properties/metaAttributes" ct:_="" ma:_="" ma:contentTypeName="Dokument" ma:contentTypeID="0x0101006053BFF7913E914E8633705294D786E0" ma:contentTypeVersion="12" ma:contentTypeDescription="Ein neues Dokument erstellen." ma:contentTypeScope="" ma:versionID="292c63051bcc76f3c0ba6d3d005fc720">
   <xsd:schema xmlns:xsd="http://www.w3.org/2001/XMLSchema" xmlns:xs="http://www.w3.org/2001/XMLSchema" xmlns:p="http://schemas.microsoft.com/office/2006/metadata/properties" xmlns:ns3="428a2bfe-bcaf-43de-8bea-075e4c45d2d0" xmlns:ns4="19353dae-2197-414d-a888-862b93af9487" targetNamespace="http://schemas.microsoft.com/office/2006/metadata/properties" ma:root="true" ma:fieldsID="1ef18051d54d654b75909a1fce9ac096" ns3:_="" ns4:_="">
     <xsd:import namespace="428a2bfe-bcaf-43de-8bea-075e4c45d2d0"/>
@@ -21312,22 +21411,32 @@
 </ct:contentTypeSchema>
 </file>
 
-<file path=customXml/item2.xml><?xml version="1.0" encoding="utf-8"?>
-<?mso-contentType ?>
-<FormTemplates xmlns="http://schemas.microsoft.com/sharepoint/v3/contenttype/forms">
-  <Display>DocumentLibraryForm</Display>
-  <Edit>DocumentLibraryForm</Edit>
-  <New>DocumentLibraryForm</New>
-</FormTemplates>
+<file path=customXml/itemProps1.xml><?xml version="1.0" encoding="utf-8"?>
+<ds:datastoreItem xmlns:ds="http://schemas.openxmlformats.org/officeDocument/2006/customXml" ds:itemID="{3F8C196F-57CA-4A27-A0C5-E15A158BF523}">
+  <ds:schemaRefs>
+    <ds:schemaRef ds:uri="http://schemas.microsoft.com/office/2006/documentManagement/types"/>
+    <ds:schemaRef ds:uri="19353dae-2197-414d-a888-862b93af9487"/>
+    <ds:schemaRef ds:uri="http://purl.org/dc/elements/1.1/"/>
+    <ds:schemaRef ds:uri="http://schemas.microsoft.com/office/2006/metadata/properties"/>
+    <ds:schemaRef ds:uri="428a2bfe-bcaf-43de-8bea-075e4c45d2d0"/>
+    <ds:schemaRef ds:uri="http://purl.org/dc/terms/"/>
+    <ds:schemaRef ds:uri="http://schemas.openxmlformats.org/package/2006/metadata/core-properties"/>
+    <ds:schemaRef ds:uri="http://schemas.microsoft.com/office/infopath/2007/PartnerControls"/>
+    <ds:schemaRef ds:uri="http://www.w3.org/XML/1998/namespace"/>
+    <ds:schemaRef ds:uri="http://purl.org/dc/dcmitype/"/>
+  </ds:schemaRefs>
+</ds:datastoreItem>
 </file>
 
-<file path=customXml/item3.xml><?xml version="1.0" encoding="utf-8"?>
-<p:properties xmlns:p="http://schemas.microsoft.com/office/2006/metadata/properties" xmlns:xsi="http://www.w3.org/2001/XMLSchema-instance" xmlns:pc="http://schemas.microsoft.com/office/infopath/2007/PartnerControls">
-  <documentManagement/>
-</p:properties>
+<file path=customXml/itemProps2.xml><?xml version="1.0" encoding="utf-8"?>
+<ds:datastoreItem xmlns:ds="http://schemas.openxmlformats.org/officeDocument/2006/customXml" ds:itemID="{1676AEB8-5320-4F07-868F-E91141D86E7B}">
+  <ds:schemaRefs>
+    <ds:schemaRef ds:uri="http://schemas.microsoft.com/sharepoint/v3/contenttype/forms"/>
+  </ds:schemaRefs>
+</ds:datastoreItem>
 </file>
 
-<file path=customXml/itemProps1.xml><?xml version="1.0" encoding="utf-8"?>
+<file path=customXml/itemProps3.xml><?xml version="1.0" encoding="utf-8"?>
 <ds:datastoreItem xmlns:ds="http://schemas.openxmlformats.org/officeDocument/2006/customXml" ds:itemID="{7623EEBE-3AFD-45F2-B13A-22C0717EE2AE}">
   <ds:schemaRefs>
     <ds:schemaRef ds:uri="http://schemas.microsoft.com/office/2006/metadata/contentType"/>
@@ -21344,29 +21453,4 @@
     <ds:schemaRef ds:uri="http://schemas.microsoft.com/internal/obd"/>
   </ds:schemaRefs>
 </ds:datastoreItem>
-</file>
-
-<file path=customXml/itemProps2.xml><?xml version="1.0" encoding="utf-8"?>
-<ds:datastoreItem xmlns:ds="http://schemas.openxmlformats.org/officeDocument/2006/customXml" ds:itemID="{1676AEB8-5320-4F07-868F-E91141D86E7B}">
-  <ds:schemaRefs>
-    <ds:schemaRef ds:uri="http://schemas.microsoft.com/sharepoint/v3/contenttype/forms"/>
-  </ds:schemaRefs>
-</ds:datastoreItem>
-</file>
-
-<file path=customXml/itemProps3.xml><?xml version="1.0" encoding="utf-8"?>
-<ds:datastoreItem xmlns:ds="http://schemas.openxmlformats.org/officeDocument/2006/customXml" ds:itemID="{3F8C196F-57CA-4A27-A0C5-E15A158BF523}">
-  <ds:schemaRefs>
-    <ds:schemaRef ds:uri="http://purl.org/dc/elements/1.1/"/>
-    <ds:schemaRef ds:uri="http://schemas.microsoft.com/office/2006/metadata/properties"/>
-    <ds:schemaRef ds:uri="428a2bfe-bcaf-43de-8bea-075e4c45d2d0"/>
-    <ds:schemaRef ds:uri="http://purl.org/dc/terms/"/>
-    <ds:schemaRef ds:uri="http://schemas.openxmlformats.org/package/2006/metadata/core-properties"/>
-    <ds:schemaRef ds:uri="http://schemas.microsoft.com/office/2006/documentManagement/types"/>
-    <ds:schemaRef ds:uri="19353dae-2197-414d-a888-862b93af9487"/>
-    <ds:schemaRef ds:uri="http://schemas.microsoft.com/office/infopath/2007/PartnerControls"/>
-    <ds:schemaRef ds:uri="http://www.w3.org/XML/1998/namespace"/>
-    <ds:schemaRef ds:uri="http://purl.org/dc/dcmitype/"/>
-  </ds:schemaRefs>
-</ds:datastoreItem>
 </file>